--- a/docs/slides pd2ggaln/MatFun.pptx
+++ b/docs/slides pd2ggaln/MatFun.pptx
@@ -5,10 +5,10 @@
     <p:sldMasterId id="2147483648" r:id="rId1"/>
   </p:sldMasterIdLst>
   <p:notesMasterIdLst>
-    <p:notesMasterId r:id="rId16"/>
+    <p:notesMasterId r:id="rId15"/>
   </p:notesMasterIdLst>
   <p:handoutMasterIdLst>
-    <p:handoutMasterId r:id="rId17"/>
+    <p:handoutMasterId r:id="rId16"/>
   </p:handoutMasterIdLst>
   <p:sldIdLst>
     <p:sldId id="256" r:id="rId2"/>
@@ -16,15 +16,14 @@
     <p:sldId id="273" r:id="rId4"/>
     <p:sldId id="274" r:id="rId5"/>
     <p:sldId id="275" r:id="rId6"/>
-    <p:sldId id="276" r:id="rId7"/>
+    <p:sldId id="269" r:id="rId7"/>
     <p:sldId id="280" r:id="rId8"/>
     <p:sldId id="281" r:id="rId9"/>
     <p:sldId id="278" r:id="rId10"/>
     <p:sldId id="279" r:id="rId11"/>
-    <p:sldId id="269" r:id="rId12"/>
-    <p:sldId id="271" r:id="rId13"/>
-    <p:sldId id="258" r:id="rId14"/>
-    <p:sldId id="260" r:id="rId15"/>
+    <p:sldId id="271" r:id="rId12"/>
+    <p:sldId id="258" r:id="rId13"/>
+    <p:sldId id="260" r:id="rId14"/>
   </p:sldIdLst>
   <p:sldSz cx="12188825" cy="6858000"/>
   <p:notesSz cx="6858000" cy="9144000"/>
@@ -321,11 +320,11 @@
         </c:dLbls>
         <c:gapWidth val="150"/>
         <c:overlap val="100"/>
-        <c:axId val="152265488"/>
-        <c:axId val="156115104"/>
+        <c:axId val="153140896"/>
+        <c:axId val="61168864"/>
       </c:barChart>
       <c:catAx>
-        <c:axId val="152265488"/>
+        <c:axId val="153140896"/>
         <c:scaling>
           <c:orientation val="minMax"/>
         </c:scaling>
@@ -365,7 +364,7 @@
             <a:endParaRPr lang="it-IT"/>
           </a:p>
         </c:txPr>
-        <c:crossAx val="156115104"/>
+        <c:crossAx val="61168864"/>
         <c:crosses val="autoZero"/>
         <c:auto val="1"/>
         <c:lblAlgn val="ctr"/>
@@ -373,7 +372,7 @@
         <c:noMultiLvlLbl val="0"/>
       </c:catAx>
       <c:valAx>
-        <c:axId val="156115104"/>
+        <c:axId val="61168864"/>
         <c:scaling>
           <c:orientation val="minMax"/>
         </c:scaling>
@@ -397,7 +396,7 @@
         <c:majorTickMark val="none"/>
         <c:minorTickMark val="none"/>
         <c:tickLblPos val="nextTo"/>
-        <c:crossAx val="152265488"/>
+        <c:crossAx val="153140896"/>
         <c:crosses val="autoZero"/>
         <c:crossBetween val="between"/>
       </c:valAx>
@@ -4227,7 +4226,7 @@
           <a:p>
             <a:fld id="{BDB7646E-8811-423A-9C42-2CBFADA00A96}" type="datetimeFigureOut">
               <a:rPr lang="en-US" smtClean="0"/>
-              <a:t>1/29/2018</a:t>
+              <a:t>1/31/2018</a:t>
             </a:fld>
             <a:endParaRPr lang="en-US"/>
           </a:p>
@@ -4401,7 +4400,7 @@
             <a:fld id="{D677E230-58DD-43ED-96A1-552DDAB53532}" type="datetimeFigureOut">
               <a:rPr lang="en-US" smtClean="0"/>
               <a:pPr/>
-              <a:t>1/29/2018</a:t>
+              <a:t>1/31/2018</a:t>
             </a:fld>
             <a:endParaRPr lang="en-US"/>
           </a:p>
@@ -5594,7 +5593,7 @@
             <a:fld id="{C2C6F8EA-316C-41DE-B9A4-EDCC3A85ED9A}" type="datetimeFigureOut">
               <a:rPr lang="en-US" smtClean="0"/>
               <a:pPr/>
-              <a:t>1/29/2018</a:t>
+              <a:t>1/31/2018</a:t>
             </a:fld>
             <a:endParaRPr lang="en-US" dirty="0"/>
           </a:p>
@@ -5818,7 +5817,7 @@
           <a:p>
             <a:fld id="{C2C6F8EA-316C-41DE-B9A4-EDCC3A85ED9A}" type="datetimeFigureOut">
               <a:rPr lang="en-US"/>
-              <a:t>1/29/2018</a:t>
+              <a:t>1/31/2018</a:t>
             </a:fld>
             <a:endParaRPr/>
           </a:p>
@@ -6637,7 +6636,7 @@
           <a:p>
             <a:fld id="{C2C6F8EA-316C-41DE-B9A4-EDCC3A85ED9A}" type="datetimeFigureOut">
               <a:rPr lang="en-US"/>
-              <a:t>1/29/2018</a:t>
+              <a:t>1/31/2018</a:t>
             </a:fld>
             <a:endParaRPr/>
           </a:p>
@@ -6839,7 +6838,7 @@
           <a:p>
             <a:fld id="{C2C6F8EA-316C-41DE-B9A4-EDCC3A85ED9A}" type="datetimeFigureOut">
               <a:rPr lang="en-US"/>
-              <a:t>1/29/2018</a:t>
+              <a:t>1/31/2018</a:t>
             </a:fld>
             <a:endParaRPr dirty="0"/>
           </a:p>
@@ -8106,7 +8105,7 @@
             <a:fld id="{C2C6F8EA-316C-41DE-B9A4-EDCC3A85ED9A}" type="datetimeFigureOut">
               <a:rPr lang="en-US" smtClean="0"/>
               <a:pPr/>
-              <a:t>1/29/2018</a:t>
+              <a:t>1/31/2018</a:t>
             </a:fld>
             <a:endParaRPr lang="en-US" dirty="0"/>
           </a:p>
@@ -8432,7 +8431,7 @@
           <a:p>
             <a:fld id="{C2C6F8EA-316C-41DE-B9A4-EDCC3A85ED9A}" type="datetimeFigureOut">
               <a:rPr lang="en-US"/>
-              <a:t>1/29/2018</a:t>
+              <a:t>1/31/2018</a:t>
             </a:fld>
             <a:endParaRPr/>
           </a:p>
@@ -8884,7 +8883,7 @@
           <a:p>
             <a:fld id="{C2C6F8EA-316C-41DE-B9A4-EDCC3A85ED9A}" type="datetimeFigureOut">
               <a:rPr lang="en-US"/>
-              <a:t>1/29/2018</a:t>
+              <a:t>1/31/2018</a:t>
             </a:fld>
             <a:endParaRPr/>
           </a:p>
@@ -9018,7 +9017,7 @@
           <a:p>
             <a:fld id="{C2C6F8EA-316C-41DE-B9A4-EDCC3A85ED9A}" type="datetimeFigureOut">
               <a:rPr lang="en-US"/>
-              <a:t>1/29/2018</a:t>
+              <a:t>1/31/2018</a:t>
             </a:fld>
             <a:endParaRPr/>
           </a:p>
@@ -9357,7 +9356,7 @@
           <a:p>
             <a:fld id="{C2C6F8EA-316C-41DE-B9A4-EDCC3A85ED9A}" type="datetimeFigureOut">
               <a:rPr lang="en-US"/>
-              <a:t>1/29/2018</a:t>
+              <a:t>1/31/2018</a:t>
             </a:fld>
             <a:endParaRPr/>
           </a:p>
@@ -9853,7 +9852,7 @@
           <a:p>
             <a:fld id="{C2C6F8EA-316C-41DE-B9A4-EDCC3A85ED9A}" type="datetimeFigureOut">
               <a:rPr lang="en-US"/>
-              <a:t>1/29/2018</a:t>
+              <a:t>1/31/2018</a:t>
             </a:fld>
             <a:endParaRPr/>
           </a:p>
@@ -10306,7 +10305,7 @@
             <a:fld id="{C2C6F8EA-316C-41DE-B9A4-EDCC3A85ED9A}" type="datetimeFigureOut">
               <a:rPr lang="en-US" smtClean="0"/>
               <a:pPr/>
-              <a:t>1/29/2018</a:t>
+              <a:t>1/31/2018</a:t>
             </a:fld>
             <a:endParaRPr lang="en-US" dirty="0"/>
           </a:p>
@@ -11209,7 +11208,7 @@
             <a:fld id="{C2C6F8EA-316C-41DE-B9A4-EDCC3A85ED9A}" type="datetimeFigureOut">
               <a:rPr lang="en-US" smtClean="0"/>
               <a:pPr/>
-              <a:t>1/29/2018</a:t>
+              <a:t>1/31/2018</a:t>
             </a:fld>
             <a:endParaRPr lang="en-US" dirty="0"/>
           </a:p>
@@ -11911,7 +11910,7 @@
           <a:p>
             <a:r>
               <a:rPr lang="en-US"/>
-              <a:t>Two Content Layout with Table</a:t>
+              <a:t>Two Content Layout with SmartArt</a:t>
             </a:r>
             <a:endParaRPr lang="en-US" dirty="0"/>
           </a:p>
@@ -11919,7 +11918,7 @@
       </p:sp>
       <p:graphicFrame>
         <p:nvGraphicFramePr>
-          <p:cNvPr id="11" name="Content Placeholder 10"/>
+          <p:cNvPr id="6" name="Content Placeholder 5" descr="Vertical Chevron List diagram showing 3 groups arranged one below the other with bullet pointed tasks in each group"/>
           <p:cNvGraphicFramePr>
             <a:graphicFrameLocks noGrp="1"/>
           </p:cNvGraphicFramePr>
@@ -11927,237 +11926,18 @@
             <p:ph sz="half" idx="1"/>
             <p:extLst>
               <p:ext uri="{D42A27DB-BD31-4B8C-83A1-F6EECF244321}">
-                <p14:modId xmlns:p14="http://schemas.microsoft.com/office/powerpoint/2010/main" val="1699548788"/>
+                <p14:modId xmlns:p14="http://schemas.microsoft.com/office/powerpoint/2010/main" val="3739683335"/>
               </p:ext>
             </p:extLst>
           </p:nvPr>
         </p:nvGraphicFramePr>
         <p:xfrm>
           <a:off x="1593850" y="1600200"/>
-          <a:ext cx="4814889" cy="2209800"/>
+          <a:ext cx="4814888" cy="4572000"/>
         </p:xfrm>
         <a:graphic>
-          <a:graphicData uri="http://schemas.openxmlformats.org/drawingml/2006/table">
-            <a:tbl>
-              <a:tblPr firstRow="1" bandRow="1">
-                <a:tableStyleId>{073A0DAA-6AF3-43AB-8588-CEC1D06C72B9}</a:tableStyleId>
-              </a:tblPr>
-              <a:tblGrid>
-                <a:gridCol w="1604963">
-                  <a:extLst>
-                    <a:ext uri="{9D8B030D-6E8A-4147-A177-3AD203B41FA5}">
-                      <a16:colId xmlns:a16="http://schemas.microsoft.com/office/drawing/2014/main" xmlns="" val="20000"/>
-                    </a:ext>
-                  </a:extLst>
-                </a:gridCol>
-                <a:gridCol w="1604963">
-                  <a:extLst>
-                    <a:ext uri="{9D8B030D-6E8A-4147-A177-3AD203B41FA5}">
-                      <a16:colId xmlns:a16="http://schemas.microsoft.com/office/drawing/2014/main" xmlns="" val="20001"/>
-                    </a:ext>
-                  </a:extLst>
-                </a:gridCol>
-                <a:gridCol w="1604963">
-                  <a:extLst>
-                    <a:ext uri="{9D8B030D-6E8A-4147-A177-3AD203B41FA5}">
-                      <a16:colId xmlns:a16="http://schemas.microsoft.com/office/drawing/2014/main" xmlns="" val="20002"/>
-                    </a:ext>
-                  </a:extLst>
-                </a:gridCol>
-              </a:tblGrid>
-              <a:tr h="552450">
-                <a:tc>
-                  <a:txBody>
-                    <a:bodyPr/>
-                    <a:lstStyle/>
-                    <a:p>
-                      <a:r>
-                        <a:rPr lang="en-US" dirty="0"/>
-                        <a:t>Class</a:t>
-                      </a:r>
-                    </a:p>
-                  </a:txBody>
-                  <a:tcPr anchor="ctr"/>
-                </a:tc>
-                <a:tc>
-                  <a:txBody>
-                    <a:bodyPr/>
-                    <a:lstStyle/>
-                    <a:p>
-                      <a:pPr algn="ctr"/>
-                      <a:r>
-                        <a:rPr lang="en-US" dirty="0"/>
-                        <a:t>Group A</a:t>
-                      </a:r>
-                    </a:p>
-                  </a:txBody>
-                  <a:tcPr anchor="ctr"/>
-                </a:tc>
-                <a:tc>
-                  <a:txBody>
-                    <a:bodyPr/>
-                    <a:lstStyle/>
-                    <a:p>
-                      <a:pPr algn="ctr"/>
-                      <a:r>
-                        <a:rPr lang="en-US" dirty="0"/>
-                        <a:t>Group B</a:t>
-                      </a:r>
-                    </a:p>
-                  </a:txBody>
-                  <a:tcPr anchor="ctr"/>
-                </a:tc>
-                <a:extLst>
-                  <a:ext uri="{0D108BD9-81ED-4DB2-BD59-A6C34878D82A}">
-                    <a16:rowId xmlns:a16="http://schemas.microsoft.com/office/drawing/2014/main" xmlns="" val="10000"/>
-                  </a:ext>
-                </a:extLst>
-              </a:tr>
-              <a:tr h="552450">
-                <a:tc>
-                  <a:txBody>
-                    <a:bodyPr/>
-                    <a:lstStyle/>
-                    <a:p>
-                      <a:r>
-                        <a:rPr lang="en-US" dirty="0"/>
-                        <a:t>Class 1</a:t>
-                      </a:r>
-                    </a:p>
-                  </a:txBody>
-                  <a:tcPr anchor="ctr"/>
-                </a:tc>
-                <a:tc>
-                  <a:txBody>
-                    <a:bodyPr/>
-                    <a:lstStyle/>
-                    <a:p>
-                      <a:pPr algn="ctr"/>
-                      <a:r>
-                        <a:rPr lang="en-US" dirty="0"/>
-                        <a:t>82</a:t>
-                      </a:r>
-                    </a:p>
-                  </a:txBody>
-                  <a:tcPr anchor="ctr"/>
-                </a:tc>
-                <a:tc>
-                  <a:txBody>
-                    <a:bodyPr/>
-                    <a:lstStyle/>
-                    <a:p>
-                      <a:pPr algn="ctr"/>
-                      <a:r>
-                        <a:rPr lang="en-US" dirty="0"/>
-                        <a:t>95</a:t>
-                      </a:r>
-                    </a:p>
-                  </a:txBody>
-                  <a:tcPr anchor="ctr"/>
-                </a:tc>
-                <a:extLst>
-                  <a:ext uri="{0D108BD9-81ED-4DB2-BD59-A6C34878D82A}">
-                    <a16:rowId xmlns:a16="http://schemas.microsoft.com/office/drawing/2014/main" xmlns="" val="10001"/>
-                  </a:ext>
-                </a:extLst>
-              </a:tr>
-              <a:tr h="552450">
-                <a:tc>
-                  <a:txBody>
-                    <a:bodyPr/>
-                    <a:lstStyle/>
-                    <a:p>
-                      <a:r>
-                        <a:rPr lang="en-US" dirty="0"/>
-                        <a:t>Class 2</a:t>
-                      </a:r>
-                    </a:p>
-                  </a:txBody>
-                  <a:tcPr anchor="ctr"/>
-                </a:tc>
-                <a:tc>
-                  <a:txBody>
-                    <a:bodyPr/>
-                    <a:lstStyle/>
-                    <a:p>
-                      <a:pPr algn="ctr"/>
-                      <a:r>
-                        <a:rPr lang="en-US" dirty="0"/>
-                        <a:t>76</a:t>
-                      </a:r>
-                    </a:p>
-                  </a:txBody>
-                  <a:tcPr anchor="ctr"/>
-                </a:tc>
-                <a:tc>
-                  <a:txBody>
-                    <a:bodyPr/>
-                    <a:lstStyle/>
-                    <a:p>
-                      <a:pPr algn="ctr"/>
-                      <a:r>
-                        <a:rPr lang="en-US" dirty="0"/>
-                        <a:t>88</a:t>
-                      </a:r>
-                    </a:p>
-                  </a:txBody>
-                  <a:tcPr anchor="ctr"/>
-                </a:tc>
-                <a:extLst>
-                  <a:ext uri="{0D108BD9-81ED-4DB2-BD59-A6C34878D82A}">
-                    <a16:rowId xmlns:a16="http://schemas.microsoft.com/office/drawing/2014/main" xmlns="" val="10002"/>
-                  </a:ext>
-                </a:extLst>
-              </a:tr>
-              <a:tr h="552450">
-                <a:tc>
-                  <a:txBody>
-                    <a:bodyPr/>
-                    <a:lstStyle/>
-                    <a:p>
-                      <a:r>
-                        <a:rPr lang="en-US" dirty="0"/>
-                        <a:t>Class 3</a:t>
-                      </a:r>
-                    </a:p>
-                  </a:txBody>
-                  <a:tcPr anchor="ctr"/>
-                </a:tc>
-                <a:tc>
-                  <a:txBody>
-                    <a:bodyPr/>
-                    <a:lstStyle/>
-                    <a:p>
-                      <a:pPr algn="ctr"/>
-                      <a:r>
-                        <a:rPr lang="en-US" dirty="0"/>
-                        <a:t>84</a:t>
-                      </a:r>
-                    </a:p>
-                  </a:txBody>
-                  <a:tcPr anchor="ctr"/>
-                </a:tc>
-                <a:tc>
-                  <a:txBody>
-                    <a:bodyPr/>
-                    <a:lstStyle/>
-                    <a:p>
-                      <a:pPr algn="ctr"/>
-                      <a:r>
-                        <a:rPr lang="en-US" dirty="0"/>
-                        <a:t>90</a:t>
-                      </a:r>
-                    </a:p>
-                  </a:txBody>
-                  <a:tcPr anchor="ctr"/>
-                </a:tc>
-                <a:extLst>
-                  <a:ext uri="{0D108BD9-81ED-4DB2-BD59-A6C34878D82A}">
-                    <a16:rowId xmlns:a16="http://schemas.microsoft.com/office/drawing/2014/main" xmlns="" val="10003"/>
-                  </a:ext>
-                </a:extLst>
-              </a:tr>
-            </a:tbl>
+          <a:graphicData uri="http://schemas.openxmlformats.org/drawingml/2006/diagram">
+            <dgm:relIds xmlns:dgm="http://schemas.openxmlformats.org/drawingml/2006/diagram" xmlns:r="http://schemas.openxmlformats.org/officeDocument/2006/relationships" r:dm="rId2" r:lo="rId3" r:qs="rId4" r:cs="rId5"/>
           </a:graphicData>
         </a:graphic>
       </p:graphicFrame>
@@ -12177,29 +11957,28 @@
           <a:lstStyle/>
           <a:p>
             <a:r>
-              <a:rPr lang="en-US"/>
+              <a:rPr lang="en-US" dirty="0"/>
               <a:t>First bullet point here</a:t>
             </a:r>
           </a:p>
           <a:p>
             <a:r>
-              <a:rPr lang="en-US"/>
+              <a:rPr lang="en-US" dirty="0"/>
               <a:t>Second bullet point here</a:t>
             </a:r>
           </a:p>
           <a:p>
             <a:r>
-              <a:rPr lang="en-US"/>
+              <a:rPr lang="en-US" dirty="0"/>
               <a:t>Third bullet point here</a:t>
             </a:r>
-            <a:endParaRPr lang="en-US" dirty="0"/>
           </a:p>
         </p:txBody>
       </p:sp>
     </p:spTree>
     <p:extLst>
       <p:ext uri="{BB962C8B-B14F-4D97-AF65-F5344CB8AC3E}">
-        <p14:creationId xmlns:p14="http://schemas.microsoft.com/office/powerpoint/2010/main" val="2593339164"/>
+        <p14:creationId xmlns:p14="http://schemas.microsoft.com/office/powerpoint/2010/main" val="513726968"/>
       </p:ext>
     </p:extLst>
   </p:cSld>
@@ -12273,149 +12052,6 @@
           <a:p>
             <a:r>
               <a:rPr lang="en-US"/>
-              <a:t>Two Content Layout with SmartArt</a:t>
-            </a:r>
-            <a:endParaRPr lang="en-US" dirty="0"/>
-          </a:p>
-        </p:txBody>
-      </p:sp>
-      <p:graphicFrame>
-        <p:nvGraphicFramePr>
-          <p:cNvPr id="6" name="Content Placeholder 5" descr="Vertical Chevron List diagram showing 3 groups arranged one below the other with bullet pointed tasks in each group"/>
-          <p:cNvGraphicFramePr>
-            <a:graphicFrameLocks noGrp="1"/>
-          </p:cNvGraphicFramePr>
-          <p:nvPr>
-            <p:ph sz="half" idx="1"/>
-            <p:extLst>
-              <p:ext uri="{D42A27DB-BD31-4B8C-83A1-F6EECF244321}">
-                <p14:modId xmlns:p14="http://schemas.microsoft.com/office/powerpoint/2010/main" val="3739683335"/>
-              </p:ext>
-            </p:extLst>
-          </p:nvPr>
-        </p:nvGraphicFramePr>
-        <p:xfrm>
-          <a:off x="1593850" y="1600200"/>
-          <a:ext cx="4814888" cy="4572000"/>
-        </p:xfrm>
-        <a:graphic>
-          <a:graphicData uri="http://schemas.openxmlformats.org/drawingml/2006/diagram">
-            <dgm:relIds xmlns:dgm="http://schemas.openxmlformats.org/drawingml/2006/diagram" xmlns:r="http://schemas.openxmlformats.org/officeDocument/2006/relationships" r:dm="rId2" r:lo="rId3" r:qs="rId4" r:cs="rId5"/>
-          </a:graphicData>
-        </a:graphic>
-      </p:graphicFrame>
-      <p:sp>
-        <p:nvSpPr>
-          <p:cNvPr id="7" name="Content Placeholder 6"/>
-          <p:cNvSpPr>
-            <a:spLocks noGrp="1"/>
-          </p:cNvSpPr>
-          <p:nvPr>
-            <p:ph sz="half" idx="2"/>
-          </p:nvPr>
-        </p:nvSpPr>
-        <p:spPr/>
-        <p:txBody>
-          <a:bodyPr/>
-          <a:lstStyle/>
-          <a:p>
-            <a:r>
-              <a:rPr lang="en-US"/>
-              <a:t>First bullet point here</a:t>
-            </a:r>
-          </a:p>
-          <a:p>
-            <a:r>
-              <a:rPr lang="en-US"/>
-              <a:t>Second bullet point here</a:t>
-            </a:r>
-          </a:p>
-          <a:p>
-            <a:r>
-              <a:rPr lang="en-US"/>
-              <a:t>Third bullet point here</a:t>
-            </a:r>
-            <a:endParaRPr lang="en-US" dirty="0"/>
-          </a:p>
-        </p:txBody>
-      </p:sp>
-    </p:spTree>
-    <p:extLst>
-      <p:ext uri="{BB962C8B-B14F-4D97-AF65-F5344CB8AC3E}">
-        <p14:creationId xmlns:p14="http://schemas.microsoft.com/office/powerpoint/2010/main" val="513726968"/>
-      </p:ext>
-    </p:extLst>
-  </p:cSld>
-  <p:clrMapOvr>
-    <a:masterClrMapping/>
-  </p:clrMapOvr>
-  <mc:AlternateContent xmlns:mc="http://schemas.openxmlformats.org/markup-compatibility/2006" xmlns:p14="http://schemas.microsoft.com/office/powerpoint/2010/main">
-    <mc:Choice Requires="p14">
-      <p:transition spd="med" p14:dur="700">
-        <p:fade/>
-      </p:transition>
-    </mc:Choice>
-    <mc:Fallback xmlns="">
-      <p:transition spd="med">
-        <p:fade/>
-      </p:transition>
-    </mc:Fallback>
-  </mc:AlternateContent>
-  <p:timing>
-    <p:tnLst>
-      <p:par>
-        <p:cTn id="1" dur="indefinite" restart="never" nodeType="tmRoot"/>
-      </p:par>
-    </p:tnLst>
-  </p:timing>
-</p:sld>
-</file>
-
-<file path=ppt/slides/slide13.xml><?xml version="1.0" encoding="utf-8"?>
-<p:sld xmlns:a="http://schemas.openxmlformats.org/drawingml/2006/main" xmlns:r="http://schemas.openxmlformats.org/officeDocument/2006/relationships" xmlns:p="http://schemas.openxmlformats.org/presentationml/2006/main">
-  <p:cSld>
-    <p:bg>
-      <p:bgPr>
-        <a:solidFill>
-          <a:schemeClr val="accent3">
-            <a:lumMod val="40000"/>
-            <a:lumOff val="60000"/>
-          </a:schemeClr>
-        </a:solidFill>
-        <a:effectLst/>
-      </p:bgPr>
-    </p:bg>
-    <p:spTree>
-      <p:nvGrpSpPr>
-        <p:cNvPr id="1" name=""/>
-        <p:cNvGrpSpPr/>
-        <p:nvPr/>
-      </p:nvGrpSpPr>
-      <p:grpSpPr>
-        <a:xfrm>
-          <a:off x="0" y="0"/>
-          <a:ext cx="0" cy="0"/>
-          <a:chOff x="0" y="0"/>
-          <a:chExt cx="0" cy="0"/>
-        </a:xfrm>
-      </p:grpSpPr>
-      <p:sp>
-        <p:nvSpPr>
-          <p:cNvPr id="2" name="Title 1"/>
-          <p:cNvSpPr>
-            <a:spLocks noGrp="1"/>
-          </p:cNvSpPr>
-          <p:nvPr>
-            <p:ph type="title"/>
-          </p:nvPr>
-        </p:nvSpPr>
-        <p:spPr/>
-        <p:txBody>
-          <a:bodyPr/>
-          <a:lstStyle/>
-          <a:p>
-            <a:r>
-              <a:rPr lang="en-US"/>
               <a:t>Add a Slide Title - 1</a:t>
             </a:r>
             <a:endParaRPr lang="en-US" dirty="0"/>
@@ -12473,7 +12109,7 @@
 </p:sld>
 </file>
 
-<file path=ppt/slides/slide14.xml><?xml version="1.0" encoding="utf-8"?>
+<file path=ppt/slides/slide13.xml><?xml version="1.0" encoding="utf-8"?>
 <p:sld xmlns:a="http://schemas.openxmlformats.org/drawingml/2006/main" xmlns:r="http://schemas.openxmlformats.org/officeDocument/2006/relationships" xmlns:p="http://schemas.openxmlformats.org/presentationml/2006/main">
   <p:cSld>
     <p:bg>
@@ -14963,7 +14599,7 @@
       </p:grpSpPr>
       <p:sp>
         <p:nvSpPr>
-          <p:cNvPr id="13" name="Title 12"/>
+          <p:cNvPr id="2" name="Title 1"/>
           <p:cNvSpPr>
             <a:spLocks noGrp="1"/>
           </p:cNvSpPr>
@@ -14971,101 +14607,709 @@
             <p:ph type="title"/>
           </p:nvPr>
         </p:nvSpPr>
-        <p:spPr/>
+        <p:spPr>
+          <a:xfrm>
+            <a:off x="1593436" y="-208215"/>
+            <a:ext cx="9782801" cy="1239837"/>
+          </a:xfrm>
+        </p:spPr>
         <p:txBody>
           <a:bodyPr/>
           <a:lstStyle/>
           <a:p>
             <a:r>
-              <a:rPr lang="en-US" dirty="0" err="1" smtClean="0"/>
+              <a:rPr lang="en-US" dirty="0" err="1"/>
               <a:t>Schur-Parlett</a:t>
             </a:r>
             <a:r>
-              <a:rPr lang="en-US" dirty="0" smtClean="0"/>
+              <a:rPr lang="en-US" dirty="0"/>
               <a:t> – numerical accuracy</a:t>
             </a:r>
-            <a:endParaRPr lang="en-US" dirty="0"/>
           </a:p>
         </p:txBody>
       </p:sp>
-      <mc:AlternateContent xmlns:mc="http://schemas.openxmlformats.org/markup-compatibility/2006" xmlns:a14="http://schemas.microsoft.com/office/drawing/2010/main">
-        <mc:Choice Requires="a14">
+      <p:graphicFrame>
+        <p:nvGraphicFramePr>
+          <p:cNvPr id="11" name="Content Placeholder 10"/>
+          <p:cNvGraphicFramePr>
+            <a:graphicFrameLocks noGrp="1"/>
+          </p:cNvGraphicFramePr>
+          <p:nvPr>
+            <p:ph sz="half" idx="1"/>
+            <p:extLst>
+              <p:ext uri="{D42A27DB-BD31-4B8C-83A1-F6EECF244321}">
+                <p14:modId xmlns:p14="http://schemas.microsoft.com/office/powerpoint/2010/main" val="3918698755"/>
+              </p:ext>
+            </p:extLst>
+          </p:nvPr>
+        </p:nvGraphicFramePr>
+        <p:xfrm>
+          <a:off x="7606277" y="2761603"/>
+          <a:ext cx="3925215" cy="2297430"/>
+        </p:xfrm>
+        <a:graphic>
+          <a:graphicData uri="http://schemas.openxmlformats.org/drawingml/2006/table">
+            <a:tbl>
+              <a:tblPr firstRow="1" bandRow="1">
+                <a:tableStyleId>{073A0DAA-6AF3-43AB-8588-CEC1D06C72B9}</a:tableStyleId>
+              </a:tblPr>
+              <a:tblGrid>
+                <a:gridCol w="756560">
+                  <a:extLst>
+                    <a:ext uri="{9D8B030D-6E8A-4147-A177-3AD203B41FA5}">
+                      <a16:colId xmlns:a16="http://schemas.microsoft.com/office/drawing/2014/main" xmlns="" val="20000"/>
+                    </a:ext>
+                  </a:extLst>
+                </a:gridCol>
+                <a:gridCol w="1584176">
+                  <a:extLst>
+                    <a:ext uri="{9D8B030D-6E8A-4147-A177-3AD203B41FA5}">
+                      <a16:colId xmlns:a16="http://schemas.microsoft.com/office/drawing/2014/main" xmlns="" val="20001"/>
+                    </a:ext>
+                  </a:extLst>
+                </a:gridCol>
+                <a:gridCol w="1584479">
+                  <a:extLst>
+                    <a:ext uri="{9D8B030D-6E8A-4147-A177-3AD203B41FA5}">
+                      <a16:colId xmlns:a16="http://schemas.microsoft.com/office/drawing/2014/main" xmlns="" val="20002"/>
+                    </a:ext>
+                  </a:extLst>
+                </a:gridCol>
+              </a:tblGrid>
+              <a:tr h="552450">
+                <a:tc>
+                  <a:txBody>
+                    <a:bodyPr/>
+                    <a:lstStyle/>
+                    <a:p>
+                      <a:endParaRPr lang="en-US" dirty="0">
+                        <a:solidFill>
+                          <a:schemeClr val="bg1"/>
+                        </a:solidFill>
+                      </a:endParaRPr>
+                    </a:p>
+                  </a:txBody>
+                  <a:tcPr anchor="ctr">
+                    <a:solidFill>
+                      <a:schemeClr val="tx2">
+                        <a:lumMod val="50000"/>
+                        <a:lumOff val="50000"/>
+                      </a:schemeClr>
+                    </a:solidFill>
+                  </a:tcPr>
+                </a:tc>
+                <a:tc>
+                  <a:txBody>
+                    <a:bodyPr/>
+                    <a:lstStyle/>
+                    <a:p>
+                      <a:pPr algn="ctr"/>
+                      <a:r>
+                        <a:rPr lang="en-US" dirty="0" smtClean="0"/>
+                        <a:t>Specialized </a:t>
+                      </a:r>
+                      <a:r>
+                        <a:rPr lang="en-US" dirty="0" smtClean="0"/>
+                        <a:t>method</a:t>
+                      </a:r>
+                      <a:endParaRPr lang="en-US" dirty="0"/>
+                    </a:p>
+                  </a:txBody>
+                  <a:tcPr anchor="ctr"/>
+                </a:tc>
+                <a:tc>
+                  <a:txBody>
+                    <a:bodyPr/>
+                    <a:lstStyle/>
+                    <a:p>
+                      <a:pPr algn="ctr"/>
+                      <a:r>
+                        <a:rPr lang="en-US" dirty="0" err="1" smtClean="0"/>
+                        <a:t>Schur-Parlett</a:t>
+                      </a:r>
+                      <a:endParaRPr lang="en-US" dirty="0"/>
+                    </a:p>
+                  </a:txBody>
+                  <a:tcPr anchor="ctr"/>
+                </a:tc>
+                <a:extLst>
+                  <a:ext uri="{0D108BD9-81ED-4DB2-BD59-A6C34878D82A}">
+                    <a16:rowId xmlns:a16="http://schemas.microsoft.com/office/drawing/2014/main" xmlns="" val="10000"/>
+                  </a:ext>
+                </a:extLst>
+              </a:tr>
+              <a:tr h="552450">
+                <a:tc>
+                  <a:txBody>
+                    <a:bodyPr/>
+                    <a:lstStyle/>
+                    <a:p>
+                      <a:r>
+                        <a:rPr lang="en-US" dirty="0" err="1" smtClean="0"/>
+                        <a:t>exp</a:t>
+                      </a:r>
+                      <a:endParaRPr lang="en-US" dirty="0"/>
+                    </a:p>
+                  </a:txBody>
+                  <a:tcPr anchor="ctr"/>
+                </a:tc>
+                <a:tc>
+                  <a:txBody>
+                    <a:bodyPr/>
+                    <a:lstStyle/>
+                    <a:p>
+                      <a:pPr marL="0" marR="0" lvl="0" indent="0" algn="ctr" defTabSz="914400" rtl="0" eaLnBrk="1" fontAlgn="auto" latinLnBrk="0" hangingPunct="1">
+                        <a:lnSpc>
+                          <a:spcPct val="100000"/>
+                        </a:lnSpc>
+                        <a:spcBef>
+                          <a:spcPts val="0"/>
+                        </a:spcBef>
+                        <a:spcAft>
+                          <a:spcPts val="0"/>
+                        </a:spcAft>
+                        <a:buClrTx/>
+                        <a:buSzTx/>
+                        <a:buFontTx/>
+                        <a:buNone/>
+                        <a:tabLst/>
+                        <a:defRPr/>
+                      </a:pPr>
+                      <a:r>
+                        <a:rPr lang="en-US" dirty="0" smtClean="0">
+                          <a:latin typeface="Cambria Math" panose="02040503050406030204" pitchFamily="18" charset="0"/>
+                          <a:ea typeface="Cambria Math" panose="02040503050406030204" pitchFamily="18" charset="0"/>
+                        </a:rPr>
+                        <a:t>1.0e-14</a:t>
+                      </a:r>
+                    </a:p>
+                  </a:txBody>
+                  <a:tcPr anchor="ctr"/>
+                </a:tc>
+                <a:tc>
+                  <a:txBody>
+                    <a:bodyPr/>
+                    <a:lstStyle/>
+                    <a:p>
+                      <a:pPr algn="ctr"/>
+                      <a:r>
+                        <a:rPr lang="en-US" dirty="0" smtClean="0">
+                          <a:latin typeface="Cambria Math" panose="02040503050406030204" pitchFamily="18" charset="0"/>
+                          <a:ea typeface="Cambria Math" panose="02040503050406030204" pitchFamily="18" charset="0"/>
+                        </a:rPr>
+                        <a:t>1.5e-13</a:t>
+                      </a:r>
+                      <a:endParaRPr lang="en-US" dirty="0">
+                        <a:latin typeface="Cambria Math" panose="02040503050406030204" pitchFamily="18" charset="0"/>
+                        <a:ea typeface="Cambria Math" panose="02040503050406030204" pitchFamily="18" charset="0"/>
+                      </a:endParaRPr>
+                    </a:p>
+                  </a:txBody>
+                  <a:tcPr anchor="ctr"/>
+                </a:tc>
+                <a:extLst>
+                  <a:ext uri="{0D108BD9-81ED-4DB2-BD59-A6C34878D82A}">
+                    <a16:rowId xmlns:a16="http://schemas.microsoft.com/office/drawing/2014/main" xmlns="" val="10001"/>
+                  </a:ext>
+                </a:extLst>
+              </a:tr>
+              <a:tr h="552450">
+                <a:tc>
+                  <a:txBody>
+                    <a:bodyPr/>
+                    <a:lstStyle/>
+                    <a:p>
+                      <a:r>
+                        <a:rPr lang="en-US" dirty="0" smtClean="0"/>
+                        <a:t>log</a:t>
+                      </a:r>
+                      <a:endParaRPr lang="en-US" dirty="0"/>
+                    </a:p>
+                  </a:txBody>
+                  <a:tcPr anchor="ctr"/>
+                </a:tc>
+                <a:tc>
+                  <a:txBody>
+                    <a:bodyPr/>
+                    <a:lstStyle/>
+                    <a:p>
+                      <a:pPr marL="0" marR="0" lvl="0" indent="0" algn="ctr" defTabSz="914400" rtl="0" eaLnBrk="1" fontAlgn="auto" latinLnBrk="0" hangingPunct="1">
+                        <a:lnSpc>
+                          <a:spcPct val="100000"/>
+                        </a:lnSpc>
+                        <a:spcBef>
+                          <a:spcPts val="0"/>
+                        </a:spcBef>
+                        <a:spcAft>
+                          <a:spcPts val="0"/>
+                        </a:spcAft>
+                        <a:buClrTx/>
+                        <a:buSzTx/>
+                        <a:buFontTx/>
+                        <a:buNone/>
+                        <a:tabLst/>
+                        <a:defRPr/>
+                      </a:pPr>
+                      <a:r>
+                        <a:rPr lang="en-US" dirty="0" smtClean="0">
+                          <a:latin typeface="Cambria Math" panose="02040503050406030204" pitchFamily="18" charset="0"/>
+                          <a:ea typeface="Cambria Math" panose="02040503050406030204" pitchFamily="18" charset="0"/>
+                        </a:rPr>
+                        <a:t>4.0e-14</a:t>
+                      </a:r>
+                    </a:p>
+                  </a:txBody>
+                  <a:tcPr anchor="ctr"/>
+                </a:tc>
+                <a:tc>
+                  <a:txBody>
+                    <a:bodyPr/>
+                    <a:lstStyle/>
+                    <a:p>
+                      <a:pPr algn="ctr"/>
+                      <a:r>
+                        <a:rPr lang="en-US" dirty="0" smtClean="0">
+                          <a:latin typeface="Cambria Math" panose="02040503050406030204" pitchFamily="18" charset="0"/>
+                          <a:ea typeface="Cambria Math" panose="02040503050406030204" pitchFamily="18" charset="0"/>
+                        </a:rPr>
+                        <a:t>4.1e-14</a:t>
+                      </a:r>
+                      <a:endParaRPr lang="en-US" dirty="0">
+                        <a:latin typeface="Cambria Math" panose="02040503050406030204" pitchFamily="18" charset="0"/>
+                        <a:ea typeface="Cambria Math" panose="02040503050406030204" pitchFamily="18" charset="0"/>
+                      </a:endParaRPr>
+                    </a:p>
+                  </a:txBody>
+                  <a:tcPr anchor="ctr"/>
+                </a:tc>
+                <a:extLst>
+                  <a:ext uri="{0D108BD9-81ED-4DB2-BD59-A6C34878D82A}">
+                    <a16:rowId xmlns:a16="http://schemas.microsoft.com/office/drawing/2014/main" xmlns="" val="10002"/>
+                  </a:ext>
+                </a:extLst>
+              </a:tr>
+              <a:tr h="552450">
+                <a:tc>
+                  <a:txBody>
+                    <a:bodyPr/>
+                    <a:lstStyle/>
+                    <a:p>
+                      <a:r>
+                        <a:rPr lang="en-US" dirty="0" err="1" smtClean="0"/>
+                        <a:t>sqrt</a:t>
+                      </a:r>
+                      <a:endParaRPr lang="en-US" dirty="0" smtClean="0"/>
+                    </a:p>
+                  </a:txBody>
+                  <a:tcPr anchor="ctr"/>
+                </a:tc>
+                <a:tc>
+                  <a:txBody>
+                    <a:bodyPr/>
+                    <a:lstStyle/>
+                    <a:p>
+                      <a:pPr marL="0" marR="0" lvl="0" indent="0" algn="ctr" defTabSz="914400" rtl="0" eaLnBrk="1" fontAlgn="auto" latinLnBrk="0" hangingPunct="1">
+                        <a:lnSpc>
+                          <a:spcPct val="100000"/>
+                        </a:lnSpc>
+                        <a:spcBef>
+                          <a:spcPts val="0"/>
+                        </a:spcBef>
+                        <a:spcAft>
+                          <a:spcPts val="0"/>
+                        </a:spcAft>
+                        <a:buClrTx/>
+                        <a:buSzTx/>
+                        <a:buFontTx/>
+                        <a:buNone/>
+                        <a:tabLst/>
+                        <a:defRPr/>
+                      </a:pPr>
+                      <a:r>
+                        <a:rPr lang="en-US" dirty="0" smtClean="0">
+                          <a:latin typeface="Cambria Math" panose="02040503050406030204" pitchFamily="18" charset="0"/>
+                          <a:ea typeface="Cambria Math" panose="02040503050406030204" pitchFamily="18" charset="0"/>
+                        </a:rPr>
+                        <a:t>4.3e-14</a:t>
+                      </a:r>
+                    </a:p>
+                  </a:txBody>
+                  <a:tcPr anchor="ctr"/>
+                </a:tc>
+                <a:tc>
+                  <a:txBody>
+                    <a:bodyPr/>
+                    <a:lstStyle/>
+                    <a:p>
+                      <a:pPr algn="ctr"/>
+                      <a:r>
+                        <a:rPr lang="en-US" dirty="0" smtClean="0">
+                          <a:latin typeface="Cambria Math" panose="02040503050406030204" pitchFamily="18" charset="0"/>
+                          <a:ea typeface="Cambria Math" panose="02040503050406030204" pitchFamily="18" charset="0"/>
+                        </a:rPr>
+                        <a:t>4.5e-14</a:t>
+                      </a:r>
+                      <a:endParaRPr lang="en-US" dirty="0">
+                        <a:latin typeface="Cambria Math" panose="02040503050406030204" pitchFamily="18" charset="0"/>
+                        <a:ea typeface="Cambria Math" panose="02040503050406030204" pitchFamily="18" charset="0"/>
+                      </a:endParaRPr>
+                    </a:p>
+                  </a:txBody>
+                  <a:tcPr anchor="ctr"/>
+                </a:tc>
+                <a:extLst>
+                  <a:ext uri="{0D108BD9-81ED-4DB2-BD59-A6C34878D82A}">
+                    <a16:rowId xmlns:a16="http://schemas.microsoft.com/office/drawing/2014/main" xmlns="" val="10003"/>
+                  </a:ext>
+                </a:extLst>
+              </a:tr>
+            </a:tbl>
+          </a:graphicData>
+        </a:graphic>
+      </p:graphicFrame>
+      <p:sp>
+        <p:nvSpPr>
+          <p:cNvPr id="8" name="Content Placeholder 6"/>
+          <p:cNvSpPr>
+            <a:spLocks noGrp="1"/>
+          </p:cNvSpPr>
+          <p:nvPr>
+            <p:ph sz="half" idx="2"/>
+          </p:nvPr>
+        </p:nvSpPr>
+        <p:spPr>
+          <a:xfrm>
+            <a:off x="7606580" y="1606062"/>
+            <a:ext cx="3913370" cy="1224136"/>
+          </a:xfrm>
+        </p:spPr>
+        <p:txBody>
+          <a:bodyPr>
+            <a:normAutofit/>
+          </a:bodyPr>
+          <a:lstStyle/>
+          <a:p>
+            <a:pPr marL="0" indent="0">
+              <a:buNone/>
+            </a:pPr>
+            <a:r>
+              <a:rPr lang="en-US" sz="2200" dirty="0" smtClean="0"/>
+              <a:t>Relative error</a:t>
+            </a:r>
+            <a:r>
+              <a:rPr lang="en-US" sz="2200" dirty="0" smtClean="0"/>
+              <a:t> versus </a:t>
+            </a:r>
+            <a:r>
+              <a:rPr lang="en-US" sz="2200" dirty="0" err="1" smtClean="0"/>
+              <a:t>MatLab’s</a:t>
+            </a:r>
+            <a:r>
+              <a:rPr lang="en-US" sz="2200" dirty="0" smtClean="0"/>
+              <a:t> Symbolic Toolbox</a:t>
+            </a:r>
+            <a:r>
+              <a:rPr lang="en-US" sz="2200" dirty="0" smtClean="0"/>
+              <a:t> (on 50x50 random matrix):</a:t>
+            </a:r>
+            <a:endParaRPr lang="en-US" sz="2200" dirty="0" smtClean="0"/>
+          </a:p>
+        </p:txBody>
+      </p:sp>
+      <p:pic>
+        <p:nvPicPr>
+          <p:cNvPr id="4" name="Picture 3"/>
+          <p:cNvPicPr>
+            <a:picLocks noChangeAspect="1"/>
+          </p:cNvPicPr>
+          <p:nvPr/>
+        </p:nvPicPr>
+        <p:blipFill>
+          <a:blip r:embed="rId2">
+            <a:extLst>
+              <a:ext uri="{28A0092B-C50C-407E-A947-70E740481C1C}">
+                <a14:useLocalDpi xmlns:a14="http://schemas.microsoft.com/office/drawing/2010/main" val="0"/>
+              </a:ext>
+            </a:extLst>
+          </a:blip>
+          <a:stretch>
+            <a:fillRect/>
+          </a:stretch>
+        </p:blipFill>
+        <p:spPr>
+          <a:xfrm>
+            <a:off x="1593436" y="2221601"/>
+            <a:ext cx="4536218" cy="3172731"/>
+          </a:xfrm>
+          <a:prstGeom prst="rect">
+            <a:avLst/>
+          </a:prstGeom>
+        </p:spPr>
+      </p:pic>
+      <p:sp>
+        <p:nvSpPr>
+          <p:cNvPr id="10" name="Content Placeholder 6"/>
+          <p:cNvSpPr txBox="1">
+            <a:spLocks/>
+          </p:cNvSpPr>
+          <p:nvPr/>
+        </p:nvSpPr>
+        <p:spPr>
+          <a:xfrm>
+            <a:off x="1593149" y="1268760"/>
+            <a:ext cx="4752814" cy="1224136"/>
+          </a:xfrm>
+          <a:prstGeom prst="rect">
+            <a:avLst/>
+          </a:prstGeom>
+        </p:spPr>
+        <p:txBody>
+          <a:bodyPr vert="horz" lIns="91440" tIns="45720" rIns="91440" bIns="45720" rtlCol="0">
+            <a:normAutofit/>
+          </a:bodyPr>
+          <a:lstStyle>
+            <a:lvl1pPr marL="246888" indent="-246888" algn="l" defTabSz="914400" rtl="0" eaLnBrk="1" latinLnBrk="0" hangingPunct="1">
+              <a:lnSpc>
+                <a:spcPct val="90000"/>
+              </a:lnSpc>
+              <a:spcBef>
+                <a:spcPts val="1400"/>
+              </a:spcBef>
+              <a:buFont typeface="Euphemia" pitchFamily="34" charset="0"/>
+              <a:buChar char="›"/>
+              <a:defRPr sz="2800" kern="1200">
+                <a:solidFill>
+                  <a:schemeClr val="tx1"/>
+                </a:solidFill>
+                <a:latin typeface="+mn-lt"/>
+                <a:ea typeface="+mn-ea"/>
+                <a:cs typeface="+mn-cs"/>
+              </a:defRPr>
+            </a:lvl1pPr>
+            <a:lvl2pPr marL="612648" indent="-246888" algn="l" defTabSz="914400" rtl="0" eaLnBrk="1" latinLnBrk="0" hangingPunct="1">
+              <a:lnSpc>
+                <a:spcPct val="90000"/>
+              </a:lnSpc>
+              <a:spcBef>
+                <a:spcPts val="600"/>
+              </a:spcBef>
+              <a:buFont typeface="Euphemia" pitchFamily="34" charset="0"/>
+              <a:buChar char="–"/>
+              <a:defRPr sz="2400" kern="1200">
+                <a:solidFill>
+                  <a:schemeClr val="tx1"/>
+                </a:solidFill>
+                <a:latin typeface="+mn-lt"/>
+                <a:ea typeface="+mn-ea"/>
+                <a:cs typeface="+mn-cs"/>
+              </a:defRPr>
+            </a:lvl2pPr>
+            <a:lvl3pPr marL="978408" indent="-246888" algn="l" defTabSz="914400" rtl="0" eaLnBrk="1" latinLnBrk="0" hangingPunct="1">
+              <a:lnSpc>
+                <a:spcPct val="90000"/>
+              </a:lnSpc>
+              <a:spcBef>
+                <a:spcPts val="600"/>
+              </a:spcBef>
+              <a:buFont typeface="Euphemia" pitchFamily="34" charset="0"/>
+              <a:buChar char="›"/>
+              <a:defRPr sz="2000" kern="1200">
+                <a:solidFill>
+                  <a:schemeClr val="tx1"/>
+                </a:solidFill>
+                <a:latin typeface="+mn-lt"/>
+                <a:ea typeface="+mn-ea"/>
+                <a:cs typeface="+mn-cs"/>
+              </a:defRPr>
+            </a:lvl3pPr>
+            <a:lvl4pPr marL="1344168" indent="-246888" algn="l" defTabSz="914400" rtl="0" eaLnBrk="1" latinLnBrk="0" hangingPunct="1">
+              <a:lnSpc>
+                <a:spcPct val="90000"/>
+              </a:lnSpc>
+              <a:spcBef>
+                <a:spcPts val="600"/>
+              </a:spcBef>
+              <a:buFont typeface="Arial" pitchFamily="34" charset="0"/>
+              <a:buChar char="–"/>
+              <a:defRPr sz="1800" kern="1200">
+                <a:solidFill>
+                  <a:schemeClr val="tx1"/>
+                </a:solidFill>
+                <a:latin typeface="+mn-lt"/>
+                <a:ea typeface="+mn-ea"/>
+                <a:cs typeface="+mn-cs"/>
+              </a:defRPr>
+            </a:lvl4pPr>
+            <a:lvl5pPr marL="1709928" indent="-246888" algn="l" defTabSz="914400" rtl="0" eaLnBrk="1" latinLnBrk="0" hangingPunct="1">
+              <a:lnSpc>
+                <a:spcPct val="90000"/>
+              </a:lnSpc>
+              <a:spcBef>
+                <a:spcPts val="600"/>
+              </a:spcBef>
+              <a:buFont typeface="Euphemia" pitchFamily="34" charset="0"/>
+              <a:buChar char="›"/>
+              <a:defRPr sz="1800" kern="1200">
+                <a:solidFill>
+                  <a:schemeClr val="tx1"/>
+                </a:solidFill>
+                <a:latin typeface="+mn-lt"/>
+                <a:ea typeface="+mn-ea"/>
+                <a:cs typeface="+mn-cs"/>
+              </a:defRPr>
+            </a:lvl5pPr>
+            <a:lvl6pPr marL="2075688" indent="-246888" algn="l" defTabSz="914400" rtl="0" eaLnBrk="1" latinLnBrk="0" hangingPunct="1">
+              <a:lnSpc>
+                <a:spcPct val="90000"/>
+              </a:lnSpc>
+              <a:spcBef>
+                <a:spcPts val="600"/>
+              </a:spcBef>
+              <a:buFont typeface="Euphemia" pitchFamily="34" charset="0"/>
+              <a:buChar char="–"/>
+              <a:defRPr sz="1800" kern="1200" baseline="0">
+                <a:solidFill>
+                  <a:schemeClr val="tx1"/>
+                </a:solidFill>
+                <a:latin typeface="+mn-lt"/>
+                <a:ea typeface="+mn-ea"/>
+                <a:cs typeface="+mn-cs"/>
+              </a:defRPr>
+            </a:lvl6pPr>
+            <a:lvl7pPr marL="2441448" indent="-246888" algn="l" defTabSz="914400" rtl="0" eaLnBrk="1" latinLnBrk="0" hangingPunct="1">
+              <a:lnSpc>
+                <a:spcPct val="90000"/>
+              </a:lnSpc>
+              <a:spcBef>
+                <a:spcPts val="600"/>
+              </a:spcBef>
+              <a:buFont typeface="Euphemia" pitchFamily="34" charset="0"/>
+              <a:buChar char="›"/>
+              <a:defRPr sz="1800" kern="1200" baseline="0">
+                <a:solidFill>
+                  <a:schemeClr val="tx1"/>
+                </a:solidFill>
+                <a:latin typeface="+mn-lt"/>
+                <a:ea typeface="+mn-ea"/>
+                <a:cs typeface="+mn-cs"/>
+              </a:defRPr>
+            </a:lvl7pPr>
+            <a:lvl8pPr marL="2807208" indent="-246888" algn="l" defTabSz="914400" rtl="0" eaLnBrk="1" latinLnBrk="0" hangingPunct="1">
+              <a:lnSpc>
+                <a:spcPct val="90000"/>
+              </a:lnSpc>
+              <a:spcBef>
+                <a:spcPts val="600"/>
+              </a:spcBef>
+              <a:buFont typeface="Euphemia" pitchFamily="34" charset="0"/>
+              <a:buChar char="–"/>
+              <a:defRPr sz="1800" kern="1200" baseline="0">
+                <a:solidFill>
+                  <a:schemeClr val="tx1"/>
+                </a:solidFill>
+                <a:latin typeface="+mn-lt"/>
+                <a:ea typeface="+mn-ea"/>
+                <a:cs typeface="+mn-cs"/>
+              </a:defRPr>
+            </a:lvl8pPr>
+            <a:lvl9pPr marL="3172968" indent="-246888" algn="l" defTabSz="914400" rtl="0" eaLnBrk="1" latinLnBrk="0" hangingPunct="1">
+              <a:lnSpc>
+                <a:spcPct val="90000"/>
+              </a:lnSpc>
+              <a:spcBef>
+                <a:spcPts val="600"/>
+              </a:spcBef>
+              <a:buFont typeface="Euphemia" pitchFamily="34" charset="0"/>
+              <a:buChar char="›"/>
+              <a:defRPr sz="1800" kern="1200" baseline="0">
+                <a:solidFill>
+                  <a:schemeClr val="tx1"/>
+                </a:solidFill>
+                <a:latin typeface="+mn-lt"/>
+                <a:ea typeface="+mn-ea"/>
+                <a:cs typeface="+mn-cs"/>
+              </a:defRPr>
+            </a:lvl9pPr>
+          </a:lstStyle>
+          <a:p>
+            <a:pPr marL="0" indent="0">
+              <a:buFont typeface="Euphemia" pitchFamily="34" charset="0"/>
+              <a:buNone/>
+            </a:pPr>
+            <a:r>
+              <a:rPr lang="en-US" sz="2400" dirty="0" smtClean="0"/>
+              <a:t>Boils down to how well the eigenvalues can be clustered:</a:t>
+            </a:r>
+            <a:endParaRPr lang="en-US" sz="2400" dirty="0"/>
+          </a:p>
+        </p:txBody>
+      </p:sp>
+      <mc:AlternateContent xmlns:mc="http://schemas.openxmlformats.org/markup-compatibility/2006">
+        <mc:Choice xmlns:a14="http://schemas.microsoft.com/office/drawing/2010/main" Requires="a14">
           <p:sp>
             <p:nvSpPr>
-              <p:cNvPr id="14" name="Content Placeholder 13"/>
-              <p:cNvSpPr>
-                <a:spLocks noGrp="1"/>
-              </p:cNvSpPr>
-              <p:nvPr>
-                <p:ph idx="1"/>
-              </p:nvPr>
+              <p:cNvPr id="12" name="TextBox 11"/>
+              <p:cNvSpPr txBox="1"/>
+              <p:nvPr/>
             </p:nvSpPr>
             <p:spPr>
               <a:xfrm>
-                <a:off x="1593436" y="1600200"/>
-                <a:ext cx="9782801" cy="2476872"/>
+                <a:off x="6454452" y="3320177"/>
+                <a:ext cx="576064" cy="1015663"/>
               </a:xfrm>
+              <a:prstGeom prst="rect">
+                <a:avLst/>
+              </a:prstGeom>
+              <a:noFill/>
             </p:spPr>
             <p:txBody>
-              <a:bodyPr>
-                <a:normAutofit/>
+              <a:bodyPr wrap="square" rtlCol="0">
+                <a:spAutoFit/>
               </a:bodyPr>
               <a:lstStyle/>
               <a:p>
-                <a:pPr marL="0" indent="0">
-                  <a:buNone/>
-                </a:pPr>
-                <a:r>
-                  <a:rPr lang="en-US" dirty="0" smtClean="0"/>
-                  <a:t>Can be good, better than specialized methods (like </a:t>
-                </a:r>
+                <a:pPr/>
                 <a14:m>
-                  <m:oMath xmlns:m="http://schemas.openxmlformats.org/officeDocument/2006/math">
-                    <m:r>
-                      <a:rPr lang="en-US" i="1" dirty="0" smtClean="0">
-                        <a:latin typeface="Cambria Math" panose="02040503050406030204" pitchFamily="18" charset="0"/>
-                      </a:rPr>
-                      <m:t>𝑒𝑥𝑝𝑚</m:t>
-                    </m:r>
-                  </m:oMath>
+                  <m:oMathPara xmlns:m="http://schemas.openxmlformats.org/officeDocument/2006/math">
+                    <m:oMathParaPr>
+                      <m:jc m:val="centerGroup"/>
+                    </m:oMathParaPr>
+                    <m:oMath xmlns:m="http://schemas.openxmlformats.org/officeDocument/2006/math">
+                      <m:r>
+                        <a:rPr lang="it-IT" sz="6000" b="0" i="1" smtClean="0">
+                          <a:latin typeface="Cambria Math" panose="02040503050406030204" pitchFamily="18" charset="0"/>
+                        </a:rPr>
+                        <m:t>⇒</m:t>
+                      </m:r>
+                    </m:oMath>
+                  </m:oMathPara>
                 </a14:m>
-                <a:r>
-                  <a:rPr lang="en-US" dirty="0" smtClean="0"/>
-                  <a:t> on badly scaled matrices);</a:t>
-                </a:r>
-              </a:p>
-              <a:p>
-                <a:pPr marL="0" indent="0">
-                  <a:buNone/>
-                </a:pPr>
-                <a:r>
-                  <a:rPr lang="en-US" dirty="0" smtClean="0"/>
-                  <a:t>Can be bad, when eigenvalues can’t be grouped well:</a:t>
-                </a:r>
+                <a:endParaRPr lang="it-IT" sz="6000" dirty="0"/>
               </a:p>
             </p:txBody>
           </p:sp>
         </mc:Choice>
-        <mc:Fallback xmlns="">
+        <mc:Fallback>
           <p:sp>
             <p:nvSpPr>
-              <p:cNvPr id="14" name="Content Placeholder 13"/>
-              <p:cNvSpPr>
-                <a:spLocks noGrp="1" noRot="1" noChangeAspect="1" noMove="1" noResize="1" noEditPoints="1" noAdjustHandles="1" noChangeArrowheads="1" noChangeShapeType="1" noTextEdit="1"/>
+              <p:cNvPr id="12" name="TextBox 11"/>
+              <p:cNvSpPr txBox="1">
+                <a:spLocks noRot="1" noChangeAspect="1" noMove="1" noResize="1" noEditPoints="1" noAdjustHandles="1" noChangeArrowheads="1" noChangeShapeType="1" noTextEdit="1"/>
               </p:cNvSpPr>
-              <p:nvPr>
-                <p:ph idx="1"/>
-              </p:nvPr>
+              <p:nvPr/>
             </p:nvSpPr>
             <p:spPr>
               <a:xfrm>
-                <a:off x="1593436" y="1600200"/>
-                <a:ext cx="9782801" cy="2476872"/>
+                <a:off x="6454452" y="3320177"/>
+                <a:ext cx="576064" cy="1015663"/>
               </a:xfrm>
+              <a:prstGeom prst="rect">
+                <a:avLst/>
+              </a:prstGeom>
               <a:blipFill rotWithShape="0">
-                <a:blip r:embed="rId2"/>
+                <a:blip r:embed="rId3"/>
                 <a:stretch>
-                  <a:fillRect l="-1246" t="-4680"/>
+                  <a:fillRect r="-23404"/>
                 </a:stretch>
               </a:blipFill>
             </p:spPr>
@@ -15084,40 +15328,223 @@
           </p:sp>
         </mc:Fallback>
       </mc:AlternateContent>
-      <p:pic>
-        <p:nvPicPr>
-          <p:cNvPr id="4" name="Picture 3"/>
-          <p:cNvPicPr>
-            <a:picLocks noChangeAspect="1"/>
-          </p:cNvPicPr>
+      <p:sp>
+        <p:nvSpPr>
+          <p:cNvPr id="13" name="Content Placeholder 6"/>
+          <p:cNvSpPr txBox="1">
+            <a:spLocks/>
+          </p:cNvSpPr>
           <p:nvPr/>
-        </p:nvPicPr>
-        <p:blipFill>
-          <a:blip r:embed="rId3">
-            <a:extLst>
-              <a:ext uri="{28A0092B-C50C-407E-A947-70E740481C1C}">
-                <a14:useLocalDpi xmlns:a14="http://schemas.microsoft.com/office/drawing/2010/main" val="0"/>
-              </a:ext>
-            </a:extLst>
-          </a:blip>
-          <a:stretch>
-            <a:fillRect/>
-          </a:stretch>
-        </p:blipFill>
+        </p:nvSpPr>
         <p:spPr>
           <a:xfrm>
-            <a:off x="2566020" y="3861048"/>
-            <a:ext cx="6630058" cy="2044824"/>
+            <a:off x="1593149" y="5877272"/>
+            <a:ext cx="6513452" cy="1224136"/>
           </a:xfrm>
           <a:prstGeom prst="rect">
             <a:avLst/>
           </a:prstGeom>
         </p:spPr>
-      </p:pic>
+        <p:txBody>
+          <a:bodyPr vert="horz" lIns="91440" tIns="45720" rIns="91440" bIns="45720" rtlCol="0">
+            <a:normAutofit/>
+          </a:bodyPr>
+          <a:lstStyle>
+            <a:lvl1pPr marL="246888" indent="-246888" algn="l" defTabSz="914400" rtl="0" eaLnBrk="1" latinLnBrk="0" hangingPunct="1">
+              <a:lnSpc>
+                <a:spcPct val="90000"/>
+              </a:lnSpc>
+              <a:spcBef>
+                <a:spcPts val="1400"/>
+              </a:spcBef>
+              <a:buFont typeface="Euphemia" pitchFamily="34" charset="0"/>
+              <a:buChar char="›"/>
+              <a:defRPr sz="2800" kern="1200">
+                <a:solidFill>
+                  <a:schemeClr val="tx1"/>
+                </a:solidFill>
+                <a:latin typeface="+mn-lt"/>
+                <a:ea typeface="+mn-ea"/>
+                <a:cs typeface="+mn-cs"/>
+              </a:defRPr>
+            </a:lvl1pPr>
+            <a:lvl2pPr marL="612648" indent="-246888" algn="l" defTabSz="914400" rtl="0" eaLnBrk="1" latinLnBrk="0" hangingPunct="1">
+              <a:lnSpc>
+                <a:spcPct val="90000"/>
+              </a:lnSpc>
+              <a:spcBef>
+                <a:spcPts val="600"/>
+              </a:spcBef>
+              <a:buFont typeface="Euphemia" pitchFamily="34" charset="0"/>
+              <a:buChar char="–"/>
+              <a:defRPr sz="2400" kern="1200">
+                <a:solidFill>
+                  <a:schemeClr val="tx1"/>
+                </a:solidFill>
+                <a:latin typeface="+mn-lt"/>
+                <a:ea typeface="+mn-ea"/>
+                <a:cs typeface="+mn-cs"/>
+              </a:defRPr>
+            </a:lvl2pPr>
+            <a:lvl3pPr marL="978408" indent="-246888" algn="l" defTabSz="914400" rtl="0" eaLnBrk="1" latinLnBrk="0" hangingPunct="1">
+              <a:lnSpc>
+                <a:spcPct val="90000"/>
+              </a:lnSpc>
+              <a:spcBef>
+                <a:spcPts val="600"/>
+              </a:spcBef>
+              <a:buFont typeface="Euphemia" pitchFamily="34" charset="0"/>
+              <a:buChar char="›"/>
+              <a:defRPr sz="2000" kern="1200">
+                <a:solidFill>
+                  <a:schemeClr val="tx1"/>
+                </a:solidFill>
+                <a:latin typeface="+mn-lt"/>
+                <a:ea typeface="+mn-ea"/>
+                <a:cs typeface="+mn-cs"/>
+              </a:defRPr>
+            </a:lvl3pPr>
+            <a:lvl4pPr marL="1344168" indent="-246888" algn="l" defTabSz="914400" rtl="0" eaLnBrk="1" latinLnBrk="0" hangingPunct="1">
+              <a:lnSpc>
+                <a:spcPct val="90000"/>
+              </a:lnSpc>
+              <a:spcBef>
+                <a:spcPts val="600"/>
+              </a:spcBef>
+              <a:buFont typeface="Arial" pitchFamily="34" charset="0"/>
+              <a:buChar char="–"/>
+              <a:defRPr sz="1800" kern="1200">
+                <a:solidFill>
+                  <a:schemeClr val="tx1"/>
+                </a:solidFill>
+                <a:latin typeface="+mn-lt"/>
+                <a:ea typeface="+mn-ea"/>
+                <a:cs typeface="+mn-cs"/>
+              </a:defRPr>
+            </a:lvl4pPr>
+            <a:lvl5pPr marL="1709928" indent="-246888" algn="l" defTabSz="914400" rtl="0" eaLnBrk="1" latinLnBrk="0" hangingPunct="1">
+              <a:lnSpc>
+                <a:spcPct val="90000"/>
+              </a:lnSpc>
+              <a:spcBef>
+                <a:spcPts val="600"/>
+              </a:spcBef>
+              <a:buFont typeface="Euphemia" pitchFamily="34" charset="0"/>
+              <a:buChar char="›"/>
+              <a:defRPr sz="1800" kern="1200">
+                <a:solidFill>
+                  <a:schemeClr val="tx1"/>
+                </a:solidFill>
+                <a:latin typeface="+mn-lt"/>
+                <a:ea typeface="+mn-ea"/>
+                <a:cs typeface="+mn-cs"/>
+              </a:defRPr>
+            </a:lvl5pPr>
+            <a:lvl6pPr marL="2075688" indent="-246888" algn="l" defTabSz="914400" rtl="0" eaLnBrk="1" latinLnBrk="0" hangingPunct="1">
+              <a:lnSpc>
+                <a:spcPct val="90000"/>
+              </a:lnSpc>
+              <a:spcBef>
+                <a:spcPts val="600"/>
+              </a:spcBef>
+              <a:buFont typeface="Euphemia" pitchFamily="34" charset="0"/>
+              <a:buChar char="–"/>
+              <a:defRPr sz="1800" kern="1200" baseline="0">
+                <a:solidFill>
+                  <a:schemeClr val="tx1"/>
+                </a:solidFill>
+                <a:latin typeface="+mn-lt"/>
+                <a:ea typeface="+mn-ea"/>
+                <a:cs typeface="+mn-cs"/>
+              </a:defRPr>
+            </a:lvl6pPr>
+            <a:lvl7pPr marL="2441448" indent="-246888" algn="l" defTabSz="914400" rtl="0" eaLnBrk="1" latinLnBrk="0" hangingPunct="1">
+              <a:lnSpc>
+                <a:spcPct val="90000"/>
+              </a:lnSpc>
+              <a:spcBef>
+                <a:spcPts val="600"/>
+              </a:spcBef>
+              <a:buFont typeface="Euphemia" pitchFamily="34" charset="0"/>
+              <a:buChar char="›"/>
+              <a:defRPr sz="1800" kern="1200" baseline="0">
+                <a:solidFill>
+                  <a:schemeClr val="tx1"/>
+                </a:solidFill>
+                <a:latin typeface="+mn-lt"/>
+                <a:ea typeface="+mn-ea"/>
+                <a:cs typeface="+mn-cs"/>
+              </a:defRPr>
+            </a:lvl7pPr>
+            <a:lvl8pPr marL="2807208" indent="-246888" algn="l" defTabSz="914400" rtl="0" eaLnBrk="1" latinLnBrk="0" hangingPunct="1">
+              <a:lnSpc>
+                <a:spcPct val="90000"/>
+              </a:lnSpc>
+              <a:spcBef>
+                <a:spcPts val="600"/>
+              </a:spcBef>
+              <a:buFont typeface="Euphemia" pitchFamily="34" charset="0"/>
+              <a:buChar char="–"/>
+              <a:defRPr sz="1800" kern="1200" baseline="0">
+                <a:solidFill>
+                  <a:schemeClr val="tx1"/>
+                </a:solidFill>
+                <a:latin typeface="+mn-lt"/>
+                <a:ea typeface="+mn-ea"/>
+                <a:cs typeface="+mn-cs"/>
+              </a:defRPr>
+            </a:lvl8pPr>
+            <a:lvl9pPr marL="3172968" indent="-246888" algn="l" defTabSz="914400" rtl="0" eaLnBrk="1" latinLnBrk="0" hangingPunct="1">
+              <a:lnSpc>
+                <a:spcPct val="90000"/>
+              </a:lnSpc>
+              <a:spcBef>
+                <a:spcPts val="600"/>
+              </a:spcBef>
+              <a:buFont typeface="Euphemia" pitchFamily="34" charset="0"/>
+              <a:buChar char="›"/>
+              <a:defRPr sz="1800" kern="1200" baseline="0">
+                <a:solidFill>
+                  <a:schemeClr val="tx1"/>
+                </a:solidFill>
+                <a:latin typeface="+mn-lt"/>
+                <a:ea typeface="+mn-ea"/>
+                <a:cs typeface="+mn-cs"/>
+              </a:defRPr>
+            </a:lvl9pPr>
+          </a:lstStyle>
+          <a:p>
+            <a:pPr marL="0" indent="0">
+              <a:buFont typeface="Euphemia" pitchFamily="34" charset="0"/>
+              <a:buNone/>
+            </a:pPr>
+            <a:r>
+              <a:rPr lang="en-US" sz="2200" dirty="0"/>
+              <a:t>C</a:t>
+            </a:r>
+            <a:r>
+              <a:rPr lang="en-US" sz="2200" dirty="0" smtClean="0"/>
+              <a:t>an behave badly (</a:t>
+            </a:r>
+            <a:r>
+              <a:rPr lang="en-US" sz="2200" dirty="0" smtClean="0">
+                <a:latin typeface="Cambria Math" panose="02040503050406030204" pitchFamily="18" charset="0"/>
+                <a:ea typeface="Cambria Math" panose="02040503050406030204" pitchFamily="18" charset="0"/>
+              </a:rPr>
+              <a:t>7e-4</a:t>
+            </a:r>
+            <a:r>
+              <a:rPr lang="en-US" sz="2200" dirty="0" smtClean="0"/>
+              <a:t>) with “snake” eigenvalues (as shown in original paper, experiment 4)</a:t>
+            </a:r>
+            <a:endParaRPr lang="en-US" sz="2200" dirty="0"/>
+          </a:p>
+        </p:txBody>
+      </p:sp>
     </p:spTree>
     <p:extLst>
       <p:ext uri="{BB962C8B-B14F-4D97-AF65-F5344CB8AC3E}">
-        <p14:creationId xmlns:p14="http://schemas.microsoft.com/office/powerpoint/2010/main" val="3995048451"/>
+        <p14:creationId xmlns:p14="http://schemas.microsoft.com/office/powerpoint/2010/main" val="2593339164"/>
       </p:ext>
     </p:extLst>
   </p:cSld>
@@ -16324,11 +16751,7 @@
             </a:r>
             <a:r>
               <a:rPr lang="en-US" sz="2600" dirty="0" smtClean="0"/>
-              <a:t> </a:t>
-            </a:r>
-            <a:r>
-              <a:rPr lang="en-US" sz="2600" dirty="0" smtClean="0"/>
-              <a:t>speedup for n = 2500</a:t>
+              <a:t> speedup for n = 2500</a:t>
             </a:r>
           </a:p>
         </p:txBody>
@@ -16507,8 +16930,8 @@
           <a:chExt cx="0" cy="0"/>
         </a:xfrm>
       </p:grpSpPr>
-      <mc:AlternateContent xmlns:mc="http://schemas.openxmlformats.org/markup-compatibility/2006">
-        <mc:Choice xmlns:a14="http://schemas.microsoft.com/office/drawing/2010/main" Requires="a14">
+      <mc:AlternateContent xmlns:mc="http://schemas.openxmlformats.org/markup-compatibility/2006" xmlns:a14="http://schemas.microsoft.com/office/drawing/2010/main">
+        <mc:Choice Requires="a14">
           <p:sp>
             <p:nvSpPr>
               <p:cNvPr id="14" name="Content Placeholder 13"/>
@@ -16606,7 +17029,7 @@
             </p:txBody>
           </p:sp>
         </mc:Choice>
-        <mc:Fallback>
+        <mc:Fallback xmlns="">
           <p:sp>
             <p:nvSpPr>
               <p:cNvPr id="14" name="Content Placeholder 13"/>
@@ -16644,8 +17067,8 @@
           </p:sp>
         </mc:Fallback>
       </mc:AlternateContent>
-      <mc:AlternateContent xmlns:mc="http://schemas.openxmlformats.org/markup-compatibility/2006">
-        <mc:Choice xmlns:a14="http://schemas.microsoft.com/office/drawing/2010/main" Requires="a14">
+      <mc:AlternateContent xmlns:mc="http://schemas.openxmlformats.org/markup-compatibility/2006" xmlns:a14="http://schemas.microsoft.com/office/drawing/2010/main">
+        <mc:Choice Requires="a14">
           <p:sp>
             <p:nvSpPr>
               <p:cNvPr id="15" name="TextBox 14"/>
@@ -16689,7 +17112,7 @@
             </p:txBody>
           </p:sp>
         </mc:Choice>
-        <mc:Fallback>
+        <mc:Fallback xmlns="">
           <p:sp>
             <p:nvSpPr>
               <p:cNvPr id="15" name="TextBox 14"/>
@@ -16928,11 +17351,7 @@
             </a:r>
             <a:r>
               <a:rPr lang="en-US" sz="2600" dirty="0" smtClean="0"/>
-              <a:t> recurrence with real Sylvester equations</a:t>
-            </a:r>
-            <a:r>
-              <a:rPr lang="en-US" sz="2600" dirty="0" smtClean="0"/>
-              <a:t>, </a:t>
+              <a:t> recurrence with real Sylvester equations, </a:t>
             </a:r>
             <a:r>
               <a:rPr lang="en-US" sz="2400" dirty="0" smtClean="0"/>
@@ -17052,8 +17471,8 @@
           </a:prstGeom>
         </p:spPr>
       </p:pic>
-      <mc:AlternateContent xmlns:mc="http://schemas.openxmlformats.org/markup-compatibility/2006">
-        <mc:Choice xmlns:a14="http://schemas.microsoft.com/office/drawing/2010/main" Requires="a14">
+      <mc:AlternateContent xmlns:mc="http://schemas.openxmlformats.org/markup-compatibility/2006" xmlns:a14="http://schemas.microsoft.com/office/drawing/2010/main">
+        <mc:Choice Requires="a14">
           <p:sp>
             <p:nvSpPr>
               <p:cNvPr id="8" name="TextBox 7"/>
@@ -17097,7 +17516,7 @@
             </p:txBody>
           </p:sp>
         </mc:Choice>
-        <mc:Fallback>
+        <mc:Fallback xmlns="">
           <p:sp>
             <p:nvSpPr>
               <p:cNvPr id="8" name="TextBox 7"/>

--- a/docs/slides pd2ggaln/MatFun.pptx
+++ b/docs/slides pd2ggaln/MatFun.pptx
@@ -5,10 +5,10 @@
     <p:sldMasterId id="2147483648" r:id="rId1"/>
   </p:sldMasterIdLst>
   <p:notesMasterIdLst>
-    <p:notesMasterId r:id="rId15"/>
+    <p:notesMasterId r:id="rId18"/>
   </p:notesMasterIdLst>
   <p:handoutMasterIdLst>
-    <p:handoutMasterId r:id="rId16"/>
+    <p:handoutMasterId r:id="rId19"/>
   </p:handoutMasterIdLst>
   <p:sldIdLst>
     <p:sldId id="256" r:id="rId2"/>
@@ -20,10 +20,13 @@
     <p:sldId id="280" r:id="rId8"/>
     <p:sldId id="281" r:id="rId9"/>
     <p:sldId id="278" r:id="rId10"/>
-    <p:sldId id="279" r:id="rId11"/>
-    <p:sldId id="271" r:id="rId12"/>
-    <p:sldId id="258" r:id="rId13"/>
-    <p:sldId id="260" r:id="rId14"/>
+    <p:sldId id="282" r:id="rId11"/>
+    <p:sldId id="283" r:id="rId12"/>
+    <p:sldId id="284" r:id="rId13"/>
+    <p:sldId id="285" r:id="rId14"/>
+    <p:sldId id="287" r:id="rId15"/>
+    <p:sldId id="288" r:id="rId16"/>
+    <p:sldId id="258" r:id="rId17"/>
   </p:sldIdLst>
   <p:sldSz cx="12188825" cy="6858000"/>
   <p:notesSz cx="6858000" cy="9144000"/>
@@ -320,11 +323,11 @@
         </c:dLbls>
         <c:gapWidth val="150"/>
         <c:overlap val="100"/>
-        <c:axId val="153140896"/>
-        <c:axId val="61168864"/>
+        <c:axId val="204624368"/>
+        <c:axId val="204624928"/>
       </c:barChart>
       <c:catAx>
-        <c:axId val="153140896"/>
+        <c:axId val="204624368"/>
         <c:scaling>
           <c:orientation val="minMax"/>
         </c:scaling>
@@ -364,7 +367,7 @@
             <a:endParaRPr lang="it-IT"/>
           </a:p>
         </c:txPr>
-        <c:crossAx val="61168864"/>
+        <c:crossAx val="204624928"/>
         <c:crosses val="autoZero"/>
         <c:auto val="1"/>
         <c:lblAlgn val="ctr"/>
@@ -372,7 +375,7 @@
         <c:noMultiLvlLbl val="0"/>
       </c:catAx>
       <c:valAx>
-        <c:axId val="61168864"/>
+        <c:axId val="204624928"/>
         <c:scaling>
           <c:orientation val="minMax"/>
         </c:scaling>
@@ -396,12 +399,14 @@
         <c:majorTickMark val="none"/>
         <c:minorTickMark val="none"/>
         <c:tickLblPos val="nextTo"/>
-        <c:crossAx val="153140896"/>
+        <c:crossAx val="204624368"/>
         <c:crosses val="autoZero"/>
         <c:crossBetween val="between"/>
       </c:valAx>
       <c:spPr>
-        <a:noFill/>
+        <a:solidFill>
+          <a:schemeClr val="bg1"/>
+        </a:solidFill>
         <a:ln>
           <a:noFill/>
         </a:ln>
@@ -972,3178 +977,6 @@
 </cs:chartStyle>
 </file>
 
-<file path=ppt/diagrams/colors1.xml><?xml version="1.0" encoding="utf-8"?>
-<dgm:colorsDef xmlns:dgm="http://schemas.openxmlformats.org/drawingml/2006/diagram" xmlns:a="http://schemas.openxmlformats.org/drawingml/2006/main" uniqueId="urn:microsoft.com/office/officeart/2005/8/colors/accent0_1">
-  <dgm:title val=""/>
-  <dgm:desc val=""/>
-  <dgm:catLst>
-    <dgm:cat type="mainScheme" pri="10100"/>
-  </dgm:catLst>
-  <dgm:styleLbl name="node0">
-    <dgm:fillClrLst meth="repeat">
-      <a:schemeClr val="lt1"/>
-    </dgm:fillClrLst>
-    <dgm:linClrLst meth="repeat">
-      <a:schemeClr val="dk1">
-        <a:shade val="80000"/>
-      </a:schemeClr>
-    </dgm:linClrLst>
-    <dgm:effectClrLst/>
-    <dgm:txLinClrLst/>
-    <dgm:txFillClrLst meth="repeat">
-      <a:schemeClr val="dk1"/>
-    </dgm:txFillClrLst>
-    <dgm:txEffectClrLst/>
-  </dgm:styleLbl>
-  <dgm:styleLbl name="node1">
-    <dgm:fillClrLst meth="repeat">
-      <a:schemeClr val="lt1"/>
-    </dgm:fillClrLst>
-    <dgm:linClrLst meth="repeat">
-      <a:schemeClr val="dk1">
-        <a:shade val="80000"/>
-      </a:schemeClr>
-    </dgm:linClrLst>
-    <dgm:effectClrLst/>
-    <dgm:txLinClrLst/>
-    <dgm:txFillClrLst meth="repeat">
-      <a:schemeClr val="dk1"/>
-    </dgm:txFillClrLst>
-    <dgm:txEffectClrLst/>
-  </dgm:styleLbl>
-  <dgm:styleLbl name="alignNode1">
-    <dgm:fillClrLst meth="repeat">
-      <a:schemeClr val="lt1"/>
-    </dgm:fillClrLst>
-    <dgm:linClrLst meth="repeat">
-      <a:schemeClr val="dk1">
-        <a:shade val="80000"/>
-      </a:schemeClr>
-    </dgm:linClrLst>
-    <dgm:effectClrLst/>
-    <dgm:txLinClrLst/>
-    <dgm:txFillClrLst meth="repeat">
-      <a:schemeClr val="dk1"/>
-    </dgm:txFillClrLst>
-    <dgm:txEffectClrLst/>
-  </dgm:styleLbl>
-  <dgm:styleLbl name="lnNode1">
-    <dgm:fillClrLst meth="repeat">
-      <a:schemeClr val="lt1"/>
-    </dgm:fillClrLst>
-    <dgm:linClrLst meth="repeat">
-      <a:schemeClr val="dk1">
-        <a:shade val="80000"/>
-      </a:schemeClr>
-    </dgm:linClrLst>
-    <dgm:effectClrLst/>
-    <dgm:txLinClrLst/>
-    <dgm:txFillClrLst meth="repeat">
-      <a:schemeClr val="dk1"/>
-    </dgm:txFillClrLst>
-    <dgm:txEffectClrLst/>
-  </dgm:styleLbl>
-  <dgm:styleLbl name="vennNode1">
-    <dgm:fillClrLst meth="repeat">
-      <a:schemeClr val="lt1">
-        <a:alpha val="50000"/>
-      </a:schemeClr>
-    </dgm:fillClrLst>
-    <dgm:linClrLst meth="repeat">
-      <a:schemeClr val="dk1">
-        <a:shade val="80000"/>
-      </a:schemeClr>
-    </dgm:linClrLst>
-    <dgm:effectClrLst/>
-    <dgm:txLinClrLst/>
-    <dgm:txFillClrLst/>
-    <dgm:txEffectClrLst/>
-  </dgm:styleLbl>
-  <dgm:styleLbl name="node2">
-    <dgm:fillClrLst meth="repeat">
-      <a:schemeClr val="lt1"/>
-    </dgm:fillClrLst>
-    <dgm:linClrLst meth="repeat">
-      <a:schemeClr val="dk1">
-        <a:shade val="80000"/>
-      </a:schemeClr>
-    </dgm:linClrLst>
-    <dgm:effectClrLst/>
-    <dgm:txLinClrLst/>
-    <dgm:txFillClrLst meth="repeat">
-      <a:schemeClr val="dk1"/>
-    </dgm:txFillClrLst>
-    <dgm:txEffectClrLst/>
-  </dgm:styleLbl>
-  <dgm:styleLbl name="node3">
-    <dgm:fillClrLst meth="repeat">
-      <a:schemeClr val="lt1"/>
-    </dgm:fillClrLst>
-    <dgm:linClrLst meth="repeat">
-      <a:schemeClr val="dk1">
-        <a:shade val="80000"/>
-      </a:schemeClr>
-    </dgm:linClrLst>
-    <dgm:effectClrLst/>
-    <dgm:txLinClrLst/>
-    <dgm:txFillClrLst meth="repeat">
-      <a:schemeClr val="dk1"/>
-    </dgm:txFillClrLst>
-    <dgm:txEffectClrLst/>
-  </dgm:styleLbl>
-  <dgm:styleLbl name="node4">
-    <dgm:fillClrLst meth="repeat">
-      <a:schemeClr val="lt1"/>
-    </dgm:fillClrLst>
-    <dgm:linClrLst meth="repeat">
-      <a:schemeClr val="dk1">
-        <a:shade val="80000"/>
-      </a:schemeClr>
-    </dgm:linClrLst>
-    <dgm:effectClrLst/>
-    <dgm:txLinClrLst/>
-    <dgm:txFillClrLst meth="repeat">
-      <a:schemeClr val="dk1"/>
-    </dgm:txFillClrLst>
-    <dgm:txEffectClrLst/>
-  </dgm:styleLbl>
-  <dgm:styleLbl name="fgImgPlace1">
-    <dgm:fillClrLst meth="repeat">
-      <a:schemeClr val="dk1">
-        <a:tint val="40000"/>
-      </a:schemeClr>
-    </dgm:fillClrLst>
-    <dgm:linClrLst meth="repeat">
-      <a:schemeClr val="dk1">
-        <a:shade val="80000"/>
-      </a:schemeClr>
-    </dgm:linClrLst>
-    <dgm:effectClrLst/>
-    <dgm:txLinClrLst/>
-    <dgm:txFillClrLst meth="repeat">
-      <a:schemeClr val="lt1"/>
-    </dgm:txFillClrLst>
-    <dgm:txEffectClrLst/>
-  </dgm:styleLbl>
-  <dgm:styleLbl name="alignImgPlace1">
-    <dgm:fillClrLst meth="repeat">
-      <a:schemeClr val="dk1">
-        <a:tint val="40000"/>
-      </a:schemeClr>
-    </dgm:fillClrLst>
-    <dgm:linClrLst meth="repeat">
-      <a:schemeClr val="dk1">
-        <a:shade val="80000"/>
-      </a:schemeClr>
-    </dgm:linClrLst>
-    <dgm:effectClrLst/>
-    <dgm:txLinClrLst/>
-    <dgm:txFillClrLst meth="repeat">
-      <a:schemeClr val="lt1"/>
-    </dgm:txFillClrLst>
-    <dgm:txEffectClrLst/>
-  </dgm:styleLbl>
-  <dgm:styleLbl name="bgImgPlace1">
-    <dgm:fillClrLst meth="repeat">
-      <a:schemeClr val="dk1">
-        <a:tint val="40000"/>
-      </a:schemeClr>
-    </dgm:fillClrLst>
-    <dgm:linClrLst meth="repeat">
-      <a:schemeClr val="dk1">
-        <a:shade val="80000"/>
-      </a:schemeClr>
-    </dgm:linClrLst>
-    <dgm:effectClrLst/>
-    <dgm:txLinClrLst/>
-    <dgm:txFillClrLst meth="repeat">
-      <a:schemeClr val="lt1"/>
-    </dgm:txFillClrLst>
-    <dgm:txEffectClrLst/>
-  </dgm:styleLbl>
-  <dgm:styleLbl name="sibTrans2D1">
-    <dgm:fillClrLst meth="repeat">
-      <a:schemeClr val="dk1">
-        <a:tint val="60000"/>
-      </a:schemeClr>
-    </dgm:fillClrLst>
-    <dgm:linClrLst meth="repeat">
-      <a:schemeClr val="dk1">
-        <a:tint val="60000"/>
-      </a:schemeClr>
-    </dgm:linClrLst>
-    <dgm:effectClrLst/>
-    <dgm:txLinClrLst/>
-    <dgm:txFillClrLst meth="repeat">
-      <a:schemeClr val="dk1"/>
-    </dgm:txFillClrLst>
-    <dgm:txEffectClrLst/>
-  </dgm:styleLbl>
-  <dgm:styleLbl name="fgSibTrans2D1">
-    <dgm:fillClrLst meth="repeat">
-      <a:schemeClr val="dk1">
-        <a:tint val="60000"/>
-      </a:schemeClr>
-    </dgm:fillClrLst>
-    <dgm:linClrLst meth="repeat">
-      <a:schemeClr val="dk1">
-        <a:tint val="60000"/>
-      </a:schemeClr>
-    </dgm:linClrLst>
-    <dgm:effectClrLst/>
-    <dgm:txLinClrLst/>
-    <dgm:txFillClrLst meth="repeat">
-      <a:schemeClr val="dk1"/>
-    </dgm:txFillClrLst>
-    <dgm:txEffectClrLst/>
-  </dgm:styleLbl>
-  <dgm:styleLbl name="bgSibTrans2D1">
-    <dgm:fillClrLst meth="repeat">
-      <a:schemeClr val="dk1">
-        <a:tint val="60000"/>
-      </a:schemeClr>
-    </dgm:fillClrLst>
-    <dgm:linClrLst meth="repeat">
-      <a:schemeClr val="dk1">
-        <a:tint val="60000"/>
-      </a:schemeClr>
-    </dgm:linClrLst>
-    <dgm:effectClrLst/>
-    <dgm:txLinClrLst/>
-    <dgm:txFillClrLst meth="repeat">
-      <a:schemeClr val="dk1"/>
-    </dgm:txFillClrLst>
-    <dgm:txEffectClrLst/>
-  </dgm:styleLbl>
-  <dgm:styleLbl name="sibTrans1D1">
-    <dgm:fillClrLst meth="repeat">
-      <a:schemeClr val="dk1"/>
-    </dgm:fillClrLst>
-    <dgm:linClrLst meth="repeat">
-      <a:schemeClr val="dk1"/>
-    </dgm:linClrLst>
-    <dgm:effectClrLst/>
-    <dgm:txLinClrLst/>
-    <dgm:txFillClrLst meth="repeat">
-      <a:schemeClr val="tx1"/>
-    </dgm:txFillClrLst>
-    <dgm:txEffectClrLst/>
-  </dgm:styleLbl>
-  <dgm:styleLbl name="callout">
-    <dgm:fillClrLst meth="repeat">
-      <a:schemeClr val="dk1"/>
-    </dgm:fillClrLst>
-    <dgm:linClrLst meth="repeat">
-      <a:schemeClr val="dk1"/>
-    </dgm:linClrLst>
-    <dgm:effectClrLst/>
-    <dgm:txLinClrLst/>
-    <dgm:txFillClrLst meth="repeat">
-      <a:schemeClr val="tx1"/>
-    </dgm:txFillClrLst>
-    <dgm:txEffectClrLst/>
-  </dgm:styleLbl>
-  <dgm:styleLbl name="asst0">
-    <dgm:fillClrLst meth="repeat">
-      <a:schemeClr val="lt1"/>
-    </dgm:fillClrLst>
-    <dgm:linClrLst meth="repeat">
-      <a:schemeClr val="dk1">
-        <a:shade val="80000"/>
-      </a:schemeClr>
-    </dgm:linClrLst>
-    <dgm:effectClrLst/>
-    <dgm:txLinClrLst/>
-    <dgm:txFillClrLst meth="repeat">
-      <a:schemeClr val="dk1"/>
-    </dgm:txFillClrLst>
-    <dgm:txEffectClrLst/>
-  </dgm:styleLbl>
-  <dgm:styleLbl name="asst1">
-    <dgm:fillClrLst meth="repeat">
-      <a:schemeClr val="lt1"/>
-    </dgm:fillClrLst>
-    <dgm:linClrLst meth="repeat">
-      <a:schemeClr val="dk1">
-        <a:shade val="80000"/>
-      </a:schemeClr>
-    </dgm:linClrLst>
-    <dgm:effectClrLst/>
-    <dgm:txLinClrLst/>
-    <dgm:txFillClrLst meth="repeat">
-      <a:schemeClr val="dk1"/>
-    </dgm:txFillClrLst>
-    <dgm:txEffectClrLst/>
-  </dgm:styleLbl>
-  <dgm:styleLbl name="asst2">
-    <dgm:fillClrLst meth="repeat">
-      <a:schemeClr val="lt1"/>
-    </dgm:fillClrLst>
-    <dgm:linClrLst meth="repeat">
-      <a:schemeClr val="dk1">
-        <a:shade val="80000"/>
-      </a:schemeClr>
-    </dgm:linClrLst>
-    <dgm:effectClrLst/>
-    <dgm:txLinClrLst/>
-    <dgm:txFillClrLst meth="repeat">
-      <a:schemeClr val="dk1"/>
-    </dgm:txFillClrLst>
-    <dgm:txEffectClrLst/>
-  </dgm:styleLbl>
-  <dgm:styleLbl name="asst3">
-    <dgm:fillClrLst meth="repeat">
-      <a:schemeClr val="lt1"/>
-    </dgm:fillClrLst>
-    <dgm:linClrLst meth="repeat">
-      <a:schemeClr val="dk1">
-        <a:shade val="80000"/>
-      </a:schemeClr>
-    </dgm:linClrLst>
-    <dgm:effectClrLst/>
-    <dgm:txLinClrLst/>
-    <dgm:txFillClrLst meth="repeat">
-      <a:schemeClr val="dk1"/>
-    </dgm:txFillClrLst>
-    <dgm:txEffectClrLst/>
-  </dgm:styleLbl>
-  <dgm:styleLbl name="asst4">
-    <dgm:fillClrLst meth="repeat">
-      <a:schemeClr val="lt1"/>
-    </dgm:fillClrLst>
-    <dgm:linClrLst meth="repeat">
-      <a:schemeClr val="dk1">
-        <a:shade val="80000"/>
-      </a:schemeClr>
-    </dgm:linClrLst>
-    <dgm:effectClrLst/>
-    <dgm:txLinClrLst/>
-    <dgm:txFillClrLst meth="repeat">
-      <a:schemeClr val="dk1"/>
-    </dgm:txFillClrLst>
-    <dgm:txEffectClrLst/>
-  </dgm:styleLbl>
-  <dgm:styleLbl name="parChTrans2D1">
-    <dgm:fillClrLst meth="repeat">
-      <a:schemeClr val="dk1">
-        <a:tint val="60000"/>
-      </a:schemeClr>
-    </dgm:fillClrLst>
-    <dgm:linClrLst meth="repeat">
-      <a:schemeClr val="dk1">
-        <a:tint val="60000"/>
-      </a:schemeClr>
-    </dgm:linClrLst>
-    <dgm:effectClrLst/>
-    <dgm:txLinClrLst/>
-    <dgm:txFillClrLst/>
-    <dgm:txEffectClrLst/>
-  </dgm:styleLbl>
-  <dgm:styleLbl name="parChTrans2D2">
-    <dgm:fillClrLst meth="repeat">
-      <a:schemeClr val="dk1"/>
-    </dgm:fillClrLst>
-    <dgm:linClrLst meth="repeat">
-      <a:schemeClr val="dk1"/>
-    </dgm:linClrLst>
-    <dgm:effectClrLst/>
-    <dgm:txLinClrLst/>
-    <dgm:txFillClrLst/>
-    <dgm:txEffectClrLst/>
-  </dgm:styleLbl>
-  <dgm:styleLbl name="parChTrans2D3">
-    <dgm:fillClrLst meth="repeat">
-      <a:schemeClr val="dk1"/>
-    </dgm:fillClrLst>
-    <dgm:linClrLst meth="repeat">
-      <a:schemeClr val="dk1"/>
-    </dgm:linClrLst>
-    <dgm:effectClrLst/>
-    <dgm:txLinClrLst/>
-    <dgm:txFillClrLst/>
-    <dgm:txEffectClrLst/>
-  </dgm:styleLbl>
-  <dgm:styleLbl name="parChTrans2D4">
-    <dgm:fillClrLst meth="repeat">
-      <a:schemeClr val="dk1"/>
-    </dgm:fillClrLst>
-    <dgm:linClrLst meth="repeat">
-      <a:schemeClr val="dk1"/>
-    </dgm:linClrLst>
-    <dgm:effectClrLst/>
-    <dgm:txLinClrLst/>
-    <dgm:txFillClrLst meth="repeat">
-      <a:schemeClr val="lt1"/>
-    </dgm:txFillClrLst>
-    <dgm:txEffectClrLst/>
-  </dgm:styleLbl>
-  <dgm:styleLbl name="parChTrans1D1">
-    <dgm:fillClrLst meth="repeat">
-      <a:schemeClr val="dk1"/>
-    </dgm:fillClrLst>
-    <dgm:linClrLst meth="repeat">
-      <a:schemeClr val="dk1">
-        <a:shade val="60000"/>
-      </a:schemeClr>
-    </dgm:linClrLst>
-    <dgm:effectClrLst/>
-    <dgm:txLinClrLst/>
-    <dgm:txFillClrLst meth="repeat">
-      <a:schemeClr val="tx1"/>
-    </dgm:txFillClrLst>
-    <dgm:txEffectClrLst/>
-  </dgm:styleLbl>
-  <dgm:styleLbl name="parChTrans1D2">
-    <dgm:fillClrLst meth="repeat">
-      <a:schemeClr val="dk1"/>
-    </dgm:fillClrLst>
-    <dgm:linClrLst meth="repeat">
-      <a:schemeClr val="dk1">
-        <a:shade val="60000"/>
-      </a:schemeClr>
-    </dgm:linClrLst>
-    <dgm:effectClrLst/>
-    <dgm:txLinClrLst/>
-    <dgm:txFillClrLst meth="repeat">
-      <a:schemeClr val="tx1"/>
-    </dgm:txFillClrLst>
-    <dgm:txEffectClrLst/>
-  </dgm:styleLbl>
-  <dgm:styleLbl name="parChTrans1D3">
-    <dgm:fillClrLst meth="repeat">
-      <a:schemeClr val="dk1"/>
-    </dgm:fillClrLst>
-    <dgm:linClrLst meth="repeat">
-      <a:schemeClr val="dk1">
-        <a:shade val="80000"/>
-      </a:schemeClr>
-    </dgm:linClrLst>
-    <dgm:effectClrLst/>
-    <dgm:txLinClrLst/>
-    <dgm:txFillClrLst meth="repeat">
-      <a:schemeClr val="tx1"/>
-    </dgm:txFillClrLst>
-    <dgm:txEffectClrLst/>
-  </dgm:styleLbl>
-  <dgm:styleLbl name="parChTrans1D4">
-    <dgm:fillClrLst meth="repeat">
-      <a:schemeClr val="dk1"/>
-    </dgm:fillClrLst>
-    <dgm:linClrLst meth="repeat">
-      <a:schemeClr val="dk1">
-        <a:shade val="80000"/>
-      </a:schemeClr>
-    </dgm:linClrLst>
-    <dgm:effectClrLst/>
-    <dgm:txLinClrLst/>
-    <dgm:txFillClrLst meth="repeat">
-      <a:schemeClr val="tx1"/>
-    </dgm:txFillClrLst>
-    <dgm:txEffectClrLst/>
-  </dgm:styleLbl>
-  <dgm:styleLbl name="fgAcc1">
-    <dgm:fillClrLst meth="repeat">
-      <a:schemeClr val="dk1">
-        <a:alpha val="90000"/>
-        <a:tint val="40000"/>
-      </a:schemeClr>
-    </dgm:fillClrLst>
-    <dgm:linClrLst meth="repeat">
-      <a:schemeClr val="dk1"/>
-    </dgm:linClrLst>
-    <dgm:effectClrLst/>
-    <dgm:txLinClrLst/>
-    <dgm:txFillClrLst meth="repeat">
-      <a:schemeClr val="dk1"/>
-    </dgm:txFillClrLst>
-    <dgm:txEffectClrLst/>
-  </dgm:styleLbl>
-  <dgm:styleLbl name="conFgAcc1">
-    <dgm:fillClrLst meth="repeat">
-      <a:schemeClr val="dk1">
-        <a:alpha val="90000"/>
-        <a:tint val="40000"/>
-      </a:schemeClr>
-    </dgm:fillClrLst>
-    <dgm:linClrLst meth="repeat">
-      <a:schemeClr val="dk1"/>
-    </dgm:linClrLst>
-    <dgm:effectClrLst/>
-    <dgm:txLinClrLst/>
-    <dgm:txFillClrLst meth="repeat">
-      <a:schemeClr val="dk1"/>
-    </dgm:txFillClrLst>
-    <dgm:txEffectClrLst/>
-  </dgm:styleLbl>
-  <dgm:styleLbl name="alignAcc1">
-    <dgm:fillClrLst meth="repeat">
-      <a:schemeClr val="dk1">
-        <a:alpha val="90000"/>
-        <a:tint val="40000"/>
-      </a:schemeClr>
-    </dgm:fillClrLst>
-    <dgm:linClrLst meth="repeat">
-      <a:schemeClr val="dk1"/>
-    </dgm:linClrLst>
-    <dgm:effectClrLst/>
-    <dgm:txLinClrLst/>
-    <dgm:txFillClrLst meth="repeat">
-      <a:schemeClr val="dk1"/>
-    </dgm:txFillClrLst>
-    <dgm:txEffectClrLst/>
-  </dgm:styleLbl>
-  <dgm:styleLbl name="trAlignAcc1">
-    <dgm:fillClrLst meth="repeat">
-      <a:schemeClr val="dk1">
-        <a:alpha val="40000"/>
-        <a:tint val="40000"/>
-      </a:schemeClr>
-    </dgm:fillClrLst>
-    <dgm:linClrLst meth="repeat">
-      <a:schemeClr val="dk1"/>
-    </dgm:linClrLst>
-    <dgm:effectClrLst/>
-    <dgm:txLinClrLst/>
-    <dgm:txFillClrLst meth="repeat">
-      <a:schemeClr val="dk1"/>
-    </dgm:txFillClrLst>
-    <dgm:txEffectClrLst/>
-  </dgm:styleLbl>
-  <dgm:styleLbl name="bgAcc1">
-    <dgm:fillClrLst meth="repeat">
-      <a:schemeClr val="dk1">
-        <a:alpha val="90000"/>
-        <a:tint val="40000"/>
-      </a:schemeClr>
-    </dgm:fillClrLst>
-    <dgm:linClrLst meth="repeat">
-      <a:schemeClr val="dk1"/>
-    </dgm:linClrLst>
-    <dgm:effectClrLst/>
-    <dgm:txLinClrLst/>
-    <dgm:txFillClrLst meth="repeat">
-      <a:schemeClr val="dk1"/>
-    </dgm:txFillClrLst>
-    <dgm:txEffectClrLst/>
-  </dgm:styleLbl>
-  <dgm:styleLbl name="solidFgAcc1">
-    <dgm:fillClrLst meth="repeat">
-      <a:schemeClr val="lt1"/>
-    </dgm:fillClrLst>
-    <dgm:linClrLst meth="repeat">
-      <a:schemeClr val="dk1"/>
-    </dgm:linClrLst>
-    <dgm:effectClrLst/>
-    <dgm:txLinClrLst/>
-    <dgm:txFillClrLst meth="repeat">
-      <a:schemeClr val="dk1"/>
-    </dgm:txFillClrLst>
-    <dgm:txEffectClrLst/>
-  </dgm:styleLbl>
-  <dgm:styleLbl name="solidAlignAcc1">
-    <dgm:fillClrLst meth="repeat">
-      <a:schemeClr val="lt1"/>
-    </dgm:fillClrLst>
-    <dgm:linClrLst meth="repeat">
-      <a:schemeClr val="dk1"/>
-    </dgm:linClrLst>
-    <dgm:effectClrLst/>
-    <dgm:txLinClrLst/>
-    <dgm:txFillClrLst meth="repeat">
-      <a:schemeClr val="dk1"/>
-    </dgm:txFillClrLst>
-    <dgm:txEffectClrLst/>
-  </dgm:styleLbl>
-  <dgm:styleLbl name="solidBgAcc1">
-    <dgm:fillClrLst meth="repeat">
-      <a:schemeClr val="lt1"/>
-    </dgm:fillClrLst>
-    <dgm:linClrLst meth="repeat">
-      <a:schemeClr val="dk1"/>
-    </dgm:linClrLst>
-    <dgm:effectClrLst/>
-    <dgm:txLinClrLst/>
-    <dgm:txFillClrLst meth="repeat">
-      <a:schemeClr val="dk1"/>
-    </dgm:txFillClrLst>
-    <dgm:txEffectClrLst/>
-  </dgm:styleLbl>
-  <dgm:styleLbl name="fgAccFollowNode1">
-    <dgm:fillClrLst meth="repeat">
-      <a:schemeClr val="lt1">
-        <a:alpha val="90000"/>
-        <a:tint val="40000"/>
-      </a:schemeClr>
-    </dgm:fillClrLst>
-    <dgm:linClrLst meth="repeat">
-      <a:schemeClr val="dk1">
-        <a:alpha val="90000"/>
-      </a:schemeClr>
-    </dgm:linClrLst>
-    <dgm:effectClrLst/>
-    <dgm:txLinClrLst/>
-    <dgm:txFillClrLst meth="repeat">
-      <a:schemeClr val="dk1"/>
-    </dgm:txFillClrLst>
-    <dgm:txEffectClrLst/>
-  </dgm:styleLbl>
-  <dgm:styleLbl name="alignAccFollowNode1">
-    <dgm:fillClrLst meth="repeat">
-      <a:schemeClr val="lt1">
-        <a:alpha val="90000"/>
-        <a:tint val="40000"/>
-      </a:schemeClr>
-    </dgm:fillClrLst>
-    <dgm:linClrLst meth="repeat">
-      <a:schemeClr val="dk1">
-        <a:alpha val="90000"/>
-      </a:schemeClr>
-    </dgm:linClrLst>
-    <dgm:effectClrLst/>
-    <dgm:txLinClrLst/>
-    <dgm:txFillClrLst meth="repeat">
-      <a:schemeClr val="dk1"/>
-    </dgm:txFillClrLst>
-    <dgm:txEffectClrLst/>
-  </dgm:styleLbl>
-  <dgm:styleLbl name="bgAccFollowNode1">
-    <dgm:fillClrLst meth="repeat">
-      <a:schemeClr val="lt1">
-        <a:alpha val="90000"/>
-        <a:tint val="40000"/>
-      </a:schemeClr>
-    </dgm:fillClrLst>
-    <dgm:linClrLst meth="repeat">
-      <a:schemeClr val="dk1">
-        <a:alpha val="90000"/>
-      </a:schemeClr>
-    </dgm:linClrLst>
-    <dgm:effectClrLst/>
-    <dgm:txLinClrLst/>
-    <dgm:txFillClrLst meth="repeat">
-      <a:schemeClr val="dk1"/>
-    </dgm:txFillClrLst>
-    <dgm:txEffectClrLst/>
-  </dgm:styleLbl>
-  <dgm:styleLbl name="fgAcc0">
-    <dgm:fillClrLst meth="repeat">
-      <a:schemeClr val="dk1">
-        <a:alpha val="90000"/>
-        <a:tint val="40000"/>
-      </a:schemeClr>
-    </dgm:fillClrLst>
-    <dgm:linClrLst meth="repeat">
-      <a:schemeClr val="dk1"/>
-    </dgm:linClrLst>
-    <dgm:effectClrLst/>
-    <dgm:txLinClrLst/>
-    <dgm:txFillClrLst meth="repeat">
-      <a:schemeClr val="dk1"/>
-    </dgm:txFillClrLst>
-    <dgm:txEffectClrLst/>
-  </dgm:styleLbl>
-  <dgm:styleLbl name="fgAcc2">
-    <dgm:fillClrLst meth="repeat">
-      <a:schemeClr val="dk1">
-        <a:alpha val="90000"/>
-        <a:tint val="40000"/>
-      </a:schemeClr>
-    </dgm:fillClrLst>
-    <dgm:linClrLst meth="repeat">
-      <a:schemeClr val="dk1"/>
-    </dgm:linClrLst>
-    <dgm:effectClrLst/>
-    <dgm:txLinClrLst/>
-    <dgm:txFillClrLst meth="repeat">
-      <a:schemeClr val="dk1"/>
-    </dgm:txFillClrLst>
-    <dgm:txEffectClrLst/>
-  </dgm:styleLbl>
-  <dgm:styleLbl name="fgAcc3">
-    <dgm:fillClrLst meth="repeat">
-      <a:schemeClr val="dk1">
-        <a:alpha val="90000"/>
-        <a:tint val="40000"/>
-      </a:schemeClr>
-    </dgm:fillClrLst>
-    <dgm:linClrLst meth="repeat">
-      <a:schemeClr val="dk1"/>
-    </dgm:linClrLst>
-    <dgm:effectClrLst/>
-    <dgm:txLinClrLst/>
-    <dgm:txFillClrLst meth="repeat">
-      <a:schemeClr val="dk1"/>
-    </dgm:txFillClrLst>
-    <dgm:txEffectClrLst/>
-  </dgm:styleLbl>
-  <dgm:styleLbl name="fgAcc4">
-    <dgm:fillClrLst meth="repeat">
-      <a:schemeClr val="dk1">
-        <a:alpha val="90000"/>
-        <a:tint val="40000"/>
-      </a:schemeClr>
-    </dgm:fillClrLst>
-    <dgm:linClrLst meth="repeat">
-      <a:schemeClr val="dk1"/>
-    </dgm:linClrLst>
-    <dgm:effectClrLst/>
-    <dgm:txLinClrLst/>
-    <dgm:txFillClrLst meth="repeat">
-      <a:schemeClr val="dk1"/>
-    </dgm:txFillClrLst>
-    <dgm:txEffectClrLst/>
-  </dgm:styleLbl>
-  <dgm:styleLbl name="bgShp">
-    <dgm:fillClrLst meth="repeat">
-      <a:schemeClr val="dk1">
-        <a:tint val="40000"/>
-      </a:schemeClr>
-    </dgm:fillClrLst>
-    <dgm:linClrLst meth="repeat">
-      <a:schemeClr val="dk1"/>
-    </dgm:linClrLst>
-    <dgm:effectClrLst/>
-    <dgm:txLinClrLst/>
-    <dgm:txFillClrLst meth="repeat">
-      <a:schemeClr val="dk1"/>
-    </dgm:txFillClrLst>
-    <dgm:txEffectClrLst/>
-  </dgm:styleLbl>
-  <dgm:styleLbl name="dkBgShp">
-    <dgm:fillClrLst meth="repeat">
-      <a:schemeClr val="dk1">
-        <a:shade val="80000"/>
-      </a:schemeClr>
-    </dgm:fillClrLst>
-    <dgm:linClrLst meth="repeat">
-      <a:schemeClr val="dk1"/>
-    </dgm:linClrLst>
-    <dgm:effectClrLst/>
-    <dgm:txLinClrLst/>
-    <dgm:txFillClrLst meth="repeat">
-      <a:schemeClr val="lt1"/>
-    </dgm:txFillClrLst>
-    <dgm:txEffectClrLst/>
-  </dgm:styleLbl>
-  <dgm:styleLbl name="trBgShp">
-    <dgm:fillClrLst meth="repeat">
-      <a:schemeClr val="dk1">
-        <a:tint val="50000"/>
-        <a:alpha val="40000"/>
-      </a:schemeClr>
-    </dgm:fillClrLst>
-    <dgm:linClrLst meth="repeat">
-      <a:schemeClr val="dk1"/>
-    </dgm:linClrLst>
-    <dgm:effectClrLst/>
-    <dgm:txLinClrLst/>
-    <dgm:txFillClrLst meth="repeat">
-      <a:schemeClr val="lt1"/>
-    </dgm:txFillClrLst>
-    <dgm:txEffectClrLst/>
-  </dgm:styleLbl>
-  <dgm:styleLbl name="fgShp">
-    <dgm:fillClrLst meth="repeat">
-      <a:schemeClr val="dk1">
-        <a:tint val="60000"/>
-      </a:schemeClr>
-    </dgm:fillClrLst>
-    <dgm:linClrLst meth="repeat">
-      <a:schemeClr val="lt1"/>
-    </dgm:linClrLst>
-    <dgm:effectClrLst/>
-    <dgm:txLinClrLst/>
-    <dgm:txFillClrLst meth="repeat">
-      <a:schemeClr val="dk1"/>
-    </dgm:txFillClrLst>
-    <dgm:txEffectClrLst/>
-  </dgm:styleLbl>
-  <dgm:styleLbl name="revTx">
-    <dgm:fillClrLst meth="repeat">
-      <a:schemeClr val="lt1">
-        <a:alpha val="0"/>
-      </a:schemeClr>
-    </dgm:fillClrLst>
-    <dgm:linClrLst meth="repeat">
-      <a:schemeClr val="dk1">
-        <a:alpha val="0"/>
-      </a:schemeClr>
-    </dgm:linClrLst>
-    <dgm:effectClrLst/>
-    <dgm:txLinClrLst/>
-    <dgm:txFillClrLst meth="repeat">
-      <a:schemeClr val="tx1"/>
-    </dgm:txFillClrLst>
-    <dgm:txEffectClrLst/>
-  </dgm:styleLbl>
-</dgm:colorsDef>
-</file>
-
-<file path=ppt/diagrams/data1.xml><?xml version="1.0" encoding="utf-8"?>
-<dgm:dataModel xmlns:dgm="http://schemas.openxmlformats.org/drawingml/2006/diagram" xmlns:a="http://schemas.openxmlformats.org/drawingml/2006/main">
-  <dgm:ptLst>
-    <dgm:pt modelId="{3183185A-2A53-4D8C-8F32-C845F2F70CBF}" type="doc">
-      <dgm:prSet loTypeId="urn:microsoft.com/office/officeart/2005/8/layout/chevron2" loCatId="list" qsTypeId="urn:microsoft.com/office/officeart/2005/8/quickstyle/simple1" qsCatId="simple" csTypeId="urn:microsoft.com/office/officeart/2005/8/colors/accent0_1" csCatId="mainScheme" phldr="1"/>
-      <dgm:spPr/>
-      <dgm:t>
-        <a:bodyPr/>
-        <a:lstStyle/>
-        <a:p>
-          <a:endParaRPr lang="en-US"/>
-        </a:p>
-      </dgm:t>
-    </dgm:pt>
-    <dgm:pt modelId="{758CBA3A-9936-4C67-965C-A8DD3074879B}">
-      <dgm:prSet phldrT="[Text]"/>
-      <dgm:spPr/>
-      <dgm:t>
-        <a:bodyPr/>
-        <a:lstStyle/>
-        <a:p>
-          <a:r>
-            <a:rPr lang="en-US" dirty="0"/>
-            <a:t>A</a:t>
-          </a:r>
-        </a:p>
-      </dgm:t>
-      <dgm:extLst>
-        <a:ext uri="{E40237B7-FDA0-4F09-8148-C483321AD2D9}">
-          <dgm14:cNvPr xmlns:dgm14="http://schemas.microsoft.com/office/drawing/2010/diagram" id="0" name="" title="Group A"/>
-        </a:ext>
-      </dgm:extLst>
-    </dgm:pt>
-    <dgm:pt modelId="{39812E31-9C15-4A6C-B8B9-78CE6FB555B1}" type="parTrans" cxnId="{F717B596-7122-4C3F-9238-14763508386B}">
-      <dgm:prSet/>
-      <dgm:spPr/>
-      <dgm:t>
-        <a:bodyPr/>
-        <a:lstStyle/>
-        <a:p>
-          <a:endParaRPr lang="en-US"/>
-        </a:p>
-      </dgm:t>
-    </dgm:pt>
-    <dgm:pt modelId="{290E9CBE-1634-47AD-B973-508944073D35}" type="sibTrans" cxnId="{F717B596-7122-4C3F-9238-14763508386B}">
-      <dgm:prSet/>
-      <dgm:spPr/>
-      <dgm:t>
-        <a:bodyPr/>
-        <a:lstStyle/>
-        <a:p>
-          <a:endParaRPr lang="en-US"/>
-        </a:p>
-      </dgm:t>
-    </dgm:pt>
-    <dgm:pt modelId="{E90264E4-81CE-47E1-80E3-2624D8E5DFEE}">
-      <dgm:prSet phldrT="[Text]"/>
-      <dgm:spPr/>
-      <dgm:t>
-        <a:bodyPr/>
-        <a:lstStyle/>
-        <a:p>
-          <a:r>
-            <a:rPr lang="en-US" dirty="0"/>
-            <a:t>Task 1</a:t>
-          </a:r>
-        </a:p>
-      </dgm:t>
-      <dgm:extLst>
-        <a:ext uri="{E40237B7-FDA0-4F09-8148-C483321AD2D9}">
-          <dgm14:cNvPr xmlns:dgm14="http://schemas.microsoft.com/office/drawing/2010/diagram" id="0" name="" title="Task 1 and task 2 under group A"/>
-        </a:ext>
-      </dgm:extLst>
-    </dgm:pt>
-    <dgm:pt modelId="{79881485-DDC4-4A70-AA7E-393B9FD5747B}" type="parTrans" cxnId="{F3B89C52-602F-49F7-B10E-F3B64BCDF706}">
-      <dgm:prSet/>
-      <dgm:spPr/>
-      <dgm:t>
-        <a:bodyPr/>
-        <a:lstStyle/>
-        <a:p>
-          <a:endParaRPr lang="en-US"/>
-        </a:p>
-      </dgm:t>
-    </dgm:pt>
-    <dgm:pt modelId="{F41EE2E3-AB57-4E33-8FAD-2DCFFB467FDC}" type="sibTrans" cxnId="{F3B89C52-602F-49F7-B10E-F3B64BCDF706}">
-      <dgm:prSet/>
-      <dgm:spPr/>
-      <dgm:t>
-        <a:bodyPr/>
-        <a:lstStyle/>
-        <a:p>
-          <a:endParaRPr lang="en-US"/>
-        </a:p>
-      </dgm:t>
-    </dgm:pt>
-    <dgm:pt modelId="{B8D53E29-122A-46E1-B481-B57598D97444}">
-      <dgm:prSet phldrT="[Text]"/>
-      <dgm:spPr/>
-      <dgm:t>
-        <a:bodyPr/>
-        <a:lstStyle/>
-        <a:p>
-          <a:r>
-            <a:rPr lang="en-US" dirty="0"/>
-            <a:t>Task 2</a:t>
-          </a:r>
-        </a:p>
-      </dgm:t>
-    </dgm:pt>
-    <dgm:pt modelId="{EF8E1F9D-EFFE-4283-A7B6-A44D3292ACA4}" type="parTrans" cxnId="{C5FFCAE6-64D2-4A77-B85B-A376B2EE8E4F}">
-      <dgm:prSet/>
-      <dgm:spPr/>
-      <dgm:t>
-        <a:bodyPr/>
-        <a:lstStyle/>
-        <a:p>
-          <a:endParaRPr lang="en-US"/>
-        </a:p>
-      </dgm:t>
-    </dgm:pt>
-    <dgm:pt modelId="{99B04B81-08CA-46AC-951C-217069AEF451}" type="sibTrans" cxnId="{C5FFCAE6-64D2-4A77-B85B-A376B2EE8E4F}">
-      <dgm:prSet/>
-      <dgm:spPr/>
-      <dgm:t>
-        <a:bodyPr/>
-        <a:lstStyle/>
-        <a:p>
-          <a:endParaRPr lang="en-US"/>
-        </a:p>
-      </dgm:t>
-    </dgm:pt>
-    <dgm:pt modelId="{15031D9C-993C-4715-A26F-56D8831933EB}">
-      <dgm:prSet phldrT="[Text]"/>
-      <dgm:spPr/>
-      <dgm:t>
-        <a:bodyPr/>
-        <a:lstStyle/>
-        <a:p>
-          <a:r>
-            <a:rPr lang="en-US" dirty="0"/>
-            <a:t>B</a:t>
-          </a:r>
-        </a:p>
-      </dgm:t>
-      <dgm:extLst>
-        <a:ext uri="{E40237B7-FDA0-4F09-8148-C483321AD2D9}">
-          <dgm14:cNvPr xmlns:dgm14="http://schemas.microsoft.com/office/drawing/2010/diagram" id="0" name="" title="Group B"/>
-        </a:ext>
-      </dgm:extLst>
-    </dgm:pt>
-    <dgm:pt modelId="{77530735-8AD3-469C-AEC2-B5B17A08AF65}" type="parTrans" cxnId="{C8C2ADA0-316E-46E3-A4D5-49BD4A9A4B0B}">
-      <dgm:prSet/>
-      <dgm:spPr/>
-      <dgm:t>
-        <a:bodyPr/>
-        <a:lstStyle/>
-        <a:p>
-          <a:endParaRPr lang="en-US"/>
-        </a:p>
-      </dgm:t>
-    </dgm:pt>
-    <dgm:pt modelId="{FB1D36D5-798A-40AA-91C3-3F3E5AF1A86F}" type="sibTrans" cxnId="{C8C2ADA0-316E-46E3-A4D5-49BD4A9A4B0B}">
-      <dgm:prSet/>
-      <dgm:spPr/>
-      <dgm:t>
-        <a:bodyPr/>
-        <a:lstStyle/>
-        <a:p>
-          <a:endParaRPr lang="en-US"/>
-        </a:p>
-      </dgm:t>
-    </dgm:pt>
-    <dgm:pt modelId="{07B93839-AE15-473C-B47B-27FA5DBEE4E9}">
-      <dgm:prSet phldrT="[Text]"/>
-      <dgm:spPr/>
-      <dgm:t>
-        <a:bodyPr/>
-        <a:lstStyle/>
-        <a:p>
-          <a:r>
-            <a:rPr lang="en-US" dirty="0"/>
-            <a:t>Task 1</a:t>
-          </a:r>
-        </a:p>
-      </dgm:t>
-      <dgm:extLst>
-        <a:ext uri="{E40237B7-FDA0-4F09-8148-C483321AD2D9}">
-          <dgm14:cNvPr xmlns:dgm14="http://schemas.microsoft.com/office/drawing/2010/diagram" id="0" name="" title="Task 1 and task 2 under group B"/>
-        </a:ext>
-      </dgm:extLst>
-    </dgm:pt>
-    <dgm:pt modelId="{2BEFC288-C4D1-45AF-B679-7A41333941DE}" type="parTrans" cxnId="{4D38D698-DC6D-4926-9520-43A255B536D4}">
-      <dgm:prSet/>
-      <dgm:spPr/>
-      <dgm:t>
-        <a:bodyPr/>
-        <a:lstStyle/>
-        <a:p>
-          <a:endParaRPr lang="en-US"/>
-        </a:p>
-      </dgm:t>
-    </dgm:pt>
-    <dgm:pt modelId="{0468DBFC-CB2D-4B3A-AAE7-09352D12344E}" type="sibTrans" cxnId="{4D38D698-DC6D-4926-9520-43A255B536D4}">
-      <dgm:prSet/>
-      <dgm:spPr/>
-      <dgm:t>
-        <a:bodyPr/>
-        <a:lstStyle/>
-        <a:p>
-          <a:endParaRPr lang="en-US"/>
-        </a:p>
-      </dgm:t>
-    </dgm:pt>
-    <dgm:pt modelId="{23C50191-A44D-4110-97C1-1DC6F9FD79CA}">
-      <dgm:prSet phldrT="[Text]"/>
-      <dgm:spPr/>
-      <dgm:t>
-        <a:bodyPr/>
-        <a:lstStyle/>
-        <a:p>
-          <a:r>
-            <a:rPr lang="en-US" dirty="0"/>
-            <a:t>Task 2</a:t>
-          </a:r>
-        </a:p>
-      </dgm:t>
-    </dgm:pt>
-    <dgm:pt modelId="{E183CF6D-105A-4EAB-A780-A97B120C1182}" type="parTrans" cxnId="{A71F00B0-D098-4236-AD79-95FC48F754F5}">
-      <dgm:prSet/>
-      <dgm:spPr/>
-      <dgm:t>
-        <a:bodyPr/>
-        <a:lstStyle/>
-        <a:p>
-          <a:endParaRPr lang="en-US"/>
-        </a:p>
-      </dgm:t>
-    </dgm:pt>
-    <dgm:pt modelId="{8625F877-DCE4-4E39-929E-7FA0A761B660}" type="sibTrans" cxnId="{A71F00B0-D098-4236-AD79-95FC48F754F5}">
-      <dgm:prSet/>
-      <dgm:spPr/>
-      <dgm:t>
-        <a:bodyPr/>
-        <a:lstStyle/>
-        <a:p>
-          <a:endParaRPr lang="en-US"/>
-        </a:p>
-      </dgm:t>
-    </dgm:pt>
-    <dgm:pt modelId="{2936D842-720E-4365-AD39-F6EAEC441633}">
-      <dgm:prSet phldrT="[Text]"/>
-      <dgm:spPr/>
-      <dgm:t>
-        <a:bodyPr/>
-        <a:lstStyle/>
-        <a:p>
-          <a:r>
-            <a:rPr lang="en-US" dirty="0"/>
-            <a:t>C</a:t>
-          </a:r>
-        </a:p>
-      </dgm:t>
-      <dgm:extLst>
-        <a:ext uri="{E40237B7-FDA0-4F09-8148-C483321AD2D9}">
-          <dgm14:cNvPr xmlns:dgm14="http://schemas.microsoft.com/office/drawing/2010/diagram" id="0" name="" title="Group C"/>
-        </a:ext>
-      </dgm:extLst>
-    </dgm:pt>
-    <dgm:pt modelId="{13139645-28B0-41D9-8ED9-DA67D736E51B}" type="parTrans" cxnId="{3A8ECB28-E23B-45B6-8C84-8AF5114507DE}">
-      <dgm:prSet/>
-      <dgm:spPr/>
-      <dgm:t>
-        <a:bodyPr/>
-        <a:lstStyle/>
-        <a:p>
-          <a:endParaRPr lang="en-US"/>
-        </a:p>
-      </dgm:t>
-    </dgm:pt>
-    <dgm:pt modelId="{96C19FF6-672B-4588-9D93-2A932D4ACF8D}" type="sibTrans" cxnId="{3A8ECB28-E23B-45B6-8C84-8AF5114507DE}">
-      <dgm:prSet/>
-      <dgm:spPr/>
-      <dgm:t>
-        <a:bodyPr/>
-        <a:lstStyle/>
-        <a:p>
-          <a:endParaRPr lang="en-US"/>
-        </a:p>
-      </dgm:t>
-    </dgm:pt>
-    <dgm:pt modelId="{A05E8D05-15E6-4BEC-B725-D745A48258D3}">
-      <dgm:prSet phldrT="[Text]"/>
-      <dgm:spPr/>
-      <dgm:t>
-        <a:bodyPr/>
-        <a:lstStyle/>
-        <a:p>
-          <a:r>
-            <a:rPr lang="en-US" dirty="0"/>
-            <a:t>Task 1</a:t>
-          </a:r>
-        </a:p>
-      </dgm:t>
-      <dgm:extLst>
-        <a:ext uri="{E40237B7-FDA0-4F09-8148-C483321AD2D9}">
-          <dgm14:cNvPr xmlns:dgm14="http://schemas.microsoft.com/office/drawing/2010/diagram" id="0" name="" title="Task 1 and task 2 under group C"/>
-        </a:ext>
-      </dgm:extLst>
-    </dgm:pt>
-    <dgm:pt modelId="{29C49A6E-36B2-41D1-83D5-6B58713D5DAF}" type="parTrans" cxnId="{EFE22C42-C667-4B7A-8208-6758BAEC1445}">
-      <dgm:prSet/>
-      <dgm:spPr/>
-      <dgm:t>
-        <a:bodyPr/>
-        <a:lstStyle/>
-        <a:p>
-          <a:endParaRPr lang="en-US"/>
-        </a:p>
-      </dgm:t>
-    </dgm:pt>
-    <dgm:pt modelId="{EA09E308-F440-47C6-8C86-B63BABC170D9}" type="sibTrans" cxnId="{EFE22C42-C667-4B7A-8208-6758BAEC1445}">
-      <dgm:prSet/>
-      <dgm:spPr/>
-      <dgm:t>
-        <a:bodyPr/>
-        <a:lstStyle/>
-        <a:p>
-          <a:endParaRPr lang="en-US"/>
-        </a:p>
-      </dgm:t>
-    </dgm:pt>
-    <dgm:pt modelId="{501543CC-DA58-457B-906B-32038F856438}">
-      <dgm:prSet phldrT="[Text]"/>
-      <dgm:spPr/>
-      <dgm:t>
-        <a:bodyPr/>
-        <a:lstStyle/>
-        <a:p>
-          <a:r>
-            <a:rPr lang="en-US" dirty="0"/>
-            <a:t>Task 2</a:t>
-          </a:r>
-        </a:p>
-      </dgm:t>
-    </dgm:pt>
-    <dgm:pt modelId="{5E67377B-1C69-4BC4-AA80-867A0F76CC63}" type="parTrans" cxnId="{828862EB-D32C-4FA8-A0B8-53A1BB9A1CA8}">
-      <dgm:prSet/>
-      <dgm:spPr/>
-      <dgm:t>
-        <a:bodyPr/>
-        <a:lstStyle/>
-        <a:p>
-          <a:endParaRPr lang="en-US"/>
-        </a:p>
-      </dgm:t>
-    </dgm:pt>
-    <dgm:pt modelId="{C9786BDC-DE69-4580-9357-6DFCD292EB5B}" type="sibTrans" cxnId="{828862EB-D32C-4FA8-A0B8-53A1BB9A1CA8}">
-      <dgm:prSet/>
-      <dgm:spPr/>
-      <dgm:t>
-        <a:bodyPr/>
-        <a:lstStyle/>
-        <a:p>
-          <a:endParaRPr lang="en-US"/>
-        </a:p>
-      </dgm:t>
-    </dgm:pt>
-    <dgm:pt modelId="{E80E23AD-ECAE-46D2-92A5-71CA9074EED7}" type="pres">
-      <dgm:prSet presAssocID="{3183185A-2A53-4D8C-8F32-C845F2F70CBF}" presName="linearFlow" presStyleCnt="0">
-        <dgm:presLayoutVars>
-          <dgm:dir/>
-          <dgm:animLvl val="lvl"/>
-          <dgm:resizeHandles val="exact"/>
-        </dgm:presLayoutVars>
-      </dgm:prSet>
-      <dgm:spPr/>
-      <dgm:t>
-        <a:bodyPr/>
-        <a:lstStyle/>
-        <a:p>
-          <a:endParaRPr lang="it-IT"/>
-        </a:p>
-      </dgm:t>
-    </dgm:pt>
-    <dgm:pt modelId="{63DDCCD6-3F31-4095-8E42-5BBFC31B83BE}" type="pres">
-      <dgm:prSet presAssocID="{758CBA3A-9936-4C67-965C-A8DD3074879B}" presName="composite" presStyleCnt="0"/>
-      <dgm:spPr/>
-    </dgm:pt>
-    <dgm:pt modelId="{C0AF5CB7-6C4F-49BC-8738-E4DE0AC00B72}" type="pres">
-      <dgm:prSet presAssocID="{758CBA3A-9936-4C67-965C-A8DD3074879B}" presName="parentText" presStyleLbl="alignNode1" presStyleIdx="0" presStyleCnt="3">
-        <dgm:presLayoutVars>
-          <dgm:chMax val="1"/>
-          <dgm:bulletEnabled val="1"/>
-        </dgm:presLayoutVars>
-      </dgm:prSet>
-      <dgm:spPr/>
-      <dgm:t>
-        <a:bodyPr/>
-        <a:lstStyle/>
-        <a:p>
-          <a:endParaRPr lang="it-IT"/>
-        </a:p>
-      </dgm:t>
-    </dgm:pt>
-    <dgm:pt modelId="{0E09DE89-66C0-478D-8170-8F0BC920F1EB}" type="pres">
-      <dgm:prSet presAssocID="{758CBA3A-9936-4C67-965C-A8DD3074879B}" presName="descendantText" presStyleLbl="alignAcc1" presStyleIdx="0" presStyleCnt="3">
-        <dgm:presLayoutVars>
-          <dgm:bulletEnabled val="1"/>
-        </dgm:presLayoutVars>
-      </dgm:prSet>
-      <dgm:spPr/>
-      <dgm:t>
-        <a:bodyPr/>
-        <a:lstStyle/>
-        <a:p>
-          <a:endParaRPr lang="it-IT"/>
-        </a:p>
-      </dgm:t>
-    </dgm:pt>
-    <dgm:pt modelId="{52E78D13-8FB5-4AEC-B5C0-881B683FCF22}" type="pres">
-      <dgm:prSet presAssocID="{290E9CBE-1634-47AD-B973-508944073D35}" presName="sp" presStyleCnt="0"/>
-      <dgm:spPr/>
-    </dgm:pt>
-    <dgm:pt modelId="{E529DD28-A6C8-4185-BA28-3A73741EACF4}" type="pres">
-      <dgm:prSet presAssocID="{15031D9C-993C-4715-A26F-56D8831933EB}" presName="composite" presStyleCnt="0"/>
-      <dgm:spPr/>
-    </dgm:pt>
-    <dgm:pt modelId="{29EA1718-F619-46D8-B505-CF1DDA71B8BF}" type="pres">
-      <dgm:prSet presAssocID="{15031D9C-993C-4715-A26F-56D8831933EB}" presName="parentText" presStyleLbl="alignNode1" presStyleIdx="1" presStyleCnt="3">
-        <dgm:presLayoutVars>
-          <dgm:chMax val="1"/>
-          <dgm:bulletEnabled val="1"/>
-        </dgm:presLayoutVars>
-      </dgm:prSet>
-      <dgm:spPr/>
-      <dgm:t>
-        <a:bodyPr/>
-        <a:lstStyle/>
-        <a:p>
-          <a:endParaRPr lang="it-IT"/>
-        </a:p>
-      </dgm:t>
-    </dgm:pt>
-    <dgm:pt modelId="{C96267EA-EF01-411B-8D37-95F44BBB68D3}" type="pres">
-      <dgm:prSet presAssocID="{15031D9C-993C-4715-A26F-56D8831933EB}" presName="descendantText" presStyleLbl="alignAcc1" presStyleIdx="1" presStyleCnt="3">
-        <dgm:presLayoutVars>
-          <dgm:bulletEnabled val="1"/>
-        </dgm:presLayoutVars>
-      </dgm:prSet>
-      <dgm:spPr/>
-      <dgm:t>
-        <a:bodyPr/>
-        <a:lstStyle/>
-        <a:p>
-          <a:endParaRPr lang="it-IT"/>
-        </a:p>
-      </dgm:t>
-    </dgm:pt>
-    <dgm:pt modelId="{4CCED8E1-297A-4834-9FC1-39D8E59A67B1}" type="pres">
-      <dgm:prSet presAssocID="{FB1D36D5-798A-40AA-91C3-3F3E5AF1A86F}" presName="sp" presStyleCnt="0"/>
-      <dgm:spPr/>
-    </dgm:pt>
-    <dgm:pt modelId="{95036E43-6C97-4BF5-8CB3-7871077B6900}" type="pres">
-      <dgm:prSet presAssocID="{2936D842-720E-4365-AD39-F6EAEC441633}" presName="composite" presStyleCnt="0"/>
-      <dgm:spPr/>
-    </dgm:pt>
-    <dgm:pt modelId="{E7C44091-B50A-4CB0-98F0-E70A01DD36F4}" type="pres">
-      <dgm:prSet presAssocID="{2936D842-720E-4365-AD39-F6EAEC441633}" presName="parentText" presStyleLbl="alignNode1" presStyleIdx="2" presStyleCnt="3">
-        <dgm:presLayoutVars>
-          <dgm:chMax val="1"/>
-          <dgm:bulletEnabled val="1"/>
-        </dgm:presLayoutVars>
-      </dgm:prSet>
-      <dgm:spPr/>
-      <dgm:t>
-        <a:bodyPr/>
-        <a:lstStyle/>
-        <a:p>
-          <a:endParaRPr lang="it-IT"/>
-        </a:p>
-      </dgm:t>
-    </dgm:pt>
-    <dgm:pt modelId="{68EF0610-07B4-40C7-AD99-F2285099C2E4}" type="pres">
-      <dgm:prSet presAssocID="{2936D842-720E-4365-AD39-F6EAEC441633}" presName="descendantText" presStyleLbl="alignAcc1" presStyleIdx="2" presStyleCnt="3">
-        <dgm:presLayoutVars>
-          <dgm:bulletEnabled val="1"/>
-        </dgm:presLayoutVars>
-      </dgm:prSet>
-      <dgm:spPr/>
-      <dgm:t>
-        <a:bodyPr/>
-        <a:lstStyle/>
-        <a:p>
-          <a:endParaRPr lang="it-IT"/>
-        </a:p>
-      </dgm:t>
-    </dgm:pt>
-  </dgm:ptLst>
-  <dgm:cxnLst>
-    <dgm:cxn modelId="{4D38D698-DC6D-4926-9520-43A255B536D4}" srcId="{15031D9C-993C-4715-A26F-56D8831933EB}" destId="{07B93839-AE15-473C-B47B-27FA5DBEE4E9}" srcOrd="0" destOrd="0" parTransId="{2BEFC288-C4D1-45AF-B679-7A41333941DE}" sibTransId="{0468DBFC-CB2D-4B3A-AAE7-09352D12344E}"/>
-    <dgm:cxn modelId="{C5FFCAE6-64D2-4A77-B85B-A376B2EE8E4F}" srcId="{758CBA3A-9936-4C67-965C-A8DD3074879B}" destId="{B8D53E29-122A-46E1-B481-B57598D97444}" srcOrd="1" destOrd="0" parTransId="{EF8E1F9D-EFFE-4283-A7B6-A44D3292ACA4}" sibTransId="{99B04B81-08CA-46AC-951C-217069AEF451}"/>
-    <dgm:cxn modelId="{4684350B-06FE-48D5-B3C1-163A56F1155A}" type="presOf" srcId="{07B93839-AE15-473C-B47B-27FA5DBEE4E9}" destId="{C96267EA-EF01-411B-8D37-95F44BBB68D3}" srcOrd="0" destOrd="0" presId="urn:microsoft.com/office/officeart/2005/8/layout/chevron2"/>
-    <dgm:cxn modelId="{C8C2ADA0-316E-46E3-A4D5-49BD4A9A4B0B}" srcId="{3183185A-2A53-4D8C-8F32-C845F2F70CBF}" destId="{15031D9C-993C-4715-A26F-56D8831933EB}" srcOrd="1" destOrd="0" parTransId="{77530735-8AD3-469C-AEC2-B5B17A08AF65}" sibTransId="{FB1D36D5-798A-40AA-91C3-3F3E5AF1A86F}"/>
-    <dgm:cxn modelId="{CCB2FC69-48E6-4186-BB69-434FE6081740}" type="presOf" srcId="{B8D53E29-122A-46E1-B481-B57598D97444}" destId="{0E09DE89-66C0-478D-8170-8F0BC920F1EB}" srcOrd="0" destOrd="1" presId="urn:microsoft.com/office/officeart/2005/8/layout/chevron2"/>
-    <dgm:cxn modelId="{B16F9628-8397-4FE5-BC4D-5FC1A248AC83}" type="presOf" srcId="{15031D9C-993C-4715-A26F-56D8831933EB}" destId="{29EA1718-F619-46D8-B505-CF1DDA71B8BF}" srcOrd="0" destOrd="0" presId="urn:microsoft.com/office/officeart/2005/8/layout/chevron2"/>
-    <dgm:cxn modelId="{2AAAB321-6446-48E6-A15F-5701A9441C34}" type="presOf" srcId="{501543CC-DA58-457B-906B-32038F856438}" destId="{68EF0610-07B4-40C7-AD99-F2285099C2E4}" srcOrd="0" destOrd="1" presId="urn:microsoft.com/office/officeart/2005/8/layout/chevron2"/>
-    <dgm:cxn modelId="{CC2F2B2A-04B7-4809-A4A4-4104809974E6}" type="presOf" srcId="{A05E8D05-15E6-4BEC-B725-D745A48258D3}" destId="{68EF0610-07B4-40C7-AD99-F2285099C2E4}" srcOrd="0" destOrd="0" presId="urn:microsoft.com/office/officeart/2005/8/layout/chevron2"/>
-    <dgm:cxn modelId="{46D65943-0A7C-46F6-A9D3-BDC8883577AD}" type="presOf" srcId="{23C50191-A44D-4110-97C1-1DC6F9FD79CA}" destId="{C96267EA-EF01-411B-8D37-95F44BBB68D3}" srcOrd="0" destOrd="1" presId="urn:microsoft.com/office/officeart/2005/8/layout/chevron2"/>
-    <dgm:cxn modelId="{828862EB-D32C-4FA8-A0B8-53A1BB9A1CA8}" srcId="{2936D842-720E-4365-AD39-F6EAEC441633}" destId="{501543CC-DA58-457B-906B-32038F856438}" srcOrd="1" destOrd="0" parTransId="{5E67377B-1C69-4BC4-AA80-867A0F76CC63}" sibTransId="{C9786BDC-DE69-4580-9357-6DFCD292EB5B}"/>
-    <dgm:cxn modelId="{3A8ECB28-E23B-45B6-8C84-8AF5114507DE}" srcId="{3183185A-2A53-4D8C-8F32-C845F2F70CBF}" destId="{2936D842-720E-4365-AD39-F6EAEC441633}" srcOrd="2" destOrd="0" parTransId="{13139645-28B0-41D9-8ED9-DA67D736E51B}" sibTransId="{96C19FF6-672B-4588-9D93-2A932D4ACF8D}"/>
-    <dgm:cxn modelId="{5F92077A-D266-43D8-B1E4-282FB69A0EF5}" type="presOf" srcId="{3183185A-2A53-4D8C-8F32-C845F2F70CBF}" destId="{E80E23AD-ECAE-46D2-92A5-71CA9074EED7}" srcOrd="0" destOrd="0" presId="urn:microsoft.com/office/officeart/2005/8/layout/chevron2"/>
-    <dgm:cxn modelId="{A71F00B0-D098-4236-AD79-95FC48F754F5}" srcId="{15031D9C-993C-4715-A26F-56D8831933EB}" destId="{23C50191-A44D-4110-97C1-1DC6F9FD79CA}" srcOrd="1" destOrd="0" parTransId="{E183CF6D-105A-4EAB-A780-A97B120C1182}" sibTransId="{8625F877-DCE4-4E39-929E-7FA0A761B660}"/>
-    <dgm:cxn modelId="{71B43602-5819-468F-A340-DA5A96BA033E}" type="presOf" srcId="{758CBA3A-9936-4C67-965C-A8DD3074879B}" destId="{C0AF5CB7-6C4F-49BC-8738-E4DE0AC00B72}" srcOrd="0" destOrd="0" presId="urn:microsoft.com/office/officeart/2005/8/layout/chevron2"/>
-    <dgm:cxn modelId="{B3B75767-F5F8-4491-90D5-5742EB2BC878}" type="presOf" srcId="{E90264E4-81CE-47E1-80E3-2624D8E5DFEE}" destId="{0E09DE89-66C0-478D-8170-8F0BC920F1EB}" srcOrd="0" destOrd="0" presId="urn:microsoft.com/office/officeart/2005/8/layout/chevron2"/>
-    <dgm:cxn modelId="{EFE22C42-C667-4B7A-8208-6758BAEC1445}" srcId="{2936D842-720E-4365-AD39-F6EAEC441633}" destId="{A05E8D05-15E6-4BEC-B725-D745A48258D3}" srcOrd="0" destOrd="0" parTransId="{29C49A6E-36B2-41D1-83D5-6B58713D5DAF}" sibTransId="{EA09E308-F440-47C6-8C86-B63BABC170D9}"/>
-    <dgm:cxn modelId="{F717B596-7122-4C3F-9238-14763508386B}" srcId="{3183185A-2A53-4D8C-8F32-C845F2F70CBF}" destId="{758CBA3A-9936-4C67-965C-A8DD3074879B}" srcOrd="0" destOrd="0" parTransId="{39812E31-9C15-4A6C-B8B9-78CE6FB555B1}" sibTransId="{290E9CBE-1634-47AD-B973-508944073D35}"/>
-    <dgm:cxn modelId="{F3B89C52-602F-49F7-B10E-F3B64BCDF706}" srcId="{758CBA3A-9936-4C67-965C-A8DD3074879B}" destId="{E90264E4-81CE-47E1-80E3-2624D8E5DFEE}" srcOrd="0" destOrd="0" parTransId="{79881485-DDC4-4A70-AA7E-393B9FD5747B}" sibTransId="{F41EE2E3-AB57-4E33-8FAD-2DCFFB467FDC}"/>
-    <dgm:cxn modelId="{4333FB74-FEDF-4697-9A39-612F6D8B9AB6}" type="presOf" srcId="{2936D842-720E-4365-AD39-F6EAEC441633}" destId="{E7C44091-B50A-4CB0-98F0-E70A01DD36F4}" srcOrd="0" destOrd="0" presId="urn:microsoft.com/office/officeart/2005/8/layout/chevron2"/>
-    <dgm:cxn modelId="{135E7873-A46E-4154-8EE3-52AAA60564FD}" type="presParOf" srcId="{E80E23AD-ECAE-46D2-92A5-71CA9074EED7}" destId="{63DDCCD6-3F31-4095-8E42-5BBFC31B83BE}" srcOrd="0" destOrd="0" presId="urn:microsoft.com/office/officeart/2005/8/layout/chevron2"/>
-    <dgm:cxn modelId="{A9FAD751-EA16-40A5-97AE-3F69AE5C1837}" type="presParOf" srcId="{63DDCCD6-3F31-4095-8E42-5BBFC31B83BE}" destId="{C0AF5CB7-6C4F-49BC-8738-E4DE0AC00B72}" srcOrd="0" destOrd="0" presId="urn:microsoft.com/office/officeart/2005/8/layout/chevron2"/>
-    <dgm:cxn modelId="{D4F1CFD9-FAA1-4448-ABAA-E3FEFCB6CAF1}" type="presParOf" srcId="{63DDCCD6-3F31-4095-8E42-5BBFC31B83BE}" destId="{0E09DE89-66C0-478D-8170-8F0BC920F1EB}" srcOrd="1" destOrd="0" presId="urn:microsoft.com/office/officeart/2005/8/layout/chevron2"/>
-    <dgm:cxn modelId="{2E2E534E-4D39-4D42-98E3-8E839879F75B}" type="presParOf" srcId="{E80E23AD-ECAE-46D2-92A5-71CA9074EED7}" destId="{52E78D13-8FB5-4AEC-B5C0-881B683FCF22}" srcOrd="1" destOrd="0" presId="urn:microsoft.com/office/officeart/2005/8/layout/chevron2"/>
-    <dgm:cxn modelId="{E68FD358-61E9-4B14-947B-E013AD32E758}" type="presParOf" srcId="{E80E23AD-ECAE-46D2-92A5-71CA9074EED7}" destId="{E529DD28-A6C8-4185-BA28-3A73741EACF4}" srcOrd="2" destOrd="0" presId="urn:microsoft.com/office/officeart/2005/8/layout/chevron2"/>
-    <dgm:cxn modelId="{ADDEDC8D-E08F-431C-8144-0F1630B4A0CB}" type="presParOf" srcId="{E529DD28-A6C8-4185-BA28-3A73741EACF4}" destId="{29EA1718-F619-46D8-B505-CF1DDA71B8BF}" srcOrd="0" destOrd="0" presId="urn:microsoft.com/office/officeart/2005/8/layout/chevron2"/>
-    <dgm:cxn modelId="{D8DF5C2A-E654-4638-8D6A-DD69C6F02065}" type="presParOf" srcId="{E529DD28-A6C8-4185-BA28-3A73741EACF4}" destId="{C96267EA-EF01-411B-8D37-95F44BBB68D3}" srcOrd="1" destOrd="0" presId="urn:microsoft.com/office/officeart/2005/8/layout/chevron2"/>
-    <dgm:cxn modelId="{8CA69AEF-3F6A-4CF3-AA93-E24960786D06}" type="presParOf" srcId="{E80E23AD-ECAE-46D2-92A5-71CA9074EED7}" destId="{4CCED8E1-297A-4834-9FC1-39D8E59A67B1}" srcOrd="3" destOrd="0" presId="urn:microsoft.com/office/officeart/2005/8/layout/chevron2"/>
-    <dgm:cxn modelId="{23553970-4502-4F21-A038-1A6EF7082C03}" type="presParOf" srcId="{E80E23AD-ECAE-46D2-92A5-71CA9074EED7}" destId="{95036E43-6C97-4BF5-8CB3-7871077B6900}" srcOrd="4" destOrd="0" presId="urn:microsoft.com/office/officeart/2005/8/layout/chevron2"/>
-    <dgm:cxn modelId="{2BCE6584-740F-4DE0-9BB4-2B4E6DC85A9E}" type="presParOf" srcId="{95036E43-6C97-4BF5-8CB3-7871077B6900}" destId="{E7C44091-B50A-4CB0-98F0-E70A01DD36F4}" srcOrd="0" destOrd="0" presId="urn:microsoft.com/office/officeart/2005/8/layout/chevron2"/>
-    <dgm:cxn modelId="{EEBB7F6E-84DC-4C03-95AA-EA05A012B25A}" type="presParOf" srcId="{95036E43-6C97-4BF5-8CB3-7871077B6900}" destId="{68EF0610-07B4-40C7-AD99-F2285099C2E4}" srcOrd="1" destOrd="0" presId="urn:microsoft.com/office/officeart/2005/8/layout/chevron2"/>
-  </dgm:cxnLst>
-  <dgm:bg/>
-  <dgm:whole/>
-  <dgm:extLst>
-    <a:ext uri="http://schemas.microsoft.com/office/drawing/2008/diagram">
-      <dsp:dataModelExt xmlns:dsp="http://schemas.microsoft.com/office/drawing/2008/diagram" relId="rId6" minVer="http://schemas.openxmlformats.org/drawingml/2006/diagram"/>
-    </a:ext>
-  </dgm:extLst>
-</dgm:dataModel>
-</file>
-
-<file path=ppt/diagrams/drawing1.xml><?xml version="1.0" encoding="utf-8"?>
-<dsp:drawing xmlns:dgm="http://schemas.openxmlformats.org/drawingml/2006/diagram" xmlns:dsp="http://schemas.microsoft.com/office/drawing/2008/diagram" xmlns:a="http://schemas.openxmlformats.org/drawingml/2006/main">
-  <dsp:spTree>
-    <dsp:nvGrpSpPr>
-      <dsp:cNvPr id="0" name=""/>
-      <dsp:cNvGrpSpPr/>
-    </dsp:nvGrpSpPr>
-    <dsp:grpSpPr/>
-    <dsp:sp modelId="{C0AF5CB7-6C4F-49BC-8738-E4DE0AC00B72}">
-      <dsp:nvSpPr>
-        <dsp:cNvPr id="0" name=""/>
-        <dsp:cNvSpPr/>
-      </dsp:nvSpPr>
-      <dsp:spPr>
-        <a:xfrm rot="5400000">
-          <a:off x="-247798" y="249366"/>
-          <a:ext cx="1651992" cy="1156394"/>
-        </a:xfrm>
-        <a:prstGeom prst="chevron">
-          <a:avLst/>
-        </a:prstGeom>
-        <a:solidFill>
-          <a:schemeClr val="lt1">
-            <a:hueOff val="0"/>
-            <a:satOff val="0"/>
-            <a:lumOff val="0"/>
-            <a:alphaOff val="0"/>
-          </a:schemeClr>
-        </a:solidFill>
-        <a:ln w="12700" cap="flat" cmpd="sng" algn="ctr">
-          <a:solidFill>
-            <a:schemeClr val="dk1">
-              <a:shade val="80000"/>
-              <a:hueOff val="0"/>
-              <a:satOff val="0"/>
-              <a:lumOff val="0"/>
-              <a:alphaOff val="0"/>
-            </a:schemeClr>
-          </a:solidFill>
-          <a:prstDash val="solid"/>
-          <a:miter lim="800000"/>
-        </a:ln>
-        <a:effectLst/>
-      </dsp:spPr>
-      <dsp:style>
-        <a:lnRef idx="2">
-          <a:scrgbClr r="0" g="0" b="0"/>
-        </a:lnRef>
-        <a:fillRef idx="1">
-          <a:scrgbClr r="0" g="0" b="0"/>
-        </a:fillRef>
-        <a:effectRef idx="0">
-          <a:scrgbClr r="0" g="0" b="0"/>
-        </a:effectRef>
-        <a:fontRef idx="minor">
-          <a:schemeClr val="lt1"/>
-        </a:fontRef>
-      </dsp:style>
-      <dsp:txBody>
-        <a:bodyPr spcFirstLastPara="0" vert="horz" wrap="square" lIns="18415" tIns="18415" rIns="18415" bIns="18415" numCol="1" spcCol="1270" anchor="ctr" anchorCtr="0">
-          <a:noAutofit/>
-        </a:bodyPr>
-        <a:lstStyle/>
-        <a:p>
-          <a:pPr lvl="0" algn="ctr" defTabSz="1289050">
-            <a:lnSpc>
-              <a:spcPct val="90000"/>
-            </a:lnSpc>
-            <a:spcBef>
-              <a:spcPct val="0"/>
-            </a:spcBef>
-            <a:spcAft>
-              <a:spcPct val="35000"/>
-            </a:spcAft>
-          </a:pPr>
-          <a:r>
-            <a:rPr lang="en-US" sz="2900" kern="1200" dirty="0"/>
-            <a:t>A</a:t>
-          </a:r>
-        </a:p>
-      </dsp:txBody>
-      <dsp:txXfrm rot="-5400000">
-        <a:off x="1" y="579764"/>
-        <a:ext cx="1156394" cy="495598"/>
-      </dsp:txXfrm>
-    </dsp:sp>
-    <dsp:sp modelId="{0E09DE89-66C0-478D-8170-8F0BC920F1EB}">
-      <dsp:nvSpPr>
-        <dsp:cNvPr id="0" name=""/>
-        <dsp:cNvSpPr/>
-      </dsp:nvSpPr>
-      <dsp:spPr>
-        <a:xfrm rot="5400000">
-          <a:off x="2448743" y="-1290781"/>
-          <a:ext cx="1073794" cy="3658493"/>
-        </a:xfrm>
-        <a:prstGeom prst="round2SameRect">
-          <a:avLst/>
-        </a:prstGeom>
-        <a:solidFill>
-          <a:schemeClr val="dk1">
-            <a:alpha val="90000"/>
-            <a:tint val="40000"/>
-            <a:hueOff val="0"/>
-            <a:satOff val="0"/>
-            <a:lumOff val="0"/>
-            <a:alphaOff val="0"/>
-          </a:schemeClr>
-        </a:solidFill>
-        <a:ln w="12700" cap="flat" cmpd="sng" algn="ctr">
-          <a:solidFill>
-            <a:schemeClr val="dk1">
-              <a:hueOff val="0"/>
-              <a:satOff val="0"/>
-              <a:lumOff val="0"/>
-              <a:alphaOff val="0"/>
-            </a:schemeClr>
-          </a:solidFill>
-          <a:prstDash val="solid"/>
-          <a:miter lim="800000"/>
-        </a:ln>
-        <a:effectLst/>
-      </dsp:spPr>
-      <dsp:style>
-        <a:lnRef idx="2">
-          <a:scrgbClr r="0" g="0" b="0"/>
-        </a:lnRef>
-        <a:fillRef idx="1">
-          <a:scrgbClr r="0" g="0" b="0"/>
-        </a:fillRef>
-        <a:effectRef idx="0">
-          <a:scrgbClr r="0" g="0" b="0"/>
-        </a:effectRef>
-        <a:fontRef idx="minor"/>
-      </dsp:style>
-      <dsp:txBody>
-        <a:bodyPr spcFirstLastPara="0" vert="horz" wrap="square" lIns="192024" tIns="17145" rIns="17145" bIns="17145" numCol="1" spcCol="1270" anchor="ctr" anchorCtr="0">
-          <a:noAutofit/>
-        </a:bodyPr>
-        <a:lstStyle/>
-        <a:p>
-          <a:pPr marL="228600" lvl="1" indent="-228600" algn="l" defTabSz="1200150">
-            <a:lnSpc>
-              <a:spcPct val="90000"/>
-            </a:lnSpc>
-            <a:spcBef>
-              <a:spcPct val="0"/>
-            </a:spcBef>
-            <a:spcAft>
-              <a:spcPct val="15000"/>
-            </a:spcAft>
-            <a:buChar char="••"/>
-          </a:pPr>
-          <a:r>
-            <a:rPr lang="en-US" sz="2700" kern="1200" dirty="0"/>
-            <a:t>Task 1</a:t>
-          </a:r>
-        </a:p>
-        <a:p>
-          <a:pPr marL="228600" lvl="1" indent="-228600" algn="l" defTabSz="1200150">
-            <a:lnSpc>
-              <a:spcPct val="90000"/>
-            </a:lnSpc>
-            <a:spcBef>
-              <a:spcPct val="0"/>
-            </a:spcBef>
-            <a:spcAft>
-              <a:spcPct val="15000"/>
-            </a:spcAft>
-            <a:buChar char="••"/>
-          </a:pPr>
-          <a:r>
-            <a:rPr lang="en-US" sz="2700" kern="1200" dirty="0"/>
-            <a:t>Task 2</a:t>
-          </a:r>
-        </a:p>
-      </dsp:txBody>
-      <dsp:txXfrm rot="-5400000">
-        <a:off x="1156394" y="53986"/>
-        <a:ext cx="3606075" cy="968958"/>
-      </dsp:txXfrm>
-    </dsp:sp>
-    <dsp:sp modelId="{29EA1718-F619-46D8-B505-CF1DDA71B8BF}">
-      <dsp:nvSpPr>
-        <dsp:cNvPr id="0" name=""/>
-        <dsp:cNvSpPr/>
-      </dsp:nvSpPr>
-      <dsp:spPr>
-        <a:xfrm rot="5400000">
-          <a:off x="-247798" y="1707802"/>
-          <a:ext cx="1651992" cy="1156394"/>
-        </a:xfrm>
-        <a:prstGeom prst="chevron">
-          <a:avLst/>
-        </a:prstGeom>
-        <a:solidFill>
-          <a:schemeClr val="lt1">
-            <a:hueOff val="0"/>
-            <a:satOff val="0"/>
-            <a:lumOff val="0"/>
-            <a:alphaOff val="0"/>
-          </a:schemeClr>
-        </a:solidFill>
-        <a:ln w="12700" cap="flat" cmpd="sng" algn="ctr">
-          <a:solidFill>
-            <a:schemeClr val="dk1">
-              <a:shade val="80000"/>
-              <a:hueOff val="0"/>
-              <a:satOff val="0"/>
-              <a:lumOff val="0"/>
-              <a:alphaOff val="0"/>
-            </a:schemeClr>
-          </a:solidFill>
-          <a:prstDash val="solid"/>
-          <a:miter lim="800000"/>
-        </a:ln>
-        <a:effectLst/>
-      </dsp:spPr>
-      <dsp:style>
-        <a:lnRef idx="2">
-          <a:scrgbClr r="0" g="0" b="0"/>
-        </a:lnRef>
-        <a:fillRef idx="1">
-          <a:scrgbClr r="0" g="0" b="0"/>
-        </a:fillRef>
-        <a:effectRef idx="0">
-          <a:scrgbClr r="0" g="0" b="0"/>
-        </a:effectRef>
-        <a:fontRef idx="minor">
-          <a:schemeClr val="lt1"/>
-        </a:fontRef>
-      </dsp:style>
-      <dsp:txBody>
-        <a:bodyPr spcFirstLastPara="0" vert="horz" wrap="square" lIns="18415" tIns="18415" rIns="18415" bIns="18415" numCol="1" spcCol="1270" anchor="ctr" anchorCtr="0">
-          <a:noAutofit/>
-        </a:bodyPr>
-        <a:lstStyle/>
-        <a:p>
-          <a:pPr lvl="0" algn="ctr" defTabSz="1289050">
-            <a:lnSpc>
-              <a:spcPct val="90000"/>
-            </a:lnSpc>
-            <a:spcBef>
-              <a:spcPct val="0"/>
-            </a:spcBef>
-            <a:spcAft>
-              <a:spcPct val="35000"/>
-            </a:spcAft>
-          </a:pPr>
-          <a:r>
-            <a:rPr lang="en-US" sz="2900" kern="1200" dirty="0"/>
-            <a:t>B</a:t>
-          </a:r>
-        </a:p>
-      </dsp:txBody>
-      <dsp:txXfrm rot="-5400000">
-        <a:off x="1" y="2038200"/>
-        <a:ext cx="1156394" cy="495598"/>
-      </dsp:txXfrm>
-    </dsp:sp>
-    <dsp:sp modelId="{C96267EA-EF01-411B-8D37-95F44BBB68D3}">
-      <dsp:nvSpPr>
-        <dsp:cNvPr id="0" name=""/>
-        <dsp:cNvSpPr/>
-      </dsp:nvSpPr>
-      <dsp:spPr>
-        <a:xfrm rot="5400000">
-          <a:off x="2448743" y="167654"/>
-          <a:ext cx="1073794" cy="3658493"/>
-        </a:xfrm>
-        <a:prstGeom prst="round2SameRect">
-          <a:avLst/>
-        </a:prstGeom>
-        <a:solidFill>
-          <a:schemeClr val="dk1">
-            <a:alpha val="90000"/>
-            <a:tint val="40000"/>
-            <a:hueOff val="0"/>
-            <a:satOff val="0"/>
-            <a:lumOff val="0"/>
-            <a:alphaOff val="0"/>
-          </a:schemeClr>
-        </a:solidFill>
-        <a:ln w="12700" cap="flat" cmpd="sng" algn="ctr">
-          <a:solidFill>
-            <a:schemeClr val="dk1">
-              <a:hueOff val="0"/>
-              <a:satOff val="0"/>
-              <a:lumOff val="0"/>
-              <a:alphaOff val="0"/>
-            </a:schemeClr>
-          </a:solidFill>
-          <a:prstDash val="solid"/>
-          <a:miter lim="800000"/>
-        </a:ln>
-        <a:effectLst/>
-      </dsp:spPr>
-      <dsp:style>
-        <a:lnRef idx="2">
-          <a:scrgbClr r="0" g="0" b="0"/>
-        </a:lnRef>
-        <a:fillRef idx="1">
-          <a:scrgbClr r="0" g="0" b="0"/>
-        </a:fillRef>
-        <a:effectRef idx="0">
-          <a:scrgbClr r="0" g="0" b="0"/>
-        </a:effectRef>
-        <a:fontRef idx="minor"/>
-      </dsp:style>
-      <dsp:txBody>
-        <a:bodyPr spcFirstLastPara="0" vert="horz" wrap="square" lIns="192024" tIns="17145" rIns="17145" bIns="17145" numCol="1" spcCol="1270" anchor="ctr" anchorCtr="0">
-          <a:noAutofit/>
-        </a:bodyPr>
-        <a:lstStyle/>
-        <a:p>
-          <a:pPr marL="228600" lvl="1" indent="-228600" algn="l" defTabSz="1200150">
-            <a:lnSpc>
-              <a:spcPct val="90000"/>
-            </a:lnSpc>
-            <a:spcBef>
-              <a:spcPct val="0"/>
-            </a:spcBef>
-            <a:spcAft>
-              <a:spcPct val="15000"/>
-            </a:spcAft>
-            <a:buChar char="••"/>
-          </a:pPr>
-          <a:r>
-            <a:rPr lang="en-US" sz="2700" kern="1200" dirty="0"/>
-            <a:t>Task 1</a:t>
-          </a:r>
-        </a:p>
-        <a:p>
-          <a:pPr marL="228600" lvl="1" indent="-228600" algn="l" defTabSz="1200150">
-            <a:lnSpc>
-              <a:spcPct val="90000"/>
-            </a:lnSpc>
-            <a:spcBef>
-              <a:spcPct val="0"/>
-            </a:spcBef>
-            <a:spcAft>
-              <a:spcPct val="15000"/>
-            </a:spcAft>
-            <a:buChar char="••"/>
-          </a:pPr>
-          <a:r>
-            <a:rPr lang="en-US" sz="2700" kern="1200" dirty="0"/>
-            <a:t>Task 2</a:t>
-          </a:r>
-        </a:p>
-      </dsp:txBody>
-      <dsp:txXfrm rot="-5400000">
-        <a:off x="1156394" y="1512421"/>
-        <a:ext cx="3606075" cy="968958"/>
-      </dsp:txXfrm>
-    </dsp:sp>
-    <dsp:sp modelId="{E7C44091-B50A-4CB0-98F0-E70A01DD36F4}">
-      <dsp:nvSpPr>
-        <dsp:cNvPr id="0" name=""/>
-        <dsp:cNvSpPr/>
-      </dsp:nvSpPr>
-      <dsp:spPr>
-        <a:xfrm rot="5400000">
-          <a:off x="-247798" y="3166238"/>
-          <a:ext cx="1651992" cy="1156394"/>
-        </a:xfrm>
-        <a:prstGeom prst="chevron">
-          <a:avLst/>
-        </a:prstGeom>
-        <a:solidFill>
-          <a:schemeClr val="lt1">
-            <a:hueOff val="0"/>
-            <a:satOff val="0"/>
-            <a:lumOff val="0"/>
-            <a:alphaOff val="0"/>
-          </a:schemeClr>
-        </a:solidFill>
-        <a:ln w="12700" cap="flat" cmpd="sng" algn="ctr">
-          <a:solidFill>
-            <a:schemeClr val="dk1">
-              <a:shade val="80000"/>
-              <a:hueOff val="0"/>
-              <a:satOff val="0"/>
-              <a:lumOff val="0"/>
-              <a:alphaOff val="0"/>
-            </a:schemeClr>
-          </a:solidFill>
-          <a:prstDash val="solid"/>
-          <a:miter lim="800000"/>
-        </a:ln>
-        <a:effectLst/>
-      </dsp:spPr>
-      <dsp:style>
-        <a:lnRef idx="2">
-          <a:scrgbClr r="0" g="0" b="0"/>
-        </a:lnRef>
-        <a:fillRef idx="1">
-          <a:scrgbClr r="0" g="0" b="0"/>
-        </a:fillRef>
-        <a:effectRef idx="0">
-          <a:scrgbClr r="0" g="0" b="0"/>
-        </a:effectRef>
-        <a:fontRef idx="minor">
-          <a:schemeClr val="lt1"/>
-        </a:fontRef>
-      </dsp:style>
-      <dsp:txBody>
-        <a:bodyPr spcFirstLastPara="0" vert="horz" wrap="square" lIns="18415" tIns="18415" rIns="18415" bIns="18415" numCol="1" spcCol="1270" anchor="ctr" anchorCtr="0">
-          <a:noAutofit/>
-        </a:bodyPr>
-        <a:lstStyle/>
-        <a:p>
-          <a:pPr lvl="0" algn="ctr" defTabSz="1289050">
-            <a:lnSpc>
-              <a:spcPct val="90000"/>
-            </a:lnSpc>
-            <a:spcBef>
-              <a:spcPct val="0"/>
-            </a:spcBef>
-            <a:spcAft>
-              <a:spcPct val="35000"/>
-            </a:spcAft>
-          </a:pPr>
-          <a:r>
-            <a:rPr lang="en-US" sz="2900" kern="1200" dirty="0"/>
-            <a:t>C</a:t>
-          </a:r>
-        </a:p>
-      </dsp:txBody>
-      <dsp:txXfrm rot="-5400000">
-        <a:off x="1" y="3496636"/>
-        <a:ext cx="1156394" cy="495598"/>
-      </dsp:txXfrm>
-    </dsp:sp>
-    <dsp:sp modelId="{68EF0610-07B4-40C7-AD99-F2285099C2E4}">
-      <dsp:nvSpPr>
-        <dsp:cNvPr id="0" name=""/>
-        <dsp:cNvSpPr/>
-      </dsp:nvSpPr>
-      <dsp:spPr>
-        <a:xfrm rot="5400000">
-          <a:off x="2448743" y="1626090"/>
-          <a:ext cx="1073794" cy="3658493"/>
-        </a:xfrm>
-        <a:prstGeom prst="round2SameRect">
-          <a:avLst/>
-        </a:prstGeom>
-        <a:solidFill>
-          <a:schemeClr val="dk1">
-            <a:alpha val="90000"/>
-            <a:tint val="40000"/>
-            <a:hueOff val="0"/>
-            <a:satOff val="0"/>
-            <a:lumOff val="0"/>
-            <a:alphaOff val="0"/>
-          </a:schemeClr>
-        </a:solidFill>
-        <a:ln w="12700" cap="flat" cmpd="sng" algn="ctr">
-          <a:solidFill>
-            <a:schemeClr val="dk1">
-              <a:hueOff val="0"/>
-              <a:satOff val="0"/>
-              <a:lumOff val="0"/>
-              <a:alphaOff val="0"/>
-            </a:schemeClr>
-          </a:solidFill>
-          <a:prstDash val="solid"/>
-          <a:miter lim="800000"/>
-        </a:ln>
-        <a:effectLst/>
-      </dsp:spPr>
-      <dsp:style>
-        <a:lnRef idx="2">
-          <a:scrgbClr r="0" g="0" b="0"/>
-        </a:lnRef>
-        <a:fillRef idx="1">
-          <a:scrgbClr r="0" g="0" b="0"/>
-        </a:fillRef>
-        <a:effectRef idx="0">
-          <a:scrgbClr r="0" g="0" b="0"/>
-        </a:effectRef>
-        <a:fontRef idx="minor"/>
-      </dsp:style>
-      <dsp:txBody>
-        <a:bodyPr spcFirstLastPara="0" vert="horz" wrap="square" lIns="192024" tIns="17145" rIns="17145" bIns="17145" numCol="1" spcCol="1270" anchor="ctr" anchorCtr="0">
-          <a:noAutofit/>
-        </a:bodyPr>
-        <a:lstStyle/>
-        <a:p>
-          <a:pPr marL="228600" lvl="1" indent="-228600" algn="l" defTabSz="1200150">
-            <a:lnSpc>
-              <a:spcPct val="90000"/>
-            </a:lnSpc>
-            <a:spcBef>
-              <a:spcPct val="0"/>
-            </a:spcBef>
-            <a:spcAft>
-              <a:spcPct val="15000"/>
-            </a:spcAft>
-            <a:buChar char="••"/>
-          </a:pPr>
-          <a:r>
-            <a:rPr lang="en-US" sz="2700" kern="1200" dirty="0"/>
-            <a:t>Task 1</a:t>
-          </a:r>
-        </a:p>
-        <a:p>
-          <a:pPr marL="228600" lvl="1" indent="-228600" algn="l" defTabSz="1200150">
-            <a:lnSpc>
-              <a:spcPct val="90000"/>
-            </a:lnSpc>
-            <a:spcBef>
-              <a:spcPct val="0"/>
-            </a:spcBef>
-            <a:spcAft>
-              <a:spcPct val="15000"/>
-            </a:spcAft>
-            <a:buChar char="••"/>
-          </a:pPr>
-          <a:r>
-            <a:rPr lang="en-US" sz="2700" kern="1200" dirty="0"/>
-            <a:t>Task 2</a:t>
-          </a:r>
-        </a:p>
-      </dsp:txBody>
-      <dsp:txXfrm rot="-5400000">
-        <a:off x="1156394" y="2970857"/>
-        <a:ext cx="3606075" cy="968958"/>
-      </dsp:txXfrm>
-    </dsp:sp>
-  </dsp:spTree>
-</dsp:drawing>
-</file>
-
-<file path=ppt/diagrams/layout1.xml><?xml version="1.0" encoding="utf-8"?>
-<dgm:layoutDef xmlns:dgm="http://schemas.openxmlformats.org/drawingml/2006/diagram" xmlns:a="http://schemas.openxmlformats.org/drawingml/2006/main" uniqueId="urn:microsoft.com/office/officeart/2005/8/layout/chevron2">
-  <dgm:title val=""/>
-  <dgm:desc val=""/>
-  <dgm:catLst>
-    <dgm:cat type="process" pri="12000"/>
-    <dgm:cat type="list" pri="16000"/>
-    <dgm:cat type="convert" pri="11000"/>
-  </dgm:catLst>
-  <dgm:sampData>
-    <dgm:dataModel>
-      <dgm:ptLst>
-        <dgm:pt modelId="0" type="doc"/>
-        <dgm:pt modelId="1">
-          <dgm:prSet phldr="1"/>
-        </dgm:pt>
-        <dgm:pt modelId="11">
-          <dgm:prSet phldr="1"/>
-        </dgm:pt>
-        <dgm:pt modelId="12">
-          <dgm:prSet phldr="1"/>
-        </dgm:pt>
-        <dgm:pt modelId="2">
-          <dgm:prSet phldr="1"/>
-        </dgm:pt>
-        <dgm:pt modelId="21">
-          <dgm:prSet phldr="1"/>
-        </dgm:pt>
-        <dgm:pt modelId="22">
-          <dgm:prSet phldr="1"/>
-        </dgm:pt>
-        <dgm:pt modelId="3">
-          <dgm:prSet phldr="1"/>
-        </dgm:pt>
-        <dgm:pt modelId="31">
-          <dgm:prSet phldr="1"/>
-        </dgm:pt>
-        <dgm:pt modelId="32">
-          <dgm:prSet phldr="1"/>
-        </dgm:pt>
-      </dgm:ptLst>
-      <dgm:cxnLst>
-        <dgm:cxn modelId="4" srcId="0" destId="1" srcOrd="0" destOrd="0"/>
-        <dgm:cxn modelId="5" srcId="0" destId="2" srcOrd="1" destOrd="0"/>
-        <dgm:cxn modelId="6" srcId="0" destId="3" srcOrd="2" destOrd="0"/>
-        <dgm:cxn modelId="13" srcId="1" destId="11" srcOrd="0" destOrd="0"/>
-        <dgm:cxn modelId="14" srcId="1" destId="12" srcOrd="1" destOrd="0"/>
-        <dgm:cxn modelId="23" srcId="2" destId="21" srcOrd="0" destOrd="0"/>
-        <dgm:cxn modelId="24" srcId="2" destId="22" srcOrd="1" destOrd="0"/>
-        <dgm:cxn modelId="33" srcId="3" destId="31" srcOrd="0" destOrd="0"/>
-        <dgm:cxn modelId="34" srcId="3" destId="32" srcOrd="1" destOrd="0"/>
-      </dgm:cxnLst>
-      <dgm:bg/>
-      <dgm:whole/>
-    </dgm:dataModel>
-  </dgm:sampData>
-  <dgm:styleData>
-    <dgm:dataModel>
-      <dgm:ptLst>
-        <dgm:pt modelId="0" type="doc"/>
-        <dgm:pt modelId="1"/>
-      </dgm:ptLst>
-      <dgm:cxnLst>
-        <dgm:cxn modelId="4" srcId="0" destId="1" srcOrd="0" destOrd="0"/>
-      </dgm:cxnLst>
-      <dgm:bg/>
-      <dgm:whole/>
-    </dgm:dataModel>
-  </dgm:styleData>
-  <dgm:clrData>
-    <dgm:dataModel>
-      <dgm:ptLst>
-        <dgm:pt modelId="0" type="doc"/>
-        <dgm:pt modelId="1"/>
-        <dgm:pt modelId="11"/>
-        <dgm:pt modelId="2"/>
-        <dgm:pt modelId="21"/>
-        <dgm:pt modelId="3"/>
-        <dgm:pt modelId="31"/>
-        <dgm:pt modelId="4"/>
-        <dgm:pt modelId="41"/>
-      </dgm:ptLst>
-      <dgm:cxnLst>
-        <dgm:cxn modelId="5" srcId="0" destId="1" srcOrd="0" destOrd="0"/>
-        <dgm:cxn modelId="6" srcId="0" destId="2" srcOrd="1" destOrd="0"/>
-        <dgm:cxn modelId="7" srcId="0" destId="3" srcOrd="2" destOrd="0"/>
-        <dgm:cxn modelId="8" srcId="0" destId="4" srcOrd="3" destOrd="0"/>
-        <dgm:cxn modelId="13" srcId="1" destId="11" srcOrd="0" destOrd="0"/>
-        <dgm:cxn modelId="23" srcId="2" destId="21" srcOrd="0" destOrd="0"/>
-        <dgm:cxn modelId="33" srcId="3" destId="31" srcOrd="0" destOrd="0"/>
-        <dgm:cxn modelId="43" srcId="4" destId="41" srcOrd="0" destOrd="0"/>
-      </dgm:cxnLst>
-      <dgm:bg/>
-      <dgm:whole/>
-    </dgm:dataModel>
-  </dgm:clrData>
-  <dgm:layoutNode name="linearFlow">
-    <dgm:varLst>
-      <dgm:dir/>
-      <dgm:animLvl val="lvl"/>
-      <dgm:resizeHandles val="exact"/>
-    </dgm:varLst>
-    <dgm:alg type="lin">
-      <dgm:param type="linDir" val="fromT"/>
-      <dgm:param type="nodeHorzAlign" val="l"/>
-    </dgm:alg>
-    <dgm:shape xmlns:r="http://schemas.openxmlformats.org/officeDocument/2006/relationships" r:blip="">
-      <dgm:adjLst/>
-    </dgm:shape>
-    <dgm:presOf/>
-    <dgm:constrLst>
-      <dgm:constr type="h" for="ch" forName="composite" refType="h"/>
-      <dgm:constr type="w" for="ch" forName="composite" refType="w"/>
-      <dgm:constr type="h" for="des" forName="parentText" op="equ"/>
-      <dgm:constr type="h" for="ch" forName="sp" val="-14.88"/>
-      <dgm:constr type="h" for="ch" forName="sp" refType="w" refFor="des" refForName="parentText" op="gte" fact="-0.3"/>
-      <dgm:constr type="primFontSz" for="des" forName="parentText" op="equ" val="65"/>
-      <dgm:constr type="primFontSz" for="des" forName="descendantText" op="equ" val="65"/>
-    </dgm:constrLst>
-    <dgm:ruleLst/>
-    <dgm:forEach name="Name0" axis="ch" ptType="node">
-      <dgm:layoutNode name="composite">
-        <dgm:alg type="composite"/>
-        <dgm:shape xmlns:r="http://schemas.openxmlformats.org/officeDocument/2006/relationships" r:blip="">
-          <dgm:adjLst/>
-        </dgm:shape>
-        <dgm:presOf/>
-        <dgm:choose name="Name1">
-          <dgm:if name="Name2" func="var" arg="dir" op="equ" val="norm">
-            <dgm:constrLst>
-              <dgm:constr type="t" for="ch" forName="parentText"/>
-              <dgm:constr type="l" for="ch" forName="parentText"/>
-              <dgm:constr type="w" for="ch" forName="parentText" refType="w" fact="0.4"/>
-              <dgm:constr type="h" for="ch" forName="parentText" refType="h"/>
-              <dgm:constr type="w" for="ch" forName="parentText" refType="w" op="lte" fact="0.5"/>
-              <dgm:constr type="w" for="ch" forName="parentText" refType="h" refFor="ch" refForName="parentText" op="lte" fact="0.7"/>
-              <dgm:constr type="h" for="ch" forName="parentText" refType="w" refFor="ch" refForName="parentText" op="lte" fact="3"/>
-              <dgm:constr type="l" for="ch" forName="descendantText" refType="w" refFor="ch" refForName="parentText"/>
-              <dgm:constr type="w" for="ch" forName="descendantText" refType="w"/>
-              <dgm:constr type="wOff" for="ch" forName="descendantText" refType="w" refFor="ch" refForName="parentText" fact="-1"/>
-              <dgm:constr type="t" for="ch" forName="descendantText"/>
-              <dgm:constr type="b" for="ch" forName="descendantText" refType="h" refFor="ch" refForName="parentText"/>
-              <dgm:constr type="bOff" for="ch" forName="descendantText" refType="w" refFor="ch" refForName="parentText" fact="-0.5"/>
-            </dgm:constrLst>
-          </dgm:if>
-          <dgm:else name="Name3">
-            <dgm:constrLst>
-              <dgm:constr type="t" for="ch" forName="parentText"/>
-              <dgm:constr type="r" for="ch" forName="parentText" refType="w"/>
-              <dgm:constr type="w" for="ch" forName="parentText" refType="w" fact="0.4"/>
-              <dgm:constr type="h" for="ch" forName="parentText" refType="h"/>
-              <dgm:constr type="w" for="ch" forName="parentText" refType="w" op="lte" fact="0.5"/>
-              <dgm:constr type="w" for="ch" forName="parentText" refType="h" refFor="ch" refForName="parentText" op="lte" fact="0.7"/>
-              <dgm:constr type="h" for="ch" forName="parentText" refType="w" refFor="ch" refForName="parentText" op="lte" fact="3"/>
-              <dgm:constr type="l" for="ch" forName="descendantText"/>
-              <dgm:constr type="w" for="ch" forName="descendantText" refType="w"/>
-              <dgm:constr type="wOff" for="ch" forName="descendantText" refType="w" refFor="ch" refForName="parentText" fact="-1"/>
-              <dgm:constr type="t" for="ch" forName="descendantText"/>
-              <dgm:constr type="b" for="ch" forName="descendantText" refType="h" refFor="ch" refForName="parentText"/>
-              <dgm:constr type="bOff" for="ch" forName="descendantText" refType="w" refFor="ch" refForName="parentText" fact="-0.5"/>
-            </dgm:constrLst>
-          </dgm:else>
-        </dgm:choose>
-        <dgm:ruleLst/>
-        <dgm:layoutNode name="parentText" styleLbl="alignNode1">
-          <dgm:varLst>
-            <dgm:chMax val="1"/>
-            <dgm:bulletEnabled val="1"/>
-          </dgm:varLst>
-          <dgm:alg type="tx"/>
-          <dgm:shape xmlns:r="http://schemas.openxmlformats.org/officeDocument/2006/relationships" rot="90" type="chevron" r:blip="">
-            <dgm:adjLst/>
-          </dgm:shape>
-          <dgm:presOf axis="self" ptType="node"/>
-          <dgm:constrLst>
-            <dgm:constr type="lMarg" refType="primFontSz" fact="0.05"/>
-            <dgm:constr type="rMarg" refType="primFontSz" fact="0.05"/>
-            <dgm:constr type="tMarg" refType="primFontSz" fact="0.05"/>
-            <dgm:constr type="bMarg" refType="primFontSz" fact="0.05"/>
-          </dgm:constrLst>
-          <dgm:ruleLst>
-            <dgm:rule type="h" val="100" fact="NaN" max="NaN"/>
-            <dgm:rule type="primFontSz" val="24" fact="NaN" max="NaN"/>
-            <dgm:rule type="h" val="110" fact="NaN" max="NaN"/>
-            <dgm:rule type="primFontSz" val="18" fact="NaN" max="NaN"/>
-            <dgm:rule type="h" val="INF" fact="NaN" max="NaN"/>
-            <dgm:rule type="primFontSz" val="5" fact="NaN" max="NaN"/>
-          </dgm:ruleLst>
-        </dgm:layoutNode>
-        <dgm:layoutNode name="descendantText" styleLbl="alignAcc1">
-          <dgm:varLst>
-            <dgm:bulletEnabled val="1"/>
-          </dgm:varLst>
-          <dgm:choose name="Name4">
-            <dgm:if name="Name5" func="var" arg="dir" op="equ" val="norm">
-              <dgm:alg type="tx">
-                <dgm:param type="stBulletLvl" val="1"/>
-                <dgm:param type="txAnchorVertCh" val="mid"/>
-              </dgm:alg>
-              <dgm:shape xmlns:r="http://schemas.openxmlformats.org/officeDocument/2006/relationships" rot="90" type="round2SameRect" r:blip="">
-                <dgm:adjLst/>
-              </dgm:shape>
-            </dgm:if>
-            <dgm:else name="Name6">
-              <dgm:alg type="tx">
-                <dgm:param type="stBulletLvl" val="1"/>
-                <dgm:param type="txAnchorVertCh" val="mid"/>
-              </dgm:alg>
-              <dgm:shape xmlns:r="http://schemas.openxmlformats.org/officeDocument/2006/relationships" rot="-90" type="round2SameRect" r:blip="">
-                <dgm:adjLst/>
-              </dgm:shape>
-            </dgm:else>
-          </dgm:choose>
-          <dgm:presOf axis="des" ptType="node"/>
-          <dgm:choose name="Name7">
-            <dgm:if name="Name8" func="var" arg="dir" op="equ" val="norm">
-              <dgm:constrLst>
-                <dgm:constr type="secFontSz" refType="primFontSz"/>
-                <dgm:constr type="tMarg" refType="primFontSz" fact="0.05"/>
-                <dgm:constr type="bMarg" refType="primFontSz" fact="0.05"/>
-                <dgm:constr type="rMarg" refType="primFontSz" fact="0.05"/>
-              </dgm:constrLst>
-            </dgm:if>
-            <dgm:else name="Name9">
-              <dgm:constrLst>
-                <dgm:constr type="secFontSz" refType="primFontSz"/>
-                <dgm:constr type="tMarg" refType="primFontSz" fact="0.05"/>
-                <dgm:constr type="bMarg" refType="primFontSz" fact="0.05"/>
-                <dgm:constr type="lMarg" refType="primFontSz" fact="0.05"/>
-              </dgm:constrLst>
-            </dgm:else>
-          </dgm:choose>
-          <dgm:ruleLst>
-            <dgm:rule type="primFontSz" val="5" fact="NaN" max="NaN"/>
-          </dgm:ruleLst>
-        </dgm:layoutNode>
-      </dgm:layoutNode>
-      <dgm:forEach name="Name10" axis="followSib" ptType="sibTrans" cnt="1">
-        <dgm:layoutNode name="sp">
-          <dgm:alg type="sp"/>
-          <dgm:shape xmlns:r="http://schemas.openxmlformats.org/officeDocument/2006/relationships" r:blip="">
-            <dgm:adjLst/>
-          </dgm:shape>
-          <dgm:presOf axis="self"/>
-          <dgm:constrLst>
-            <dgm:constr type="w" val="1"/>
-            <dgm:constr type="h" val="37.5"/>
-          </dgm:constrLst>
-          <dgm:ruleLst/>
-        </dgm:layoutNode>
-      </dgm:forEach>
-    </dgm:forEach>
-  </dgm:layoutNode>
-</dgm:layoutDef>
-</file>
-
-<file path=ppt/diagrams/quickStyle1.xml><?xml version="1.0" encoding="utf-8"?>
-<dgm:styleDef xmlns:dgm="http://schemas.openxmlformats.org/drawingml/2006/diagram" xmlns:a="http://schemas.openxmlformats.org/drawingml/2006/main" uniqueId="urn:microsoft.com/office/officeart/2005/8/quickstyle/simple1">
-  <dgm:title val=""/>
-  <dgm:desc val=""/>
-  <dgm:catLst>
-    <dgm:cat type="simple" pri="10100"/>
-  </dgm:catLst>
-  <dgm:scene3d>
-    <a:camera prst="orthographicFront"/>
-    <a:lightRig rig="threePt" dir="t"/>
-  </dgm:scene3d>
-  <dgm:styleLbl name="node0">
-    <dgm:scene3d>
-      <a:camera prst="orthographicFront"/>
-      <a:lightRig rig="threePt" dir="t"/>
-    </dgm:scene3d>
-    <dgm:sp3d/>
-    <dgm:txPr/>
-    <dgm:style>
-      <a:lnRef idx="2">
-        <a:scrgbClr r="0" g="0" b="0"/>
-      </a:lnRef>
-      <a:fillRef idx="1">
-        <a:scrgbClr r="0" g="0" b="0"/>
-      </a:fillRef>
-      <a:effectRef idx="0">
-        <a:scrgbClr r="0" g="0" b="0"/>
-      </a:effectRef>
-      <a:fontRef idx="minor">
-        <a:schemeClr val="lt1"/>
-      </a:fontRef>
-    </dgm:style>
-  </dgm:styleLbl>
-  <dgm:styleLbl name="lnNode1">
-    <dgm:scene3d>
-      <a:camera prst="orthographicFront"/>
-      <a:lightRig rig="threePt" dir="t"/>
-    </dgm:scene3d>
-    <dgm:sp3d/>
-    <dgm:txPr/>
-    <dgm:style>
-      <a:lnRef idx="2">
-        <a:scrgbClr r="0" g="0" b="0"/>
-      </a:lnRef>
-      <a:fillRef idx="1">
-        <a:scrgbClr r="0" g="0" b="0"/>
-      </a:fillRef>
-      <a:effectRef idx="0">
-        <a:scrgbClr r="0" g="0" b="0"/>
-      </a:effectRef>
-      <a:fontRef idx="minor">
-        <a:schemeClr val="lt1"/>
-      </a:fontRef>
-    </dgm:style>
-  </dgm:styleLbl>
-  <dgm:styleLbl name="vennNode1">
-    <dgm:scene3d>
-      <a:camera prst="orthographicFront"/>
-      <a:lightRig rig="threePt" dir="t"/>
-    </dgm:scene3d>
-    <dgm:sp3d/>
-    <dgm:txPr/>
-    <dgm:style>
-      <a:lnRef idx="2">
-        <a:scrgbClr r="0" g="0" b="0"/>
-      </a:lnRef>
-      <a:fillRef idx="1">
-        <a:scrgbClr r="0" g="0" b="0"/>
-      </a:fillRef>
-      <a:effectRef idx="0">
-        <a:scrgbClr r="0" g="0" b="0"/>
-      </a:effectRef>
-      <a:fontRef idx="minor">
-        <a:schemeClr val="tx1"/>
-      </a:fontRef>
-    </dgm:style>
-  </dgm:styleLbl>
-  <dgm:styleLbl name="alignNode1">
-    <dgm:scene3d>
-      <a:camera prst="orthographicFront"/>
-      <a:lightRig rig="threePt" dir="t"/>
-    </dgm:scene3d>
-    <dgm:sp3d/>
-    <dgm:txPr/>
-    <dgm:style>
-      <a:lnRef idx="2">
-        <a:scrgbClr r="0" g="0" b="0"/>
-      </a:lnRef>
-      <a:fillRef idx="1">
-        <a:scrgbClr r="0" g="0" b="0"/>
-      </a:fillRef>
-      <a:effectRef idx="0">
-        <a:scrgbClr r="0" g="0" b="0"/>
-      </a:effectRef>
-      <a:fontRef idx="minor">
-        <a:schemeClr val="lt1"/>
-      </a:fontRef>
-    </dgm:style>
-  </dgm:styleLbl>
-  <dgm:styleLbl name="node1">
-    <dgm:scene3d>
-      <a:camera prst="orthographicFront"/>
-      <a:lightRig rig="threePt" dir="t"/>
-    </dgm:scene3d>
-    <dgm:sp3d/>
-    <dgm:txPr/>
-    <dgm:style>
-      <a:lnRef idx="2">
-        <a:scrgbClr r="0" g="0" b="0"/>
-      </a:lnRef>
-      <a:fillRef idx="1">
-        <a:scrgbClr r="0" g="0" b="0"/>
-      </a:fillRef>
-      <a:effectRef idx="0">
-        <a:scrgbClr r="0" g="0" b="0"/>
-      </a:effectRef>
-      <a:fontRef idx="minor">
-        <a:schemeClr val="lt1"/>
-      </a:fontRef>
-    </dgm:style>
-  </dgm:styleLbl>
-  <dgm:styleLbl name="node2">
-    <dgm:scene3d>
-      <a:camera prst="orthographicFront"/>
-      <a:lightRig rig="threePt" dir="t"/>
-    </dgm:scene3d>
-    <dgm:sp3d/>
-    <dgm:txPr/>
-    <dgm:style>
-      <a:lnRef idx="2">
-        <a:scrgbClr r="0" g="0" b="0"/>
-      </a:lnRef>
-      <a:fillRef idx="1">
-        <a:scrgbClr r="0" g="0" b="0"/>
-      </a:fillRef>
-      <a:effectRef idx="0">
-        <a:scrgbClr r="0" g="0" b="0"/>
-      </a:effectRef>
-      <a:fontRef idx="minor">
-        <a:schemeClr val="lt1"/>
-      </a:fontRef>
-    </dgm:style>
-  </dgm:styleLbl>
-  <dgm:styleLbl name="node3">
-    <dgm:scene3d>
-      <a:camera prst="orthographicFront"/>
-      <a:lightRig rig="threePt" dir="t"/>
-    </dgm:scene3d>
-    <dgm:sp3d/>
-    <dgm:txPr/>
-    <dgm:style>
-      <a:lnRef idx="2">
-        <a:scrgbClr r="0" g="0" b="0"/>
-      </a:lnRef>
-      <a:fillRef idx="1">
-        <a:scrgbClr r="0" g="0" b="0"/>
-      </a:fillRef>
-      <a:effectRef idx="0">
-        <a:scrgbClr r="0" g="0" b="0"/>
-      </a:effectRef>
-      <a:fontRef idx="minor">
-        <a:schemeClr val="lt1"/>
-      </a:fontRef>
-    </dgm:style>
-  </dgm:styleLbl>
-  <dgm:styleLbl name="node4">
-    <dgm:scene3d>
-      <a:camera prst="orthographicFront"/>
-      <a:lightRig rig="threePt" dir="t"/>
-    </dgm:scene3d>
-    <dgm:sp3d/>
-    <dgm:txPr/>
-    <dgm:style>
-      <a:lnRef idx="2">
-        <a:scrgbClr r="0" g="0" b="0"/>
-      </a:lnRef>
-      <a:fillRef idx="1">
-        <a:scrgbClr r="0" g="0" b="0"/>
-      </a:fillRef>
-      <a:effectRef idx="0">
-        <a:scrgbClr r="0" g="0" b="0"/>
-      </a:effectRef>
-      <a:fontRef idx="minor">
-        <a:schemeClr val="lt1"/>
-      </a:fontRef>
-    </dgm:style>
-  </dgm:styleLbl>
-  <dgm:styleLbl name="fgImgPlace1">
-    <dgm:scene3d>
-      <a:camera prst="orthographicFront"/>
-      <a:lightRig rig="threePt" dir="t"/>
-    </dgm:scene3d>
-    <dgm:sp3d/>
-    <dgm:txPr/>
-    <dgm:style>
-      <a:lnRef idx="2">
-        <a:scrgbClr r="0" g="0" b="0"/>
-      </a:lnRef>
-      <a:fillRef idx="1">
-        <a:scrgbClr r="0" g="0" b="0"/>
-      </a:fillRef>
-      <a:effectRef idx="0">
-        <a:scrgbClr r="0" g="0" b="0"/>
-      </a:effectRef>
-      <a:fontRef idx="minor"/>
-    </dgm:style>
-  </dgm:styleLbl>
-  <dgm:styleLbl name="alignImgPlace1">
-    <dgm:scene3d>
-      <a:camera prst="orthographicFront"/>
-      <a:lightRig rig="threePt" dir="t"/>
-    </dgm:scene3d>
-    <dgm:sp3d/>
-    <dgm:txPr/>
-    <dgm:style>
-      <a:lnRef idx="2">
-        <a:scrgbClr r="0" g="0" b="0"/>
-      </a:lnRef>
-      <a:fillRef idx="1">
-        <a:scrgbClr r="0" g="0" b="0"/>
-      </a:fillRef>
-      <a:effectRef idx="0">
-        <a:scrgbClr r="0" g="0" b="0"/>
-      </a:effectRef>
-      <a:fontRef idx="minor"/>
-    </dgm:style>
-  </dgm:styleLbl>
-  <dgm:styleLbl name="bgImgPlace1">
-    <dgm:scene3d>
-      <a:camera prst="orthographicFront"/>
-      <a:lightRig rig="threePt" dir="t"/>
-    </dgm:scene3d>
-    <dgm:sp3d/>
-    <dgm:txPr/>
-    <dgm:style>
-      <a:lnRef idx="2">
-        <a:scrgbClr r="0" g="0" b="0"/>
-      </a:lnRef>
-      <a:fillRef idx="1">
-        <a:scrgbClr r="0" g="0" b="0"/>
-      </a:fillRef>
-      <a:effectRef idx="0">
-        <a:scrgbClr r="0" g="0" b="0"/>
-      </a:effectRef>
-      <a:fontRef idx="minor"/>
-    </dgm:style>
-  </dgm:styleLbl>
-  <dgm:styleLbl name="sibTrans2D1">
-    <dgm:scene3d>
-      <a:camera prst="orthographicFront"/>
-      <a:lightRig rig="threePt" dir="t"/>
-    </dgm:scene3d>
-    <dgm:sp3d/>
-    <dgm:txPr/>
-    <dgm:style>
-      <a:lnRef idx="0">
-        <a:scrgbClr r="0" g="0" b="0"/>
-      </a:lnRef>
-      <a:fillRef idx="1">
-        <a:scrgbClr r="0" g="0" b="0"/>
-      </a:fillRef>
-      <a:effectRef idx="0">
-        <a:scrgbClr r="0" g="0" b="0"/>
-      </a:effectRef>
-      <a:fontRef idx="minor">
-        <a:schemeClr val="lt1"/>
-      </a:fontRef>
-    </dgm:style>
-  </dgm:styleLbl>
-  <dgm:styleLbl name="fgSibTrans2D1">
-    <dgm:scene3d>
-      <a:camera prst="orthographicFront"/>
-      <a:lightRig rig="threePt" dir="t"/>
-    </dgm:scene3d>
-    <dgm:sp3d/>
-    <dgm:txPr/>
-    <dgm:style>
-      <a:lnRef idx="0">
-        <a:scrgbClr r="0" g="0" b="0"/>
-      </a:lnRef>
-      <a:fillRef idx="1">
-        <a:scrgbClr r="0" g="0" b="0"/>
-      </a:fillRef>
-      <a:effectRef idx="0">
-        <a:scrgbClr r="0" g="0" b="0"/>
-      </a:effectRef>
-      <a:fontRef idx="minor">
-        <a:schemeClr val="lt1"/>
-      </a:fontRef>
-    </dgm:style>
-  </dgm:styleLbl>
-  <dgm:styleLbl name="bgSibTrans2D1">
-    <dgm:scene3d>
-      <a:camera prst="orthographicFront"/>
-      <a:lightRig rig="threePt" dir="t"/>
-    </dgm:scene3d>
-    <dgm:sp3d/>
-    <dgm:txPr/>
-    <dgm:style>
-      <a:lnRef idx="0">
-        <a:scrgbClr r="0" g="0" b="0"/>
-      </a:lnRef>
-      <a:fillRef idx="1">
-        <a:scrgbClr r="0" g="0" b="0"/>
-      </a:fillRef>
-      <a:effectRef idx="0">
-        <a:scrgbClr r="0" g="0" b="0"/>
-      </a:effectRef>
-      <a:fontRef idx="minor">
-        <a:schemeClr val="lt1"/>
-      </a:fontRef>
-    </dgm:style>
-  </dgm:styleLbl>
-  <dgm:styleLbl name="sibTrans1D1">
-    <dgm:scene3d>
-      <a:camera prst="orthographicFront"/>
-      <a:lightRig rig="threePt" dir="t"/>
-    </dgm:scene3d>
-    <dgm:sp3d/>
-    <dgm:txPr/>
-    <dgm:style>
-      <a:lnRef idx="1">
-        <a:scrgbClr r="0" g="0" b="0"/>
-      </a:lnRef>
-      <a:fillRef idx="0">
-        <a:scrgbClr r="0" g="0" b="0"/>
-      </a:fillRef>
-      <a:effectRef idx="0">
-        <a:scrgbClr r="0" g="0" b="0"/>
-      </a:effectRef>
-      <a:fontRef idx="minor"/>
-    </dgm:style>
-  </dgm:styleLbl>
-  <dgm:styleLbl name="callout">
-    <dgm:scene3d>
-      <a:camera prst="orthographicFront"/>
-      <a:lightRig rig="threePt" dir="t"/>
-    </dgm:scene3d>
-    <dgm:sp3d/>
-    <dgm:txPr/>
-    <dgm:style>
-      <a:lnRef idx="2">
-        <a:scrgbClr r="0" g="0" b="0"/>
-      </a:lnRef>
-      <a:fillRef idx="1">
-        <a:scrgbClr r="0" g="0" b="0"/>
-      </a:fillRef>
-      <a:effectRef idx="0">
-        <a:scrgbClr r="0" g="0" b="0"/>
-      </a:effectRef>
-      <a:fontRef idx="minor"/>
-    </dgm:style>
-  </dgm:styleLbl>
-  <dgm:styleLbl name="asst0">
-    <dgm:scene3d>
-      <a:camera prst="orthographicFront"/>
-      <a:lightRig rig="threePt" dir="t"/>
-    </dgm:scene3d>
-    <dgm:sp3d/>
-    <dgm:txPr/>
-    <dgm:style>
-      <a:lnRef idx="2">
-        <a:scrgbClr r="0" g="0" b="0"/>
-      </a:lnRef>
-      <a:fillRef idx="1">
-        <a:scrgbClr r="0" g="0" b="0"/>
-      </a:fillRef>
-      <a:effectRef idx="0">
-        <a:scrgbClr r="0" g="0" b="0"/>
-      </a:effectRef>
-      <a:fontRef idx="minor">
-        <a:schemeClr val="lt1"/>
-      </a:fontRef>
-    </dgm:style>
-  </dgm:styleLbl>
-  <dgm:styleLbl name="asst1">
-    <dgm:scene3d>
-      <a:camera prst="orthographicFront"/>
-      <a:lightRig rig="threePt" dir="t"/>
-    </dgm:scene3d>
-    <dgm:sp3d/>
-    <dgm:txPr/>
-    <dgm:style>
-      <a:lnRef idx="2">
-        <a:scrgbClr r="0" g="0" b="0"/>
-      </a:lnRef>
-      <a:fillRef idx="1">
-        <a:scrgbClr r="0" g="0" b="0"/>
-      </a:fillRef>
-      <a:effectRef idx="0">
-        <a:scrgbClr r="0" g="0" b="0"/>
-      </a:effectRef>
-      <a:fontRef idx="minor">
-        <a:schemeClr val="lt1"/>
-      </a:fontRef>
-    </dgm:style>
-  </dgm:styleLbl>
-  <dgm:styleLbl name="asst2">
-    <dgm:scene3d>
-      <a:camera prst="orthographicFront"/>
-      <a:lightRig rig="threePt" dir="t"/>
-    </dgm:scene3d>
-    <dgm:sp3d/>
-    <dgm:txPr/>
-    <dgm:style>
-      <a:lnRef idx="2">
-        <a:scrgbClr r="0" g="0" b="0"/>
-      </a:lnRef>
-      <a:fillRef idx="1">
-        <a:scrgbClr r="0" g="0" b="0"/>
-      </a:fillRef>
-      <a:effectRef idx="0">
-        <a:scrgbClr r="0" g="0" b="0"/>
-      </a:effectRef>
-      <a:fontRef idx="minor">
-        <a:schemeClr val="lt1"/>
-      </a:fontRef>
-    </dgm:style>
-  </dgm:styleLbl>
-  <dgm:styleLbl name="asst3">
-    <dgm:scene3d>
-      <a:camera prst="orthographicFront"/>
-      <a:lightRig rig="threePt" dir="t"/>
-    </dgm:scene3d>
-    <dgm:sp3d/>
-    <dgm:txPr/>
-    <dgm:style>
-      <a:lnRef idx="2">
-        <a:scrgbClr r="0" g="0" b="0"/>
-      </a:lnRef>
-      <a:fillRef idx="1">
-        <a:scrgbClr r="0" g="0" b="0"/>
-      </a:fillRef>
-      <a:effectRef idx="0">
-        <a:scrgbClr r="0" g="0" b="0"/>
-      </a:effectRef>
-      <a:fontRef idx="minor">
-        <a:schemeClr val="lt1"/>
-      </a:fontRef>
-    </dgm:style>
-  </dgm:styleLbl>
-  <dgm:styleLbl name="asst4">
-    <dgm:scene3d>
-      <a:camera prst="orthographicFront"/>
-      <a:lightRig rig="threePt" dir="t"/>
-    </dgm:scene3d>
-    <dgm:sp3d/>
-    <dgm:txPr/>
-    <dgm:style>
-      <a:lnRef idx="2">
-        <a:scrgbClr r="0" g="0" b="0"/>
-      </a:lnRef>
-      <a:fillRef idx="1">
-        <a:scrgbClr r="0" g="0" b="0"/>
-      </a:fillRef>
-      <a:effectRef idx="0">
-        <a:scrgbClr r="0" g="0" b="0"/>
-      </a:effectRef>
-      <a:fontRef idx="minor">
-        <a:schemeClr val="lt1"/>
-      </a:fontRef>
-    </dgm:style>
-  </dgm:styleLbl>
-  <dgm:styleLbl name="parChTrans2D1">
-    <dgm:scene3d>
-      <a:camera prst="orthographicFront"/>
-      <a:lightRig rig="threePt" dir="t"/>
-    </dgm:scene3d>
-    <dgm:sp3d/>
-    <dgm:txPr/>
-    <dgm:style>
-      <a:lnRef idx="2">
-        <a:scrgbClr r="0" g="0" b="0"/>
-      </a:lnRef>
-      <a:fillRef idx="1">
-        <a:scrgbClr r="0" g="0" b="0"/>
-      </a:fillRef>
-      <a:effectRef idx="0">
-        <a:scrgbClr r="0" g="0" b="0"/>
-      </a:effectRef>
-      <a:fontRef idx="minor">
-        <a:schemeClr val="lt1"/>
-      </a:fontRef>
-    </dgm:style>
-  </dgm:styleLbl>
-  <dgm:styleLbl name="parChTrans2D2">
-    <dgm:scene3d>
-      <a:camera prst="orthographicFront"/>
-      <a:lightRig rig="threePt" dir="t"/>
-    </dgm:scene3d>
-    <dgm:sp3d/>
-    <dgm:txPr/>
-    <dgm:style>
-      <a:lnRef idx="2">
-        <a:scrgbClr r="0" g="0" b="0"/>
-      </a:lnRef>
-      <a:fillRef idx="1">
-        <a:scrgbClr r="0" g="0" b="0"/>
-      </a:fillRef>
-      <a:effectRef idx="0">
-        <a:scrgbClr r="0" g="0" b="0"/>
-      </a:effectRef>
-      <a:fontRef idx="minor">
-        <a:schemeClr val="lt1"/>
-      </a:fontRef>
-    </dgm:style>
-  </dgm:styleLbl>
-  <dgm:styleLbl name="parChTrans2D3">
-    <dgm:scene3d>
-      <a:camera prst="orthographicFront"/>
-      <a:lightRig rig="threePt" dir="t"/>
-    </dgm:scene3d>
-    <dgm:sp3d/>
-    <dgm:txPr/>
-    <dgm:style>
-      <a:lnRef idx="2">
-        <a:scrgbClr r="0" g="0" b="0"/>
-      </a:lnRef>
-      <a:fillRef idx="1">
-        <a:scrgbClr r="0" g="0" b="0"/>
-      </a:fillRef>
-      <a:effectRef idx="0">
-        <a:scrgbClr r="0" g="0" b="0"/>
-      </a:effectRef>
-      <a:fontRef idx="minor">
-        <a:schemeClr val="lt1"/>
-      </a:fontRef>
-    </dgm:style>
-  </dgm:styleLbl>
-  <dgm:styleLbl name="parChTrans2D4">
-    <dgm:scene3d>
-      <a:camera prst="orthographicFront"/>
-      <a:lightRig rig="threePt" dir="t"/>
-    </dgm:scene3d>
-    <dgm:sp3d/>
-    <dgm:txPr/>
-    <dgm:style>
-      <a:lnRef idx="2">
-        <a:scrgbClr r="0" g="0" b="0"/>
-      </a:lnRef>
-      <a:fillRef idx="1">
-        <a:scrgbClr r="0" g="0" b="0"/>
-      </a:fillRef>
-      <a:effectRef idx="0">
-        <a:scrgbClr r="0" g="0" b="0"/>
-      </a:effectRef>
-      <a:fontRef idx="minor">
-        <a:schemeClr val="lt1"/>
-      </a:fontRef>
-    </dgm:style>
-  </dgm:styleLbl>
-  <dgm:styleLbl name="parChTrans1D1">
-    <dgm:scene3d>
-      <a:camera prst="orthographicFront"/>
-      <a:lightRig rig="threePt" dir="t"/>
-    </dgm:scene3d>
-    <dgm:sp3d/>
-    <dgm:txPr/>
-    <dgm:style>
-      <a:lnRef idx="2">
-        <a:scrgbClr r="0" g="0" b="0"/>
-      </a:lnRef>
-      <a:fillRef idx="0">
-        <a:scrgbClr r="0" g="0" b="0"/>
-      </a:fillRef>
-      <a:effectRef idx="0">
-        <a:scrgbClr r="0" g="0" b="0"/>
-      </a:effectRef>
-      <a:fontRef idx="minor"/>
-    </dgm:style>
-  </dgm:styleLbl>
-  <dgm:styleLbl name="parChTrans1D2">
-    <dgm:scene3d>
-      <a:camera prst="orthographicFront"/>
-      <a:lightRig rig="threePt" dir="t"/>
-    </dgm:scene3d>
-    <dgm:sp3d/>
-    <dgm:txPr/>
-    <dgm:style>
-      <a:lnRef idx="2">
-        <a:scrgbClr r="0" g="0" b="0"/>
-      </a:lnRef>
-      <a:fillRef idx="0">
-        <a:scrgbClr r="0" g="0" b="0"/>
-      </a:fillRef>
-      <a:effectRef idx="0">
-        <a:scrgbClr r="0" g="0" b="0"/>
-      </a:effectRef>
-      <a:fontRef idx="minor"/>
-    </dgm:style>
-  </dgm:styleLbl>
-  <dgm:styleLbl name="parChTrans1D3">
-    <dgm:scene3d>
-      <a:camera prst="orthographicFront"/>
-      <a:lightRig rig="threePt" dir="t"/>
-    </dgm:scene3d>
-    <dgm:sp3d/>
-    <dgm:txPr/>
-    <dgm:style>
-      <a:lnRef idx="2">
-        <a:scrgbClr r="0" g="0" b="0"/>
-      </a:lnRef>
-      <a:fillRef idx="0">
-        <a:scrgbClr r="0" g="0" b="0"/>
-      </a:fillRef>
-      <a:effectRef idx="0">
-        <a:scrgbClr r="0" g="0" b="0"/>
-      </a:effectRef>
-      <a:fontRef idx="minor"/>
-    </dgm:style>
-  </dgm:styleLbl>
-  <dgm:styleLbl name="parChTrans1D4">
-    <dgm:scene3d>
-      <a:camera prst="orthographicFront"/>
-      <a:lightRig rig="threePt" dir="t"/>
-    </dgm:scene3d>
-    <dgm:sp3d/>
-    <dgm:txPr/>
-    <dgm:style>
-      <a:lnRef idx="2">
-        <a:scrgbClr r="0" g="0" b="0"/>
-      </a:lnRef>
-      <a:fillRef idx="0">
-        <a:scrgbClr r="0" g="0" b="0"/>
-      </a:fillRef>
-      <a:effectRef idx="0">
-        <a:scrgbClr r="0" g="0" b="0"/>
-      </a:effectRef>
-      <a:fontRef idx="minor"/>
-    </dgm:style>
-  </dgm:styleLbl>
-  <dgm:styleLbl name="fgAcc1">
-    <dgm:scene3d>
-      <a:camera prst="orthographicFront"/>
-      <a:lightRig rig="threePt" dir="t"/>
-    </dgm:scene3d>
-    <dgm:sp3d/>
-    <dgm:txPr/>
-    <dgm:style>
-      <a:lnRef idx="2">
-        <a:scrgbClr r="0" g="0" b="0"/>
-      </a:lnRef>
-      <a:fillRef idx="1">
-        <a:scrgbClr r="0" g="0" b="0"/>
-      </a:fillRef>
-      <a:effectRef idx="0">
-        <a:scrgbClr r="0" g="0" b="0"/>
-      </a:effectRef>
-      <a:fontRef idx="minor"/>
-    </dgm:style>
-  </dgm:styleLbl>
-  <dgm:styleLbl name="conFgAcc1">
-    <dgm:scene3d>
-      <a:camera prst="orthographicFront"/>
-      <a:lightRig rig="threePt" dir="t"/>
-    </dgm:scene3d>
-    <dgm:sp3d/>
-    <dgm:txPr/>
-    <dgm:style>
-      <a:lnRef idx="2">
-        <a:scrgbClr r="0" g="0" b="0"/>
-      </a:lnRef>
-      <a:fillRef idx="1">
-        <a:scrgbClr r="0" g="0" b="0"/>
-      </a:fillRef>
-      <a:effectRef idx="0">
-        <a:scrgbClr r="0" g="0" b="0"/>
-      </a:effectRef>
-      <a:fontRef idx="minor"/>
-    </dgm:style>
-  </dgm:styleLbl>
-  <dgm:styleLbl name="alignAcc1">
-    <dgm:scene3d>
-      <a:camera prst="orthographicFront"/>
-      <a:lightRig rig="threePt" dir="t"/>
-    </dgm:scene3d>
-    <dgm:sp3d/>
-    <dgm:txPr/>
-    <dgm:style>
-      <a:lnRef idx="2">
-        <a:scrgbClr r="0" g="0" b="0"/>
-      </a:lnRef>
-      <a:fillRef idx="1">
-        <a:scrgbClr r="0" g="0" b="0"/>
-      </a:fillRef>
-      <a:effectRef idx="0">
-        <a:scrgbClr r="0" g="0" b="0"/>
-      </a:effectRef>
-      <a:fontRef idx="minor"/>
-    </dgm:style>
-  </dgm:styleLbl>
-  <dgm:styleLbl name="trAlignAcc1">
-    <dgm:scene3d>
-      <a:camera prst="orthographicFront"/>
-      <a:lightRig rig="threePt" dir="t"/>
-    </dgm:scene3d>
-    <dgm:sp3d/>
-    <dgm:txPr/>
-    <dgm:style>
-      <a:lnRef idx="1">
-        <a:scrgbClr r="0" g="0" b="0"/>
-      </a:lnRef>
-      <a:fillRef idx="1">
-        <a:scrgbClr r="0" g="0" b="0"/>
-      </a:fillRef>
-      <a:effectRef idx="0">
-        <a:scrgbClr r="0" g="0" b="0"/>
-      </a:effectRef>
-      <a:fontRef idx="minor"/>
-    </dgm:style>
-  </dgm:styleLbl>
-  <dgm:styleLbl name="bgAcc1">
-    <dgm:scene3d>
-      <a:camera prst="orthographicFront"/>
-      <a:lightRig rig="threePt" dir="t"/>
-    </dgm:scene3d>
-    <dgm:sp3d/>
-    <dgm:txPr/>
-    <dgm:style>
-      <a:lnRef idx="2">
-        <a:scrgbClr r="0" g="0" b="0"/>
-      </a:lnRef>
-      <a:fillRef idx="1">
-        <a:scrgbClr r="0" g="0" b="0"/>
-      </a:fillRef>
-      <a:effectRef idx="0">
-        <a:scrgbClr r="0" g="0" b="0"/>
-      </a:effectRef>
-      <a:fontRef idx="minor"/>
-    </dgm:style>
-  </dgm:styleLbl>
-  <dgm:styleLbl name="solidFgAcc1">
-    <dgm:scene3d>
-      <a:camera prst="orthographicFront"/>
-      <a:lightRig rig="threePt" dir="t"/>
-    </dgm:scene3d>
-    <dgm:sp3d/>
-    <dgm:txPr/>
-    <dgm:style>
-      <a:lnRef idx="2">
-        <a:scrgbClr r="0" g="0" b="0"/>
-      </a:lnRef>
-      <a:fillRef idx="1">
-        <a:scrgbClr r="0" g="0" b="0"/>
-      </a:fillRef>
-      <a:effectRef idx="0">
-        <a:scrgbClr r="0" g="0" b="0"/>
-      </a:effectRef>
-      <a:fontRef idx="minor"/>
-    </dgm:style>
-  </dgm:styleLbl>
-  <dgm:styleLbl name="solidAlignAcc1">
-    <dgm:scene3d>
-      <a:camera prst="orthographicFront"/>
-      <a:lightRig rig="threePt" dir="t"/>
-    </dgm:scene3d>
-    <dgm:sp3d/>
-    <dgm:txPr/>
-    <dgm:style>
-      <a:lnRef idx="2">
-        <a:scrgbClr r="0" g="0" b="0"/>
-      </a:lnRef>
-      <a:fillRef idx="1">
-        <a:scrgbClr r="0" g="0" b="0"/>
-      </a:fillRef>
-      <a:effectRef idx="0">
-        <a:scrgbClr r="0" g="0" b="0"/>
-      </a:effectRef>
-      <a:fontRef idx="minor"/>
-    </dgm:style>
-  </dgm:styleLbl>
-  <dgm:styleLbl name="solidBgAcc1">
-    <dgm:scene3d>
-      <a:camera prst="orthographicFront"/>
-      <a:lightRig rig="threePt" dir="t"/>
-    </dgm:scene3d>
-    <dgm:sp3d/>
-    <dgm:txPr/>
-    <dgm:style>
-      <a:lnRef idx="2">
-        <a:scrgbClr r="0" g="0" b="0"/>
-      </a:lnRef>
-      <a:fillRef idx="1">
-        <a:scrgbClr r="0" g="0" b="0"/>
-      </a:fillRef>
-      <a:effectRef idx="0">
-        <a:scrgbClr r="0" g="0" b="0"/>
-      </a:effectRef>
-      <a:fontRef idx="minor"/>
-    </dgm:style>
-  </dgm:styleLbl>
-  <dgm:styleLbl name="fgAccFollowNode1">
-    <dgm:scene3d>
-      <a:camera prst="orthographicFront"/>
-      <a:lightRig rig="threePt" dir="t"/>
-    </dgm:scene3d>
-    <dgm:sp3d/>
-    <dgm:txPr/>
-    <dgm:style>
-      <a:lnRef idx="2">
-        <a:scrgbClr r="0" g="0" b="0"/>
-      </a:lnRef>
-      <a:fillRef idx="1">
-        <a:scrgbClr r="0" g="0" b="0"/>
-      </a:fillRef>
-      <a:effectRef idx="0">
-        <a:scrgbClr r="0" g="0" b="0"/>
-      </a:effectRef>
-      <a:fontRef idx="minor"/>
-    </dgm:style>
-  </dgm:styleLbl>
-  <dgm:styleLbl name="alignAccFollowNode1">
-    <dgm:scene3d>
-      <a:camera prst="orthographicFront"/>
-      <a:lightRig rig="threePt" dir="t"/>
-    </dgm:scene3d>
-    <dgm:sp3d/>
-    <dgm:txPr/>
-    <dgm:style>
-      <a:lnRef idx="2">
-        <a:scrgbClr r="0" g="0" b="0"/>
-      </a:lnRef>
-      <a:fillRef idx="1">
-        <a:scrgbClr r="0" g="0" b="0"/>
-      </a:fillRef>
-      <a:effectRef idx="0">
-        <a:scrgbClr r="0" g="0" b="0"/>
-      </a:effectRef>
-      <a:fontRef idx="minor"/>
-    </dgm:style>
-  </dgm:styleLbl>
-  <dgm:styleLbl name="bgAccFollowNode1">
-    <dgm:scene3d>
-      <a:camera prst="orthographicFront"/>
-      <a:lightRig rig="threePt" dir="t"/>
-    </dgm:scene3d>
-    <dgm:sp3d/>
-    <dgm:txPr/>
-    <dgm:style>
-      <a:lnRef idx="2">
-        <a:scrgbClr r="0" g="0" b="0"/>
-      </a:lnRef>
-      <a:fillRef idx="1">
-        <a:scrgbClr r="0" g="0" b="0"/>
-      </a:fillRef>
-      <a:effectRef idx="0">
-        <a:scrgbClr r="0" g="0" b="0"/>
-      </a:effectRef>
-      <a:fontRef idx="minor"/>
-    </dgm:style>
-  </dgm:styleLbl>
-  <dgm:styleLbl name="fgAcc0">
-    <dgm:scene3d>
-      <a:camera prst="orthographicFront"/>
-      <a:lightRig rig="threePt" dir="t"/>
-    </dgm:scene3d>
-    <dgm:sp3d/>
-    <dgm:txPr/>
-    <dgm:style>
-      <a:lnRef idx="2">
-        <a:scrgbClr r="0" g="0" b="0"/>
-      </a:lnRef>
-      <a:fillRef idx="1">
-        <a:scrgbClr r="0" g="0" b="0"/>
-      </a:fillRef>
-      <a:effectRef idx="0">
-        <a:scrgbClr r="0" g="0" b="0"/>
-      </a:effectRef>
-      <a:fontRef idx="minor"/>
-    </dgm:style>
-  </dgm:styleLbl>
-  <dgm:styleLbl name="fgAcc2">
-    <dgm:scene3d>
-      <a:camera prst="orthographicFront"/>
-      <a:lightRig rig="threePt" dir="t"/>
-    </dgm:scene3d>
-    <dgm:sp3d/>
-    <dgm:txPr/>
-    <dgm:style>
-      <a:lnRef idx="2">
-        <a:scrgbClr r="0" g="0" b="0"/>
-      </a:lnRef>
-      <a:fillRef idx="1">
-        <a:scrgbClr r="0" g="0" b="0"/>
-      </a:fillRef>
-      <a:effectRef idx="0">
-        <a:scrgbClr r="0" g="0" b="0"/>
-      </a:effectRef>
-      <a:fontRef idx="minor"/>
-    </dgm:style>
-  </dgm:styleLbl>
-  <dgm:styleLbl name="fgAcc3">
-    <dgm:scene3d>
-      <a:camera prst="orthographicFront"/>
-      <a:lightRig rig="threePt" dir="t"/>
-    </dgm:scene3d>
-    <dgm:sp3d/>
-    <dgm:txPr/>
-    <dgm:style>
-      <a:lnRef idx="2">
-        <a:scrgbClr r="0" g="0" b="0"/>
-      </a:lnRef>
-      <a:fillRef idx="1">
-        <a:scrgbClr r="0" g="0" b="0"/>
-      </a:fillRef>
-      <a:effectRef idx="0">
-        <a:scrgbClr r="0" g="0" b="0"/>
-      </a:effectRef>
-      <a:fontRef idx="minor"/>
-    </dgm:style>
-  </dgm:styleLbl>
-  <dgm:styleLbl name="fgAcc4">
-    <dgm:scene3d>
-      <a:camera prst="orthographicFront"/>
-      <a:lightRig rig="threePt" dir="t"/>
-    </dgm:scene3d>
-    <dgm:sp3d/>
-    <dgm:txPr/>
-    <dgm:style>
-      <a:lnRef idx="2">
-        <a:scrgbClr r="0" g="0" b="0"/>
-      </a:lnRef>
-      <a:fillRef idx="1">
-        <a:scrgbClr r="0" g="0" b="0"/>
-      </a:fillRef>
-      <a:effectRef idx="0">
-        <a:scrgbClr r="0" g="0" b="0"/>
-      </a:effectRef>
-      <a:fontRef idx="minor"/>
-    </dgm:style>
-  </dgm:styleLbl>
-  <dgm:styleLbl name="bgShp">
-    <dgm:scene3d>
-      <a:camera prst="orthographicFront"/>
-      <a:lightRig rig="threePt" dir="t"/>
-    </dgm:scene3d>
-    <dgm:sp3d/>
-    <dgm:txPr/>
-    <dgm:style>
-      <a:lnRef idx="0">
-        <a:scrgbClr r="0" g="0" b="0"/>
-      </a:lnRef>
-      <a:fillRef idx="1">
-        <a:scrgbClr r="0" g="0" b="0"/>
-      </a:fillRef>
-      <a:effectRef idx="0">
-        <a:scrgbClr r="0" g="0" b="0"/>
-      </a:effectRef>
-      <a:fontRef idx="minor"/>
-    </dgm:style>
-  </dgm:styleLbl>
-  <dgm:styleLbl name="dkBgShp">
-    <dgm:scene3d>
-      <a:camera prst="orthographicFront"/>
-      <a:lightRig rig="threePt" dir="t"/>
-    </dgm:scene3d>
-    <dgm:sp3d/>
-    <dgm:txPr/>
-    <dgm:style>
-      <a:lnRef idx="0">
-        <a:scrgbClr r="0" g="0" b="0"/>
-      </a:lnRef>
-      <a:fillRef idx="1">
-        <a:scrgbClr r="0" g="0" b="0"/>
-      </a:fillRef>
-      <a:effectRef idx="0">
-        <a:scrgbClr r="0" g="0" b="0"/>
-      </a:effectRef>
-      <a:fontRef idx="minor"/>
-    </dgm:style>
-  </dgm:styleLbl>
-  <dgm:styleLbl name="trBgShp">
-    <dgm:scene3d>
-      <a:camera prst="orthographicFront"/>
-      <a:lightRig rig="threePt" dir="t"/>
-    </dgm:scene3d>
-    <dgm:sp3d/>
-    <dgm:txPr/>
-    <dgm:style>
-      <a:lnRef idx="0">
-        <a:scrgbClr r="0" g="0" b="0"/>
-      </a:lnRef>
-      <a:fillRef idx="1">
-        <a:scrgbClr r="0" g="0" b="0"/>
-      </a:fillRef>
-      <a:effectRef idx="0">
-        <a:scrgbClr r="0" g="0" b="0"/>
-      </a:effectRef>
-      <a:fontRef idx="minor"/>
-    </dgm:style>
-  </dgm:styleLbl>
-  <dgm:styleLbl name="fgShp">
-    <dgm:scene3d>
-      <a:camera prst="orthographicFront"/>
-      <a:lightRig rig="threePt" dir="t"/>
-    </dgm:scene3d>
-    <dgm:sp3d/>
-    <dgm:txPr/>
-    <dgm:style>
-      <a:lnRef idx="2">
-        <a:scrgbClr r="0" g="0" b="0"/>
-      </a:lnRef>
-      <a:fillRef idx="1">
-        <a:scrgbClr r="0" g="0" b="0"/>
-      </a:fillRef>
-      <a:effectRef idx="0">
-        <a:scrgbClr r="0" g="0" b="0"/>
-      </a:effectRef>
-      <a:fontRef idx="minor"/>
-    </dgm:style>
-  </dgm:styleLbl>
-  <dgm:styleLbl name="revTx">
-    <dgm:scene3d>
-      <a:camera prst="orthographicFront"/>
-      <a:lightRig rig="threePt" dir="t"/>
-    </dgm:scene3d>
-    <dgm:sp3d/>
-    <dgm:txPr/>
-    <dgm:style>
-      <a:lnRef idx="0">
-        <a:scrgbClr r="0" g="0" b="0"/>
-      </a:lnRef>
-      <a:fillRef idx="0">
-        <a:scrgbClr r="0" g="0" b="0"/>
-      </a:fillRef>
-      <a:effectRef idx="0">
-        <a:scrgbClr r="0" g="0" b="0"/>
-      </a:effectRef>
-      <a:fontRef idx="minor"/>
-    </dgm:style>
-  </dgm:styleLbl>
-</dgm:styleDef>
-</file>
-
 <file path=ppt/handoutMasters/handoutMaster1.xml><?xml version="1.0" encoding="utf-8"?>
 <p:handoutMaster xmlns:a="http://schemas.openxmlformats.org/drawingml/2006/main" xmlns:r="http://schemas.openxmlformats.org/officeDocument/2006/relationships" xmlns:p="http://schemas.openxmlformats.org/presentationml/2006/main">
   <p:cSld>
@@ -4226,7 +1059,7 @@
           <a:p>
             <a:fld id="{BDB7646E-8811-423A-9C42-2CBFADA00A96}" type="datetimeFigureOut">
               <a:rPr lang="en-US" smtClean="0"/>
-              <a:t>1/31/2018</a:t>
+              <a:t>2/6/2018</a:t>
             </a:fld>
             <a:endParaRPr lang="en-US"/>
           </a:p>
@@ -4400,7 +1233,7 @@
             <a:fld id="{D677E230-58DD-43ED-96A1-552DDAB53532}" type="datetimeFigureOut">
               <a:rPr lang="en-US" smtClean="0"/>
               <a:pPr/>
-              <a:t>1/31/2018</a:t>
+              <a:t>2/6/2018</a:t>
             </a:fld>
             <a:endParaRPr lang="en-US"/>
           </a:p>
@@ -5593,7 +2426,7 @@
             <a:fld id="{C2C6F8EA-316C-41DE-B9A4-EDCC3A85ED9A}" type="datetimeFigureOut">
               <a:rPr lang="en-US" smtClean="0"/>
               <a:pPr/>
-              <a:t>1/31/2018</a:t>
+              <a:t>2/6/2018</a:t>
             </a:fld>
             <a:endParaRPr lang="en-US" dirty="0"/>
           </a:p>
@@ -5817,7 +2650,7 @@
           <a:p>
             <a:fld id="{C2C6F8EA-316C-41DE-B9A4-EDCC3A85ED9A}" type="datetimeFigureOut">
               <a:rPr lang="en-US"/>
-              <a:t>1/31/2018</a:t>
+              <a:t>2/6/2018</a:t>
             </a:fld>
             <a:endParaRPr/>
           </a:p>
@@ -6636,7 +3469,7 @@
           <a:p>
             <a:fld id="{C2C6F8EA-316C-41DE-B9A4-EDCC3A85ED9A}" type="datetimeFigureOut">
               <a:rPr lang="en-US"/>
-              <a:t>1/31/2018</a:t>
+              <a:t>2/6/2018</a:t>
             </a:fld>
             <a:endParaRPr/>
           </a:p>
@@ -6838,7 +3671,7 @@
           <a:p>
             <a:fld id="{C2C6F8EA-316C-41DE-B9A4-EDCC3A85ED9A}" type="datetimeFigureOut">
               <a:rPr lang="en-US"/>
-              <a:t>1/31/2018</a:t>
+              <a:t>2/6/2018</a:t>
             </a:fld>
             <a:endParaRPr dirty="0"/>
           </a:p>
@@ -8105,7 +4938,7 @@
             <a:fld id="{C2C6F8EA-316C-41DE-B9A4-EDCC3A85ED9A}" type="datetimeFigureOut">
               <a:rPr lang="en-US" smtClean="0"/>
               <a:pPr/>
-              <a:t>1/31/2018</a:t>
+              <a:t>2/6/2018</a:t>
             </a:fld>
             <a:endParaRPr lang="en-US" dirty="0"/>
           </a:p>
@@ -8431,7 +5264,7 @@
           <a:p>
             <a:fld id="{C2C6F8EA-316C-41DE-B9A4-EDCC3A85ED9A}" type="datetimeFigureOut">
               <a:rPr lang="en-US"/>
-              <a:t>1/31/2018</a:t>
+              <a:t>2/6/2018</a:t>
             </a:fld>
             <a:endParaRPr/>
           </a:p>
@@ -8883,7 +5716,7 @@
           <a:p>
             <a:fld id="{C2C6F8EA-316C-41DE-B9A4-EDCC3A85ED9A}" type="datetimeFigureOut">
               <a:rPr lang="en-US"/>
-              <a:t>1/31/2018</a:t>
+              <a:t>2/6/2018</a:t>
             </a:fld>
             <a:endParaRPr/>
           </a:p>
@@ -9017,7 +5850,7 @@
           <a:p>
             <a:fld id="{C2C6F8EA-316C-41DE-B9A4-EDCC3A85ED9A}" type="datetimeFigureOut">
               <a:rPr lang="en-US"/>
-              <a:t>1/31/2018</a:t>
+              <a:t>2/6/2018</a:t>
             </a:fld>
             <a:endParaRPr/>
           </a:p>
@@ -9356,7 +6189,7 @@
           <a:p>
             <a:fld id="{C2C6F8EA-316C-41DE-B9A4-EDCC3A85ED9A}" type="datetimeFigureOut">
               <a:rPr lang="en-US"/>
-              <a:t>1/31/2018</a:t>
+              <a:t>2/6/2018</a:t>
             </a:fld>
             <a:endParaRPr/>
           </a:p>
@@ -9852,7 +6685,7 @@
           <a:p>
             <a:fld id="{C2C6F8EA-316C-41DE-B9A4-EDCC3A85ED9A}" type="datetimeFigureOut">
               <a:rPr lang="en-US"/>
-              <a:t>1/31/2018</a:t>
+              <a:t>2/6/2018</a:t>
             </a:fld>
             <a:endParaRPr/>
           </a:p>
@@ -10305,7 +7138,7 @@
             <a:fld id="{C2C6F8EA-316C-41DE-B9A4-EDCC3A85ED9A}" type="datetimeFigureOut">
               <a:rPr lang="en-US" smtClean="0"/>
               <a:pPr/>
-              <a:t>1/31/2018</a:t>
+              <a:t>2/6/2018</a:t>
             </a:fld>
             <a:endParaRPr lang="en-US" dirty="0"/>
           </a:p>
@@ -11208,7 +8041,7 @@
             <a:fld id="{C2C6F8EA-316C-41DE-B9A4-EDCC3A85ED9A}" type="datetimeFigureOut">
               <a:rPr lang="en-US" smtClean="0"/>
               <a:pPr/>
-              <a:t>1/31/2018</a:t>
+              <a:t>2/6/2018</a:t>
             </a:fld>
             <a:endParaRPr lang="en-US" dirty="0"/>
           </a:p>
@@ -11788,6 +8621,17 @@
 <file path=ppt/slides/slide10.xml><?xml version="1.0" encoding="utf-8"?>
 <p:sld xmlns:a="http://schemas.openxmlformats.org/drawingml/2006/main" xmlns:r="http://schemas.openxmlformats.org/officeDocument/2006/relationships" xmlns:p="http://schemas.openxmlformats.org/presentationml/2006/main">
   <p:cSld>
+    <p:bg>
+      <p:bgPr>
+        <a:solidFill>
+          <a:schemeClr val="accent3">
+            <a:lumMod val="40000"/>
+            <a:lumOff val="60000"/>
+          </a:schemeClr>
+        </a:solidFill>
+        <a:effectLst/>
+      </p:bgPr>
+    </p:bg>
     <p:spTree>
       <p:nvGrpSpPr>
         <p:cNvPr id="1" name=""/>
@@ -11804,46 +8648,1489 @@
       </p:grpSpPr>
       <p:sp>
         <p:nvSpPr>
-          <p:cNvPr id="2" name="Title 1"/>
+          <p:cNvPr id="13" name="Title 12"/>
           <p:cNvSpPr>
             <a:spLocks noGrp="1"/>
           </p:cNvSpPr>
           <p:nvPr>
-            <p:ph type="ctrTitle"/>
+            <p:ph type="title"/>
           </p:nvPr>
         </p:nvSpPr>
-        <p:spPr/>
+        <p:spPr>
+          <a:xfrm>
+            <a:off x="1593436" y="-331117"/>
+            <a:ext cx="9782801" cy="1239837"/>
+          </a:xfrm>
+        </p:spPr>
         <p:txBody>
           <a:bodyPr/>
           <a:lstStyle/>
           <a:p>
-            <a:endParaRPr lang="it-IT"/>
+            <a:r>
+              <a:rPr lang="en-US" dirty="0" smtClean="0"/>
+              <a:t>Rational </a:t>
+            </a:r>
+            <a:r>
+              <a:rPr lang="en-US" dirty="0" err="1" smtClean="0"/>
+              <a:t>Krylov</a:t>
+            </a:r>
+            <a:r>
+              <a:rPr lang="en-US" dirty="0" smtClean="0"/>
+              <a:t> – sparse matrix functions</a:t>
+            </a:r>
+            <a:endParaRPr lang="en-US" dirty="0"/>
           </a:p>
         </p:txBody>
       </p:sp>
-      <p:sp>
-        <p:nvSpPr>
-          <p:cNvPr id="3" name="Subtitle 2"/>
-          <p:cNvSpPr>
-            <a:spLocks noGrp="1"/>
-          </p:cNvSpPr>
-          <p:nvPr>
-            <p:ph type="subTitle" idx="1"/>
-          </p:nvPr>
-        </p:nvSpPr>
-        <p:spPr/>
-        <p:txBody>
-          <a:bodyPr/>
-          <a:lstStyle/>
-          <a:p>
-            <a:endParaRPr lang="it-IT"/>
-          </a:p>
-        </p:txBody>
-      </p:sp>
+      <mc:AlternateContent xmlns:mc="http://schemas.openxmlformats.org/markup-compatibility/2006" xmlns:a14="http://schemas.microsoft.com/office/drawing/2010/main">
+        <mc:Choice Requires="a14">
+          <p:sp>
+            <p:nvSpPr>
+              <p:cNvPr id="14" name="Content Placeholder 13"/>
+              <p:cNvSpPr>
+                <a:spLocks noGrp="1"/>
+              </p:cNvSpPr>
+              <p:nvPr>
+                <p:ph idx="1"/>
+              </p:nvPr>
+            </p:nvSpPr>
+            <p:spPr>
+              <a:xfrm>
+                <a:off x="1593436" y="1224136"/>
+                <a:ext cx="9782801" cy="5589240"/>
+              </a:xfrm>
+            </p:spPr>
+            <p:txBody>
+              <a:bodyPr>
+                <a:normAutofit/>
+              </a:bodyPr>
+              <a:lstStyle/>
+              <a:p>
+                <a:pPr marL="0" indent="0">
+                  <a:lnSpc>
+                    <a:spcPct val="110000"/>
+                  </a:lnSpc>
+                  <a:buNone/>
+                </a:pPr>
+                <a:r>
+                  <a:rPr lang="en-US" sz="2500" dirty="0" smtClean="0"/>
+                  <a:t>We want to compute</a:t>
+                </a:r>
+                <a:r>
+                  <a:rPr lang="en-US" sz="2500" dirty="0" smtClean="0">
+                    <a:solidFill>
+                      <a:schemeClr val="tx1"/>
+                    </a:solidFill>
+                  </a:rPr>
+                  <a:t> </a:t>
+                </a:r>
+                <a14:m>
+                  <m:oMath xmlns:m="http://schemas.openxmlformats.org/officeDocument/2006/math">
+                    <m:r>
+                      <a:rPr lang="en-US" sz="2500" i="1" dirty="0">
+                        <a:solidFill>
+                          <a:schemeClr val="tx1"/>
+                        </a:solidFill>
+                        <a:latin typeface="Cambria Math" panose="02040503050406030204" pitchFamily="18" charset="0"/>
+                      </a:rPr>
+                      <m:t>𝑓</m:t>
+                    </m:r>
+                    <m:r>
+                      <a:rPr lang="en-US" sz="2500" i="1" dirty="0">
+                        <a:solidFill>
+                          <a:schemeClr val="tx1"/>
+                        </a:solidFill>
+                        <a:latin typeface="Cambria Math" panose="02040503050406030204" pitchFamily="18" charset="0"/>
+                      </a:rPr>
+                      <m:t>(</m:t>
+                    </m:r>
+                    <m:r>
+                      <a:rPr lang="en-US" sz="2500" i="1" dirty="0">
+                        <a:solidFill>
+                          <a:schemeClr val="tx1"/>
+                        </a:solidFill>
+                        <a:latin typeface="Cambria Math" panose="02040503050406030204" pitchFamily="18" charset="0"/>
+                      </a:rPr>
+                      <m:t>𝐴</m:t>
+                    </m:r>
+                    <m:r>
+                      <a:rPr lang="en-US" sz="2500" i="1" dirty="0">
+                        <a:solidFill>
+                          <a:schemeClr val="tx1"/>
+                        </a:solidFill>
+                        <a:latin typeface="Cambria Math" panose="02040503050406030204" pitchFamily="18" charset="0"/>
+                      </a:rPr>
+                      <m:t>)</m:t>
+                    </m:r>
+                    <m:r>
+                      <a:rPr lang="en-US" sz="2500" i="1" dirty="0">
+                        <a:solidFill>
+                          <a:schemeClr val="tx1"/>
+                        </a:solidFill>
+                        <a:latin typeface="Cambria Math" panose="02040503050406030204" pitchFamily="18" charset="0"/>
+                      </a:rPr>
+                      <m:t>𝑏</m:t>
+                    </m:r>
+                  </m:oMath>
+                </a14:m>
+                <a:r>
+                  <a:rPr lang="en-US" sz="2500" dirty="0" smtClean="0">
+                    <a:solidFill>
+                      <a:schemeClr val="tx1"/>
+                    </a:solidFill>
+                  </a:rPr>
+                  <a:t> </a:t>
+                </a:r>
+                <a:r>
+                  <a:rPr lang="en-US" sz="2500" dirty="0" smtClean="0"/>
+                  <a:t>for a sparse A.</a:t>
+                </a:r>
+              </a:p>
+              <a:p>
+                <a:pPr marL="0" indent="0">
+                  <a:lnSpc>
+                    <a:spcPct val="110000"/>
+                  </a:lnSpc>
+                  <a:buNone/>
+                </a:pPr>
+                <a:r>
+                  <a:rPr lang="en-US" sz="2500" dirty="0" smtClean="0"/>
+                  <a:t>Approximat</a:t>
+                </a:r>
+                <a:r>
+                  <a:rPr lang="en-US" sz="2500" dirty="0" smtClean="0">
+                    <a:solidFill>
+                      <a:schemeClr val="tx1"/>
+                    </a:solidFill>
+                  </a:rPr>
+                  <a:t>e </a:t>
+                </a:r>
+                <a14:m>
+                  <m:oMath xmlns:m="http://schemas.openxmlformats.org/officeDocument/2006/math">
+                    <m:r>
+                      <a:rPr lang="en-US" sz="2500" i="1" dirty="0" smtClean="0">
+                        <a:solidFill>
+                          <a:schemeClr val="tx1"/>
+                        </a:solidFill>
+                        <a:latin typeface="Cambria Math" panose="02040503050406030204" pitchFamily="18" charset="0"/>
+                      </a:rPr>
+                      <m:t>𝑓</m:t>
+                    </m:r>
+                    <m:r>
+                      <a:rPr lang="en-US" sz="2500" i="1" dirty="0" smtClean="0">
+                        <a:solidFill>
+                          <a:schemeClr val="tx1"/>
+                        </a:solidFill>
+                        <a:latin typeface="Cambria Math" panose="02040503050406030204" pitchFamily="18" charset="0"/>
+                      </a:rPr>
+                      <m:t>(</m:t>
+                    </m:r>
+                    <m:r>
+                      <a:rPr lang="en-US" sz="2500" i="1" dirty="0" smtClean="0">
+                        <a:solidFill>
+                          <a:schemeClr val="tx1"/>
+                        </a:solidFill>
+                        <a:latin typeface="Cambria Math" panose="02040503050406030204" pitchFamily="18" charset="0"/>
+                      </a:rPr>
+                      <m:t>𝐴</m:t>
+                    </m:r>
+                    <m:r>
+                      <a:rPr lang="en-US" sz="2500" i="1" dirty="0" smtClean="0">
+                        <a:solidFill>
+                          <a:schemeClr val="tx1"/>
+                        </a:solidFill>
+                        <a:latin typeface="Cambria Math" panose="02040503050406030204" pitchFamily="18" charset="0"/>
+                      </a:rPr>
+                      <m:t>)</m:t>
+                    </m:r>
+                    <m:r>
+                      <a:rPr lang="en-US" sz="2500" i="1" dirty="0" smtClean="0">
+                        <a:solidFill>
+                          <a:schemeClr val="tx1"/>
+                        </a:solidFill>
+                        <a:latin typeface="Cambria Math" panose="02040503050406030204" pitchFamily="18" charset="0"/>
+                      </a:rPr>
+                      <m:t>𝑏</m:t>
+                    </m:r>
+                  </m:oMath>
+                </a14:m>
+                <a:r>
+                  <a:rPr lang="en-US" sz="2500" dirty="0" smtClean="0">
+                    <a:solidFill>
+                      <a:schemeClr val="tx1"/>
+                    </a:solidFill>
+                  </a:rPr>
+                  <a:t> with </a:t>
+                </a:r>
+                <a14:m>
+                  <m:oMath xmlns:m="http://schemas.openxmlformats.org/officeDocument/2006/math">
+                    <m:sSub>
+                      <m:sSubPr>
+                        <m:ctrlPr>
+                          <a:rPr lang="en-US" sz="2500" i="1" dirty="0" smtClean="0">
+                            <a:solidFill>
+                              <a:schemeClr val="tx1"/>
+                            </a:solidFill>
+                            <a:latin typeface="Cambria Math" panose="02040503050406030204" pitchFamily="18" charset="0"/>
+                          </a:rPr>
+                        </m:ctrlPr>
+                      </m:sSubPr>
+                      <m:e>
+                        <m:r>
+                          <a:rPr lang="it-IT" sz="2500" b="0" i="1" dirty="0" smtClean="0">
+                            <a:solidFill>
+                              <a:schemeClr val="tx1"/>
+                            </a:solidFill>
+                            <a:latin typeface="Cambria Math" panose="02040503050406030204" pitchFamily="18" charset="0"/>
+                          </a:rPr>
+                          <m:t>𝑟</m:t>
+                        </m:r>
+                      </m:e>
+                      <m:sub>
+                        <m:r>
+                          <a:rPr lang="it-IT" sz="2500" b="0" i="1" dirty="0" smtClean="0">
+                            <a:solidFill>
+                              <a:schemeClr val="tx1"/>
+                            </a:solidFill>
+                            <a:latin typeface="Cambria Math" panose="02040503050406030204" pitchFamily="18" charset="0"/>
+                          </a:rPr>
+                          <m:t>𝑚</m:t>
+                        </m:r>
+                      </m:sub>
+                    </m:sSub>
+                    <m:r>
+                      <a:rPr lang="en-US" sz="2500" i="1" dirty="0" smtClean="0">
+                        <a:solidFill>
+                          <a:schemeClr val="tx1"/>
+                        </a:solidFill>
+                        <a:latin typeface="Cambria Math" panose="02040503050406030204" pitchFamily="18" charset="0"/>
+                      </a:rPr>
+                      <m:t>(</m:t>
+                    </m:r>
+                    <m:r>
+                      <a:rPr lang="en-US" sz="2500" i="1" dirty="0" smtClean="0">
+                        <a:solidFill>
+                          <a:schemeClr val="tx1"/>
+                        </a:solidFill>
+                        <a:latin typeface="Cambria Math" panose="02040503050406030204" pitchFamily="18" charset="0"/>
+                      </a:rPr>
+                      <m:t>𝐴</m:t>
+                    </m:r>
+                    <m:r>
+                      <a:rPr lang="en-US" sz="2500" i="1" dirty="0" smtClean="0">
+                        <a:solidFill>
+                          <a:schemeClr val="tx1"/>
+                        </a:solidFill>
+                        <a:latin typeface="Cambria Math" panose="02040503050406030204" pitchFamily="18" charset="0"/>
+                      </a:rPr>
+                      <m:t>)</m:t>
+                    </m:r>
+                    <m:r>
+                      <a:rPr lang="en-US" sz="2500" i="1" dirty="0" smtClean="0">
+                        <a:solidFill>
+                          <a:schemeClr val="tx1"/>
+                        </a:solidFill>
+                        <a:latin typeface="Cambria Math" panose="02040503050406030204" pitchFamily="18" charset="0"/>
+                      </a:rPr>
+                      <m:t>𝑏</m:t>
+                    </m:r>
+                  </m:oMath>
+                </a14:m>
+                <a:r>
+                  <a:rPr lang="en-US" sz="2500" dirty="0" smtClean="0">
+                    <a:solidFill>
+                      <a:schemeClr val="tx1"/>
+                    </a:solidFill>
+                  </a:rPr>
+                  <a:t> where </a:t>
+                </a:r>
+                <a14:m>
+                  <m:oMath xmlns:m="http://schemas.openxmlformats.org/officeDocument/2006/math">
+                    <m:sSub>
+                      <m:sSubPr>
+                        <m:ctrlPr>
+                          <a:rPr lang="en-US" sz="2500" i="1" dirty="0" smtClean="0">
+                            <a:solidFill>
+                              <a:schemeClr val="tx1"/>
+                            </a:solidFill>
+                            <a:latin typeface="Cambria Math" panose="02040503050406030204" pitchFamily="18" charset="0"/>
+                          </a:rPr>
+                        </m:ctrlPr>
+                      </m:sSubPr>
+                      <m:e>
+                        <m:r>
+                          <a:rPr lang="it-IT" sz="2500" b="0" i="1" dirty="0" smtClean="0">
+                            <a:solidFill>
+                              <a:schemeClr val="tx1"/>
+                            </a:solidFill>
+                            <a:latin typeface="Cambria Math" panose="02040503050406030204" pitchFamily="18" charset="0"/>
+                          </a:rPr>
+                          <m:t>𝑟</m:t>
+                        </m:r>
+                      </m:e>
+                      <m:sub>
+                        <m:r>
+                          <a:rPr lang="it-IT" sz="2500" b="0" i="1" dirty="0" smtClean="0">
+                            <a:solidFill>
+                              <a:schemeClr val="tx1"/>
+                            </a:solidFill>
+                            <a:latin typeface="Cambria Math" panose="02040503050406030204" pitchFamily="18" charset="0"/>
+                          </a:rPr>
+                          <m:t>𝑚</m:t>
+                        </m:r>
+                      </m:sub>
+                    </m:sSub>
+                    <m:r>
+                      <a:rPr lang="en-US" sz="2500" i="1" dirty="0" smtClean="0">
+                        <a:solidFill>
+                          <a:schemeClr val="tx1"/>
+                        </a:solidFill>
+                        <a:latin typeface="Cambria Math" panose="02040503050406030204" pitchFamily="18" charset="0"/>
+                      </a:rPr>
+                      <m:t>=</m:t>
+                    </m:r>
+                    <m:sSub>
+                      <m:sSubPr>
+                        <m:ctrlPr>
+                          <a:rPr lang="en-US" sz="2500" i="1" dirty="0" smtClean="0">
+                            <a:solidFill>
+                              <a:schemeClr val="tx1"/>
+                            </a:solidFill>
+                            <a:latin typeface="Cambria Math" panose="02040503050406030204" pitchFamily="18" charset="0"/>
+                          </a:rPr>
+                        </m:ctrlPr>
+                      </m:sSubPr>
+                      <m:e>
+                        <m:r>
+                          <a:rPr lang="it-IT" sz="2500" b="0" i="1" dirty="0" smtClean="0">
+                            <a:solidFill>
+                              <a:schemeClr val="tx1"/>
+                            </a:solidFill>
+                            <a:latin typeface="Cambria Math" panose="02040503050406030204" pitchFamily="18" charset="0"/>
+                          </a:rPr>
+                          <m:t>𝑝</m:t>
+                        </m:r>
+                      </m:e>
+                      <m:sub>
+                        <m:r>
+                          <a:rPr lang="it-IT" sz="2500" b="0" i="1" dirty="0" smtClean="0">
+                            <a:solidFill>
+                              <a:schemeClr val="tx1"/>
+                            </a:solidFill>
+                            <a:latin typeface="Cambria Math" panose="02040503050406030204" pitchFamily="18" charset="0"/>
+                          </a:rPr>
+                          <m:t>𝑚</m:t>
+                        </m:r>
+                        <m:r>
+                          <a:rPr lang="it-IT" sz="2500" b="0" i="1" dirty="0" smtClean="0">
+                            <a:solidFill>
+                              <a:schemeClr val="tx1"/>
+                            </a:solidFill>
+                            <a:latin typeface="Cambria Math" panose="02040503050406030204" pitchFamily="18" charset="0"/>
+                          </a:rPr>
+                          <m:t>−1</m:t>
+                        </m:r>
+                      </m:sub>
+                    </m:sSub>
+                    <m:r>
+                      <a:rPr lang="en-US" sz="2500" i="1" dirty="0" smtClean="0">
+                        <a:solidFill>
+                          <a:schemeClr val="tx1"/>
+                        </a:solidFill>
+                        <a:latin typeface="Cambria Math" panose="02040503050406030204" pitchFamily="18" charset="0"/>
+                      </a:rPr>
+                      <m:t>/</m:t>
+                    </m:r>
+                    <m:sSub>
+                      <m:sSubPr>
+                        <m:ctrlPr>
+                          <a:rPr lang="en-US" sz="2500" i="1" dirty="0" smtClean="0">
+                            <a:solidFill>
+                              <a:schemeClr val="tx1"/>
+                            </a:solidFill>
+                            <a:latin typeface="Cambria Math" panose="02040503050406030204" pitchFamily="18" charset="0"/>
+                          </a:rPr>
+                        </m:ctrlPr>
+                      </m:sSubPr>
+                      <m:e>
+                        <m:r>
+                          <a:rPr lang="it-IT" sz="2500" b="0" i="1" dirty="0" smtClean="0">
+                            <a:solidFill>
+                              <a:schemeClr val="tx1"/>
+                            </a:solidFill>
+                            <a:latin typeface="Cambria Math" panose="02040503050406030204" pitchFamily="18" charset="0"/>
+                          </a:rPr>
+                          <m:t>𝑞</m:t>
+                        </m:r>
+                      </m:e>
+                      <m:sub>
+                        <m:r>
+                          <a:rPr lang="it-IT" sz="2500" b="0" i="1" dirty="0" smtClean="0">
+                            <a:solidFill>
+                              <a:schemeClr val="tx1"/>
+                            </a:solidFill>
+                            <a:latin typeface="Cambria Math" panose="02040503050406030204" pitchFamily="18" charset="0"/>
+                          </a:rPr>
+                          <m:t>𝑚</m:t>
+                        </m:r>
+                        <m:r>
+                          <a:rPr lang="it-IT" sz="2500" b="0" i="1" dirty="0" smtClean="0">
+                            <a:solidFill>
+                              <a:schemeClr val="tx1"/>
+                            </a:solidFill>
+                            <a:latin typeface="Cambria Math" panose="02040503050406030204" pitchFamily="18" charset="0"/>
+                          </a:rPr>
+                          <m:t>−1</m:t>
+                        </m:r>
+                      </m:sub>
+                    </m:sSub>
+                  </m:oMath>
+                </a14:m>
+                <a:endParaRPr lang="en-US" sz="2500" dirty="0">
+                  <a:solidFill>
+                    <a:schemeClr val="tx1">
+                      <a:lumMod val="75000"/>
+                    </a:schemeClr>
+                  </a:solidFill>
+                </a:endParaRPr>
+              </a:p>
+              <a:p>
+                <a:pPr marL="0" indent="0">
+                  <a:lnSpc>
+                    <a:spcPct val="110000"/>
+                  </a:lnSpc>
+                  <a:buNone/>
+                </a:pPr>
+                <a:r>
+                  <a:rPr lang="en-US" sz="2500" dirty="0" smtClean="0"/>
+                  <a:t>Denominator is factored as </a:t>
+                </a:r>
+                <a14:m>
+                  <m:oMath xmlns:m="http://schemas.openxmlformats.org/officeDocument/2006/math">
+                    <m:sSub>
+                      <m:sSubPr>
+                        <m:ctrlPr>
+                          <a:rPr lang="en-US" sz="2500" i="1" smtClean="0">
+                            <a:latin typeface="Cambria Math" panose="02040503050406030204" pitchFamily="18" charset="0"/>
+                          </a:rPr>
+                        </m:ctrlPr>
+                      </m:sSubPr>
+                      <m:e>
+                        <m:r>
+                          <a:rPr lang="it-IT" sz="2500" b="0" i="1" smtClean="0">
+                            <a:latin typeface="Cambria Math" panose="02040503050406030204" pitchFamily="18" charset="0"/>
+                          </a:rPr>
+                          <m:t>𝑞</m:t>
+                        </m:r>
+                      </m:e>
+                      <m:sub>
+                        <m:r>
+                          <a:rPr lang="it-IT" sz="2500" b="0" i="1" smtClean="0">
+                            <a:latin typeface="Cambria Math" panose="02040503050406030204" pitchFamily="18" charset="0"/>
+                          </a:rPr>
+                          <m:t>𝑚</m:t>
+                        </m:r>
+                        <m:r>
+                          <a:rPr lang="it-IT" sz="2500" b="0" i="1" smtClean="0">
+                            <a:latin typeface="Cambria Math" panose="02040503050406030204" pitchFamily="18" charset="0"/>
+                          </a:rPr>
+                          <m:t>−1</m:t>
+                        </m:r>
+                      </m:sub>
+                    </m:sSub>
+                    <m:d>
+                      <m:dPr>
+                        <m:ctrlPr>
+                          <a:rPr lang="it-IT" sz="2500" b="0" i="1" smtClean="0">
+                            <a:latin typeface="Cambria Math" panose="02040503050406030204" pitchFamily="18" charset="0"/>
+                          </a:rPr>
+                        </m:ctrlPr>
+                      </m:dPr>
+                      <m:e>
+                        <m:r>
+                          <a:rPr lang="it-IT" sz="2500" b="0" i="1" smtClean="0">
+                            <a:latin typeface="Cambria Math" panose="02040503050406030204" pitchFamily="18" charset="0"/>
+                          </a:rPr>
+                          <m:t>𝑧</m:t>
+                        </m:r>
+                      </m:e>
+                    </m:d>
+                    <m:r>
+                      <a:rPr lang="it-IT" sz="2500" b="0" i="1" smtClean="0">
+                        <a:latin typeface="Cambria Math" panose="02040503050406030204" pitchFamily="18" charset="0"/>
+                      </a:rPr>
+                      <m:t>=</m:t>
+                    </m:r>
+                    <m:nary>
+                      <m:naryPr>
+                        <m:chr m:val="∏"/>
+                        <m:limLoc m:val="subSup"/>
+                        <m:ctrlPr>
+                          <a:rPr lang="it-IT" sz="2500" b="0" i="1" smtClean="0">
+                            <a:latin typeface="Cambria Math" panose="02040503050406030204" pitchFamily="18" charset="0"/>
+                          </a:rPr>
+                        </m:ctrlPr>
+                      </m:naryPr>
+                      <m:sub>
+                        <m:r>
+                          <m:rPr>
+                            <m:brk m:alnAt="25"/>
+                          </m:rPr>
+                          <a:rPr lang="it-IT" sz="2500" b="0" i="1" smtClean="0">
+                            <a:latin typeface="Cambria Math" panose="02040503050406030204" pitchFamily="18" charset="0"/>
+                          </a:rPr>
+                          <m:t>𝑗</m:t>
+                        </m:r>
+                        <m:r>
+                          <a:rPr lang="it-IT" sz="2500" b="0" i="1" smtClean="0">
+                            <a:latin typeface="Cambria Math" panose="02040503050406030204" pitchFamily="18" charset="0"/>
+                          </a:rPr>
+                          <m:t>=1</m:t>
+                        </m:r>
+                      </m:sub>
+                      <m:sup>
+                        <m:r>
+                          <a:rPr lang="it-IT" sz="2500" b="0" i="1" smtClean="0">
+                            <a:latin typeface="Cambria Math" panose="02040503050406030204" pitchFamily="18" charset="0"/>
+                          </a:rPr>
+                          <m:t>𝑚</m:t>
+                        </m:r>
+                        <m:r>
+                          <a:rPr lang="it-IT" sz="2500" b="0" i="1" smtClean="0">
+                            <a:latin typeface="Cambria Math" panose="02040503050406030204" pitchFamily="18" charset="0"/>
+                          </a:rPr>
+                          <m:t>−1</m:t>
+                        </m:r>
+                      </m:sup>
+                      <m:e>
+                        <m:r>
+                          <a:rPr lang="it-IT" sz="2500" b="0" i="1" smtClean="0">
+                            <a:latin typeface="Cambria Math" panose="02040503050406030204" pitchFamily="18" charset="0"/>
+                          </a:rPr>
+                          <m:t>(1−</m:t>
+                        </m:r>
+                        <m:r>
+                          <a:rPr lang="it-IT" sz="2500" b="0" i="1" smtClean="0">
+                            <a:latin typeface="Cambria Math" panose="02040503050406030204" pitchFamily="18" charset="0"/>
+                          </a:rPr>
+                          <m:t>𝑧</m:t>
+                        </m:r>
+                        <m:r>
+                          <a:rPr lang="it-IT" sz="2500" b="0" i="1" smtClean="0">
+                            <a:latin typeface="Cambria Math" panose="02040503050406030204" pitchFamily="18" charset="0"/>
+                          </a:rPr>
+                          <m:t>/</m:t>
+                        </m:r>
+                        <m:sSub>
+                          <m:sSubPr>
+                            <m:ctrlPr>
+                              <a:rPr lang="it-IT" sz="2500" b="0" i="1" smtClean="0">
+                                <a:latin typeface="Cambria Math" panose="02040503050406030204" pitchFamily="18" charset="0"/>
+                              </a:rPr>
+                            </m:ctrlPr>
+                          </m:sSubPr>
+                          <m:e>
+                            <m:r>
+                              <m:rPr>
+                                <m:sty m:val="p"/>
+                              </m:rPr>
+                              <a:rPr lang="el-GR" sz="2500" b="0" i="1" smtClean="0">
+                                <a:latin typeface="Cambria Math" panose="02040503050406030204" pitchFamily="18" charset="0"/>
+                              </a:rPr>
+                              <m:t>ξ</m:t>
+                            </m:r>
+                          </m:e>
+                          <m:sub>
+                            <m:r>
+                              <a:rPr lang="it-IT" sz="2500" b="0" i="1" smtClean="0">
+                                <a:latin typeface="Cambria Math" panose="02040503050406030204" pitchFamily="18" charset="0"/>
+                              </a:rPr>
+                              <m:t>𝑗</m:t>
+                            </m:r>
+                          </m:sub>
+                        </m:sSub>
+                        <m:r>
+                          <a:rPr lang="it-IT" sz="2500" b="0" i="1" smtClean="0">
+                            <a:latin typeface="Cambria Math" panose="02040503050406030204" pitchFamily="18" charset="0"/>
+                          </a:rPr>
+                          <m:t>)</m:t>
+                        </m:r>
+                      </m:e>
+                    </m:nary>
+                  </m:oMath>
+                </a14:m>
+                <a:r>
+                  <a:rPr lang="en-US" sz="2500" dirty="0" smtClean="0"/>
+                  <a:t>         	with poles </a:t>
+                </a:r>
+                <a14:m>
+                  <m:oMath xmlns:m="http://schemas.openxmlformats.org/officeDocument/2006/math">
+                    <m:sSub>
+                      <m:sSubPr>
+                        <m:ctrlPr>
+                          <a:rPr lang="it-IT" sz="2500" i="1">
+                            <a:latin typeface="Cambria Math" panose="02040503050406030204" pitchFamily="18" charset="0"/>
+                          </a:rPr>
+                        </m:ctrlPr>
+                      </m:sSubPr>
+                      <m:e>
+                        <m:r>
+                          <m:rPr>
+                            <m:sty m:val="p"/>
+                          </m:rPr>
+                          <a:rPr lang="el-GR" sz="2500" i="1">
+                            <a:latin typeface="Cambria Math" panose="02040503050406030204" pitchFamily="18" charset="0"/>
+                          </a:rPr>
+                          <m:t>ξ</m:t>
+                        </m:r>
+                      </m:e>
+                      <m:sub>
+                        <m:r>
+                          <a:rPr lang="it-IT" sz="2500" i="1">
+                            <a:latin typeface="Cambria Math" panose="02040503050406030204" pitchFamily="18" charset="0"/>
+                          </a:rPr>
+                          <m:t>𝑗</m:t>
+                        </m:r>
+                      </m:sub>
+                    </m:sSub>
+                  </m:oMath>
+                </a14:m>
+                <a:r>
+                  <a:rPr lang="en-US" sz="2500" dirty="0" smtClean="0"/>
+                  <a:t> provided by the user.</a:t>
+                </a:r>
+              </a:p>
+              <a:p>
+                <a:pPr marL="0" indent="0">
+                  <a:lnSpc>
+                    <a:spcPct val="110000"/>
+                  </a:lnSpc>
+                  <a:buNone/>
+                </a:pPr>
+                <a:r>
+                  <a:rPr lang="en-US" sz="2500" dirty="0" smtClean="0"/>
+                  <a:t>Rational </a:t>
+                </a:r>
+                <a:r>
+                  <a:rPr lang="en-US" sz="2500" dirty="0" err="1" smtClean="0"/>
+                  <a:t>Krylov</a:t>
+                </a:r>
+                <a:r>
+                  <a:rPr lang="en-US" sz="2500" dirty="0" smtClean="0"/>
+                  <a:t> space is defined as:                 	</a:t>
+                </a:r>
+                <a14:m>
+                  <m:oMath xmlns:m="http://schemas.openxmlformats.org/officeDocument/2006/math">
+                    <m:sSub>
+                      <m:sSubPr>
+                        <m:ctrlPr>
+                          <a:rPr lang="en-US" sz="2500" i="1" smtClean="0">
+                            <a:latin typeface="Cambria Math" panose="02040503050406030204" pitchFamily="18" charset="0"/>
+                          </a:rPr>
+                        </m:ctrlPr>
+                      </m:sSubPr>
+                      <m:e>
+                        <m:r>
+                          <a:rPr lang="it-IT" sz="2500" b="0" i="1" smtClean="0">
+                            <a:latin typeface="Cambria Math" panose="02040503050406030204" pitchFamily="18" charset="0"/>
+                          </a:rPr>
+                          <m:t>𝑄</m:t>
+                        </m:r>
+                      </m:e>
+                      <m:sub>
+                        <m:r>
+                          <a:rPr lang="it-IT" sz="2500" b="0" i="1" smtClean="0">
+                            <a:latin typeface="Cambria Math" panose="02040503050406030204" pitchFamily="18" charset="0"/>
+                          </a:rPr>
+                          <m:t>𝑚</m:t>
+                        </m:r>
+                      </m:sub>
+                    </m:sSub>
+                    <m:d>
+                      <m:dPr>
+                        <m:ctrlPr>
+                          <a:rPr lang="it-IT" sz="2500" b="0" i="1" smtClean="0">
+                            <a:latin typeface="Cambria Math" panose="02040503050406030204" pitchFamily="18" charset="0"/>
+                          </a:rPr>
+                        </m:ctrlPr>
+                      </m:dPr>
+                      <m:e>
+                        <m:r>
+                          <a:rPr lang="it-IT" sz="2500" b="0" i="1" smtClean="0">
+                            <a:latin typeface="Cambria Math" panose="02040503050406030204" pitchFamily="18" charset="0"/>
+                          </a:rPr>
+                          <m:t>𝐴</m:t>
+                        </m:r>
+                        <m:r>
+                          <a:rPr lang="it-IT" sz="2500" b="0" i="1" smtClean="0">
+                            <a:latin typeface="Cambria Math" panose="02040503050406030204" pitchFamily="18" charset="0"/>
+                          </a:rPr>
+                          <m:t>, </m:t>
+                        </m:r>
+                        <m:r>
+                          <a:rPr lang="it-IT" sz="2500" b="0" i="1" smtClean="0">
+                            <a:latin typeface="Cambria Math" panose="02040503050406030204" pitchFamily="18" charset="0"/>
+                          </a:rPr>
+                          <m:t>𝑏</m:t>
+                        </m:r>
+                      </m:e>
+                    </m:d>
+                    <m:r>
+                      <a:rPr lang="it-IT" sz="2500" b="0" i="1" smtClean="0">
+                        <a:latin typeface="Cambria Math" panose="02040503050406030204" pitchFamily="18" charset="0"/>
+                      </a:rPr>
+                      <m:t>=</m:t>
+                    </m:r>
+                    <m:sSub>
+                      <m:sSubPr>
+                        <m:ctrlPr>
+                          <a:rPr lang="it-IT" sz="2500" b="0" i="1" smtClean="0">
+                            <a:latin typeface="Cambria Math" panose="02040503050406030204" pitchFamily="18" charset="0"/>
+                          </a:rPr>
+                        </m:ctrlPr>
+                      </m:sSubPr>
+                      <m:e>
+                        <m:r>
+                          <a:rPr lang="it-IT" sz="2500" b="0" i="1" smtClean="0">
+                            <a:latin typeface="Cambria Math" panose="02040503050406030204" pitchFamily="18" charset="0"/>
+                          </a:rPr>
+                          <m:t>𝑞</m:t>
+                        </m:r>
+                      </m:e>
+                      <m:sub>
+                        <m:r>
+                          <a:rPr lang="it-IT" sz="2500" b="0" i="1" smtClean="0">
+                            <a:latin typeface="Cambria Math" panose="02040503050406030204" pitchFamily="18" charset="0"/>
+                          </a:rPr>
+                          <m:t>𝑚</m:t>
+                        </m:r>
+                        <m:r>
+                          <a:rPr lang="it-IT" sz="2500" b="0" i="1" smtClean="0">
+                            <a:latin typeface="Cambria Math" panose="02040503050406030204" pitchFamily="18" charset="0"/>
+                          </a:rPr>
+                          <m:t>−1</m:t>
+                        </m:r>
+                      </m:sub>
+                    </m:sSub>
+                    <m:sSup>
+                      <m:sSupPr>
+                        <m:ctrlPr>
+                          <a:rPr lang="it-IT" sz="2500" b="0" i="1" smtClean="0">
+                            <a:latin typeface="Cambria Math" panose="02040503050406030204" pitchFamily="18" charset="0"/>
+                          </a:rPr>
+                        </m:ctrlPr>
+                      </m:sSupPr>
+                      <m:e>
+                        <m:r>
+                          <a:rPr lang="it-IT" sz="2500" b="0" i="1" smtClean="0">
+                            <a:latin typeface="Cambria Math" panose="02040503050406030204" pitchFamily="18" charset="0"/>
+                          </a:rPr>
+                          <m:t>(</m:t>
+                        </m:r>
+                        <m:r>
+                          <a:rPr lang="it-IT" sz="2500" b="0" i="1" smtClean="0">
+                            <a:latin typeface="Cambria Math" panose="02040503050406030204" pitchFamily="18" charset="0"/>
+                          </a:rPr>
+                          <m:t>𝐴</m:t>
+                        </m:r>
+                        <m:r>
+                          <a:rPr lang="it-IT" sz="2500" b="0" i="1" smtClean="0">
+                            <a:latin typeface="Cambria Math" panose="02040503050406030204" pitchFamily="18" charset="0"/>
+                          </a:rPr>
+                          <m:t>)</m:t>
+                        </m:r>
+                      </m:e>
+                      <m:sup>
+                        <m:r>
+                          <a:rPr lang="it-IT" sz="2500" b="0" i="1" smtClean="0">
+                            <a:latin typeface="Cambria Math" panose="02040503050406030204" pitchFamily="18" charset="0"/>
+                          </a:rPr>
+                          <m:t>−1</m:t>
+                        </m:r>
+                      </m:sup>
+                    </m:sSup>
+                    <m:r>
+                      <a:rPr lang="it-IT" sz="2500" b="0" i="1" smtClean="0">
+                        <a:latin typeface="Cambria Math" panose="02040503050406030204" pitchFamily="18" charset="0"/>
+                      </a:rPr>
+                      <m:t>𝑠𝑝𝑎𝑛</m:t>
+                    </m:r>
+                    <m:r>
+                      <a:rPr lang="it-IT" sz="2500" b="0" i="1" smtClean="0">
+                        <a:latin typeface="Cambria Math" panose="02040503050406030204" pitchFamily="18" charset="0"/>
+                      </a:rPr>
+                      <m:t>{</m:t>
+                    </m:r>
+                    <m:r>
+                      <a:rPr lang="it-IT" sz="2500" b="0" i="1" smtClean="0">
+                        <a:latin typeface="Cambria Math" panose="02040503050406030204" pitchFamily="18" charset="0"/>
+                      </a:rPr>
+                      <m:t>𝑏</m:t>
+                    </m:r>
+                    <m:r>
+                      <a:rPr lang="it-IT" sz="2500" b="0" i="1" smtClean="0">
+                        <a:latin typeface="Cambria Math" panose="02040503050406030204" pitchFamily="18" charset="0"/>
+                      </a:rPr>
+                      <m:t>, </m:t>
+                    </m:r>
+                    <m:r>
+                      <a:rPr lang="it-IT" sz="2500" b="0" i="1" smtClean="0">
+                        <a:latin typeface="Cambria Math" panose="02040503050406030204" pitchFamily="18" charset="0"/>
+                      </a:rPr>
+                      <m:t>𝐴𝑏</m:t>
+                    </m:r>
+                    <m:r>
+                      <a:rPr lang="it-IT" sz="2500" b="0" i="1" smtClean="0">
+                        <a:latin typeface="Cambria Math" panose="02040503050406030204" pitchFamily="18" charset="0"/>
+                      </a:rPr>
+                      <m:t>,…,</m:t>
+                    </m:r>
+                    <m:sSup>
+                      <m:sSupPr>
+                        <m:ctrlPr>
+                          <a:rPr lang="it-IT" sz="2500" b="0" i="1" smtClean="0">
+                            <a:latin typeface="Cambria Math" panose="02040503050406030204" pitchFamily="18" charset="0"/>
+                          </a:rPr>
+                        </m:ctrlPr>
+                      </m:sSupPr>
+                      <m:e>
+                        <m:r>
+                          <a:rPr lang="it-IT" sz="2500" b="0" i="1" smtClean="0">
+                            <a:latin typeface="Cambria Math" panose="02040503050406030204" pitchFamily="18" charset="0"/>
+                          </a:rPr>
+                          <m:t>𝐴</m:t>
+                        </m:r>
+                      </m:e>
+                      <m:sup>
+                        <m:r>
+                          <a:rPr lang="it-IT" sz="2500" b="0" i="1" smtClean="0">
+                            <a:latin typeface="Cambria Math" panose="02040503050406030204" pitchFamily="18" charset="0"/>
+                          </a:rPr>
+                          <m:t>𝑚</m:t>
+                        </m:r>
+                        <m:r>
+                          <a:rPr lang="it-IT" sz="2500" b="0" i="1" smtClean="0">
+                            <a:latin typeface="Cambria Math" panose="02040503050406030204" pitchFamily="18" charset="0"/>
+                          </a:rPr>
+                          <m:t>−1</m:t>
+                        </m:r>
+                      </m:sup>
+                    </m:sSup>
+                    <m:r>
+                      <a:rPr lang="it-IT" sz="2500" b="0" i="1" smtClean="0">
+                        <a:latin typeface="Cambria Math" panose="02040503050406030204" pitchFamily="18" charset="0"/>
+                      </a:rPr>
+                      <m:t>𝑏</m:t>
+                    </m:r>
+                    <m:r>
+                      <a:rPr lang="it-IT" sz="2500" b="0" i="1" smtClean="0">
+                        <a:latin typeface="Cambria Math" panose="02040503050406030204" pitchFamily="18" charset="0"/>
+                      </a:rPr>
+                      <m:t>}</m:t>
+                    </m:r>
+                  </m:oMath>
+                </a14:m>
+                <a:endParaRPr lang="en-US" sz="2500" dirty="0" smtClean="0"/>
+              </a:p>
+              <a:p>
+                <a:pPr marL="0" indent="0">
+                  <a:lnSpc>
+                    <a:spcPct val="110000"/>
+                  </a:lnSpc>
+                  <a:buNone/>
+                </a:pPr>
+                <a:r>
+                  <a:rPr lang="en-US" sz="2500" dirty="0" smtClean="0"/>
+                  <a:t>Obtained with </a:t>
+                </a:r>
+                <a:r>
+                  <a:rPr lang="en-US" sz="2500" dirty="0" err="1" smtClean="0"/>
+                  <a:t>Ruhe’s</a:t>
+                </a:r>
+                <a:r>
+                  <a:rPr lang="en-US" sz="2500" dirty="0" smtClean="0"/>
+                  <a:t> rational </a:t>
+                </a:r>
+                <a:r>
+                  <a:rPr lang="en-US" sz="2500" dirty="0" err="1" smtClean="0"/>
+                  <a:t>Arnoldi</a:t>
+                </a:r>
+                <a:r>
+                  <a:rPr lang="en-US" sz="2500" dirty="0" smtClean="0"/>
+                  <a:t> algorithm:</a:t>
+                </a:r>
+                <a:r>
+                  <a:rPr lang="it-IT" sz="2500" i="1" dirty="0">
+                    <a:latin typeface="Cambria Math" panose="02040503050406030204" pitchFamily="18" charset="0"/>
+                  </a:rPr>
+                  <a:t> </a:t>
+                </a:r>
+                <a:r>
+                  <a:rPr lang="it-IT" sz="2500" i="1" dirty="0" smtClean="0">
+                    <a:latin typeface="Cambria Math" panose="02040503050406030204" pitchFamily="18" charset="0"/>
+                  </a:rPr>
+                  <a:t>                       	</a:t>
+                </a:r>
+                <a14:m>
+                  <m:oMath xmlns:m="http://schemas.openxmlformats.org/officeDocument/2006/math">
+                    <m:sSub>
+                      <m:sSubPr>
+                        <m:ctrlPr>
+                          <a:rPr lang="en-US" sz="2500" i="1" smtClean="0">
+                            <a:latin typeface="Cambria Math" panose="02040503050406030204" pitchFamily="18" charset="0"/>
+                          </a:rPr>
+                        </m:ctrlPr>
+                      </m:sSubPr>
+                      <m:e>
+                        <m:r>
+                          <a:rPr lang="it-IT" sz="2500" b="0" i="1" smtClean="0">
+                            <a:latin typeface="Cambria Math" panose="02040503050406030204" pitchFamily="18" charset="0"/>
+                          </a:rPr>
+                          <m:t>𝑣</m:t>
+                        </m:r>
+                      </m:e>
+                      <m:sub>
+                        <m:r>
+                          <a:rPr lang="it-IT" sz="2500" b="0" i="1" smtClean="0">
+                            <a:latin typeface="Cambria Math" panose="02040503050406030204" pitchFamily="18" charset="0"/>
+                          </a:rPr>
+                          <m:t>1</m:t>
+                        </m:r>
+                      </m:sub>
+                    </m:sSub>
+                    <m:r>
+                      <a:rPr lang="it-IT" sz="2500" b="0" i="1" smtClean="0">
+                        <a:latin typeface="Cambria Math" panose="02040503050406030204" pitchFamily="18" charset="0"/>
+                      </a:rPr>
+                      <m:t>=</m:t>
+                    </m:r>
+                    <m:r>
+                      <a:rPr lang="it-IT" sz="2500" b="0" i="1" smtClean="0">
+                        <a:latin typeface="Cambria Math" panose="02040503050406030204" pitchFamily="18" charset="0"/>
+                      </a:rPr>
+                      <m:t>𝑏</m:t>
+                    </m:r>
+                    <m:r>
+                      <a:rPr lang="it-IT" sz="2500" b="0" i="1" smtClean="0">
+                        <a:latin typeface="Cambria Math" panose="02040503050406030204" pitchFamily="18" charset="0"/>
+                      </a:rPr>
+                      <m:t>/||</m:t>
+                    </m:r>
+                    <m:r>
+                      <a:rPr lang="it-IT" sz="2500" b="0" i="1" smtClean="0">
+                        <a:latin typeface="Cambria Math" panose="02040503050406030204" pitchFamily="18" charset="0"/>
+                      </a:rPr>
+                      <m:t>𝑏</m:t>
+                    </m:r>
+                    <m:r>
+                      <a:rPr lang="it-IT" sz="2500" b="0" i="1" smtClean="0">
+                        <a:latin typeface="Cambria Math" panose="02040503050406030204" pitchFamily="18" charset="0"/>
+                      </a:rPr>
+                      <m:t>||,     </m:t>
+                    </m:r>
+                    <m:sSub>
+                      <m:sSubPr>
+                        <m:ctrlPr>
+                          <a:rPr lang="it-IT" sz="2500" b="0" i="1" smtClean="0">
+                            <a:latin typeface="Cambria Math" panose="02040503050406030204" pitchFamily="18" charset="0"/>
+                          </a:rPr>
+                        </m:ctrlPr>
+                      </m:sSubPr>
+                      <m:e>
+                        <m:r>
+                          <a:rPr lang="it-IT" sz="2500" b="0" i="1" smtClean="0">
+                            <a:latin typeface="Cambria Math" panose="02040503050406030204" pitchFamily="18" charset="0"/>
+                          </a:rPr>
+                          <m:t>𝑣</m:t>
+                        </m:r>
+                      </m:e>
+                      <m:sub>
+                        <m:r>
+                          <a:rPr lang="it-IT" sz="2500" b="0" i="1" smtClean="0">
+                            <a:latin typeface="Cambria Math" panose="02040503050406030204" pitchFamily="18" charset="0"/>
+                          </a:rPr>
+                          <m:t>𝑗</m:t>
+                        </m:r>
+                        <m:r>
+                          <a:rPr lang="it-IT" sz="2500" b="0" i="1" smtClean="0">
+                            <a:latin typeface="Cambria Math" panose="02040503050406030204" pitchFamily="18" charset="0"/>
+                          </a:rPr>
+                          <m:t>+1</m:t>
+                        </m:r>
+                      </m:sub>
+                    </m:sSub>
+                    <m:r>
+                      <a:rPr lang="it-IT" sz="2500" b="0" i="1" smtClean="0">
+                        <a:latin typeface="Cambria Math" panose="02040503050406030204" pitchFamily="18" charset="0"/>
+                      </a:rPr>
+                      <m:t>=</m:t>
+                    </m:r>
+                    <m:r>
+                      <a:rPr lang="it-IT" sz="2500" b="0" i="1" smtClean="0">
+                        <a:latin typeface="Cambria Math" panose="02040503050406030204" pitchFamily="18" charset="0"/>
+                      </a:rPr>
+                      <m:t>𝑜𝑟𝑡h𝑜𝑛𝑜𝑟𝑚𝑎𝑙𝑖𝑧𝑒</m:t>
+                    </m:r>
+                    <m:r>
+                      <a:rPr lang="it-IT" sz="2500" b="0" i="1" smtClean="0">
+                        <a:latin typeface="Cambria Math" panose="02040503050406030204" pitchFamily="18" charset="0"/>
+                      </a:rPr>
+                      <m:t>(</m:t>
+                    </m:r>
+                    <m:sSup>
+                      <m:sSupPr>
+                        <m:ctrlPr>
+                          <a:rPr lang="it-IT" sz="2500" b="0" i="1" smtClean="0">
+                            <a:latin typeface="Cambria Math" panose="02040503050406030204" pitchFamily="18" charset="0"/>
+                          </a:rPr>
+                        </m:ctrlPr>
+                      </m:sSupPr>
+                      <m:e>
+                        <m:r>
+                          <a:rPr lang="it-IT" sz="2500" b="0" i="1" smtClean="0">
+                            <a:latin typeface="Cambria Math" panose="02040503050406030204" pitchFamily="18" charset="0"/>
+                          </a:rPr>
+                          <m:t>(</m:t>
+                        </m:r>
+                        <m:r>
+                          <a:rPr lang="it-IT" sz="2500" i="1">
+                            <a:latin typeface="Cambria Math" panose="02040503050406030204" pitchFamily="18" charset="0"/>
+                          </a:rPr>
+                          <m:t>𝐼</m:t>
+                        </m:r>
+                        <m:r>
+                          <a:rPr lang="it-IT" sz="2500" i="1">
+                            <a:latin typeface="Cambria Math" panose="02040503050406030204" pitchFamily="18" charset="0"/>
+                          </a:rPr>
+                          <m:t>−</m:t>
+                        </m:r>
+                        <m:r>
+                          <a:rPr lang="it-IT" sz="2500" i="1">
+                            <a:latin typeface="Cambria Math" panose="02040503050406030204" pitchFamily="18" charset="0"/>
+                          </a:rPr>
+                          <m:t>𝐴</m:t>
+                        </m:r>
+                        <m:r>
+                          <a:rPr lang="it-IT" sz="2500" i="1">
+                            <a:latin typeface="Cambria Math" panose="02040503050406030204" pitchFamily="18" charset="0"/>
+                          </a:rPr>
+                          <m:t>/</m:t>
+                        </m:r>
+                        <m:sSub>
+                          <m:sSubPr>
+                            <m:ctrlPr>
+                              <a:rPr lang="it-IT" sz="2500" i="1">
+                                <a:latin typeface="Cambria Math" panose="02040503050406030204" pitchFamily="18" charset="0"/>
+                              </a:rPr>
+                            </m:ctrlPr>
+                          </m:sSubPr>
+                          <m:e>
+                            <m:r>
+                              <m:rPr>
+                                <m:sty m:val="p"/>
+                              </m:rPr>
+                              <a:rPr lang="el-GR" sz="2500" i="1">
+                                <a:latin typeface="Cambria Math" panose="02040503050406030204" pitchFamily="18" charset="0"/>
+                              </a:rPr>
+                              <m:t>ξ</m:t>
+                            </m:r>
+                          </m:e>
+                          <m:sub>
+                            <m:r>
+                              <a:rPr lang="it-IT" sz="2500" i="1">
+                                <a:latin typeface="Cambria Math" panose="02040503050406030204" pitchFamily="18" charset="0"/>
+                              </a:rPr>
+                              <m:t>𝑗</m:t>
+                            </m:r>
+                          </m:sub>
+                        </m:sSub>
+                        <m:r>
+                          <a:rPr lang="it-IT" sz="2500" b="0" i="1" smtClean="0">
+                            <a:latin typeface="Cambria Math" panose="02040503050406030204" pitchFamily="18" charset="0"/>
+                          </a:rPr>
+                          <m:t>)</m:t>
+                        </m:r>
+                      </m:e>
+                      <m:sup>
+                        <m:r>
+                          <a:rPr lang="it-IT" sz="2500" b="0" i="1" smtClean="0">
+                            <a:latin typeface="Cambria Math" panose="02040503050406030204" pitchFamily="18" charset="0"/>
+                          </a:rPr>
+                          <m:t>−1</m:t>
+                        </m:r>
+                      </m:sup>
+                    </m:sSup>
+                    <m:r>
+                      <a:rPr lang="it-IT" sz="2500" b="0" i="1" smtClean="0">
+                        <a:latin typeface="Cambria Math" panose="02040503050406030204" pitchFamily="18" charset="0"/>
+                      </a:rPr>
+                      <m:t>𝐴</m:t>
+                    </m:r>
+                    <m:sSub>
+                      <m:sSubPr>
+                        <m:ctrlPr>
+                          <a:rPr lang="it-IT" sz="2500" b="0" i="1" smtClean="0">
+                            <a:latin typeface="Cambria Math" panose="02040503050406030204" pitchFamily="18" charset="0"/>
+                          </a:rPr>
+                        </m:ctrlPr>
+                      </m:sSubPr>
+                      <m:e>
+                        <m:r>
+                          <a:rPr lang="it-IT" sz="2500" b="0" i="1" smtClean="0">
+                            <a:latin typeface="Cambria Math" panose="02040503050406030204" pitchFamily="18" charset="0"/>
+                          </a:rPr>
+                          <m:t>𝑣</m:t>
+                        </m:r>
+                      </m:e>
+                      <m:sub>
+                        <m:r>
+                          <a:rPr lang="it-IT" sz="2500" b="0" i="1" smtClean="0">
+                            <a:latin typeface="Cambria Math" panose="02040503050406030204" pitchFamily="18" charset="0"/>
+                          </a:rPr>
+                          <m:t>𝑗</m:t>
+                        </m:r>
+                      </m:sub>
+                    </m:sSub>
+                    <m:r>
+                      <a:rPr lang="it-IT" sz="2500" b="0" i="1" smtClean="0">
+                        <a:latin typeface="Cambria Math" panose="02040503050406030204" pitchFamily="18" charset="0"/>
+                      </a:rPr>
+                      <m:t>)</m:t>
+                    </m:r>
+                  </m:oMath>
+                </a14:m>
+                <a:endParaRPr lang="en-US" sz="2500" dirty="0" smtClean="0"/>
+              </a:p>
+              <a:p>
+                <a:pPr marL="0" indent="0">
+                  <a:lnSpc>
+                    <a:spcPct val="110000"/>
+                  </a:lnSpc>
+                  <a:buNone/>
+                </a:pPr>
+                <a14:m>
+                  <m:oMath xmlns:m="http://schemas.openxmlformats.org/officeDocument/2006/math">
+                    <m:sSub>
+                      <m:sSubPr>
+                        <m:ctrlPr>
+                          <a:rPr lang="en-US" sz="2500" i="1" dirty="0">
+                            <a:latin typeface="Cambria Math" panose="02040503050406030204" pitchFamily="18" charset="0"/>
+                          </a:rPr>
+                        </m:ctrlPr>
+                      </m:sSubPr>
+                      <m:e>
+                        <m:r>
+                          <a:rPr lang="it-IT" sz="2500" i="1" dirty="0">
+                            <a:latin typeface="Cambria Math" panose="02040503050406030204" pitchFamily="18" charset="0"/>
+                          </a:rPr>
+                          <m:t>𝑟</m:t>
+                        </m:r>
+                      </m:e>
+                      <m:sub>
+                        <m:r>
+                          <a:rPr lang="it-IT" sz="2500" i="1" dirty="0">
+                            <a:latin typeface="Cambria Math" panose="02040503050406030204" pitchFamily="18" charset="0"/>
+                          </a:rPr>
+                          <m:t>𝑚</m:t>
+                        </m:r>
+                      </m:sub>
+                    </m:sSub>
+                    <m:r>
+                      <a:rPr lang="en-US" sz="2500" i="1" dirty="0">
+                        <a:latin typeface="Cambria Math" panose="02040503050406030204" pitchFamily="18" charset="0"/>
+                      </a:rPr>
+                      <m:t>(</m:t>
+                    </m:r>
+                    <m:r>
+                      <a:rPr lang="en-US" sz="2500" i="1" dirty="0">
+                        <a:latin typeface="Cambria Math" panose="02040503050406030204" pitchFamily="18" charset="0"/>
+                      </a:rPr>
+                      <m:t>𝐴</m:t>
+                    </m:r>
+                    <m:r>
+                      <a:rPr lang="en-US" sz="2500" i="1" dirty="0">
+                        <a:latin typeface="Cambria Math" panose="02040503050406030204" pitchFamily="18" charset="0"/>
+                      </a:rPr>
+                      <m:t>)</m:t>
+                    </m:r>
+                    <m:r>
+                      <a:rPr lang="en-US" sz="2500" i="1" dirty="0">
+                        <a:latin typeface="Cambria Math" panose="02040503050406030204" pitchFamily="18" charset="0"/>
+                      </a:rPr>
+                      <m:t>𝑏</m:t>
+                    </m:r>
+                  </m:oMath>
+                </a14:m>
+                <a:r>
+                  <a:rPr lang="en-US" sz="2500" dirty="0"/>
+                  <a:t> </a:t>
+                </a:r>
+                <a:r>
+                  <a:rPr lang="en-US" sz="2500" dirty="0" smtClean="0"/>
+                  <a:t>is computed by projecting </a:t>
+                </a:r>
+                <a14:m>
+                  <m:oMath xmlns:m="http://schemas.openxmlformats.org/officeDocument/2006/math">
+                    <m:r>
+                      <a:rPr lang="en-US" sz="2500" i="1" dirty="0" smtClean="0">
+                        <a:latin typeface="Cambria Math" panose="02040503050406030204" pitchFamily="18" charset="0"/>
+                      </a:rPr>
+                      <m:t>𝐴</m:t>
+                    </m:r>
+                  </m:oMath>
+                </a14:m>
+                <a:r>
+                  <a:rPr lang="en-US" sz="2500" dirty="0" smtClean="0"/>
+                  <a:t> into the </a:t>
+                </a:r>
+                <a:r>
+                  <a:rPr lang="en-US" sz="2500" dirty="0" err="1" smtClean="0"/>
+                  <a:t>Krylov</a:t>
+                </a:r>
+                <a:r>
+                  <a:rPr lang="en-US" sz="2500" dirty="0" smtClean="0"/>
+                  <a:t> space: 	</a:t>
+                </a:r>
+                <a14:m>
+                  <m:oMath xmlns:m="http://schemas.openxmlformats.org/officeDocument/2006/math">
+                    <m:sSub>
+                      <m:sSubPr>
+                        <m:ctrlPr>
+                          <a:rPr lang="it-IT" sz="2500" i="1" dirty="0">
+                            <a:latin typeface="Cambria Math" panose="02040503050406030204" pitchFamily="18" charset="0"/>
+                          </a:rPr>
+                        </m:ctrlPr>
+                      </m:sSubPr>
+                      <m:e>
+                        <m:r>
+                          <a:rPr lang="it-IT" sz="2500" i="1" dirty="0">
+                            <a:latin typeface="Cambria Math" panose="02040503050406030204" pitchFamily="18" charset="0"/>
+                          </a:rPr>
+                          <m:t>𝐴</m:t>
+                        </m:r>
+                      </m:e>
+                      <m:sub>
+                        <m:r>
+                          <a:rPr lang="it-IT" sz="2500" i="1" dirty="0">
+                            <a:latin typeface="Cambria Math" panose="02040503050406030204" pitchFamily="18" charset="0"/>
+                          </a:rPr>
+                          <m:t>𝑚</m:t>
+                        </m:r>
+                      </m:sub>
+                    </m:sSub>
+                    <m:r>
+                      <a:rPr lang="it-IT" sz="2500" i="1" dirty="0">
+                        <a:latin typeface="Cambria Math" panose="02040503050406030204" pitchFamily="18" charset="0"/>
+                      </a:rPr>
+                      <m:t>=</m:t>
+                    </m:r>
+                    <m:sSup>
+                      <m:sSupPr>
+                        <m:ctrlPr>
+                          <a:rPr lang="it-IT" sz="2500" i="1" dirty="0">
+                            <a:latin typeface="Cambria Math" panose="02040503050406030204" pitchFamily="18" charset="0"/>
+                          </a:rPr>
+                        </m:ctrlPr>
+                      </m:sSupPr>
+                      <m:e>
+                        <m:r>
+                          <a:rPr lang="it-IT" sz="2500" i="1" dirty="0">
+                            <a:latin typeface="Cambria Math" panose="02040503050406030204" pitchFamily="18" charset="0"/>
+                          </a:rPr>
+                          <m:t>𝑉</m:t>
+                        </m:r>
+                      </m:e>
+                      <m:sup>
+                        <m:r>
+                          <a:rPr lang="it-IT" sz="2500" i="1" dirty="0">
+                            <a:latin typeface="Cambria Math" panose="02040503050406030204" pitchFamily="18" charset="0"/>
+                          </a:rPr>
+                          <m:t>∗</m:t>
+                        </m:r>
+                      </m:sup>
+                    </m:sSup>
+                    <m:r>
+                      <a:rPr lang="it-IT" sz="2500" i="1" dirty="0">
+                        <a:latin typeface="Cambria Math" panose="02040503050406030204" pitchFamily="18" charset="0"/>
+                      </a:rPr>
+                      <m:t>𝐴𝑉</m:t>
+                    </m:r>
+                    <m:r>
+                      <a:rPr lang="it-IT" sz="2500" b="0" i="1" dirty="0" smtClean="0">
+                        <a:latin typeface="Cambria Math" panose="02040503050406030204" pitchFamily="18" charset="0"/>
+                      </a:rPr>
+                      <m:t>,     </m:t>
+                    </m:r>
+                    <m:sSub>
+                      <m:sSubPr>
+                        <m:ctrlPr>
+                          <a:rPr lang="en-US" sz="2500" i="1" dirty="0">
+                            <a:latin typeface="Cambria Math" panose="02040503050406030204" pitchFamily="18" charset="0"/>
+                          </a:rPr>
+                        </m:ctrlPr>
+                      </m:sSubPr>
+                      <m:e>
+                        <m:r>
+                          <a:rPr lang="it-IT" sz="2500" i="1" dirty="0">
+                            <a:latin typeface="Cambria Math" panose="02040503050406030204" pitchFamily="18" charset="0"/>
+                          </a:rPr>
+                          <m:t>𝑟</m:t>
+                        </m:r>
+                      </m:e>
+                      <m:sub>
+                        <m:r>
+                          <a:rPr lang="it-IT" sz="2500" i="1" dirty="0">
+                            <a:latin typeface="Cambria Math" panose="02040503050406030204" pitchFamily="18" charset="0"/>
+                          </a:rPr>
+                          <m:t>𝑚</m:t>
+                        </m:r>
+                      </m:sub>
+                    </m:sSub>
+                    <m:d>
+                      <m:dPr>
+                        <m:ctrlPr>
+                          <a:rPr lang="en-US" sz="2500" i="1" dirty="0">
+                            <a:latin typeface="Cambria Math" panose="02040503050406030204" pitchFamily="18" charset="0"/>
+                          </a:rPr>
+                        </m:ctrlPr>
+                      </m:dPr>
+                      <m:e>
+                        <m:r>
+                          <a:rPr lang="en-US" sz="2500" i="1" dirty="0">
+                            <a:latin typeface="Cambria Math" panose="02040503050406030204" pitchFamily="18" charset="0"/>
+                          </a:rPr>
+                          <m:t>𝐴</m:t>
+                        </m:r>
+                      </m:e>
+                    </m:d>
+                    <m:r>
+                      <a:rPr lang="en-US" sz="2500" i="1" dirty="0">
+                        <a:latin typeface="Cambria Math" panose="02040503050406030204" pitchFamily="18" charset="0"/>
+                      </a:rPr>
+                      <m:t>𝑏</m:t>
+                    </m:r>
+                    <m:r>
+                      <a:rPr lang="it-IT" sz="2500" b="0" i="1" dirty="0" smtClean="0">
+                        <a:latin typeface="Cambria Math" panose="02040503050406030204" pitchFamily="18" charset="0"/>
+                      </a:rPr>
+                      <m:t>=</m:t>
+                    </m:r>
+                    <m:r>
+                      <a:rPr lang="it-IT" sz="2500" b="0" i="1" dirty="0" smtClean="0">
+                        <a:latin typeface="Cambria Math" panose="02040503050406030204" pitchFamily="18" charset="0"/>
+                      </a:rPr>
+                      <m:t>𝑉𝑓</m:t>
+                    </m:r>
+                    <m:d>
+                      <m:dPr>
+                        <m:ctrlPr>
+                          <a:rPr lang="it-IT" sz="2500" b="0" i="1" dirty="0" smtClean="0">
+                            <a:latin typeface="Cambria Math" panose="02040503050406030204" pitchFamily="18" charset="0"/>
+                          </a:rPr>
+                        </m:ctrlPr>
+                      </m:dPr>
+                      <m:e>
+                        <m:sSub>
+                          <m:sSubPr>
+                            <m:ctrlPr>
+                              <a:rPr lang="it-IT" sz="2500" b="0" i="1" dirty="0" smtClean="0">
+                                <a:latin typeface="Cambria Math" panose="02040503050406030204" pitchFamily="18" charset="0"/>
+                              </a:rPr>
+                            </m:ctrlPr>
+                          </m:sSubPr>
+                          <m:e>
+                            <m:r>
+                              <a:rPr lang="it-IT" sz="2500" b="0" i="1" dirty="0" smtClean="0">
+                                <a:latin typeface="Cambria Math" panose="02040503050406030204" pitchFamily="18" charset="0"/>
+                              </a:rPr>
+                              <m:t>𝐴</m:t>
+                            </m:r>
+                          </m:e>
+                          <m:sub>
+                            <m:r>
+                              <a:rPr lang="it-IT" sz="2500" b="0" i="1" dirty="0" smtClean="0">
+                                <a:latin typeface="Cambria Math" panose="02040503050406030204" pitchFamily="18" charset="0"/>
+                              </a:rPr>
+                              <m:t>𝑚</m:t>
+                            </m:r>
+                          </m:sub>
+                        </m:sSub>
+                      </m:e>
+                    </m:d>
+                    <m:sSup>
+                      <m:sSupPr>
+                        <m:ctrlPr>
+                          <a:rPr lang="it-IT" sz="2500" b="0" i="1" dirty="0" smtClean="0">
+                            <a:latin typeface="Cambria Math" panose="02040503050406030204" pitchFamily="18" charset="0"/>
+                          </a:rPr>
+                        </m:ctrlPr>
+                      </m:sSupPr>
+                      <m:e>
+                        <m:r>
+                          <a:rPr lang="it-IT" sz="2500" b="0" i="1" dirty="0" smtClean="0">
+                            <a:latin typeface="Cambria Math" panose="02040503050406030204" pitchFamily="18" charset="0"/>
+                          </a:rPr>
+                          <m:t>𝑉</m:t>
+                        </m:r>
+                      </m:e>
+                      <m:sup>
+                        <m:r>
+                          <a:rPr lang="it-IT" sz="2500" b="0" i="1" dirty="0" smtClean="0">
+                            <a:latin typeface="Cambria Math" panose="02040503050406030204" pitchFamily="18" charset="0"/>
+                          </a:rPr>
+                          <m:t>∗</m:t>
+                        </m:r>
+                      </m:sup>
+                    </m:sSup>
+                  </m:oMath>
+                </a14:m>
+                <a:endParaRPr lang="en-US" sz="2500" dirty="0" smtClean="0"/>
+              </a:p>
+            </p:txBody>
+          </p:sp>
+        </mc:Choice>
+        <mc:Fallback xmlns="">
+          <p:sp>
+            <p:nvSpPr>
+              <p:cNvPr id="14" name="Content Placeholder 13"/>
+              <p:cNvSpPr>
+                <a:spLocks noGrp="1" noRot="1" noChangeAspect="1" noMove="1" noResize="1" noEditPoints="1" noAdjustHandles="1" noChangeArrowheads="1" noChangeShapeType="1" noTextEdit="1"/>
+              </p:cNvSpPr>
+              <p:nvPr>
+                <p:ph idx="1"/>
+              </p:nvPr>
+            </p:nvSpPr>
+            <p:spPr>
+              <a:xfrm>
+                <a:off x="1593436" y="1224136"/>
+                <a:ext cx="9782801" cy="5589240"/>
+              </a:xfrm>
+              <a:blipFill rotWithShape="0">
+                <a:blip r:embed="rId2"/>
+                <a:stretch>
+                  <a:fillRect l="-997" t="-872"/>
+                </a:stretch>
+              </a:blipFill>
+            </p:spPr>
+            <p:txBody>
+              <a:bodyPr/>
+              <a:lstStyle/>
+              <a:p>
+                <a:r>
+                  <a:rPr lang="it-IT">
+                    <a:noFill/>
+                  </a:rPr>
+                  <a:t> </a:t>
+                </a:r>
+              </a:p>
+            </p:txBody>
+          </p:sp>
+        </mc:Fallback>
+      </mc:AlternateContent>
     </p:spTree>
     <p:extLst>
       <p:ext uri="{BB962C8B-B14F-4D97-AF65-F5344CB8AC3E}">
-        <p14:creationId xmlns:p14="http://schemas.microsoft.com/office/powerpoint/2010/main" val="1524947366"/>
+        <p14:creationId xmlns:p14="http://schemas.microsoft.com/office/powerpoint/2010/main" val="1817452718"/>
       </p:ext>
     </p:extLst>
   </p:cSld>
@@ -11862,6 +10149,13 @@
       </p:transition>
     </mc:Fallback>
   </mc:AlternateContent>
+  <p:timing>
+    <p:tnLst>
+      <p:par>
+        <p:cTn id="1" dur="indefinite" restart="never" nodeType="tmRoot"/>
+      </p:par>
+    </p:tnLst>
+  </p:timing>
 </p:sld>
 </file>
 
@@ -11895,7 +10189,7 @@
       </p:grpSpPr>
       <p:sp>
         <p:nvSpPr>
-          <p:cNvPr id="2" name="Title 1"/>
+          <p:cNvPr id="13" name="Title 12"/>
           <p:cNvSpPr>
             <a:spLocks noGrp="1"/>
           </p:cNvSpPr>
@@ -11909,76 +10203,200 @@
           <a:lstStyle/>
           <a:p>
             <a:r>
-              <a:rPr lang="en-US"/>
-              <a:t>Two Content Layout with SmartArt</a:t>
+              <a:rPr lang="en-US" dirty="0" smtClean="0"/>
+              <a:t>Rational </a:t>
+            </a:r>
+            <a:r>
+              <a:rPr lang="en-US" dirty="0" err="1" smtClean="0"/>
+              <a:t>Krylov</a:t>
+            </a:r>
+            <a:r>
+              <a:rPr lang="en-US" dirty="0" smtClean="0"/>
+              <a:t> – approximation accuracy</a:t>
             </a:r>
             <a:endParaRPr lang="en-US" dirty="0"/>
           </a:p>
         </p:txBody>
       </p:sp>
-      <p:graphicFrame>
-        <p:nvGraphicFramePr>
-          <p:cNvPr id="6" name="Content Placeholder 5" descr="Vertical Chevron List diagram showing 3 groups arranged one below the other with bullet pointed tasks in each group"/>
-          <p:cNvGraphicFramePr>
-            <a:graphicFrameLocks noGrp="1"/>
-          </p:cNvGraphicFramePr>
-          <p:nvPr>
-            <p:ph sz="half" idx="1"/>
-            <p:extLst>
-              <p:ext uri="{D42A27DB-BD31-4B8C-83A1-F6EECF244321}">
-                <p14:modId xmlns:p14="http://schemas.microsoft.com/office/powerpoint/2010/main" val="3739683335"/>
-              </p:ext>
-            </p:extLst>
-          </p:nvPr>
-        </p:nvGraphicFramePr>
-        <p:xfrm>
-          <a:off x="1593850" y="1600200"/>
-          <a:ext cx="4814888" cy="4572000"/>
-        </p:xfrm>
-        <a:graphic>
-          <a:graphicData uri="http://schemas.openxmlformats.org/drawingml/2006/diagram">
-            <dgm:relIds xmlns:dgm="http://schemas.openxmlformats.org/drawingml/2006/diagram" xmlns:r="http://schemas.openxmlformats.org/officeDocument/2006/relationships" r:dm="rId2" r:lo="rId3" r:qs="rId4" r:cs="rId5"/>
-          </a:graphicData>
-        </a:graphic>
-      </p:graphicFrame>
-      <p:sp>
-        <p:nvSpPr>
-          <p:cNvPr id="7" name="Content Placeholder 6"/>
-          <p:cNvSpPr>
-            <a:spLocks noGrp="1"/>
-          </p:cNvSpPr>
-          <p:nvPr>
-            <p:ph sz="half" idx="2"/>
-          </p:nvPr>
-        </p:nvSpPr>
-        <p:spPr/>
-        <p:txBody>
-          <a:bodyPr/>
-          <a:lstStyle/>
-          <a:p>
-            <a:r>
-              <a:rPr lang="en-US" dirty="0"/>
-              <a:t>First bullet point here</a:t>
-            </a:r>
-          </a:p>
-          <a:p>
-            <a:r>
-              <a:rPr lang="en-US" dirty="0"/>
-              <a:t>Second bullet point here</a:t>
-            </a:r>
-          </a:p>
-          <a:p>
-            <a:r>
-              <a:rPr lang="en-US" dirty="0"/>
-              <a:t>Third bullet point here</a:t>
-            </a:r>
-          </a:p>
-        </p:txBody>
-      </p:sp>
+      <mc:AlternateContent xmlns:mc="http://schemas.openxmlformats.org/markup-compatibility/2006" xmlns:a14="http://schemas.microsoft.com/office/drawing/2010/main">
+        <mc:Choice Requires="a14">
+          <p:sp>
+            <p:nvSpPr>
+              <p:cNvPr id="14" name="Content Placeholder 13"/>
+              <p:cNvSpPr>
+                <a:spLocks noGrp="1"/>
+              </p:cNvSpPr>
+              <p:nvPr>
+                <p:ph idx="1"/>
+              </p:nvPr>
+            </p:nvSpPr>
+            <p:spPr>
+              <a:xfrm>
+                <a:off x="1593436" y="2025352"/>
+                <a:ext cx="9782801" cy="4572000"/>
+              </a:xfrm>
+            </p:spPr>
+            <p:txBody>
+              <a:bodyPr/>
+              <a:lstStyle/>
+              <a:p>
+                <a:pPr marL="0" indent="0">
+                  <a:buNone/>
+                </a:pPr>
+                <a:r>
+                  <a:rPr lang="en-US" dirty="0" smtClean="0"/>
+                  <a:t>Depends on two factors:</a:t>
+                </a:r>
+              </a:p>
+              <a:p>
+                <a:r>
+                  <a:rPr lang="en-US" dirty="0" smtClean="0"/>
+                  <a:t>How well </a:t>
+                </a:r>
+                <a14:m>
+                  <m:oMath xmlns:m="http://schemas.openxmlformats.org/officeDocument/2006/math">
+                    <m:r>
+                      <a:rPr lang="en-US" i="1" dirty="0">
+                        <a:latin typeface="Cambria Math" panose="02040503050406030204" pitchFamily="18" charset="0"/>
+                      </a:rPr>
+                      <m:t>𝑓</m:t>
+                    </m:r>
+                  </m:oMath>
+                </a14:m>
+                <a:r>
+                  <a:rPr lang="en-US" dirty="0" smtClean="0"/>
+                  <a:t> can be approximated </a:t>
+                </a:r>
+                <a:r>
+                  <a:rPr lang="en-US" dirty="0"/>
+                  <a:t>on </a:t>
+                </a:r>
+                <a14:m>
+                  <m:oMath xmlns:m="http://schemas.openxmlformats.org/officeDocument/2006/math">
+                    <m:r>
+                      <a:rPr lang="en-US" i="1" dirty="0" smtClean="0">
+                        <a:latin typeface="Cambria Math" panose="02040503050406030204" pitchFamily="18" charset="0"/>
+                      </a:rPr>
+                      <m:t>𝐴</m:t>
+                    </m:r>
+                  </m:oMath>
+                </a14:m>
+                <a:r>
+                  <a:rPr lang="en-US" dirty="0"/>
+                  <a:t>’s spectrum</a:t>
+                </a:r>
+                <a:r>
+                  <a:rPr lang="en-US" dirty="0" smtClean="0"/>
+                  <a:t> by a rational function, hopefully with low degree (ill-posed problem);</a:t>
+                </a:r>
+                <a:endParaRPr lang="en-US" dirty="0"/>
+              </a:p>
+              <a:p>
+                <a:r>
+                  <a:rPr lang="en-US" dirty="0" smtClean="0"/>
+                  <a:t>How well we choose the poles </a:t>
+                </a:r>
+                <a14:m>
+                  <m:oMath xmlns:m="http://schemas.openxmlformats.org/officeDocument/2006/math">
+                    <m:sSub>
+                      <m:sSubPr>
+                        <m:ctrlPr>
+                          <a:rPr lang="it-IT" i="1">
+                            <a:latin typeface="Cambria Math" panose="02040503050406030204" pitchFamily="18" charset="0"/>
+                          </a:rPr>
+                        </m:ctrlPr>
+                      </m:sSubPr>
+                      <m:e>
+                        <m:r>
+                          <m:rPr>
+                            <m:sty m:val="p"/>
+                          </m:rPr>
+                          <a:rPr lang="el-GR" i="1">
+                            <a:latin typeface="Cambria Math" panose="02040503050406030204" pitchFamily="18" charset="0"/>
+                          </a:rPr>
+                          <m:t>ξ</m:t>
+                        </m:r>
+                      </m:e>
+                      <m:sub>
+                        <m:r>
+                          <a:rPr lang="it-IT" i="1">
+                            <a:latin typeface="Cambria Math" panose="02040503050406030204" pitchFamily="18" charset="0"/>
+                          </a:rPr>
+                          <m:t>𝑗</m:t>
+                        </m:r>
+                      </m:sub>
+                    </m:sSub>
+                    <m:r>
+                      <a:rPr lang="it-IT" b="0" i="0" smtClean="0">
+                        <a:latin typeface="Cambria Math" panose="02040503050406030204" pitchFamily="18" charset="0"/>
+                      </a:rPr>
+                      <m:t>.</m:t>
+                    </m:r>
+                  </m:oMath>
+                </a14:m>
+                <a:endParaRPr lang="en-US" dirty="0" smtClean="0"/>
+              </a:p>
+              <a:p>
+                <a:pPr marL="0" indent="0">
+                  <a:buNone/>
+                </a:pPr>
+                <a:endParaRPr lang="en-US" dirty="0"/>
+              </a:p>
+              <a:p>
+                <a:pPr marL="0" indent="0">
+                  <a:buNone/>
+                </a:pPr>
+                <a:r>
+                  <a:rPr lang="en-US" dirty="0" smtClean="0"/>
+                  <a:t>We use the AAA algorithm for rational approximation to find good poles automatically.</a:t>
+                </a:r>
+                <a:endParaRPr lang="en-US" dirty="0"/>
+              </a:p>
+            </p:txBody>
+          </p:sp>
+        </mc:Choice>
+        <mc:Fallback xmlns="">
+          <p:sp>
+            <p:nvSpPr>
+              <p:cNvPr id="14" name="Content Placeholder 13"/>
+              <p:cNvSpPr>
+                <a:spLocks noGrp="1" noRot="1" noChangeAspect="1" noMove="1" noResize="1" noEditPoints="1" noAdjustHandles="1" noChangeArrowheads="1" noChangeShapeType="1" noTextEdit="1"/>
+              </p:cNvSpPr>
+              <p:nvPr>
+                <p:ph idx="1"/>
+              </p:nvPr>
+            </p:nvSpPr>
+            <p:spPr>
+              <a:xfrm>
+                <a:off x="1593436" y="2025352"/>
+                <a:ext cx="9782801" cy="4572000"/>
+              </a:xfrm>
+              <a:blipFill rotWithShape="0">
+                <a:blip r:embed="rId2"/>
+                <a:stretch>
+                  <a:fillRect l="-1433" t="-2267"/>
+                </a:stretch>
+              </a:blipFill>
+            </p:spPr>
+            <p:txBody>
+              <a:bodyPr/>
+              <a:lstStyle/>
+              <a:p>
+                <a:r>
+                  <a:rPr lang="it-IT">
+                    <a:noFill/>
+                  </a:rPr>
+                  <a:t> </a:t>
+                </a:r>
+              </a:p>
+            </p:txBody>
+          </p:sp>
+        </mc:Fallback>
+      </mc:AlternateContent>
     </p:spTree>
     <p:extLst>
       <p:ext uri="{BB962C8B-B14F-4D97-AF65-F5344CB8AC3E}">
-        <p14:creationId xmlns:p14="http://schemas.microsoft.com/office/powerpoint/2010/main" val="513726968"/>
+        <p14:creationId xmlns:p14="http://schemas.microsoft.com/office/powerpoint/2010/main" val="2195444304"/>
       </p:ext>
     </p:extLst>
   </p:cSld>
@@ -12037,7 +10455,7 @@
       </p:grpSpPr>
       <p:sp>
         <p:nvSpPr>
-          <p:cNvPr id="2" name="Title 1"/>
+          <p:cNvPr id="13" name="Title 12"/>
           <p:cNvSpPr>
             <a:spLocks noGrp="1"/>
           </p:cNvSpPr>
@@ -12045,42 +10463,944 @@
             <p:ph type="title"/>
           </p:nvPr>
         </p:nvSpPr>
-        <p:spPr/>
+        <p:spPr>
+          <a:xfrm>
+            <a:off x="1593436" y="-243408"/>
+            <a:ext cx="9782801" cy="1239837"/>
+          </a:xfrm>
+        </p:spPr>
         <p:txBody>
           <a:bodyPr/>
           <a:lstStyle/>
           <a:p>
             <a:r>
-              <a:rPr lang="en-US"/>
-              <a:t>Add a Slide Title - 1</a:t>
+              <a:rPr lang="en-US" dirty="0" smtClean="0"/>
+              <a:t>AAA algorithm for rational approximation</a:t>
             </a:r>
             <a:endParaRPr lang="en-US" dirty="0"/>
           </a:p>
         </p:txBody>
       </p:sp>
-      <p:sp>
-        <p:nvSpPr>
-          <p:cNvPr id="5" name="Text Placeholder 4"/>
-          <p:cNvSpPr>
-            <a:spLocks noGrp="1"/>
-          </p:cNvSpPr>
-          <p:nvPr>
-            <p:ph type="body" idx="1"/>
-          </p:nvPr>
-        </p:nvSpPr>
-        <p:spPr/>
-        <p:txBody>
-          <a:bodyPr/>
-          <a:lstStyle/>
-          <a:p>
-            <a:endParaRPr lang="en-US"/>
-          </a:p>
-        </p:txBody>
-      </p:sp>
+      <mc:AlternateContent xmlns:mc="http://schemas.openxmlformats.org/markup-compatibility/2006" xmlns:a14="http://schemas.microsoft.com/office/drawing/2010/main">
+        <mc:Choice Requires="a14">
+          <p:sp>
+            <p:nvSpPr>
+              <p:cNvPr id="14" name="Content Placeholder 13"/>
+              <p:cNvSpPr>
+                <a:spLocks noGrp="1"/>
+              </p:cNvSpPr>
+              <p:nvPr>
+                <p:ph idx="1"/>
+              </p:nvPr>
+            </p:nvSpPr>
+            <p:spPr>
+              <a:xfrm>
+                <a:off x="1593436" y="1268760"/>
+                <a:ext cx="9782801" cy="5589240"/>
+              </a:xfrm>
+            </p:spPr>
+            <p:txBody>
+              <a:bodyPr>
+                <a:noAutofit/>
+              </a:bodyPr>
+              <a:lstStyle/>
+              <a:p>
+                <a:pPr marL="0" indent="0">
+                  <a:lnSpc>
+                    <a:spcPct val="120000"/>
+                  </a:lnSpc>
+                  <a:buNone/>
+                </a:pPr>
+                <a:r>
+                  <a:rPr lang="en-US" sz="2600" dirty="0" smtClean="0"/>
+                  <a:t>Input: function samples (real or complex).</a:t>
+                </a:r>
+              </a:p>
+              <a:p>
+                <a:pPr marL="0" indent="0">
+                  <a:lnSpc>
+                    <a:spcPct val="120000"/>
+                  </a:lnSpc>
+                  <a:buNone/>
+                </a:pPr>
+                <a:r>
+                  <a:rPr lang="en-US" sz="2600" dirty="0" smtClean="0"/>
+                  <a:t>Output: rational </a:t>
+                </a:r>
+                <a:r>
+                  <a:rPr lang="en-US" sz="2600" dirty="0" err="1" smtClean="0"/>
+                  <a:t>barycentric</a:t>
+                </a:r>
+                <a:r>
+                  <a:rPr lang="en-US" sz="2600" dirty="0" smtClean="0"/>
+                  <a:t> function</a:t>
+                </a:r>
+                <a:r>
+                  <a:rPr lang="it-IT" sz="2600" dirty="0"/>
+                  <a:t> of type </a:t>
+                </a:r>
+                <a14:m>
+                  <m:oMath xmlns:m="http://schemas.openxmlformats.org/officeDocument/2006/math">
+                    <m:r>
+                      <a:rPr lang="it-IT" sz="2600" i="1" dirty="0">
+                        <a:latin typeface="Cambria Math" panose="02040503050406030204" pitchFamily="18" charset="0"/>
+                      </a:rPr>
+                      <m:t>(</m:t>
+                    </m:r>
+                    <m:r>
+                      <a:rPr lang="it-IT" sz="2600" i="1" dirty="0">
+                        <a:latin typeface="Cambria Math" panose="02040503050406030204" pitchFamily="18" charset="0"/>
+                      </a:rPr>
+                      <m:t>𝑚</m:t>
+                    </m:r>
+                    <m:r>
+                      <a:rPr lang="it-IT" sz="2600" i="1" dirty="0">
+                        <a:latin typeface="Cambria Math" panose="02040503050406030204" pitchFamily="18" charset="0"/>
+                      </a:rPr>
+                      <m:t>−1, </m:t>
+                    </m:r>
+                    <m:r>
+                      <a:rPr lang="it-IT" sz="2600" i="1" dirty="0">
+                        <a:latin typeface="Cambria Math" panose="02040503050406030204" pitchFamily="18" charset="0"/>
+                      </a:rPr>
+                      <m:t>𝑚</m:t>
+                    </m:r>
+                    <m:r>
+                      <a:rPr lang="it-IT" sz="2600" i="1" dirty="0">
+                        <a:latin typeface="Cambria Math" panose="02040503050406030204" pitchFamily="18" charset="0"/>
+                      </a:rPr>
+                      <m:t>−1)</m:t>
+                    </m:r>
+                  </m:oMath>
+                </a14:m>
+                <a:r>
+                  <a:rPr lang="en-US" sz="2600" dirty="0" smtClean="0"/>
+                  <a:t>:</a:t>
+                </a:r>
+              </a:p>
+              <a:p>
+                <a:pPr marL="0" indent="0">
+                  <a:lnSpc>
+                    <a:spcPct val="120000"/>
+                  </a:lnSpc>
+                  <a:buNone/>
+                </a:pPr>
+                <a14:m>
+                  <m:oMathPara xmlns:m="http://schemas.openxmlformats.org/officeDocument/2006/math">
+                    <m:oMathParaPr>
+                      <m:jc m:val="centerGroup"/>
+                    </m:oMathParaPr>
+                    <m:oMath xmlns:m="http://schemas.openxmlformats.org/officeDocument/2006/math">
+                      <m:r>
+                        <a:rPr lang="it-IT" sz="2600" b="0" i="1" smtClean="0">
+                          <a:latin typeface="Cambria Math" panose="02040503050406030204" pitchFamily="18" charset="0"/>
+                        </a:rPr>
+                        <m:t>𝑟</m:t>
+                      </m:r>
+                      <m:d>
+                        <m:dPr>
+                          <m:ctrlPr>
+                            <a:rPr lang="it-IT" sz="2600" b="0" i="1" smtClean="0">
+                              <a:latin typeface="Cambria Math" panose="02040503050406030204" pitchFamily="18" charset="0"/>
+                            </a:rPr>
+                          </m:ctrlPr>
+                        </m:dPr>
+                        <m:e>
+                          <m:r>
+                            <a:rPr lang="it-IT" sz="2600" b="0" i="1" smtClean="0">
+                              <a:latin typeface="Cambria Math" panose="02040503050406030204" pitchFamily="18" charset="0"/>
+                            </a:rPr>
+                            <m:t>𝑧</m:t>
+                          </m:r>
+                        </m:e>
+                      </m:d>
+                      <m:r>
+                        <a:rPr lang="it-IT" sz="2600" b="0" i="1" smtClean="0">
+                          <a:latin typeface="Cambria Math" panose="02040503050406030204" pitchFamily="18" charset="0"/>
+                        </a:rPr>
+                        <m:t>=</m:t>
+                      </m:r>
+                      <m:f>
+                        <m:fPr>
+                          <m:ctrlPr>
+                            <a:rPr lang="it-IT" sz="2600" b="0" i="1" smtClean="0">
+                              <a:latin typeface="Cambria Math" panose="02040503050406030204" pitchFamily="18" charset="0"/>
+                            </a:rPr>
+                          </m:ctrlPr>
+                        </m:fPr>
+                        <m:num>
+                          <m:r>
+                            <a:rPr lang="it-IT" sz="2600" b="0" i="1" smtClean="0">
+                              <a:latin typeface="Cambria Math" panose="02040503050406030204" pitchFamily="18" charset="0"/>
+                            </a:rPr>
+                            <m:t>𝑛</m:t>
+                          </m:r>
+                          <m:d>
+                            <m:dPr>
+                              <m:ctrlPr>
+                                <a:rPr lang="it-IT" sz="2600" b="0" i="1" smtClean="0">
+                                  <a:latin typeface="Cambria Math" panose="02040503050406030204" pitchFamily="18" charset="0"/>
+                                </a:rPr>
+                              </m:ctrlPr>
+                            </m:dPr>
+                            <m:e>
+                              <m:r>
+                                <a:rPr lang="it-IT" sz="2600" b="0" i="1" smtClean="0">
+                                  <a:latin typeface="Cambria Math" panose="02040503050406030204" pitchFamily="18" charset="0"/>
+                                </a:rPr>
+                                <m:t>𝑧</m:t>
+                              </m:r>
+                            </m:e>
+                          </m:d>
+                        </m:num>
+                        <m:den>
+                          <m:r>
+                            <a:rPr lang="it-IT" sz="2600" b="0" i="1" smtClean="0">
+                              <a:latin typeface="Cambria Math" panose="02040503050406030204" pitchFamily="18" charset="0"/>
+                            </a:rPr>
+                            <m:t>𝑑</m:t>
+                          </m:r>
+                          <m:d>
+                            <m:dPr>
+                              <m:ctrlPr>
+                                <a:rPr lang="it-IT" sz="2600" b="0" i="1" smtClean="0">
+                                  <a:latin typeface="Cambria Math" panose="02040503050406030204" pitchFamily="18" charset="0"/>
+                                </a:rPr>
+                              </m:ctrlPr>
+                            </m:dPr>
+                            <m:e>
+                              <m:r>
+                                <a:rPr lang="it-IT" sz="2600" b="0" i="1" smtClean="0">
+                                  <a:latin typeface="Cambria Math" panose="02040503050406030204" pitchFamily="18" charset="0"/>
+                                </a:rPr>
+                                <m:t>𝑧</m:t>
+                              </m:r>
+                            </m:e>
+                          </m:d>
+                        </m:den>
+                      </m:f>
+                      <m:r>
+                        <a:rPr lang="it-IT" sz="2600" b="0" i="1" smtClean="0">
+                          <a:latin typeface="Cambria Math" panose="02040503050406030204" pitchFamily="18" charset="0"/>
+                        </a:rPr>
+                        <m:t>=</m:t>
+                      </m:r>
+                      <m:nary>
+                        <m:naryPr>
+                          <m:chr m:val="∑"/>
+                          <m:ctrlPr>
+                            <a:rPr lang="it-IT" sz="2600" b="0" i="1" smtClean="0">
+                              <a:latin typeface="Cambria Math" panose="02040503050406030204" pitchFamily="18" charset="0"/>
+                            </a:rPr>
+                          </m:ctrlPr>
+                        </m:naryPr>
+                        <m:sub>
+                          <m:r>
+                            <m:rPr>
+                              <m:brk m:alnAt="23"/>
+                            </m:rPr>
+                            <a:rPr lang="it-IT" sz="2600" b="0" i="1" smtClean="0">
+                              <a:latin typeface="Cambria Math" panose="02040503050406030204" pitchFamily="18" charset="0"/>
+                            </a:rPr>
+                            <m:t>𝑗</m:t>
+                          </m:r>
+                          <m:r>
+                            <a:rPr lang="it-IT" sz="2600" b="0" i="1" smtClean="0">
+                              <a:latin typeface="Cambria Math" panose="02040503050406030204" pitchFamily="18" charset="0"/>
+                            </a:rPr>
+                            <m:t>=1</m:t>
+                          </m:r>
+                        </m:sub>
+                        <m:sup>
+                          <m:r>
+                            <a:rPr lang="it-IT" sz="2600" b="0" i="1" smtClean="0">
+                              <a:latin typeface="Cambria Math" panose="02040503050406030204" pitchFamily="18" charset="0"/>
+                            </a:rPr>
+                            <m:t>𝑚</m:t>
+                          </m:r>
+                        </m:sup>
+                        <m:e>
+                          <m:f>
+                            <m:fPr>
+                              <m:ctrlPr>
+                                <a:rPr lang="it-IT" sz="2600" b="0" i="1" smtClean="0">
+                                  <a:latin typeface="Cambria Math" panose="02040503050406030204" pitchFamily="18" charset="0"/>
+                                </a:rPr>
+                              </m:ctrlPr>
+                            </m:fPr>
+                            <m:num>
+                              <m:sSub>
+                                <m:sSubPr>
+                                  <m:ctrlPr>
+                                    <a:rPr lang="it-IT" sz="2600" b="0" i="1" smtClean="0">
+                                      <a:latin typeface="Cambria Math" panose="02040503050406030204" pitchFamily="18" charset="0"/>
+                                    </a:rPr>
+                                  </m:ctrlPr>
+                                </m:sSubPr>
+                                <m:e>
+                                  <m:r>
+                                    <a:rPr lang="it-IT" sz="2600" b="0" i="1" smtClean="0">
+                                      <a:latin typeface="Cambria Math" panose="02040503050406030204" pitchFamily="18" charset="0"/>
+                                    </a:rPr>
+                                    <m:t>𝑤</m:t>
+                                  </m:r>
+                                </m:e>
+                                <m:sub>
+                                  <m:r>
+                                    <a:rPr lang="it-IT" sz="2600" b="0" i="1" smtClean="0">
+                                      <a:latin typeface="Cambria Math" panose="02040503050406030204" pitchFamily="18" charset="0"/>
+                                    </a:rPr>
+                                    <m:t>𝑗</m:t>
+                                  </m:r>
+                                </m:sub>
+                              </m:sSub>
+                              <m:sSub>
+                                <m:sSubPr>
+                                  <m:ctrlPr>
+                                    <a:rPr lang="it-IT" sz="2600" b="0" i="1" smtClean="0">
+                                      <a:latin typeface="Cambria Math" panose="02040503050406030204" pitchFamily="18" charset="0"/>
+                                    </a:rPr>
+                                  </m:ctrlPr>
+                                </m:sSubPr>
+                                <m:e>
+                                  <m:r>
+                                    <a:rPr lang="it-IT" sz="2600" b="0" i="1" smtClean="0">
+                                      <a:latin typeface="Cambria Math" panose="02040503050406030204" pitchFamily="18" charset="0"/>
+                                    </a:rPr>
+                                    <m:t>𝑓</m:t>
+                                  </m:r>
+                                </m:e>
+                                <m:sub>
+                                  <m:r>
+                                    <a:rPr lang="it-IT" sz="2600" b="0" i="1" smtClean="0">
+                                      <a:latin typeface="Cambria Math" panose="02040503050406030204" pitchFamily="18" charset="0"/>
+                                    </a:rPr>
+                                    <m:t>𝑗</m:t>
+                                  </m:r>
+                                </m:sub>
+                              </m:sSub>
+                            </m:num>
+                            <m:den>
+                              <m:r>
+                                <a:rPr lang="it-IT" sz="2600" b="0" i="1" smtClean="0">
+                                  <a:latin typeface="Cambria Math" panose="02040503050406030204" pitchFamily="18" charset="0"/>
+                                </a:rPr>
+                                <m:t>𝑧</m:t>
+                              </m:r>
+                              <m:r>
+                                <a:rPr lang="it-IT" sz="2600" b="0" i="1" smtClean="0">
+                                  <a:latin typeface="Cambria Math" panose="02040503050406030204" pitchFamily="18" charset="0"/>
+                                </a:rPr>
+                                <m:t>−</m:t>
+                              </m:r>
+                              <m:sSub>
+                                <m:sSubPr>
+                                  <m:ctrlPr>
+                                    <a:rPr lang="it-IT" sz="2600" b="0" i="1" smtClean="0">
+                                      <a:latin typeface="Cambria Math" panose="02040503050406030204" pitchFamily="18" charset="0"/>
+                                    </a:rPr>
+                                  </m:ctrlPr>
+                                </m:sSubPr>
+                                <m:e>
+                                  <m:r>
+                                    <a:rPr lang="it-IT" sz="2600" b="0" i="1" smtClean="0">
+                                      <a:latin typeface="Cambria Math" panose="02040503050406030204" pitchFamily="18" charset="0"/>
+                                    </a:rPr>
+                                    <m:t>𝑧</m:t>
+                                  </m:r>
+                                </m:e>
+                                <m:sub>
+                                  <m:r>
+                                    <a:rPr lang="it-IT" sz="2600" b="0" i="1" smtClean="0">
+                                      <a:latin typeface="Cambria Math" panose="02040503050406030204" pitchFamily="18" charset="0"/>
+                                    </a:rPr>
+                                    <m:t>𝑗</m:t>
+                                  </m:r>
+                                </m:sub>
+                              </m:sSub>
+                            </m:den>
+                          </m:f>
+                        </m:e>
+                      </m:nary>
+                      <m:r>
+                        <a:rPr lang="it-IT" sz="2600" b="0" i="1" smtClean="0">
+                          <a:latin typeface="Cambria Math" panose="02040503050406030204" pitchFamily="18" charset="0"/>
+                        </a:rPr>
+                        <m:t>       </m:t>
+                      </m:r>
+                      <m:nary>
+                        <m:naryPr>
+                          <m:chr m:val="∑"/>
+                          <m:ctrlPr>
+                            <a:rPr lang="it-IT" sz="2600" i="1">
+                              <a:latin typeface="Cambria Math" panose="02040503050406030204" pitchFamily="18" charset="0"/>
+                            </a:rPr>
+                          </m:ctrlPr>
+                        </m:naryPr>
+                        <m:sub>
+                          <m:r>
+                            <m:rPr>
+                              <m:brk m:alnAt="23"/>
+                            </m:rPr>
+                            <a:rPr lang="it-IT" sz="2600" i="1">
+                              <a:latin typeface="Cambria Math" panose="02040503050406030204" pitchFamily="18" charset="0"/>
+                            </a:rPr>
+                            <m:t>𝑗</m:t>
+                          </m:r>
+                          <m:r>
+                            <a:rPr lang="it-IT" sz="2600" i="1">
+                              <a:latin typeface="Cambria Math" panose="02040503050406030204" pitchFamily="18" charset="0"/>
+                            </a:rPr>
+                            <m:t>=1</m:t>
+                          </m:r>
+                        </m:sub>
+                        <m:sup>
+                          <m:r>
+                            <a:rPr lang="it-IT" sz="2600" i="1">
+                              <a:latin typeface="Cambria Math" panose="02040503050406030204" pitchFamily="18" charset="0"/>
+                            </a:rPr>
+                            <m:t>𝑚</m:t>
+                          </m:r>
+                        </m:sup>
+                        <m:e>
+                          <m:f>
+                            <m:fPr>
+                              <m:ctrlPr>
+                                <a:rPr lang="it-IT" sz="2600" i="1">
+                                  <a:latin typeface="Cambria Math" panose="02040503050406030204" pitchFamily="18" charset="0"/>
+                                </a:rPr>
+                              </m:ctrlPr>
+                            </m:fPr>
+                            <m:num>
+                              <m:sSub>
+                                <m:sSubPr>
+                                  <m:ctrlPr>
+                                    <a:rPr lang="it-IT" sz="2600" i="1">
+                                      <a:latin typeface="Cambria Math" panose="02040503050406030204" pitchFamily="18" charset="0"/>
+                                    </a:rPr>
+                                  </m:ctrlPr>
+                                </m:sSubPr>
+                                <m:e>
+                                  <m:r>
+                                    <a:rPr lang="it-IT" sz="2600" i="1">
+                                      <a:latin typeface="Cambria Math" panose="02040503050406030204" pitchFamily="18" charset="0"/>
+                                    </a:rPr>
+                                    <m:t>𝑤</m:t>
+                                  </m:r>
+                                </m:e>
+                                <m:sub>
+                                  <m:r>
+                                    <a:rPr lang="it-IT" sz="2600" i="1">
+                                      <a:latin typeface="Cambria Math" panose="02040503050406030204" pitchFamily="18" charset="0"/>
+                                    </a:rPr>
+                                    <m:t>𝑗</m:t>
+                                  </m:r>
+                                </m:sub>
+                              </m:sSub>
+                            </m:num>
+                            <m:den>
+                              <m:r>
+                                <a:rPr lang="it-IT" sz="2600" i="1">
+                                  <a:latin typeface="Cambria Math" panose="02040503050406030204" pitchFamily="18" charset="0"/>
+                                </a:rPr>
+                                <m:t>𝑧</m:t>
+                              </m:r>
+                              <m:r>
+                                <a:rPr lang="it-IT" sz="2600" i="1">
+                                  <a:latin typeface="Cambria Math" panose="02040503050406030204" pitchFamily="18" charset="0"/>
+                                </a:rPr>
+                                <m:t>−</m:t>
+                              </m:r>
+                              <m:sSub>
+                                <m:sSubPr>
+                                  <m:ctrlPr>
+                                    <a:rPr lang="it-IT" sz="2600" i="1">
+                                      <a:latin typeface="Cambria Math" panose="02040503050406030204" pitchFamily="18" charset="0"/>
+                                    </a:rPr>
+                                  </m:ctrlPr>
+                                </m:sSubPr>
+                                <m:e>
+                                  <m:r>
+                                    <a:rPr lang="it-IT" sz="2600" i="1">
+                                      <a:latin typeface="Cambria Math" panose="02040503050406030204" pitchFamily="18" charset="0"/>
+                                    </a:rPr>
+                                    <m:t>𝑧</m:t>
+                                  </m:r>
+                                </m:e>
+                                <m:sub>
+                                  <m:r>
+                                    <a:rPr lang="it-IT" sz="2600" i="1">
+                                      <a:latin typeface="Cambria Math" panose="02040503050406030204" pitchFamily="18" charset="0"/>
+                                    </a:rPr>
+                                    <m:t>𝑗</m:t>
+                                  </m:r>
+                                </m:sub>
+                              </m:sSub>
+                            </m:den>
+                          </m:f>
+                        </m:e>
+                      </m:nary>
+                    </m:oMath>
+                  </m:oMathPara>
+                </a14:m>
+                <a:endParaRPr lang="it-IT" sz="2600" dirty="0"/>
+              </a:p>
+              <a:p>
+                <a:pPr marL="0" indent="0">
+                  <a:lnSpc>
+                    <a:spcPct val="120000"/>
+                  </a:lnSpc>
+                  <a:buNone/>
+                </a:pPr>
+                <a14:m>
+                  <m:oMath xmlns:m="http://schemas.openxmlformats.org/officeDocument/2006/math">
+                    <m:r>
+                      <a:rPr lang="en-US" sz="2600" i="1" dirty="0">
+                        <a:latin typeface="Cambria Math" panose="02040503050406030204" pitchFamily="18" charset="0"/>
+                      </a:rPr>
+                      <m:t>𝑟</m:t>
+                    </m:r>
+                    <m:d>
+                      <m:dPr>
+                        <m:ctrlPr>
+                          <a:rPr lang="en-US" sz="2600" i="1" dirty="0">
+                            <a:latin typeface="Cambria Math" panose="02040503050406030204" pitchFamily="18" charset="0"/>
+                          </a:rPr>
+                        </m:ctrlPr>
+                      </m:dPr>
+                      <m:e>
+                        <m:sSub>
+                          <m:sSubPr>
+                            <m:ctrlPr>
+                              <a:rPr lang="en-US" sz="2600" i="1" dirty="0">
+                                <a:latin typeface="Cambria Math" panose="02040503050406030204" pitchFamily="18" charset="0"/>
+                              </a:rPr>
+                            </m:ctrlPr>
+                          </m:sSubPr>
+                          <m:e>
+                            <m:r>
+                              <a:rPr lang="it-IT" sz="2600" i="1" dirty="0">
+                                <a:latin typeface="Cambria Math" panose="02040503050406030204" pitchFamily="18" charset="0"/>
+                              </a:rPr>
+                              <m:t>𝑧</m:t>
+                            </m:r>
+                          </m:e>
+                          <m:sub>
+                            <m:r>
+                              <a:rPr lang="it-IT" sz="2600" i="1" dirty="0">
+                                <a:latin typeface="Cambria Math" panose="02040503050406030204" pitchFamily="18" charset="0"/>
+                              </a:rPr>
+                              <m:t>𝑗</m:t>
+                            </m:r>
+                          </m:sub>
+                        </m:sSub>
+                      </m:e>
+                    </m:d>
+                    <m:r>
+                      <a:rPr lang="it-IT" sz="2600" i="1" dirty="0">
+                        <a:latin typeface="Cambria Math" panose="02040503050406030204" pitchFamily="18" charset="0"/>
+                      </a:rPr>
+                      <m:t>=</m:t>
+                    </m:r>
+                    <m:r>
+                      <a:rPr lang="it-IT" sz="2600" i="1" dirty="0">
+                        <a:latin typeface="Cambria Math" panose="02040503050406030204" pitchFamily="18" charset="0"/>
+                        <a:ea typeface="Cambria Math" panose="02040503050406030204" pitchFamily="18" charset="0"/>
+                      </a:rPr>
+                      <m:t>∞/∞</m:t>
+                    </m:r>
+                  </m:oMath>
+                </a14:m>
+                <a:r>
+                  <a:rPr lang="en-US" sz="2600" dirty="0"/>
+                  <a:t> but </a:t>
+                </a:r>
+                <a14:m>
+                  <m:oMath xmlns:m="http://schemas.openxmlformats.org/officeDocument/2006/math">
+                    <m:func>
+                      <m:funcPr>
+                        <m:ctrlPr>
+                          <a:rPr lang="en-US" sz="2600" i="1">
+                            <a:latin typeface="Cambria Math" panose="02040503050406030204" pitchFamily="18" charset="0"/>
+                          </a:rPr>
+                        </m:ctrlPr>
+                      </m:funcPr>
+                      <m:fName>
+                        <m:limLow>
+                          <m:limLowPr>
+                            <m:ctrlPr>
+                              <a:rPr lang="en-US" sz="2600" i="1">
+                                <a:latin typeface="Cambria Math" panose="02040503050406030204" pitchFamily="18" charset="0"/>
+                              </a:rPr>
+                            </m:ctrlPr>
+                          </m:limLowPr>
+                          <m:e>
+                            <m:r>
+                              <m:rPr>
+                                <m:sty m:val="p"/>
+                              </m:rPr>
+                              <a:rPr lang="en-US" sz="2600">
+                                <a:latin typeface="Cambria Math" panose="02040503050406030204" pitchFamily="18" charset="0"/>
+                              </a:rPr>
+                              <m:t>lim</m:t>
+                            </m:r>
+                          </m:e>
+                          <m:lim>
+                            <m:r>
+                              <a:rPr lang="it-IT" sz="2600" i="1">
+                                <a:latin typeface="Cambria Math" panose="02040503050406030204" pitchFamily="18" charset="0"/>
+                              </a:rPr>
+                              <m:t>𝑧</m:t>
+                            </m:r>
+                            <m:r>
+                              <a:rPr lang="en-US" sz="2600" i="1">
+                                <a:latin typeface="Cambria Math" panose="02040503050406030204" pitchFamily="18" charset="0"/>
+                              </a:rPr>
+                              <m:t>→</m:t>
+                            </m:r>
+                            <m:sSub>
+                              <m:sSubPr>
+                                <m:ctrlPr>
+                                  <a:rPr lang="en-US" sz="2600" i="1" dirty="0">
+                                    <a:latin typeface="Cambria Math" panose="02040503050406030204" pitchFamily="18" charset="0"/>
+                                  </a:rPr>
+                                </m:ctrlPr>
+                              </m:sSubPr>
+                              <m:e>
+                                <m:r>
+                                  <a:rPr lang="it-IT" sz="2600" i="1" dirty="0">
+                                    <a:latin typeface="Cambria Math" panose="02040503050406030204" pitchFamily="18" charset="0"/>
+                                  </a:rPr>
+                                  <m:t>𝑧</m:t>
+                                </m:r>
+                              </m:e>
+                              <m:sub>
+                                <m:r>
+                                  <a:rPr lang="it-IT" sz="2600" i="1" dirty="0">
+                                    <a:latin typeface="Cambria Math" panose="02040503050406030204" pitchFamily="18" charset="0"/>
+                                  </a:rPr>
+                                  <m:t>𝑗</m:t>
+                                </m:r>
+                              </m:sub>
+                            </m:sSub>
+                          </m:lim>
+                        </m:limLow>
+                      </m:fName>
+                      <m:e>
+                        <m:r>
+                          <a:rPr lang="it-IT" sz="2600" i="1">
+                            <a:latin typeface="Cambria Math" panose="02040503050406030204" pitchFamily="18" charset="0"/>
+                          </a:rPr>
+                          <m:t>𝑟</m:t>
+                        </m:r>
+                        <m:d>
+                          <m:dPr>
+                            <m:ctrlPr>
+                              <a:rPr lang="it-IT" sz="2600" i="1">
+                                <a:latin typeface="Cambria Math" panose="02040503050406030204" pitchFamily="18" charset="0"/>
+                              </a:rPr>
+                            </m:ctrlPr>
+                          </m:dPr>
+                          <m:e>
+                            <m:r>
+                              <a:rPr lang="it-IT" sz="2600" i="1">
+                                <a:latin typeface="Cambria Math" panose="02040503050406030204" pitchFamily="18" charset="0"/>
+                              </a:rPr>
+                              <m:t>𝑧</m:t>
+                            </m:r>
+                          </m:e>
+                        </m:d>
+                      </m:e>
+                    </m:func>
+                    <m:r>
+                      <a:rPr lang="it-IT" sz="2600" i="1">
+                        <a:latin typeface="Cambria Math" panose="02040503050406030204" pitchFamily="18" charset="0"/>
+                      </a:rPr>
+                      <m:t>=</m:t>
+                    </m:r>
+                    <m:sSub>
+                      <m:sSubPr>
+                        <m:ctrlPr>
+                          <a:rPr lang="it-IT" sz="2600" i="1">
+                            <a:latin typeface="Cambria Math" panose="02040503050406030204" pitchFamily="18" charset="0"/>
+                          </a:rPr>
+                        </m:ctrlPr>
+                      </m:sSubPr>
+                      <m:e>
+                        <m:r>
+                          <a:rPr lang="it-IT" sz="2600" i="1">
+                            <a:latin typeface="Cambria Math" panose="02040503050406030204" pitchFamily="18" charset="0"/>
+                          </a:rPr>
+                          <m:t>𝑓</m:t>
+                        </m:r>
+                      </m:e>
+                      <m:sub>
+                        <m:r>
+                          <a:rPr lang="it-IT" sz="2600" i="1">
+                            <a:latin typeface="Cambria Math" panose="02040503050406030204" pitchFamily="18" charset="0"/>
+                          </a:rPr>
+                          <m:t>𝑗</m:t>
+                        </m:r>
+                      </m:sub>
+                    </m:sSub>
+                  </m:oMath>
+                </a14:m>
+                <a:endParaRPr lang="en-US" sz="2600" dirty="0" smtClean="0"/>
+              </a:p>
+              <a:p>
+                <a:pPr marL="0" indent="0">
+                  <a:lnSpc>
+                    <a:spcPct val="120000"/>
+                  </a:lnSpc>
+                  <a:buNone/>
+                </a:pPr>
+                <a:r>
+                  <a:rPr lang="en-US" sz="2600" dirty="0" smtClean="0"/>
+                  <a:t>Support/interpolation points (</a:t>
+                </a:r>
+                <a14:m>
+                  <m:oMath xmlns:m="http://schemas.openxmlformats.org/officeDocument/2006/math">
+                    <m:sSub>
+                      <m:sSubPr>
+                        <m:ctrlPr>
+                          <a:rPr lang="en-US" sz="2600" i="1" smtClean="0">
+                            <a:latin typeface="Cambria Math" panose="02040503050406030204" pitchFamily="18" charset="0"/>
+                          </a:rPr>
+                        </m:ctrlPr>
+                      </m:sSubPr>
+                      <m:e>
+                        <m:r>
+                          <a:rPr lang="it-IT" sz="2600" b="0" i="1" smtClean="0">
+                            <a:latin typeface="Cambria Math" panose="02040503050406030204" pitchFamily="18" charset="0"/>
+                          </a:rPr>
+                          <m:t>𝑧</m:t>
+                        </m:r>
+                      </m:e>
+                      <m:sub>
+                        <m:r>
+                          <a:rPr lang="it-IT" sz="2600" b="0" i="1" smtClean="0">
+                            <a:latin typeface="Cambria Math" panose="02040503050406030204" pitchFamily="18" charset="0"/>
+                          </a:rPr>
+                          <m:t>𝑗</m:t>
+                        </m:r>
+                      </m:sub>
+                    </m:sSub>
+                  </m:oMath>
+                </a14:m>
+                <a:r>
+                  <a:rPr lang="en-US" sz="2600" dirty="0" smtClean="0"/>
+                  <a:t>) are chosen incrementally from samples in a greedy way, to avoid instabilities:               	next </a:t>
+                </a:r>
+                <a14:m>
+                  <m:oMath xmlns:m="http://schemas.openxmlformats.org/officeDocument/2006/math">
+                    <m:sSub>
+                      <m:sSubPr>
+                        <m:ctrlPr>
+                          <a:rPr lang="en-US" sz="2600" i="1" smtClean="0">
+                            <a:latin typeface="Cambria Math" panose="02040503050406030204" pitchFamily="18" charset="0"/>
+                          </a:rPr>
+                        </m:ctrlPr>
+                      </m:sSubPr>
+                      <m:e>
+                        <m:r>
+                          <a:rPr lang="it-IT" sz="2600" i="1">
+                            <a:latin typeface="Cambria Math" panose="02040503050406030204" pitchFamily="18" charset="0"/>
+                          </a:rPr>
+                          <m:t>𝑧</m:t>
+                        </m:r>
+                      </m:e>
+                      <m:sub>
+                        <m:r>
+                          <a:rPr lang="it-IT" sz="2600" i="1">
+                            <a:latin typeface="Cambria Math" panose="02040503050406030204" pitchFamily="18" charset="0"/>
+                          </a:rPr>
+                          <m:t>𝑗</m:t>
+                        </m:r>
+                      </m:sub>
+                    </m:sSub>
+                  </m:oMath>
+                </a14:m>
+                <a:r>
+                  <a:rPr lang="en-US" sz="2600" dirty="0" smtClean="0"/>
+                  <a:t> is chosen where </a:t>
+                </a:r>
+                <a14:m>
+                  <m:oMath xmlns:m="http://schemas.openxmlformats.org/officeDocument/2006/math">
+                    <m:r>
+                      <a:rPr lang="en-US" sz="2600" i="1" dirty="0" smtClean="0">
+                        <a:latin typeface="Cambria Math" panose="02040503050406030204" pitchFamily="18" charset="0"/>
+                      </a:rPr>
+                      <m:t>|</m:t>
+                    </m:r>
+                    <m:r>
+                      <a:rPr lang="en-US" sz="2600" i="1" dirty="0" smtClean="0">
+                        <a:latin typeface="Cambria Math" panose="02040503050406030204" pitchFamily="18" charset="0"/>
+                      </a:rPr>
+                      <m:t>𝑓</m:t>
+                    </m:r>
+                    <m:r>
+                      <a:rPr lang="en-US" sz="2600" i="1" dirty="0" smtClean="0">
+                        <a:latin typeface="Cambria Math" panose="02040503050406030204" pitchFamily="18" charset="0"/>
+                      </a:rPr>
+                      <m:t>(</m:t>
+                    </m:r>
+                    <m:sSub>
+                      <m:sSubPr>
+                        <m:ctrlPr>
+                          <a:rPr lang="en-US" sz="2600" i="1">
+                            <a:latin typeface="Cambria Math" panose="02040503050406030204" pitchFamily="18" charset="0"/>
+                          </a:rPr>
+                        </m:ctrlPr>
+                      </m:sSubPr>
+                      <m:e>
+                        <m:r>
+                          <a:rPr lang="it-IT" sz="2600" i="1">
+                            <a:latin typeface="Cambria Math" panose="02040503050406030204" pitchFamily="18" charset="0"/>
+                          </a:rPr>
+                          <m:t>𝑧</m:t>
+                        </m:r>
+                      </m:e>
+                      <m:sub>
+                        <m:r>
+                          <a:rPr lang="it-IT" sz="2600" i="1">
+                            <a:latin typeface="Cambria Math" panose="02040503050406030204" pitchFamily="18" charset="0"/>
+                          </a:rPr>
+                          <m:t>𝑗</m:t>
+                        </m:r>
+                      </m:sub>
+                    </m:sSub>
+                    <m:r>
+                      <a:rPr lang="en-US" sz="2600" i="1" dirty="0" smtClean="0">
+                        <a:latin typeface="Cambria Math" panose="02040503050406030204" pitchFamily="18" charset="0"/>
+                      </a:rPr>
+                      <m:t>)−</m:t>
+                    </m:r>
+                    <m:r>
+                      <a:rPr lang="en-US" sz="2600" i="1" dirty="0" smtClean="0">
+                        <a:latin typeface="Cambria Math" panose="02040503050406030204" pitchFamily="18" charset="0"/>
+                      </a:rPr>
+                      <m:t>𝑟</m:t>
+                    </m:r>
+                    <m:r>
+                      <a:rPr lang="en-US" sz="2600" i="1" dirty="0" smtClean="0">
+                        <a:latin typeface="Cambria Math" panose="02040503050406030204" pitchFamily="18" charset="0"/>
+                      </a:rPr>
+                      <m:t>(</m:t>
+                    </m:r>
+                    <m:sSub>
+                      <m:sSubPr>
+                        <m:ctrlPr>
+                          <a:rPr lang="en-US" sz="2600" i="1">
+                            <a:latin typeface="Cambria Math" panose="02040503050406030204" pitchFamily="18" charset="0"/>
+                          </a:rPr>
+                        </m:ctrlPr>
+                      </m:sSubPr>
+                      <m:e>
+                        <m:r>
+                          <a:rPr lang="it-IT" sz="2600" i="1">
+                            <a:latin typeface="Cambria Math" panose="02040503050406030204" pitchFamily="18" charset="0"/>
+                          </a:rPr>
+                          <m:t>𝑧</m:t>
+                        </m:r>
+                      </m:e>
+                      <m:sub>
+                        <m:r>
+                          <a:rPr lang="it-IT" sz="2600" i="1">
+                            <a:latin typeface="Cambria Math" panose="02040503050406030204" pitchFamily="18" charset="0"/>
+                          </a:rPr>
+                          <m:t>𝑗</m:t>
+                        </m:r>
+                      </m:sub>
+                    </m:sSub>
+                    <m:r>
+                      <a:rPr lang="en-US" sz="2600" i="1" dirty="0" smtClean="0">
+                        <a:latin typeface="Cambria Math" panose="02040503050406030204" pitchFamily="18" charset="0"/>
+                      </a:rPr>
+                      <m:t>)|</m:t>
+                    </m:r>
+                  </m:oMath>
+                </a14:m>
+                <a:r>
+                  <a:rPr lang="en-US" sz="2600" dirty="0" smtClean="0"/>
+                  <a:t> is maximized.</a:t>
+                </a:r>
+              </a:p>
+            </p:txBody>
+          </p:sp>
+        </mc:Choice>
+        <mc:Fallback xmlns="">
+          <p:sp>
+            <p:nvSpPr>
+              <p:cNvPr id="14" name="Content Placeholder 13"/>
+              <p:cNvSpPr>
+                <a:spLocks noGrp="1" noRot="1" noChangeAspect="1" noMove="1" noResize="1" noEditPoints="1" noAdjustHandles="1" noChangeArrowheads="1" noChangeShapeType="1" noTextEdit="1"/>
+              </p:cNvSpPr>
+              <p:nvPr>
+                <p:ph idx="1"/>
+              </p:nvPr>
+            </p:nvSpPr>
+            <p:spPr>
+              <a:xfrm>
+                <a:off x="1593436" y="1268760"/>
+                <a:ext cx="9782801" cy="5589240"/>
+              </a:xfrm>
+              <a:blipFill rotWithShape="0">
+                <a:blip r:embed="rId2"/>
+                <a:stretch>
+                  <a:fillRect l="-1121" t="-436" r="-1682"/>
+                </a:stretch>
+              </a:blipFill>
+            </p:spPr>
+            <p:txBody>
+              <a:bodyPr/>
+              <a:lstStyle/>
+              <a:p>
+                <a:r>
+                  <a:rPr lang="it-IT">
+                    <a:noFill/>
+                  </a:rPr>
+                  <a:t> </a:t>
+                </a:r>
+              </a:p>
+            </p:txBody>
+          </p:sp>
+        </mc:Fallback>
+      </mc:AlternateContent>
+      <p:cxnSp>
+        <p:nvCxnSpPr>
+          <p:cNvPr id="3" name="Straight Connector 2"/>
+          <p:cNvCxnSpPr/>
+          <p:nvPr/>
+        </p:nvCxnSpPr>
+        <p:spPr>
+          <a:xfrm flipV="1">
+            <a:off x="7318548" y="2708920"/>
+            <a:ext cx="360040" cy="1080120"/>
+          </a:xfrm>
+          <a:prstGeom prst="line">
+            <a:avLst/>
+          </a:prstGeom>
+          <a:ln w="28575"/>
+        </p:spPr>
+        <p:style>
+          <a:lnRef idx="3">
+            <a:schemeClr val="dk1"/>
+          </a:lnRef>
+          <a:fillRef idx="0">
+            <a:schemeClr val="dk1"/>
+          </a:fillRef>
+          <a:effectRef idx="2">
+            <a:schemeClr val="dk1"/>
+          </a:effectRef>
+          <a:fontRef idx="minor">
+            <a:schemeClr val="tx1"/>
+          </a:fontRef>
+        </p:style>
+      </p:cxnSp>
     </p:spTree>
     <p:extLst>
       <p:ext uri="{BB962C8B-B14F-4D97-AF65-F5344CB8AC3E}">
-        <p14:creationId xmlns:p14="http://schemas.microsoft.com/office/powerpoint/2010/main" val="352090314"/>
+        <p14:creationId xmlns:p14="http://schemas.microsoft.com/office/powerpoint/2010/main" val="3830066020"/>
       </p:ext>
     </p:extLst>
   </p:cSld>
@@ -12137,9 +11457,540 @@
           <a:chExt cx="0" cy="0"/>
         </a:xfrm>
       </p:grpSpPr>
+      <mc:AlternateContent xmlns:mc="http://schemas.openxmlformats.org/markup-compatibility/2006" xmlns:a14="http://schemas.microsoft.com/office/drawing/2010/main">
+        <mc:Choice Requires="a14">
+          <p:sp>
+            <p:nvSpPr>
+              <p:cNvPr id="14" name="Content Placeholder 13"/>
+              <p:cNvSpPr>
+                <a:spLocks noGrp="1"/>
+              </p:cNvSpPr>
+              <p:nvPr>
+                <p:ph idx="1"/>
+              </p:nvPr>
+            </p:nvSpPr>
+            <p:spPr>
+              <a:xfrm>
+                <a:off x="1593436" y="620688"/>
+                <a:ext cx="9782801" cy="6264696"/>
+              </a:xfrm>
+            </p:spPr>
+            <p:txBody>
+              <a:bodyPr>
+                <a:noAutofit/>
+              </a:bodyPr>
+              <a:lstStyle/>
+              <a:p>
+                <a:pPr marL="0" indent="0">
+                  <a:lnSpc>
+                    <a:spcPct val="120000"/>
+                  </a:lnSpc>
+                  <a:buNone/>
+                </a:pPr>
+                <a:r>
+                  <a:rPr lang="en-US" sz="2600" dirty="0" smtClean="0"/>
+                  <a:t>After a new support point is found, weights are recomputed </a:t>
+                </a:r>
+                <a:r>
+                  <a:rPr lang="en-US" sz="2600" dirty="0"/>
+                  <a:t>to minimize the approximation </a:t>
+                </a:r>
+                <a:r>
+                  <a:rPr lang="en-US" sz="2600" dirty="0" smtClean="0"/>
+                  <a:t>error:</a:t>
+                </a:r>
+              </a:p>
+              <a:p>
+                <a:pPr marL="0" indent="0">
+                  <a:lnSpc>
+                    <a:spcPct val="120000"/>
+                  </a:lnSpc>
+                  <a:buNone/>
+                </a:pPr>
+                <a14:m>
+                  <m:oMathPara xmlns:m="http://schemas.openxmlformats.org/officeDocument/2006/math">
+                    <m:oMathParaPr>
+                      <m:jc m:val="centerGroup"/>
+                    </m:oMathParaPr>
+                    <m:oMath xmlns:m="http://schemas.openxmlformats.org/officeDocument/2006/math">
+                      <m:r>
+                        <a:rPr lang="en-US" sz="2600" i="1" dirty="0" smtClean="0">
+                          <a:latin typeface="Cambria Math" panose="02040503050406030204" pitchFamily="18" charset="0"/>
+                        </a:rPr>
+                        <m:t>𝑓</m:t>
+                      </m:r>
+                      <m:d>
+                        <m:dPr>
+                          <m:ctrlPr>
+                            <a:rPr lang="en-US" sz="2600" i="1" dirty="0" smtClean="0">
+                              <a:latin typeface="Cambria Math" panose="02040503050406030204" pitchFamily="18" charset="0"/>
+                            </a:rPr>
+                          </m:ctrlPr>
+                        </m:dPr>
+                        <m:e>
+                          <m:r>
+                            <a:rPr lang="en-US" sz="2600" i="1" dirty="0" smtClean="0">
+                              <a:latin typeface="Cambria Math" panose="02040503050406030204" pitchFamily="18" charset="0"/>
+                            </a:rPr>
+                            <m:t>𝑧</m:t>
+                          </m:r>
+                        </m:e>
+                      </m:d>
+                      <m:r>
+                        <a:rPr lang="en-US" sz="2600" i="1" dirty="0" smtClean="0">
+                          <a:latin typeface="Cambria Math" panose="02040503050406030204" pitchFamily="18" charset="0"/>
+                          <a:ea typeface="Cambria Math" panose="02040503050406030204" pitchFamily="18" charset="0"/>
+                        </a:rPr>
+                        <m:t>≈</m:t>
+                      </m:r>
+                      <m:f>
+                        <m:fPr>
+                          <m:ctrlPr>
+                            <a:rPr lang="it-IT" sz="2600" b="0" i="1" dirty="0" smtClean="0">
+                              <a:latin typeface="Cambria Math" panose="02040503050406030204" pitchFamily="18" charset="0"/>
+                              <a:ea typeface="Cambria Math" panose="02040503050406030204" pitchFamily="18" charset="0"/>
+                            </a:rPr>
+                          </m:ctrlPr>
+                        </m:fPr>
+                        <m:num>
+                          <m:r>
+                            <a:rPr lang="it-IT" sz="2600" b="0" i="1" dirty="0" smtClean="0">
+                              <a:latin typeface="Cambria Math" panose="02040503050406030204" pitchFamily="18" charset="0"/>
+                              <a:ea typeface="Cambria Math" panose="02040503050406030204" pitchFamily="18" charset="0"/>
+                            </a:rPr>
+                            <m:t>𝑛</m:t>
+                          </m:r>
+                          <m:d>
+                            <m:dPr>
+                              <m:ctrlPr>
+                                <a:rPr lang="it-IT" sz="2600" b="0" i="1" dirty="0" smtClean="0">
+                                  <a:latin typeface="Cambria Math" panose="02040503050406030204" pitchFamily="18" charset="0"/>
+                                  <a:ea typeface="Cambria Math" panose="02040503050406030204" pitchFamily="18" charset="0"/>
+                                </a:rPr>
+                              </m:ctrlPr>
+                            </m:dPr>
+                            <m:e>
+                              <m:r>
+                                <a:rPr lang="it-IT" sz="2600" b="0" i="1" dirty="0" smtClean="0">
+                                  <a:latin typeface="Cambria Math" panose="02040503050406030204" pitchFamily="18" charset="0"/>
+                                  <a:ea typeface="Cambria Math" panose="02040503050406030204" pitchFamily="18" charset="0"/>
+                                </a:rPr>
+                                <m:t>𝑧</m:t>
+                              </m:r>
+                            </m:e>
+                          </m:d>
+                        </m:num>
+                        <m:den>
+                          <m:r>
+                            <a:rPr lang="it-IT" sz="2600" b="0" i="1" dirty="0" smtClean="0">
+                              <a:latin typeface="Cambria Math" panose="02040503050406030204" pitchFamily="18" charset="0"/>
+                              <a:ea typeface="Cambria Math" panose="02040503050406030204" pitchFamily="18" charset="0"/>
+                            </a:rPr>
+                            <m:t>𝑑</m:t>
+                          </m:r>
+                          <m:d>
+                            <m:dPr>
+                              <m:ctrlPr>
+                                <a:rPr lang="it-IT" sz="2600" b="0" i="1" dirty="0" smtClean="0">
+                                  <a:latin typeface="Cambria Math" panose="02040503050406030204" pitchFamily="18" charset="0"/>
+                                  <a:ea typeface="Cambria Math" panose="02040503050406030204" pitchFamily="18" charset="0"/>
+                                </a:rPr>
+                              </m:ctrlPr>
+                            </m:dPr>
+                            <m:e>
+                              <m:r>
+                                <a:rPr lang="it-IT" sz="2600" b="0" i="1" dirty="0" smtClean="0">
+                                  <a:latin typeface="Cambria Math" panose="02040503050406030204" pitchFamily="18" charset="0"/>
+                                  <a:ea typeface="Cambria Math" panose="02040503050406030204" pitchFamily="18" charset="0"/>
+                                </a:rPr>
+                                <m:t>𝑧</m:t>
+                              </m:r>
+                            </m:e>
+                          </m:d>
+                        </m:den>
+                      </m:f>
+                      <m:r>
+                        <a:rPr lang="it-IT" sz="2600" b="0" i="1" dirty="0" smtClean="0">
+                          <a:latin typeface="Cambria Math" panose="02040503050406030204" pitchFamily="18" charset="0"/>
+                          <a:ea typeface="Cambria Math" panose="02040503050406030204" pitchFamily="18" charset="0"/>
+                        </a:rPr>
+                        <m:t> →</m:t>
+                      </m:r>
+                      <m:r>
+                        <a:rPr lang="it-IT" sz="2600" b="0" i="1" dirty="0" smtClean="0">
+                          <a:latin typeface="Cambria Math" panose="02040503050406030204" pitchFamily="18" charset="0"/>
+                          <a:ea typeface="Cambria Math" panose="02040503050406030204" pitchFamily="18" charset="0"/>
+                        </a:rPr>
+                        <m:t>𝑚𝑖𝑛𝑖𝑚𝑖𝑧𝑒</m:t>
+                      </m:r>
+                      <m:r>
+                        <a:rPr lang="it-IT" sz="2600" b="0" i="1" dirty="0" smtClean="0">
+                          <a:latin typeface="Cambria Math" panose="02040503050406030204" pitchFamily="18" charset="0"/>
+                          <a:ea typeface="Cambria Math" panose="02040503050406030204" pitchFamily="18" charset="0"/>
+                        </a:rPr>
+                        <m:t>||</m:t>
+                      </m:r>
+                      <m:r>
+                        <a:rPr lang="it-IT" sz="2600" i="1" dirty="0">
+                          <a:latin typeface="Cambria Math" panose="02040503050406030204" pitchFamily="18" charset="0"/>
+                          <a:ea typeface="Cambria Math" panose="02040503050406030204" pitchFamily="18" charset="0"/>
+                        </a:rPr>
+                        <m:t>𝑓</m:t>
+                      </m:r>
+                      <m:d>
+                        <m:dPr>
+                          <m:ctrlPr>
+                            <a:rPr lang="it-IT" sz="2600" i="1" dirty="0">
+                              <a:latin typeface="Cambria Math" panose="02040503050406030204" pitchFamily="18" charset="0"/>
+                              <a:ea typeface="Cambria Math" panose="02040503050406030204" pitchFamily="18" charset="0"/>
+                            </a:rPr>
+                          </m:ctrlPr>
+                        </m:dPr>
+                        <m:e>
+                          <m:r>
+                            <a:rPr lang="it-IT" sz="2600" i="1" dirty="0">
+                              <a:latin typeface="Cambria Math" panose="02040503050406030204" pitchFamily="18" charset="0"/>
+                              <a:ea typeface="Cambria Math" panose="02040503050406030204" pitchFamily="18" charset="0"/>
+                            </a:rPr>
+                            <m:t>𝑧</m:t>
+                          </m:r>
+                        </m:e>
+                      </m:d>
+                      <m:r>
+                        <a:rPr lang="it-IT" sz="2600" i="1" dirty="0">
+                          <a:latin typeface="Cambria Math" panose="02040503050406030204" pitchFamily="18" charset="0"/>
+                          <a:ea typeface="Cambria Math" panose="02040503050406030204" pitchFamily="18" charset="0"/>
+                        </a:rPr>
+                        <m:t>𝑑</m:t>
+                      </m:r>
+                      <m:d>
+                        <m:dPr>
+                          <m:ctrlPr>
+                            <a:rPr lang="it-IT" sz="2600" i="1" dirty="0">
+                              <a:latin typeface="Cambria Math" panose="02040503050406030204" pitchFamily="18" charset="0"/>
+                              <a:ea typeface="Cambria Math" panose="02040503050406030204" pitchFamily="18" charset="0"/>
+                            </a:rPr>
+                          </m:ctrlPr>
+                        </m:dPr>
+                        <m:e>
+                          <m:r>
+                            <a:rPr lang="it-IT" sz="2600" i="1" dirty="0">
+                              <a:latin typeface="Cambria Math" panose="02040503050406030204" pitchFamily="18" charset="0"/>
+                              <a:ea typeface="Cambria Math" panose="02040503050406030204" pitchFamily="18" charset="0"/>
+                            </a:rPr>
+                            <m:t>𝑧</m:t>
+                          </m:r>
+                        </m:e>
+                      </m:d>
+                      <m:r>
+                        <a:rPr lang="it-IT" sz="2600" i="1" dirty="0">
+                          <a:latin typeface="Cambria Math" panose="02040503050406030204" pitchFamily="18" charset="0"/>
+                          <a:ea typeface="Cambria Math" panose="02040503050406030204" pitchFamily="18" charset="0"/>
+                        </a:rPr>
+                        <m:t>−</m:t>
+                      </m:r>
+                      <m:r>
+                        <a:rPr lang="it-IT" sz="2600" i="1" dirty="0">
+                          <a:latin typeface="Cambria Math" panose="02040503050406030204" pitchFamily="18" charset="0"/>
+                          <a:ea typeface="Cambria Math" panose="02040503050406030204" pitchFamily="18" charset="0"/>
+                        </a:rPr>
+                        <m:t>𝑛</m:t>
+                      </m:r>
+                      <m:d>
+                        <m:dPr>
+                          <m:ctrlPr>
+                            <a:rPr lang="it-IT" sz="2600" i="1" dirty="0">
+                              <a:latin typeface="Cambria Math" panose="02040503050406030204" pitchFamily="18" charset="0"/>
+                              <a:ea typeface="Cambria Math" panose="02040503050406030204" pitchFamily="18" charset="0"/>
+                            </a:rPr>
+                          </m:ctrlPr>
+                        </m:dPr>
+                        <m:e>
+                          <m:r>
+                            <a:rPr lang="it-IT" sz="2600" i="1" dirty="0">
+                              <a:latin typeface="Cambria Math" panose="02040503050406030204" pitchFamily="18" charset="0"/>
+                              <a:ea typeface="Cambria Math" panose="02040503050406030204" pitchFamily="18" charset="0"/>
+                            </a:rPr>
+                            <m:t>𝑧</m:t>
+                          </m:r>
+                        </m:e>
+                      </m:d>
+                      <m:r>
+                        <a:rPr lang="it-IT" sz="2600" b="0" i="1" dirty="0" smtClean="0">
+                          <a:latin typeface="Cambria Math" panose="02040503050406030204" pitchFamily="18" charset="0"/>
+                          <a:ea typeface="Cambria Math" panose="02040503050406030204" pitchFamily="18" charset="0"/>
+                        </a:rPr>
+                        <m:t>||,  </m:t>
+                      </m:r>
+                      <m:r>
+                        <a:rPr lang="it-IT" sz="2600" b="0" i="1" dirty="0" smtClean="0">
+                          <a:latin typeface="Cambria Math" panose="02040503050406030204" pitchFamily="18" charset="0"/>
+                          <a:ea typeface="Cambria Math" panose="02040503050406030204" pitchFamily="18" charset="0"/>
+                        </a:rPr>
+                        <m:t>𝑧</m:t>
+                      </m:r>
+                      <m:r>
+                        <a:rPr lang="it-IT" sz="2600" b="0" i="1" dirty="0" smtClean="0">
+                          <a:latin typeface="Cambria Math" panose="02040503050406030204" pitchFamily="18" charset="0"/>
+                          <a:ea typeface="Cambria Math" panose="02040503050406030204" pitchFamily="18" charset="0"/>
+                        </a:rPr>
+                        <m:t>∈</m:t>
+                      </m:r>
+                      <m:sSup>
+                        <m:sSupPr>
+                          <m:ctrlPr>
+                            <a:rPr lang="it-IT" sz="2600" b="0" i="1" dirty="0" smtClean="0">
+                              <a:latin typeface="Cambria Math" panose="02040503050406030204" pitchFamily="18" charset="0"/>
+                              <a:ea typeface="Cambria Math" panose="02040503050406030204" pitchFamily="18" charset="0"/>
+                            </a:rPr>
+                          </m:ctrlPr>
+                        </m:sSupPr>
+                        <m:e>
+                          <m:r>
+                            <a:rPr lang="it-IT" sz="2600" b="0" i="1" dirty="0" smtClean="0">
+                              <a:latin typeface="Cambria Math" panose="02040503050406030204" pitchFamily="18" charset="0"/>
+                              <a:ea typeface="Cambria Math" panose="02040503050406030204" pitchFamily="18" charset="0"/>
+                            </a:rPr>
+                            <m:t>𝑍</m:t>
+                          </m:r>
+                        </m:e>
+                        <m:sup>
+                          <m:d>
+                            <m:dPr>
+                              <m:ctrlPr>
+                                <a:rPr lang="it-IT" sz="2600" b="0" i="1" dirty="0" smtClean="0">
+                                  <a:latin typeface="Cambria Math" panose="02040503050406030204" pitchFamily="18" charset="0"/>
+                                  <a:ea typeface="Cambria Math" panose="02040503050406030204" pitchFamily="18" charset="0"/>
+                                </a:rPr>
+                              </m:ctrlPr>
+                            </m:dPr>
+                            <m:e>
+                              <m:r>
+                                <a:rPr lang="it-IT" sz="2600" b="0" i="1" dirty="0" smtClean="0">
+                                  <a:latin typeface="Cambria Math" panose="02040503050406030204" pitchFamily="18" charset="0"/>
+                                  <a:ea typeface="Cambria Math" panose="02040503050406030204" pitchFamily="18" charset="0"/>
+                                </a:rPr>
+                                <m:t>𝑚</m:t>
+                              </m:r>
+                            </m:e>
+                          </m:d>
+                        </m:sup>
+                      </m:sSup>
+                    </m:oMath>
+                  </m:oMathPara>
+                </a14:m>
+                <a:endParaRPr lang="en-US" sz="2600" dirty="0" smtClean="0"/>
+              </a:p>
+              <a:p>
+                <a:pPr marL="0" indent="0">
+                  <a:lnSpc>
+                    <a:spcPct val="120000"/>
+                  </a:lnSpc>
+                  <a:buNone/>
+                </a:pPr>
+                <a:r>
+                  <a:rPr lang="en-US" sz="2600" dirty="0" smtClean="0"/>
+                  <a:t>Is a least squares problem solvable with SVD:</a:t>
+                </a:r>
+              </a:p>
+              <a:p>
+                <a:pPr marL="0" indent="0">
+                  <a:lnSpc>
+                    <a:spcPct val="120000"/>
+                  </a:lnSpc>
+                  <a:buNone/>
+                </a:pPr>
+                <a14:m>
+                  <m:oMathPara xmlns:m="http://schemas.openxmlformats.org/officeDocument/2006/math">
+                    <m:oMathParaPr>
+                      <m:jc m:val="centerGroup"/>
+                    </m:oMathParaPr>
+                    <m:oMath xmlns:m="http://schemas.openxmlformats.org/officeDocument/2006/math">
+                      <m:r>
+                        <a:rPr lang="it-IT" sz="2600" i="1" dirty="0">
+                          <a:latin typeface="Cambria Math" panose="02040503050406030204" pitchFamily="18" charset="0"/>
+                          <a:ea typeface="Cambria Math" panose="02040503050406030204" pitchFamily="18" charset="0"/>
+                        </a:rPr>
+                        <m:t>𝑚𝑖𝑛𝑖𝑚𝑖𝑧𝑒</m:t>
+                      </m:r>
+                      <m:r>
+                        <a:rPr lang="it-IT" sz="2600" b="0" i="1" dirty="0" smtClean="0">
+                          <a:latin typeface="Cambria Math" panose="02040503050406030204" pitchFamily="18" charset="0"/>
+                          <a:ea typeface="Cambria Math" panose="02040503050406030204" pitchFamily="18" charset="0"/>
+                        </a:rPr>
+                        <m:t>||</m:t>
+                      </m:r>
+                      <m:r>
+                        <a:rPr lang="it-IT" sz="2600" b="0" i="1" dirty="0" smtClean="0">
+                          <a:latin typeface="Cambria Math" panose="02040503050406030204" pitchFamily="18" charset="0"/>
+                          <a:ea typeface="Cambria Math" panose="02040503050406030204" pitchFamily="18" charset="0"/>
+                        </a:rPr>
+                        <m:t>𝐴𝑤</m:t>
+                      </m:r>
+                      <m:r>
+                        <a:rPr lang="it-IT" sz="2600" b="0" i="1" dirty="0" smtClean="0">
+                          <a:latin typeface="Cambria Math" panose="02040503050406030204" pitchFamily="18" charset="0"/>
+                          <a:ea typeface="Cambria Math" panose="02040503050406030204" pitchFamily="18" charset="0"/>
+                        </a:rPr>
+                        <m:t>||,  ||</m:t>
+                      </m:r>
+                      <m:r>
+                        <a:rPr lang="it-IT" sz="2600" b="0" i="1" dirty="0" smtClean="0">
+                          <a:latin typeface="Cambria Math" panose="02040503050406030204" pitchFamily="18" charset="0"/>
+                          <a:ea typeface="Cambria Math" panose="02040503050406030204" pitchFamily="18" charset="0"/>
+                        </a:rPr>
+                        <m:t>𝑤</m:t>
+                      </m:r>
+                      <m:r>
+                        <a:rPr lang="it-IT" sz="2600" b="0" i="1" dirty="0" smtClean="0">
+                          <a:latin typeface="Cambria Math" panose="02040503050406030204" pitchFamily="18" charset="0"/>
+                          <a:ea typeface="Cambria Math" panose="02040503050406030204" pitchFamily="18" charset="0"/>
+                        </a:rPr>
+                        <m:t>||=1</m:t>
+                      </m:r>
+                    </m:oMath>
+                  </m:oMathPara>
+                </a14:m>
+                <a:endParaRPr lang="en-US" sz="2600" dirty="0" smtClean="0"/>
+              </a:p>
+              <a:p>
+                <a:pPr marL="0" indent="0">
+                  <a:lnSpc>
+                    <a:spcPct val="120000"/>
+                  </a:lnSpc>
+                  <a:buNone/>
+                </a:pPr>
+                <a:r>
+                  <a:rPr lang="en-US" sz="2600" dirty="0" smtClean="0"/>
+                  <a:t>When approximation error is small, we are done.</a:t>
+                </a:r>
+              </a:p>
+              <a:p>
+                <a:pPr marL="0" indent="0">
+                  <a:lnSpc>
+                    <a:spcPct val="120000"/>
+                  </a:lnSpc>
+                  <a:buNone/>
+                </a:pPr>
+                <a:endParaRPr lang="en-US" sz="2600" dirty="0"/>
+              </a:p>
+              <a:p>
+                <a:pPr marL="0" indent="0">
+                  <a:lnSpc>
+                    <a:spcPct val="120000"/>
+                  </a:lnSpc>
+                  <a:buNone/>
+                </a:pPr>
+                <a:r>
+                  <a:rPr lang="en-US" sz="2600" dirty="0" smtClean="0"/>
+                  <a:t>Poles can be then retrieved by solving a generalized eigenvalue problem, with accuracy up to machine precision.</a:t>
+                </a:r>
+                <a:endParaRPr lang="en-US" sz="2600" dirty="0"/>
+              </a:p>
+            </p:txBody>
+          </p:sp>
+        </mc:Choice>
+        <mc:Fallback xmlns="">
+          <p:sp>
+            <p:nvSpPr>
+              <p:cNvPr id="14" name="Content Placeholder 13"/>
+              <p:cNvSpPr>
+                <a:spLocks noGrp="1" noRot="1" noChangeAspect="1" noMove="1" noResize="1" noEditPoints="1" noAdjustHandles="1" noChangeArrowheads="1" noChangeShapeType="1" noTextEdit="1"/>
+              </p:cNvSpPr>
+              <p:nvPr>
+                <p:ph idx="1"/>
+              </p:nvPr>
+            </p:nvSpPr>
+            <p:spPr>
+              <a:xfrm>
+                <a:off x="1593436" y="620688"/>
+                <a:ext cx="9782801" cy="6264696"/>
+              </a:xfrm>
+              <a:blipFill rotWithShape="0">
+                <a:blip r:embed="rId2"/>
+                <a:stretch>
+                  <a:fillRect l="-1121" t="-389" r="-1246"/>
+                </a:stretch>
+              </a:blipFill>
+            </p:spPr>
+            <p:txBody>
+              <a:bodyPr/>
+              <a:lstStyle/>
+              <a:p>
+                <a:r>
+                  <a:rPr lang="it-IT">
+                    <a:noFill/>
+                  </a:rPr>
+                  <a:t> </a:t>
+                </a:r>
+              </a:p>
+            </p:txBody>
+          </p:sp>
+        </mc:Fallback>
+      </mc:AlternateContent>
+    </p:spTree>
+    <p:extLst>
+      <p:ext uri="{BB962C8B-B14F-4D97-AF65-F5344CB8AC3E}">
+        <p14:creationId xmlns:p14="http://schemas.microsoft.com/office/powerpoint/2010/main" val="4292171542"/>
+      </p:ext>
+    </p:extLst>
+  </p:cSld>
+  <p:clrMapOvr>
+    <a:masterClrMapping/>
+  </p:clrMapOvr>
+  <mc:AlternateContent xmlns:mc="http://schemas.openxmlformats.org/markup-compatibility/2006" xmlns:p14="http://schemas.microsoft.com/office/powerpoint/2010/main">
+    <mc:Choice Requires="p14">
+      <p:transition spd="med" p14:dur="700">
+        <p:fade/>
+      </p:transition>
+    </mc:Choice>
+    <mc:Fallback xmlns="">
+      <p:transition spd="med">
+        <p:fade/>
+      </p:transition>
+    </mc:Fallback>
+  </mc:AlternateContent>
+  <p:timing>
+    <p:tnLst>
+      <p:par>
+        <p:cTn id="1" dur="indefinite" restart="never" nodeType="tmRoot"/>
+      </p:par>
+    </p:tnLst>
+  </p:timing>
+</p:sld>
+</file>
+
+<file path=ppt/slides/slide14.xml><?xml version="1.0" encoding="utf-8"?>
+<p:sld xmlns:a="http://schemas.openxmlformats.org/drawingml/2006/main" xmlns:r="http://schemas.openxmlformats.org/officeDocument/2006/relationships" xmlns:p="http://schemas.openxmlformats.org/presentationml/2006/main">
+  <p:cSld>
+    <p:bg>
+      <p:bgPr>
+        <a:solidFill>
+          <a:schemeClr val="accent3">
+            <a:lumMod val="40000"/>
+            <a:lumOff val="60000"/>
+          </a:schemeClr>
+        </a:solidFill>
+        <a:effectLst/>
+      </p:bgPr>
+    </p:bg>
+    <p:spTree>
+      <p:nvGrpSpPr>
+        <p:cNvPr id="1" name=""/>
+        <p:cNvGrpSpPr/>
+        <p:nvPr/>
+      </p:nvGrpSpPr>
+      <p:grpSpPr>
+        <a:xfrm>
+          <a:off x="0" y="0"/>
+          <a:ext cx="0" cy="0"/>
+          <a:chOff x="0" y="0"/>
+          <a:chExt cx="0" cy="0"/>
+        </a:xfrm>
+      </p:grpSpPr>
       <p:sp>
         <p:nvSpPr>
-          <p:cNvPr id="2" name="Title 1"/>
+          <p:cNvPr id="13" name="Title 12"/>
           <p:cNvSpPr>
             <a:spLocks noGrp="1"/>
           </p:cNvSpPr>
@@ -12153,16 +12004,1929 @@
           <a:lstStyle/>
           <a:p>
             <a:r>
-              <a:rPr lang="en-US"/>
-              <a:t>Add a Slide Title - 2</a:t>
+              <a:rPr lang="en-US" dirty="0"/>
+              <a:t>Performance of Rational </a:t>
+            </a:r>
+            <a:r>
+              <a:rPr lang="en-US" dirty="0" err="1"/>
+              <a:t>Krylov</a:t>
+            </a:r>
+            <a:r>
+              <a:rPr lang="en-US" dirty="0"/>
+              <a:t> + AAA</a:t>
             </a:r>
             <a:endParaRPr lang="en-US" dirty="0"/>
           </a:p>
         </p:txBody>
       </p:sp>
+      <mc:AlternateContent xmlns:mc="http://schemas.openxmlformats.org/markup-compatibility/2006">
+        <mc:Choice xmlns:a14="http://schemas.microsoft.com/office/drawing/2010/main" Requires="a14">
+          <p:sp>
+            <p:nvSpPr>
+              <p:cNvPr id="14" name="Content Placeholder 13"/>
+              <p:cNvSpPr>
+                <a:spLocks noGrp="1"/>
+              </p:cNvSpPr>
+              <p:nvPr>
+                <p:ph idx="1"/>
+              </p:nvPr>
+            </p:nvSpPr>
+            <p:spPr>
+              <a:xfrm>
+                <a:off x="1593436" y="2025352"/>
+                <a:ext cx="9782801" cy="4572000"/>
+              </a:xfrm>
+            </p:spPr>
+            <p:txBody>
+              <a:bodyPr/>
+              <a:lstStyle/>
+              <a:p>
+                <a:pPr marL="0" indent="0">
+                  <a:lnSpc>
+                    <a:spcPct val="120000"/>
+                  </a:lnSpc>
+                  <a:buNone/>
+                </a:pPr>
+                <a:r>
+                  <a:rPr lang="en-US" dirty="0"/>
+                  <a:t>Rational </a:t>
+                </a:r>
+                <a:r>
+                  <a:rPr lang="en-US" dirty="0" err="1"/>
+                  <a:t>Krylov</a:t>
+                </a:r>
+                <a:r>
+                  <a:rPr lang="en-US" dirty="0"/>
+                  <a:t>: </a:t>
+                </a:r>
+                <a14:m>
+                  <m:oMath xmlns:m="http://schemas.openxmlformats.org/officeDocument/2006/math">
+                    <m:r>
+                      <a:rPr lang="en-US" i="1" dirty="0">
+                        <a:latin typeface="Cambria Math" panose="02040503050406030204" pitchFamily="18" charset="0"/>
+                      </a:rPr>
+                      <m:t>𝑚</m:t>
+                    </m:r>
+                  </m:oMath>
+                </a14:m>
+                <a:r>
+                  <a:rPr lang="en-US" dirty="0"/>
+                  <a:t> times sparse linear system + 	</a:t>
+                </a:r>
+                <a:r>
+                  <a:rPr lang="en-US" dirty="0" err="1"/>
+                  <a:t>orthogonalization</a:t>
+                </a:r>
+                <a:r>
+                  <a:rPr lang="en-US" dirty="0"/>
+                  <a:t>:	</a:t>
+                </a:r>
+                <a14:m>
+                  <m:oMath xmlns:m="http://schemas.openxmlformats.org/officeDocument/2006/math">
+                    <m:r>
+                      <a:rPr lang="en-US" i="1" dirty="0">
+                        <a:latin typeface="Cambria Math" panose="02040503050406030204" pitchFamily="18" charset="0"/>
+                      </a:rPr>
+                      <m:t>𝑂</m:t>
+                    </m:r>
+                    <m:r>
+                      <a:rPr lang="en-US" i="1" dirty="0">
+                        <a:latin typeface="Cambria Math" panose="02040503050406030204" pitchFamily="18" charset="0"/>
+                      </a:rPr>
+                      <m:t>(</m:t>
+                    </m:r>
+                    <m:r>
+                      <a:rPr lang="en-US" i="1" dirty="0">
+                        <a:latin typeface="Cambria Math" panose="02040503050406030204" pitchFamily="18" charset="0"/>
+                      </a:rPr>
+                      <m:t>𝑚</m:t>
+                    </m:r>
+                    <m:r>
+                      <a:rPr lang="en-US" i="1" dirty="0">
+                        <a:latin typeface="Cambria Math" panose="02040503050406030204" pitchFamily="18" charset="0"/>
+                      </a:rPr>
+                      <m:t>(</m:t>
+                    </m:r>
+                    <m:r>
+                      <a:rPr lang="it-IT" i="1" dirty="0">
+                        <a:latin typeface="Cambria Math" panose="02040503050406030204" pitchFamily="18" charset="0"/>
+                      </a:rPr>
+                      <m:t>𝐿</m:t>
+                    </m:r>
+                    <m:r>
+                      <a:rPr lang="en-US" i="1" dirty="0" err="1">
+                        <a:latin typeface="Cambria Math" panose="02040503050406030204" pitchFamily="18" charset="0"/>
+                      </a:rPr>
+                      <m:t>+</m:t>
+                    </m:r>
+                    <m:r>
+                      <a:rPr lang="it-IT" i="1" dirty="0">
+                        <a:latin typeface="Cambria Math" panose="02040503050406030204" pitchFamily="18" charset="0"/>
+                      </a:rPr>
+                      <m:t>𝑚</m:t>
+                    </m:r>
+                    <m:r>
+                      <a:rPr lang="it-IT" i="1" dirty="0">
+                        <a:latin typeface="Cambria Math" panose="02040503050406030204" pitchFamily="18" charset="0"/>
+                      </a:rPr>
+                      <m:t>𝑁</m:t>
+                    </m:r>
+                    <m:r>
+                      <a:rPr lang="en-US" i="1" dirty="0">
+                        <a:latin typeface="Cambria Math" panose="02040503050406030204" pitchFamily="18" charset="0"/>
+                      </a:rPr>
+                      <m:t>))</m:t>
+                    </m:r>
+                  </m:oMath>
+                </a14:m>
+                <a:endParaRPr lang="en-US" dirty="0"/>
+              </a:p>
+              <a:p>
+                <a:pPr marL="0" indent="0">
+                  <a:lnSpc>
+                    <a:spcPct val="120000"/>
+                  </a:lnSpc>
+                  <a:buNone/>
+                </a:pPr>
+                <a:r>
+                  <a:rPr lang="en-US" dirty="0"/>
+                  <a:t>AAA: </a:t>
+                </a:r>
+                <a14:m>
+                  <m:oMath xmlns:m="http://schemas.openxmlformats.org/officeDocument/2006/math">
+                    <m:r>
+                      <a:rPr lang="en-US" i="1" dirty="0">
+                        <a:latin typeface="Cambria Math" panose="02040503050406030204" pitchFamily="18" charset="0"/>
+                      </a:rPr>
+                      <m:t>𝑚</m:t>
+                    </m:r>
+                  </m:oMath>
+                </a14:m>
+                <a:r>
+                  <a:rPr lang="en-US" dirty="0"/>
+                  <a:t> times SVD:		</a:t>
+                </a:r>
+                <a14:m>
+                  <m:oMath xmlns:m="http://schemas.openxmlformats.org/officeDocument/2006/math">
+                    <m:r>
+                      <a:rPr lang="en-US" i="1" dirty="0">
+                        <a:latin typeface="Cambria Math" panose="02040503050406030204" pitchFamily="18" charset="0"/>
+                      </a:rPr>
+                      <m:t>𝑂</m:t>
+                    </m:r>
+                    <m:r>
+                      <a:rPr lang="en-US" i="1" dirty="0">
+                        <a:latin typeface="Cambria Math" panose="02040503050406030204" pitchFamily="18" charset="0"/>
+                      </a:rPr>
+                      <m:t>(</m:t>
+                    </m:r>
+                    <m:r>
+                      <a:rPr lang="en-US" i="1" dirty="0">
+                        <a:latin typeface="Cambria Math" panose="02040503050406030204" pitchFamily="18" charset="0"/>
+                      </a:rPr>
+                      <m:t>𝑚</m:t>
+                    </m:r>
+                    <m:r>
+                      <a:rPr lang="en-US" i="1" dirty="0">
+                        <a:latin typeface="Cambria Math" panose="02040503050406030204" pitchFamily="18" charset="0"/>
+                      </a:rPr>
+                      <m:t>(</m:t>
+                    </m:r>
+                    <m:sSup>
+                      <m:sSupPr>
+                        <m:ctrlPr>
+                          <a:rPr lang="en-US" i="1" dirty="0">
+                            <a:latin typeface="Cambria Math" panose="02040503050406030204" pitchFamily="18" charset="0"/>
+                          </a:rPr>
+                        </m:ctrlPr>
+                      </m:sSupPr>
+                      <m:e>
+                        <m:r>
+                          <a:rPr lang="it-IT" i="1" dirty="0">
+                            <a:latin typeface="Cambria Math" panose="02040503050406030204" pitchFamily="18" charset="0"/>
+                          </a:rPr>
+                          <m:t>𝑚</m:t>
+                        </m:r>
+                      </m:e>
+                      <m:sup>
+                        <m:r>
+                          <a:rPr lang="it-IT" i="1" dirty="0">
+                            <a:latin typeface="Cambria Math" panose="02040503050406030204" pitchFamily="18" charset="0"/>
+                          </a:rPr>
+                          <m:t>2</m:t>
+                        </m:r>
+                      </m:sup>
+                    </m:sSup>
+                    <m:r>
+                      <a:rPr lang="it-IT" i="1" dirty="0">
+                        <a:latin typeface="Cambria Math" panose="02040503050406030204" pitchFamily="18" charset="0"/>
+                      </a:rPr>
+                      <m:t>𝑀</m:t>
+                    </m:r>
+                    <m:r>
+                      <a:rPr lang="en-US" i="1" dirty="0">
+                        <a:latin typeface="Cambria Math" panose="02040503050406030204" pitchFamily="18" charset="0"/>
+                      </a:rPr>
+                      <m:t>))</m:t>
+                    </m:r>
+                  </m:oMath>
+                </a14:m>
+                <a:endParaRPr lang="en-US" dirty="0"/>
+              </a:p>
+              <a:p>
+                <a:pPr marL="0" indent="0">
+                  <a:lnSpc>
+                    <a:spcPct val="120000"/>
+                  </a:lnSpc>
+                  <a:buNone/>
+                </a:pPr>
+                <a:endParaRPr lang="en-US" dirty="0"/>
+              </a:p>
+              <a:p>
+                <a:pPr marL="0" indent="0">
+                  <a:lnSpc>
+                    <a:spcPct val="120000"/>
+                  </a:lnSpc>
+                  <a:buNone/>
+                </a:pPr>
+                <a:r>
+                  <a:rPr lang="en-US" dirty="0" smtClean="0"/>
+                  <a:t>Setting AAA’s number of samples </a:t>
+                </a:r>
+                <a14:m>
+                  <m:oMath xmlns:m="http://schemas.openxmlformats.org/officeDocument/2006/math">
+                    <m:r>
+                      <a:rPr lang="en-US" i="1" dirty="0" smtClean="0">
+                        <a:latin typeface="Cambria Math" panose="02040503050406030204" pitchFamily="18" charset="0"/>
+                      </a:rPr>
+                      <m:t>𝑀</m:t>
+                    </m:r>
+                    <m:r>
+                      <a:rPr lang="en-US" i="1" dirty="0" smtClean="0">
+                        <a:latin typeface="Cambria Math" panose="02040503050406030204" pitchFamily="18" charset="0"/>
+                      </a:rPr>
+                      <m:t>=~</m:t>
+                    </m:r>
+                    <m:r>
+                      <a:rPr lang="en-US" i="1" dirty="0" err="1" smtClean="0">
+                        <a:latin typeface="Cambria Math" panose="02040503050406030204" pitchFamily="18" charset="0"/>
+                      </a:rPr>
+                      <m:t>𝑛𝑛𝑧</m:t>
+                    </m:r>
+                    <m:r>
+                      <a:rPr lang="en-US" i="1" dirty="0" smtClean="0">
+                        <a:latin typeface="Cambria Math" panose="02040503050406030204" pitchFamily="18" charset="0"/>
+                      </a:rPr>
+                      <m:t>(</m:t>
+                    </m:r>
+                    <m:r>
+                      <a:rPr lang="en-US" i="1" dirty="0" smtClean="0">
+                        <a:latin typeface="Cambria Math" panose="02040503050406030204" pitchFamily="18" charset="0"/>
+                      </a:rPr>
+                      <m:t>𝐴</m:t>
+                    </m:r>
+                    <m:r>
+                      <a:rPr lang="en-US" i="1" dirty="0" smtClean="0">
+                        <a:latin typeface="Cambria Math" panose="02040503050406030204" pitchFamily="18" charset="0"/>
+                      </a:rPr>
+                      <m:t>)</m:t>
+                    </m:r>
+                  </m:oMath>
+                </a14:m>
+                <a:r>
+                  <a:rPr lang="en-US" dirty="0" smtClean="0"/>
+                  <a:t> balances execution times.</a:t>
+                </a:r>
+                <a:endParaRPr lang="en-US" dirty="0"/>
+              </a:p>
+            </p:txBody>
+          </p:sp>
+        </mc:Choice>
+        <mc:Fallback>
+          <p:sp>
+            <p:nvSpPr>
+              <p:cNvPr id="14" name="Content Placeholder 13"/>
+              <p:cNvSpPr>
+                <a:spLocks noGrp="1" noRot="1" noChangeAspect="1" noMove="1" noResize="1" noEditPoints="1" noAdjustHandles="1" noChangeArrowheads="1" noChangeShapeType="1" noTextEdit="1"/>
+              </p:cNvSpPr>
+              <p:nvPr>
+                <p:ph idx="1"/>
+              </p:nvPr>
+            </p:nvSpPr>
+            <p:spPr>
+              <a:xfrm>
+                <a:off x="1593436" y="2025352"/>
+                <a:ext cx="9782801" cy="4572000"/>
+              </a:xfrm>
+              <a:blipFill rotWithShape="0">
+                <a:blip r:embed="rId2"/>
+                <a:stretch>
+                  <a:fillRect l="-1246" t="-667"/>
+                </a:stretch>
+              </a:blipFill>
+            </p:spPr>
+            <p:txBody>
+              <a:bodyPr/>
+              <a:lstStyle/>
+              <a:p>
+                <a:r>
+                  <a:rPr lang="it-IT">
+                    <a:noFill/>
+                  </a:rPr>
+                  <a:t> </a:t>
+                </a:r>
+              </a:p>
+            </p:txBody>
+          </p:sp>
+        </mc:Fallback>
+      </mc:AlternateContent>
+    </p:spTree>
+    <p:extLst>
+      <p:ext uri="{BB962C8B-B14F-4D97-AF65-F5344CB8AC3E}">
+        <p14:creationId xmlns:p14="http://schemas.microsoft.com/office/powerpoint/2010/main" val="3947263409"/>
+      </p:ext>
+    </p:extLst>
+  </p:cSld>
+  <p:clrMapOvr>
+    <a:masterClrMapping/>
+  </p:clrMapOvr>
+  <mc:AlternateContent xmlns:mc="http://schemas.openxmlformats.org/markup-compatibility/2006" xmlns:p14="http://schemas.microsoft.com/office/powerpoint/2010/main">
+    <mc:Choice Requires="p14">
+      <p:transition spd="med" p14:dur="700">
+        <p:fade/>
+      </p:transition>
+    </mc:Choice>
+    <mc:Fallback xmlns="">
+      <p:transition spd="med">
+        <p:fade/>
+      </p:transition>
+    </mc:Fallback>
+  </mc:AlternateContent>
+  <p:timing>
+    <p:tnLst>
+      <p:par>
+        <p:cTn id="1" dur="indefinite" restart="never" nodeType="tmRoot"/>
+      </p:par>
+    </p:tnLst>
+  </p:timing>
+</p:sld>
+</file>
+
+<file path=ppt/slides/slide15.xml><?xml version="1.0" encoding="utf-8"?>
+<p:sld xmlns:a="http://schemas.openxmlformats.org/drawingml/2006/main" xmlns:r="http://schemas.openxmlformats.org/officeDocument/2006/relationships" xmlns:p="http://schemas.openxmlformats.org/presentationml/2006/main">
+  <p:cSld>
+    <p:bg>
+      <p:bgPr>
+        <a:solidFill>
+          <a:schemeClr val="accent3">
+            <a:lumMod val="40000"/>
+            <a:lumOff val="60000"/>
+          </a:schemeClr>
+        </a:solidFill>
+        <a:effectLst/>
+      </p:bgPr>
+    </p:bg>
+    <p:spTree>
+      <p:nvGrpSpPr>
+        <p:cNvPr id="1" name=""/>
+        <p:cNvGrpSpPr/>
+        <p:nvPr/>
+      </p:nvGrpSpPr>
+      <p:grpSpPr>
+        <a:xfrm>
+          <a:off x="0" y="0"/>
+          <a:ext cx="0" cy="0"/>
+          <a:chOff x="0" y="0"/>
+          <a:chExt cx="0" cy="0"/>
+        </a:xfrm>
+      </p:grpSpPr>
       <p:sp>
         <p:nvSpPr>
-          <p:cNvPr id="4" name="Text Placeholder 3"/>
+          <p:cNvPr id="13" name="Title 12"/>
+          <p:cNvSpPr>
+            <a:spLocks noGrp="1"/>
+          </p:cNvSpPr>
+          <p:nvPr>
+            <p:ph type="title"/>
+          </p:nvPr>
+        </p:nvSpPr>
+        <p:spPr>
+          <a:xfrm>
+            <a:off x="1593436" y="-243408"/>
+            <a:ext cx="9782801" cy="1239837"/>
+          </a:xfrm>
+        </p:spPr>
+        <p:txBody>
+          <a:bodyPr/>
+          <a:lstStyle/>
+          <a:p>
+            <a:r>
+              <a:rPr lang="en-US" dirty="0" smtClean="0"/>
+              <a:t>Accuracy </a:t>
+            </a:r>
+            <a:r>
+              <a:rPr lang="en-US" dirty="0"/>
+              <a:t>of Rational </a:t>
+            </a:r>
+            <a:r>
+              <a:rPr lang="en-US" dirty="0" err="1"/>
+              <a:t>Krylov</a:t>
+            </a:r>
+            <a:r>
+              <a:rPr lang="en-US" dirty="0"/>
+              <a:t> + AAA</a:t>
+            </a:r>
+            <a:endParaRPr lang="en-US" dirty="0"/>
+          </a:p>
+        </p:txBody>
+      </p:sp>
+      <mc:AlternateContent xmlns:mc="http://schemas.openxmlformats.org/markup-compatibility/2006">
+        <mc:Choice xmlns:a14="http://schemas.microsoft.com/office/drawing/2010/main" Requires="a14">
+          <p:sp>
+            <p:nvSpPr>
+              <p:cNvPr id="14" name="Content Placeholder 13"/>
+              <p:cNvSpPr>
+                <a:spLocks noGrp="1"/>
+              </p:cNvSpPr>
+              <p:nvPr>
+                <p:ph idx="1"/>
+              </p:nvPr>
+            </p:nvSpPr>
+            <p:spPr>
+              <a:xfrm>
+                <a:off x="1629916" y="1196752"/>
+                <a:ext cx="9782801" cy="4572000"/>
+              </a:xfrm>
+            </p:spPr>
+            <p:txBody>
+              <a:bodyPr>
+                <a:normAutofit/>
+              </a:bodyPr>
+              <a:lstStyle/>
+              <a:p>
+                <a:pPr marL="0" indent="0">
+                  <a:lnSpc>
+                    <a:spcPct val="120000"/>
+                  </a:lnSpc>
+                  <a:buNone/>
+                </a:pPr>
+                <a:r>
+                  <a:rPr lang="en-US" sz="2600" dirty="0" smtClean="0">
+                    <a:sym typeface="Wingdings" panose="05000000000000000000" pitchFamily="2" charset="2"/>
+                  </a:rPr>
+                  <a:t>Matrices </a:t>
+                </a:r>
+                <a:r>
+                  <a:rPr lang="en-US" sz="2600" dirty="0">
+                    <a:sym typeface="Wingdings" panose="05000000000000000000" pitchFamily="2" charset="2"/>
+                  </a:rPr>
+                  <a:t>are from the </a:t>
+                </a:r>
+                <a:r>
+                  <a:rPr lang="en-US" sz="2600" dirty="0" err="1">
+                    <a:sym typeface="Wingdings" panose="05000000000000000000" pitchFamily="2" charset="2"/>
+                  </a:rPr>
+                  <a:t>SuiteSparse</a:t>
+                </a:r>
+                <a:r>
+                  <a:rPr lang="en-US" sz="2600" dirty="0">
+                    <a:sym typeface="Wingdings" panose="05000000000000000000" pitchFamily="2" charset="2"/>
+                  </a:rPr>
+                  <a:t> Matrix </a:t>
+                </a:r>
+                <a:r>
+                  <a:rPr lang="en-US" sz="2600" dirty="0" smtClean="0">
+                    <a:sym typeface="Wingdings" panose="05000000000000000000" pitchFamily="2" charset="2"/>
+                  </a:rPr>
+                  <a:t>Collection.     </a:t>
+                </a:r>
+                <a14:m>
+                  <m:oMath xmlns:m="http://schemas.openxmlformats.org/officeDocument/2006/math">
+                    <m:r>
+                      <m:rPr>
+                        <m:sty m:val="p"/>
+                      </m:rPr>
+                      <a:rPr lang="en-US" sz="2600" i="1" dirty="0" smtClean="0">
+                        <a:latin typeface="Cambria Math" panose="02040503050406030204" pitchFamily="18" charset="0"/>
+                        <a:sym typeface="Wingdings" panose="05000000000000000000" pitchFamily="2" charset="2"/>
+                      </a:rPr>
+                      <m:t>exp</m:t>
+                    </m:r>
+                    <m:r>
+                      <a:rPr lang="en-US" sz="2600" i="1" dirty="0" smtClean="0">
+                        <a:latin typeface="Cambria Math" panose="02040503050406030204" pitchFamily="18" charset="0"/>
+                        <a:sym typeface="Wingdings" panose="05000000000000000000" pitchFamily="2" charset="2"/>
+                      </a:rPr>
+                      <m:t>⁡(</m:t>
+                    </m:r>
+                    <m:r>
+                      <a:rPr lang="en-US" sz="2600" i="1" dirty="0" smtClean="0">
+                        <a:latin typeface="Cambria Math" panose="02040503050406030204" pitchFamily="18" charset="0"/>
+                        <a:sym typeface="Wingdings" panose="05000000000000000000" pitchFamily="2" charset="2"/>
+                      </a:rPr>
+                      <m:t>𝐴</m:t>
+                    </m:r>
+                    <m:r>
+                      <a:rPr lang="en-US" sz="2600" i="1" dirty="0" smtClean="0">
+                        <a:latin typeface="Cambria Math" panose="02040503050406030204" pitchFamily="18" charset="0"/>
+                        <a:sym typeface="Wingdings" panose="05000000000000000000" pitchFamily="2" charset="2"/>
+                      </a:rPr>
+                      <m:t>)</m:t>
+                    </m:r>
+                    <m:r>
+                      <a:rPr lang="en-US" sz="2600" i="1" dirty="0" smtClean="0">
+                        <a:latin typeface="Cambria Math" panose="02040503050406030204" pitchFamily="18" charset="0"/>
+                        <a:sym typeface="Wingdings" panose="05000000000000000000" pitchFamily="2" charset="2"/>
+                      </a:rPr>
+                      <m:t>𝑏</m:t>
+                    </m:r>
+                  </m:oMath>
+                </a14:m>
+                <a:r>
+                  <a:rPr lang="en-US" sz="2600" dirty="0" smtClean="0">
+                    <a:sym typeface="Wingdings" panose="05000000000000000000" pitchFamily="2" charset="2"/>
+                  </a:rPr>
+                  <a:t> with </a:t>
+                </a:r>
+                <a:r>
+                  <a:rPr lang="en-US" sz="2600" dirty="0" err="1" smtClean="0">
+                    <a:sym typeface="Wingdings" panose="05000000000000000000" pitchFamily="2" charset="2"/>
+                  </a:rPr>
+                  <a:t>Krylov</a:t>
+                </a:r>
+                <a:r>
+                  <a:rPr lang="en-US" sz="2600" dirty="0" smtClean="0">
+                    <a:sym typeface="Wingdings" panose="05000000000000000000" pitchFamily="2" charset="2"/>
+                  </a:rPr>
+                  <a:t> is compared with dense </a:t>
+                </a:r>
+                <a:r>
+                  <a:rPr lang="en-US" sz="2600" dirty="0" err="1" smtClean="0">
+                    <a:sym typeface="Wingdings" panose="05000000000000000000" pitchFamily="2" charset="2"/>
+                  </a:rPr>
+                  <a:t>expm</a:t>
+                </a:r>
+                <a:r>
+                  <a:rPr lang="en-US" sz="2600" dirty="0">
+                    <a:sym typeface="Wingdings" panose="05000000000000000000" pitchFamily="2" charset="2"/>
+                  </a:rPr>
+                  <a:t>:</a:t>
+                </a:r>
+                <a:endParaRPr lang="en-US" sz="2600" dirty="0" smtClean="0"/>
+              </a:p>
+              <a:p>
+                <a:pPr marL="0" indent="0">
+                  <a:lnSpc>
+                    <a:spcPct val="120000"/>
+                  </a:lnSpc>
+                  <a:buNone/>
+                </a:pPr>
+                <a:endParaRPr lang="en-US" sz="2600" dirty="0"/>
+              </a:p>
+            </p:txBody>
+          </p:sp>
+        </mc:Choice>
+        <mc:Fallback>
+          <p:sp>
+            <p:nvSpPr>
+              <p:cNvPr id="14" name="Content Placeholder 13"/>
+              <p:cNvSpPr>
+                <a:spLocks noGrp="1" noRot="1" noChangeAspect="1" noMove="1" noResize="1" noEditPoints="1" noAdjustHandles="1" noChangeArrowheads="1" noChangeShapeType="1" noTextEdit="1"/>
+              </p:cNvSpPr>
+              <p:nvPr>
+                <p:ph idx="1"/>
+              </p:nvPr>
+            </p:nvSpPr>
+            <p:spPr>
+              <a:xfrm>
+                <a:off x="1629916" y="1196752"/>
+                <a:ext cx="9782801" cy="4572000"/>
+              </a:xfrm>
+              <a:blipFill rotWithShape="0">
+                <a:blip r:embed="rId2"/>
+                <a:stretch>
+                  <a:fillRect l="-1121" t="-533"/>
+                </a:stretch>
+              </a:blipFill>
+            </p:spPr>
+            <p:txBody>
+              <a:bodyPr/>
+              <a:lstStyle/>
+              <a:p>
+                <a:r>
+                  <a:rPr lang="it-IT">
+                    <a:noFill/>
+                  </a:rPr>
+                  <a:t> </a:t>
+                </a:r>
+              </a:p>
+            </p:txBody>
+          </p:sp>
+        </mc:Fallback>
+      </mc:AlternateContent>
+      <p:graphicFrame>
+        <p:nvGraphicFramePr>
+          <p:cNvPr id="4" name="Content Placeholder 10"/>
+          <p:cNvGraphicFramePr>
+            <a:graphicFrameLocks/>
+          </p:cNvGraphicFramePr>
+          <p:nvPr>
+            <p:extLst>
+              <p:ext uri="{D42A27DB-BD31-4B8C-83A1-F6EECF244321}">
+                <p14:modId xmlns:p14="http://schemas.microsoft.com/office/powerpoint/2010/main" val="899411165"/>
+              </p:ext>
+            </p:extLst>
+          </p:nvPr>
+        </p:nvGraphicFramePr>
+        <p:xfrm>
+          <a:off x="1701924" y="2564904"/>
+          <a:ext cx="9649068" cy="3200400"/>
+        </p:xfrm>
+        <a:graphic>
+          <a:graphicData uri="http://schemas.openxmlformats.org/drawingml/2006/table">
+            <a:tbl>
+              <a:tblPr firstRow="1" bandRow="1">
+                <a:tableStyleId>{073A0DAA-6AF3-43AB-8588-CEC1D06C72B9}</a:tableStyleId>
+              </a:tblPr>
+              <a:tblGrid>
+                <a:gridCol w="1205934">
+                  <a:extLst>
+                    <a:ext uri="{9D8B030D-6E8A-4147-A177-3AD203B41FA5}">
+                      <a16:colId xmlns:a16="http://schemas.microsoft.com/office/drawing/2014/main" xmlns="" val="20001"/>
+                    </a:ext>
+                  </a:extLst>
+                </a:gridCol>
+                <a:gridCol w="1206162">
+                  <a:extLst>
+                    <a:ext uri="{9D8B030D-6E8A-4147-A177-3AD203B41FA5}">
+                      <a16:colId xmlns:a16="http://schemas.microsoft.com/office/drawing/2014/main" xmlns="" val="20002"/>
+                    </a:ext>
+                  </a:extLst>
+                </a:gridCol>
+                <a:gridCol w="1206162"/>
+                <a:gridCol w="1206162"/>
+                <a:gridCol w="1206162"/>
+                <a:gridCol w="1206162"/>
+                <a:gridCol w="1206162"/>
+                <a:gridCol w="1206162"/>
+              </a:tblGrid>
+              <a:tr h="552450">
+                <a:tc>
+                  <a:txBody>
+                    <a:bodyPr/>
+                    <a:lstStyle/>
+                    <a:p>
+                      <a:pPr algn="ctr"/>
+                      <a:r>
+                        <a:rPr lang="en-US" dirty="0" smtClean="0"/>
+                        <a:t>Problem type</a:t>
+                      </a:r>
+                      <a:endParaRPr lang="en-US" dirty="0"/>
+                    </a:p>
+                  </a:txBody>
+                  <a:tcPr anchor="ctr"/>
+                </a:tc>
+                <a:tc>
+                  <a:txBody>
+                    <a:bodyPr/>
+                    <a:lstStyle/>
+                    <a:p>
+                      <a:pPr algn="ctr"/>
+                      <a:r>
+                        <a:rPr lang="en-US" dirty="0" smtClean="0"/>
+                        <a:t>name</a:t>
+                      </a:r>
+                      <a:endParaRPr lang="en-US" dirty="0"/>
+                    </a:p>
+                  </a:txBody>
+                  <a:tcPr anchor="ctr"/>
+                </a:tc>
+                <a:tc>
+                  <a:txBody>
+                    <a:bodyPr/>
+                    <a:lstStyle/>
+                    <a:p>
+                      <a:pPr algn="ctr"/>
+                      <a:r>
+                        <a:rPr lang="en-US" dirty="0" smtClean="0"/>
+                        <a:t>size(A)</a:t>
+                      </a:r>
+                      <a:endParaRPr lang="en-US" dirty="0"/>
+                    </a:p>
+                  </a:txBody>
+                  <a:tcPr anchor="ctr"/>
+                </a:tc>
+                <a:tc>
+                  <a:txBody>
+                    <a:bodyPr/>
+                    <a:lstStyle/>
+                    <a:p>
+                      <a:pPr algn="ctr"/>
+                      <a:r>
+                        <a:rPr lang="en-US" dirty="0" err="1" smtClean="0"/>
+                        <a:t>cond</a:t>
+                      </a:r>
+                      <a:r>
+                        <a:rPr lang="en-US" dirty="0" smtClean="0"/>
+                        <a:t>(A)</a:t>
+                      </a:r>
+                      <a:endParaRPr lang="en-US" dirty="0"/>
+                    </a:p>
+                  </a:txBody>
+                  <a:tcPr anchor="ctr"/>
+                </a:tc>
+                <a:tc>
+                  <a:txBody>
+                    <a:bodyPr/>
+                    <a:lstStyle/>
+                    <a:p>
+                      <a:pPr algn="ctr"/>
+                      <a:r>
+                        <a:rPr lang="en-US" dirty="0" smtClean="0"/>
+                        <a:t># poles</a:t>
+                      </a:r>
+                      <a:endParaRPr lang="en-US" dirty="0"/>
+                    </a:p>
+                  </a:txBody>
+                  <a:tcPr anchor="ctr"/>
+                </a:tc>
+                <a:tc>
+                  <a:txBody>
+                    <a:bodyPr/>
+                    <a:lstStyle/>
+                    <a:p>
+                      <a:pPr algn="ctr"/>
+                      <a:r>
+                        <a:rPr lang="en-US" dirty="0" smtClean="0"/>
+                        <a:t>accuracy</a:t>
+                      </a:r>
+                      <a:endParaRPr lang="en-US" dirty="0"/>
+                    </a:p>
+                  </a:txBody>
+                  <a:tcPr anchor="ctr"/>
+                </a:tc>
+                <a:tc>
+                  <a:txBody>
+                    <a:bodyPr/>
+                    <a:lstStyle/>
+                    <a:p>
+                      <a:pPr algn="ctr"/>
+                      <a:r>
+                        <a:rPr lang="en-US" dirty="0" smtClean="0"/>
+                        <a:t># poles</a:t>
+                      </a:r>
+                      <a:endParaRPr lang="en-US" dirty="0"/>
+                    </a:p>
+                  </a:txBody>
+                  <a:tcPr anchor="ctr"/>
+                </a:tc>
+                <a:tc>
+                  <a:txBody>
+                    <a:bodyPr/>
+                    <a:lstStyle/>
+                    <a:p>
+                      <a:pPr algn="ctr"/>
+                      <a:r>
+                        <a:rPr lang="en-US" dirty="0" smtClean="0"/>
+                        <a:t>accuracy</a:t>
+                      </a:r>
+                      <a:endParaRPr lang="en-US" dirty="0"/>
+                    </a:p>
+                  </a:txBody>
+                  <a:tcPr anchor="ctr"/>
+                </a:tc>
+                <a:extLst>
+                  <a:ext uri="{0D108BD9-81ED-4DB2-BD59-A6C34878D82A}">
+                    <a16:rowId xmlns:a16="http://schemas.microsoft.com/office/drawing/2014/main" xmlns="" val="10000"/>
+                  </a:ext>
+                </a:extLst>
+              </a:tr>
+              <a:tr h="552450">
+                <a:tc>
+                  <a:txBody>
+                    <a:bodyPr/>
+                    <a:lstStyle/>
+                    <a:p>
+                      <a:pPr marL="0" marR="0" lvl="0" indent="0" algn="ctr" defTabSz="914400" rtl="0" eaLnBrk="1" fontAlgn="auto" latinLnBrk="0" hangingPunct="1">
+                        <a:lnSpc>
+                          <a:spcPct val="100000"/>
+                        </a:lnSpc>
+                        <a:spcBef>
+                          <a:spcPts val="0"/>
+                        </a:spcBef>
+                        <a:spcAft>
+                          <a:spcPts val="0"/>
+                        </a:spcAft>
+                        <a:buClrTx/>
+                        <a:buSzTx/>
+                        <a:buFontTx/>
+                        <a:buNone/>
+                        <a:tabLst/>
+                        <a:defRPr/>
+                      </a:pPr>
+                      <a:r>
+                        <a:rPr lang="en-US" dirty="0" smtClean="0">
+                          <a:latin typeface="Cambria Math" panose="02040503050406030204" pitchFamily="18" charset="0"/>
+                          <a:ea typeface="Cambria Math" panose="02040503050406030204" pitchFamily="18" charset="0"/>
+                        </a:rPr>
+                        <a:t>2D/3D problem</a:t>
+                      </a:r>
+                      <a:endParaRPr lang="en-US" dirty="0" smtClean="0">
+                        <a:latin typeface="Cambria Math" panose="02040503050406030204" pitchFamily="18" charset="0"/>
+                        <a:ea typeface="Cambria Math" panose="02040503050406030204" pitchFamily="18" charset="0"/>
+                      </a:endParaRPr>
+                    </a:p>
+                  </a:txBody>
+                  <a:tcPr anchor="ctr"/>
+                </a:tc>
+                <a:tc>
+                  <a:txBody>
+                    <a:bodyPr/>
+                    <a:lstStyle/>
+                    <a:p>
+                      <a:pPr algn="ctr"/>
+                      <a:r>
+                        <a:rPr lang="en-US" dirty="0" err="1" smtClean="0">
+                          <a:latin typeface="Cambria Math" panose="02040503050406030204" pitchFamily="18" charset="0"/>
+                          <a:ea typeface="Cambria Math" panose="02040503050406030204" pitchFamily="18" charset="0"/>
+                        </a:rPr>
+                        <a:t>jagmesh</a:t>
+                      </a:r>
+                      <a:endParaRPr lang="en-US" dirty="0">
+                        <a:latin typeface="Cambria Math" panose="02040503050406030204" pitchFamily="18" charset="0"/>
+                        <a:ea typeface="Cambria Math" panose="02040503050406030204" pitchFamily="18" charset="0"/>
+                      </a:endParaRPr>
+                    </a:p>
+                  </a:txBody>
+                  <a:tcPr anchor="ctr"/>
+                </a:tc>
+                <a:tc>
+                  <a:txBody>
+                    <a:bodyPr/>
+                    <a:lstStyle/>
+                    <a:p>
+                      <a:pPr algn="ctr"/>
+                      <a:r>
+                        <a:rPr lang="en-US" dirty="0" smtClean="0">
+                          <a:latin typeface="Cambria Math" panose="02040503050406030204" pitchFamily="18" charset="0"/>
+                          <a:ea typeface="Cambria Math" panose="02040503050406030204" pitchFamily="18" charset="0"/>
+                        </a:rPr>
+                        <a:t>1089</a:t>
+                      </a:r>
+                      <a:endParaRPr lang="en-US" dirty="0">
+                        <a:latin typeface="Cambria Math" panose="02040503050406030204" pitchFamily="18" charset="0"/>
+                        <a:ea typeface="Cambria Math" panose="02040503050406030204" pitchFamily="18" charset="0"/>
+                      </a:endParaRPr>
+                    </a:p>
+                  </a:txBody>
+                  <a:tcPr anchor="ctr"/>
+                </a:tc>
+                <a:tc>
+                  <a:txBody>
+                    <a:bodyPr/>
+                    <a:lstStyle/>
+                    <a:p>
+                      <a:pPr algn="ctr"/>
+                      <a:r>
+                        <a:rPr lang="en-US" dirty="0" smtClean="0">
+                          <a:latin typeface="Cambria Math" panose="02040503050406030204" pitchFamily="18" charset="0"/>
+                          <a:ea typeface="Cambria Math" panose="02040503050406030204" pitchFamily="18" charset="0"/>
+                        </a:rPr>
+                        <a:t>1168</a:t>
+                      </a:r>
+                      <a:endParaRPr lang="en-US" dirty="0">
+                        <a:latin typeface="Cambria Math" panose="02040503050406030204" pitchFamily="18" charset="0"/>
+                        <a:ea typeface="Cambria Math" panose="02040503050406030204" pitchFamily="18" charset="0"/>
+                      </a:endParaRPr>
+                    </a:p>
+                  </a:txBody>
+                  <a:tcPr anchor="ctr"/>
+                </a:tc>
+                <a:tc>
+                  <a:txBody>
+                    <a:bodyPr/>
+                    <a:lstStyle/>
+                    <a:p>
+                      <a:pPr algn="ctr"/>
+                      <a:r>
+                        <a:rPr lang="en-US" dirty="0" smtClean="0">
+                          <a:latin typeface="Cambria Math" panose="02040503050406030204" pitchFamily="18" charset="0"/>
+                          <a:ea typeface="Cambria Math" panose="02040503050406030204" pitchFamily="18" charset="0"/>
+                        </a:rPr>
+                        <a:t>9</a:t>
+                      </a:r>
+                      <a:endParaRPr lang="en-US" dirty="0">
+                        <a:latin typeface="Cambria Math" panose="02040503050406030204" pitchFamily="18" charset="0"/>
+                        <a:ea typeface="Cambria Math" panose="02040503050406030204" pitchFamily="18" charset="0"/>
+                      </a:endParaRPr>
+                    </a:p>
+                  </a:txBody>
+                  <a:tcPr anchor="ctr"/>
+                </a:tc>
+                <a:tc>
+                  <a:txBody>
+                    <a:bodyPr/>
+                    <a:lstStyle/>
+                    <a:p>
+                      <a:pPr algn="ctr"/>
+                      <a:r>
+                        <a:rPr lang="en-US" dirty="0" smtClean="0">
+                          <a:latin typeface="Cambria Math" panose="02040503050406030204" pitchFamily="18" charset="0"/>
+                          <a:ea typeface="Cambria Math" panose="02040503050406030204" pitchFamily="18" charset="0"/>
+                        </a:rPr>
+                        <a:t>1.5e-6</a:t>
+                      </a:r>
+                      <a:endParaRPr lang="en-US" dirty="0">
+                        <a:latin typeface="Cambria Math" panose="02040503050406030204" pitchFamily="18" charset="0"/>
+                        <a:ea typeface="Cambria Math" panose="02040503050406030204" pitchFamily="18" charset="0"/>
+                      </a:endParaRPr>
+                    </a:p>
+                  </a:txBody>
+                  <a:tcPr anchor="ctr"/>
+                </a:tc>
+                <a:tc>
+                  <a:txBody>
+                    <a:bodyPr/>
+                    <a:lstStyle/>
+                    <a:p>
+                      <a:pPr algn="ctr"/>
+                      <a:r>
+                        <a:rPr lang="en-US" dirty="0" smtClean="0">
+                          <a:latin typeface="Cambria Math" panose="02040503050406030204" pitchFamily="18" charset="0"/>
+                          <a:ea typeface="Cambria Math" panose="02040503050406030204" pitchFamily="18" charset="0"/>
+                        </a:rPr>
+                        <a:t>15</a:t>
+                      </a:r>
+                      <a:endParaRPr lang="en-US" dirty="0">
+                        <a:latin typeface="Cambria Math" panose="02040503050406030204" pitchFamily="18" charset="0"/>
+                        <a:ea typeface="Cambria Math" panose="02040503050406030204" pitchFamily="18" charset="0"/>
+                      </a:endParaRPr>
+                    </a:p>
+                  </a:txBody>
+                  <a:tcPr anchor="ctr"/>
+                </a:tc>
+                <a:tc>
+                  <a:txBody>
+                    <a:bodyPr/>
+                    <a:lstStyle/>
+                    <a:p>
+                      <a:pPr algn="ctr"/>
+                      <a:r>
+                        <a:rPr lang="en-US" dirty="0" smtClean="0">
+                          <a:latin typeface="Cambria Math" panose="02040503050406030204" pitchFamily="18" charset="0"/>
+                          <a:ea typeface="Cambria Math" panose="02040503050406030204" pitchFamily="18" charset="0"/>
+                        </a:rPr>
+                        <a:t>6.0e-14</a:t>
+                      </a:r>
+                      <a:endParaRPr lang="en-US" dirty="0">
+                        <a:latin typeface="Cambria Math" panose="02040503050406030204" pitchFamily="18" charset="0"/>
+                        <a:ea typeface="Cambria Math" panose="02040503050406030204" pitchFamily="18" charset="0"/>
+                      </a:endParaRPr>
+                    </a:p>
+                  </a:txBody>
+                  <a:tcPr anchor="ctr"/>
+                </a:tc>
+                <a:extLst>
+                  <a:ext uri="{0D108BD9-81ED-4DB2-BD59-A6C34878D82A}">
+                    <a16:rowId xmlns:a16="http://schemas.microsoft.com/office/drawing/2014/main" xmlns="" val="10001"/>
+                  </a:ext>
+                </a:extLst>
+              </a:tr>
+              <a:tr h="552450">
+                <a:tc>
+                  <a:txBody>
+                    <a:bodyPr/>
+                    <a:lstStyle/>
+                    <a:p>
+                      <a:pPr marL="0" marR="0" lvl="0" indent="0" algn="ctr" defTabSz="914400" rtl="0" eaLnBrk="1" fontAlgn="auto" latinLnBrk="0" hangingPunct="1">
+                        <a:lnSpc>
+                          <a:spcPct val="100000"/>
+                        </a:lnSpc>
+                        <a:spcBef>
+                          <a:spcPts val="0"/>
+                        </a:spcBef>
+                        <a:spcAft>
+                          <a:spcPts val="0"/>
+                        </a:spcAft>
+                        <a:buClrTx/>
+                        <a:buSzTx/>
+                        <a:buFontTx/>
+                        <a:buNone/>
+                        <a:tabLst/>
+                        <a:defRPr/>
+                      </a:pPr>
+                      <a:r>
+                        <a:rPr lang="en-US" dirty="0" smtClean="0">
+                          <a:latin typeface="Cambria Math" panose="02040503050406030204" pitchFamily="18" charset="0"/>
+                          <a:ea typeface="Cambria Math" panose="02040503050406030204" pitchFamily="18" charset="0"/>
+                        </a:rPr>
+                        <a:t>Fluid dynamics</a:t>
+                      </a:r>
+                      <a:endParaRPr lang="en-US" dirty="0" smtClean="0">
+                        <a:latin typeface="Cambria Math" panose="02040503050406030204" pitchFamily="18" charset="0"/>
+                        <a:ea typeface="Cambria Math" panose="02040503050406030204" pitchFamily="18" charset="0"/>
+                      </a:endParaRPr>
+                    </a:p>
+                  </a:txBody>
+                  <a:tcPr anchor="ctr"/>
+                </a:tc>
+                <a:tc>
+                  <a:txBody>
+                    <a:bodyPr/>
+                    <a:lstStyle/>
+                    <a:p>
+                      <a:pPr algn="ctr"/>
+                      <a:r>
+                        <a:rPr lang="en-US" dirty="0" smtClean="0">
+                          <a:latin typeface="Cambria Math" panose="02040503050406030204" pitchFamily="18" charset="0"/>
+                          <a:ea typeface="Cambria Math" panose="02040503050406030204" pitchFamily="18" charset="0"/>
+                        </a:rPr>
+                        <a:t>sherman4</a:t>
+                      </a:r>
+                      <a:endParaRPr lang="en-US" dirty="0">
+                        <a:latin typeface="Cambria Math" panose="02040503050406030204" pitchFamily="18" charset="0"/>
+                        <a:ea typeface="Cambria Math" panose="02040503050406030204" pitchFamily="18" charset="0"/>
+                      </a:endParaRPr>
+                    </a:p>
+                  </a:txBody>
+                  <a:tcPr anchor="ctr"/>
+                </a:tc>
+                <a:tc>
+                  <a:txBody>
+                    <a:bodyPr/>
+                    <a:lstStyle/>
+                    <a:p>
+                      <a:pPr algn="ctr"/>
+                      <a:r>
+                        <a:rPr lang="en-US" dirty="0" smtClean="0">
+                          <a:latin typeface="Cambria Math" panose="02040503050406030204" pitchFamily="18" charset="0"/>
+                          <a:ea typeface="Cambria Math" panose="02040503050406030204" pitchFamily="18" charset="0"/>
+                        </a:rPr>
+                        <a:t>1104</a:t>
+                      </a:r>
+                      <a:endParaRPr lang="en-US" dirty="0">
+                        <a:latin typeface="Cambria Math" panose="02040503050406030204" pitchFamily="18" charset="0"/>
+                        <a:ea typeface="Cambria Math" panose="02040503050406030204" pitchFamily="18" charset="0"/>
+                      </a:endParaRPr>
+                    </a:p>
+                  </a:txBody>
+                  <a:tcPr anchor="ctr"/>
+                </a:tc>
+                <a:tc>
+                  <a:txBody>
+                    <a:bodyPr/>
+                    <a:lstStyle/>
+                    <a:p>
+                      <a:pPr algn="ctr"/>
+                      <a:r>
+                        <a:rPr lang="en-US" dirty="0" smtClean="0">
+                          <a:latin typeface="Cambria Math" panose="02040503050406030204" pitchFamily="18" charset="0"/>
+                          <a:ea typeface="Cambria Math" panose="02040503050406030204" pitchFamily="18" charset="0"/>
+                        </a:rPr>
+                        <a:t>2178</a:t>
+                      </a:r>
+                      <a:endParaRPr lang="en-US" dirty="0">
+                        <a:latin typeface="Cambria Math" panose="02040503050406030204" pitchFamily="18" charset="0"/>
+                        <a:ea typeface="Cambria Math" panose="02040503050406030204" pitchFamily="18" charset="0"/>
+                      </a:endParaRPr>
+                    </a:p>
+                  </a:txBody>
+                  <a:tcPr anchor="ctr"/>
+                </a:tc>
+                <a:tc>
+                  <a:txBody>
+                    <a:bodyPr/>
+                    <a:lstStyle/>
+                    <a:p>
+                      <a:pPr algn="ctr"/>
+                      <a:r>
+                        <a:rPr lang="en-US" dirty="0" smtClean="0">
+                          <a:latin typeface="Cambria Math" panose="02040503050406030204" pitchFamily="18" charset="0"/>
+                          <a:ea typeface="Cambria Math" panose="02040503050406030204" pitchFamily="18" charset="0"/>
+                        </a:rPr>
+                        <a:t>11</a:t>
+                      </a:r>
+                      <a:endParaRPr lang="en-US" dirty="0">
+                        <a:latin typeface="Cambria Math" panose="02040503050406030204" pitchFamily="18" charset="0"/>
+                        <a:ea typeface="Cambria Math" panose="02040503050406030204" pitchFamily="18" charset="0"/>
+                      </a:endParaRPr>
+                    </a:p>
+                  </a:txBody>
+                  <a:tcPr anchor="ctr"/>
+                </a:tc>
+                <a:tc>
+                  <a:txBody>
+                    <a:bodyPr/>
+                    <a:lstStyle/>
+                    <a:p>
+                      <a:pPr algn="ctr"/>
+                      <a:r>
+                        <a:rPr lang="en-US" dirty="0" smtClean="0">
+                          <a:latin typeface="Cambria Math" panose="02040503050406030204" pitchFamily="18" charset="0"/>
+                          <a:ea typeface="Cambria Math" panose="02040503050406030204" pitchFamily="18" charset="0"/>
+                        </a:rPr>
+                        <a:t>6.6e-6</a:t>
+                      </a:r>
+                      <a:endParaRPr lang="en-US" dirty="0">
+                        <a:latin typeface="Cambria Math" panose="02040503050406030204" pitchFamily="18" charset="0"/>
+                        <a:ea typeface="Cambria Math" panose="02040503050406030204" pitchFamily="18" charset="0"/>
+                      </a:endParaRPr>
+                    </a:p>
+                  </a:txBody>
+                  <a:tcPr anchor="ctr"/>
+                </a:tc>
+                <a:tc>
+                  <a:txBody>
+                    <a:bodyPr/>
+                    <a:lstStyle/>
+                    <a:p>
+                      <a:pPr algn="ctr"/>
+                      <a:r>
+                        <a:rPr lang="en-US" dirty="0" smtClean="0">
+                          <a:latin typeface="Cambria Math" panose="02040503050406030204" pitchFamily="18" charset="0"/>
+                          <a:ea typeface="Cambria Math" panose="02040503050406030204" pitchFamily="18" charset="0"/>
+                        </a:rPr>
+                        <a:t>19</a:t>
+                      </a:r>
+                      <a:endParaRPr lang="en-US" dirty="0">
+                        <a:latin typeface="Cambria Math" panose="02040503050406030204" pitchFamily="18" charset="0"/>
+                        <a:ea typeface="Cambria Math" panose="02040503050406030204" pitchFamily="18" charset="0"/>
+                      </a:endParaRPr>
+                    </a:p>
+                  </a:txBody>
+                  <a:tcPr anchor="ctr"/>
+                </a:tc>
+                <a:tc>
+                  <a:txBody>
+                    <a:bodyPr/>
+                    <a:lstStyle/>
+                    <a:p>
+                      <a:pPr algn="ctr"/>
+                      <a:r>
+                        <a:rPr lang="en-US" dirty="0" smtClean="0">
+                          <a:latin typeface="Cambria Math" panose="02040503050406030204" pitchFamily="18" charset="0"/>
+                          <a:ea typeface="Cambria Math" panose="02040503050406030204" pitchFamily="18" charset="0"/>
+                        </a:rPr>
+                        <a:t>6.7e-10</a:t>
+                      </a:r>
+                      <a:endParaRPr lang="en-US" dirty="0">
+                        <a:latin typeface="Cambria Math" panose="02040503050406030204" pitchFamily="18" charset="0"/>
+                        <a:ea typeface="Cambria Math" panose="02040503050406030204" pitchFamily="18" charset="0"/>
+                      </a:endParaRPr>
+                    </a:p>
+                  </a:txBody>
+                  <a:tcPr anchor="ctr"/>
+                </a:tc>
+                <a:extLst>
+                  <a:ext uri="{0D108BD9-81ED-4DB2-BD59-A6C34878D82A}">
+                    <a16:rowId xmlns:a16="http://schemas.microsoft.com/office/drawing/2014/main" xmlns="" val="10002"/>
+                  </a:ext>
+                </a:extLst>
+              </a:tr>
+              <a:tr h="552450">
+                <a:tc>
+                  <a:txBody>
+                    <a:bodyPr/>
+                    <a:lstStyle/>
+                    <a:p>
+                      <a:pPr marL="0" marR="0" lvl="0" indent="0" algn="ctr" defTabSz="914400" rtl="0" eaLnBrk="1" fontAlgn="auto" latinLnBrk="0" hangingPunct="1">
+                        <a:lnSpc>
+                          <a:spcPct val="100000"/>
+                        </a:lnSpc>
+                        <a:spcBef>
+                          <a:spcPts val="0"/>
+                        </a:spcBef>
+                        <a:spcAft>
+                          <a:spcPts val="0"/>
+                        </a:spcAft>
+                        <a:buClrTx/>
+                        <a:buSzTx/>
+                        <a:buFontTx/>
+                        <a:buNone/>
+                        <a:tabLst/>
+                        <a:defRPr/>
+                      </a:pPr>
+                      <a:r>
+                        <a:rPr lang="en-US" dirty="0" smtClean="0">
+                          <a:latin typeface="Cambria Math" panose="02040503050406030204" pitchFamily="18" charset="0"/>
+                          <a:ea typeface="Cambria Math" panose="02040503050406030204" pitchFamily="18" charset="0"/>
+                        </a:rPr>
+                        <a:t>Structural</a:t>
+                      </a:r>
+                      <a:r>
+                        <a:rPr lang="en-US" baseline="0" dirty="0" smtClean="0">
+                          <a:latin typeface="Cambria Math" panose="02040503050406030204" pitchFamily="18" charset="0"/>
+                          <a:ea typeface="Cambria Math" panose="02040503050406030204" pitchFamily="18" charset="0"/>
+                        </a:rPr>
+                        <a:t> problem</a:t>
+                      </a:r>
+                      <a:endParaRPr lang="en-US" dirty="0" smtClean="0">
+                        <a:latin typeface="Cambria Math" panose="02040503050406030204" pitchFamily="18" charset="0"/>
+                        <a:ea typeface="Cambria Math" panose="02040503050406030204" pitchFamily="18" charset="0"/>
+                      </a:endParaRPr>
+                    </a:p>
+                  </a:txBody>
+                  <a:tcPr anchor="ctr"/>
+                </a:tc>
+                <a:tc>
+                  <a:txBody>
+                    <a:bodyPr/>
+                    <a:lstStyle/>
+                    <a:p>
+                      <a:pPr algn="ctr"/>
+                      <a:r>
+                        <a:rPr lang="en-US" dirty="0" smtClean="0">
+                          <a:latin typeface="Cambria Math" panose="02040503050406030204" pitchFamily="18" charset="0"/>
+                          <a:ea typeface="Cambria Math" panose="02040503050406030204" pitchFamily="18" charset="0"/>
+                        </a:rPr>
+                        <a:t>can_1072</a:t>
+                      </a:r>
+                      <a:endParaRPr lang="en-US" dirty="0">
+                        <a:latin typeface="Cambria Math" panose="02040503050406030204" pitchFamily="18" charset="0"/>
+                        <a:ea typeface="Cambria Math" panose="02040503050406030204" pitchFamily="18" charset="0"/>
+                      </a:endParaRPr>
+                    </a:p>
+                  </a:txBody>
+                  <a:tcPr anchor="ctr"/>
+                </a:tc>
+                <a:tc>
+                  <a:txBody>
+                    <a:bodyPr/>
+                    <a:lstStyle/>
+                    <a:p>
+                      <a:pPr algn="ctr"/>
+                      <a:r>
+                        <a:rPr lang="en-US" dirty="0" smtClean="0">
+                          <a:latin typeface="Cambria Math" panose="02040503050406030204" pitchFamily="18" charset="0"/>
+                          <a:ea typeface="Cambria Math" panose="02040503050406030204" pitchFamily="18" charset="0"/>
+                        </a:rPr>
+                        <a:t>1072</a:t>
+                      </a:r>
+                      <a:endParaRPr lang="en-US" dirty="0">
+                        <a:latin typeface="Cambria Math" panose="02040503050406030204" pitchFamily="18" charset="0"/>
+                        <a:ea typeface="Cambria Math" panose="02040503050406030204" pitchFamily="18" charset="0"/>
+                      </a:endParaRPr>
+                    </a:p>
+                  </a:txBody>
+                  <a:tcPr anchor="ctr"/>
+                </a:tc>
+                <a:tc>
+                  <a:txBody>
+                    <a:bodyPr/>
+                    <a:lstStyle/>
+                    <a:p>
+                      <a:pPr algn="ctr"/>
+                      <a:r>
+                        <a:rPr lang="en-US" dirty="0" smtClean="0">
+                          <a:latin typeface="Cambria Math" panose="02040503050406030204" pitchFamily="18" charset="0"/>
+                          <a:ea typeface="Cambria Math" panose="02040503050406030204" pitchFamily="18" charset="0"/>
+                        </a:rPr>
+                        <a:t>2.0e34</a:t>
+                      </a:r>
+                      <a:endParaRPr lang="en-US" dirty="0">
+                        <a:latin typeface="Cambria Math" panose="02040503050406030204" pitchFamily="18" charset="0"/>
+                        <a:ea typeface="Cambria Math" panose="02040503050406030204" pitchFamily="18" charset="0"/>
+                      </a:endParaRPr>
+                    </a:p>
+                  </a:txBody>
+                  <a:tcPr anchor="ctr"/>
+                </a:tc>
+                <a:tc>
+                  <a:txBody>
+                    <a:bodyPr/>
+                    <a:lstStyle/>
+                    <a:p>
+                      <a:pPr algn="ctr"/>
+                      <a:r>
+                        <a:rPr lang="en-US" dirty="0" smtClean="0">
+                          <a:latin typeface="Cambria Math" panose="02040503050406030204" pitchFamily="18" charset="0"/>
+                          <a:ea typeface="Cambria Math" panose="02040503050406030204" pitchFamily="18" charset="0"/>
+                        </a:rPr>
+                        <a:t>11</a:t>
+                      </a:r>
+                      <a:endParaRPr lang="en-US" dirty="0">
+                        <a:latin typeface="Cambria Math" panose="02040503050406030204" pitchFamily="18" charset="0"/>
+                        <a:ea typeface="Cambria Math" panose="02040503050406030204" pitchFamily="18" charset="0"/>
+                      </a:endParaRPr>
+                    </a:p>
+                  </a:txBody>
+                  <a:tcPr anchor="ctr"/>
+                </a:tc>
+                <a:tc>
+                  <a:txBody>
+                    <a:bodyPr/>
+                    <a:lstStyle/>
+                    <a:p>
+                      <a:pPr algn="ctr"/>
+                      <a:r>
+                        <a:rPr lang="en-US" dirty="0" smtClean="0">
+                          <a:latin typeface="Cambria Math" panose="02040503050406030204" pitchFamily="18" charset="0"/>
+                          <a:ea typeface="Cambria Math" panose="02040503050406030204" pitchFamily="18" charset="0"/>
+                        </a:rPr>
+                        <a:t>7.3e-6</a:t>
+                      </a:r>
+                      <a:endParaRPr lang="en-US" dirty="0">
+                        <a:latin typeface="Cambria Math" panose="02040503050406030204" pitchFamily="18" charset="0"/>
+                        <a:ea typeface="Cambria Math" panose="02040503050406030204" pitchFamily="18" charset="0"/>
+                      </a:endParaRPr>
+                    </a:p>
+                  </a:txBody>
+                  <a:tcPr anchor="ctr"/>
+                </a:tc>
+                <a:tc>
+                  <a:txBody>
+                    <a:bodyPr/>
+                    <a:lstStyle/>
+                    <a:p>
+                      <a:pPr algn="ctr"/>
+                      <a:r>
+                        <a:rPr lang="en-US" dirty="0" smtClean="0">
+                          <a:latin typeface="Cambria Math" panose="02040503050406030204" pitchFamily="18" charset="0"/>
+                          <a:ea typeface="Cambria Math" panose="02040503050406030204" pitchFamily="18" charset="0"/>
+                        </a:rPr>
+                        <a:t>23</a:t>
+                      </a:r>
+                      <a:endParaRPr lang="en-US" dirty="0">
+                        <a:latin typeface="Cambria Math" panose="02040503050406030204" pitchFamily="18" charset="0"/>
+                        <a:ea typeface="Cambria Math" panose="02040503050406030204" pitchFamily="18" charset="0"/>
+                      </a:endParaRPr>
+                    </a:p>
+                  </a:txBody>
+                  <a:tcPr anchor="ctr"/>
+                </a:tc>
+                <a:tc>
+                  <a:txBody>
+                    <a:bodyPr/>
+                    <a:lstStyle/>
+                    <a:p>
+                      <a:pPr algn="ctr"/>
+                      <a:r>
+                        <a:rPr lang="en-US" dirty="0" smtClean="0">
+                          <a:latin typeface="Cambria Math" panose="02040503050406030204" pitchFamily="18" charset="0"/>
+                          <a:ea typeface="Cambria Math" panose="02040503050406030204" pitchFamily="18" charset="0"/>
+                        </a:rPr>
+                        <a:t>1.7e-14</a:t>
+                      </a:r>
+                      <a:endParaRPr lang="en-US" dirty="0">
+                        <a:latin typeface="Cambria Math" panose="02040503050406030204" pitchFamily="18" charset="0"/>
+                        <a:ea typeface="Cambria Math" panose="02040503050406030204" pitchFamily="18" charset="0"/>
+                      </a:endParaRPr>
+                    </a:p>
+                  </a:txBody>
+                  <a:tcPr anchor="ctr"/>
+                </a:tc>
+                <a:extLst>
+                  <a:ext uri="{0D108BD9-81ED-4DB2-BD59-A6C34878D82A}">
+                    <a16:rowId xmlns:a16="http://schemas.microsoft.com/office/drawing/2014/main" xmlns="" val="10003"/>
+                  </a:ext>
+                </a:extLst>
+              </a:tr>
+              <a:tr h="552450">
+                <a:tc>
+                  <a:txBody>
+                    <a:bodyPr/>
+                    <a:lstStyle/>
+                    <a:p>
+                      <a:pPr marL="0" marR="0" lvl="0" indent="0" algn="ctr" defTabSz="914400" rtl="0" eaLnBrk="1" fontAlgn="auto" latinLnBrk="0" hangingPunct="1">
+                        <a:lnSpc>
+                          <a:spcPct val="100000"/>
+                        </a:lnSpc>
+                        <a:spcBef>
+                          <a:spcPts val="0"/>
+                        </a:spcBef>
+                        <a:spcAft>
+                          <a:spcPts val="0"/>
+                        </a:spcAft>
+                        <a:buClrTx/>
+                        <a:buSzTx/>
+                        <a:buFontTx/>
+                        <a:buNone/>
+                        <a:tabLst/>
+                        <a:defRPr/>
+                      </a:pPr>
+                      <a:r>
+                        <a:rPr lang="en-US" sz="1800" dirty="0" smtClean="0">
+                          <a:latin typeface="Cambria Math" panose="02040503050406030204" pitchFamily="18" charset="0"/>
+                          <a:ea typeface="Cambria Math" panose="02040503050406030204" pitchFamily="18" charset="0"/>
+                        </a:rPr>
+                        <a:t>Directed graph</a:t>
+                      </a:r>
+                      <a:endParaRPr lang="en-US" sz="1800" dirty="0" smtClean="0">
+                        <a:latin typeface="Cambria Math" panose="02040503050406030204" pitchFamily="18" charset="0"/>
+                        <a:ea typeface="Cambria Math" panose="02040503050406030204" pitchFamily="18" charset="0"/>
+                      </a:endParaRPr>
+                    </a:p>
+                  </a:txBody>
+                  <a:tcPr anchor="ctr"/>
+                </a:tc>
+                <a:tc>
+                  <a:txBody>
+                    <a:bodyPr/>
+                    <a:lstStyle/>
+                    <a:p>
+                      <a:pPr algn="ctr"/>
+                      <a:r>
+                        <a:rPr lang="en-US" dirty="0" err="1" smtClean="0">
+                          <a:latin typeface="Cambria Math" panose="02040503050406030204" pitchFamily="18" charset="0"/>
+                          <a:ea typeface="Cambria Math" panose="02040503050406030204" pitchFamily="18" charset="0"/>
+                        </a:rPr>
+                        <a:t>SmaGri</a:t>
+                      </a:r>
+                      <a:endParaRPr lang="en-US" dirty="0">
+                        <a:latin typeface="Cambria Math" panose="02040503050406030204" pitchFamily="18" charset="0"/>
+                        <a:ea typeface="Cambria Math" panose="02040503050406030204" pitchFamily="18" charset="0"/>
+                      </a:endParaRPr>
+                    </a:p>
+                  </a:txBody>
+                  <a:tcPr anchor="ctr"/>
+                </a:tc>
+                <a:tc>
+                  <a:txBody>
+                    <a:bodyPr/>
+                    <a:lstStyle/>
+                    <a:p>
+                      <a:pPr algn="ctr"/>
+                      <a:r>
+                        <a:rPr lang="en-US" dirty="0" smtClean="0">
+                          <a:latin typeface="Cambria Math" panose="02040503050406030204" pitchFamily="18" charset="0"/>
+                          <a:ea typeface="Cambria Math" panose="02040503050406030204" pitchFamily="18" charset="0"/>
+                        </a:rPr>
+                        <a:t>1059</a:t>
+                      </a:r>
+                      <a:endParaRPr lang="en-US" dirty="0">
+                        <a:latin typeface="Cambria Math" panose="02040503050406030204" pitchFamily="18" charset="0"/>
+                        <a:ea typeface="Cambria Math" panose="02040503050406030204" pitchFamily="18" charset="0"/>
+                      </a:endParaRPr>
+                    </a:p>
+                  </a:txBody>
+                  <a:tcPr anchor="ctr"/>
+                </a:tc>
+                <a:tc>
+                  <a:txBody>
+                    <a:bodyPr/>
+                    <a:lstStyle/>
+                    <a:p>
+                      <a:pPr algn="ctr"/>
+                      <a:r>
+                        <a:rPr lang="en-US" dirty="0" err="1" smtClean="0">
+                          <a:latin typeface="Cambria Math" panose="02040503050406030204" pitchFamily="18" charset="0"/>
+                          <a:ea typeface="Cambria Math" panose="02040503050406030204" pitchFamily="18" charset="0"/>
+                        </a:rPr>
+                        <a:t>Inf</a:t>
+                      </a:r>
+                      <a:endParaRPr lang="en-US" dirty="0">
+                        <a:latin typeface="Cambria Math" panose="02040503050406030204" pitchFamily="18" charset="0"/>
+                        <a:ea typeface="Cambria Math" panose="02040503050406030204" pitchFamily="18" charset="0"/>
+                      </a:endParaRPr>
+                    </a:p>
+                  </a:txBody>
+                  <a:tcPr anchor="ctr"/>
+                </a:tc>
+                <a:tc>
+                  <a:txBody>
+                    <a:bodyPr/>
+                    <a:lstStyle/>
+                    <a:p>
+                      <a:pPr algn="ctr"/>
+                      <a:r>
+                        <a:rPr lang="en-US" dirty="0" smtClean="0">
+                          <a:latin typeface="Cambria Math" panose="02040503050406030204" pitchFamily="18" charset="0"/>
+                          <a:ea typeface="Cambria Math" panose="02040503050406030204" pitchFamily="18" charset="0"/>
+                        </a:rPr>
+                        <a:t>9</a:t>
+                      </a:r>
+                      <a:endParaRPr lang="en-US" dirty="0">
+                        <a:latin typeface="Cambria Math" panose="02040503050406030204" pitchFamily="18" charset="0"/>
+                        <a:ea typeface="Cambria Math" panose="02040503050406030204" pitchFamily="18" charset="0"/>
+                      </a:endParaRPr>
+                    </a:p>
+                  </a:txBody>
+                  <a:tcPr anchor="ctr"/>
+                </a:tc>
+                <a:tc>
+                  <a:txBody>
+                    <a:bodyPr/>
+                    <a:lstStyle/>
+                    <a:p>
+                      <a:pPr algn="ctr"/>
+                      <a:r>
+                        <a:rPr lang="en-US" dirty="0" smtClean="0">
+                          <a:latin typeface="Cambria Math" panose="02040503050406030204" pitchFamily="18" charset="0"/>
+                          <a:ea typeface="Cambria Math" panose="02040503050406030204" pitchFamily="18" charset="0"/>
+                        </a:rPr>
+                        <a:t>2.6e-7</a:t>
+                      </a:r>
+                      <a:endParaRPr lang="en-US" dirty="0">
+                        <a:latin typeface="Cambria Math" panose="02040503050406030204" pitchFamily="18" charset="0"/>
+                        <a:ea typeface="Cambria Math" panose="02040503050406030204" pitchFamily="18" charset="0"/>
+                      </a:endParaRPr>
+                    </a:p>
+                  </a:txBody>
+                  <a:tcPr anchor="ctr"/>
+                </a:tc>
+                <a:tc>
+                  <a:txBody>
+                    <a:bodyPr/>
+                    <a:lstStyle/>
+                    <a:p>
+                      <a:pPr algn="ctr"/>
+                      <a:r>
+                        <a:rPr lang="en-US" dirty="0" smtClean="0">
+                          <a:latin typeface="Cambria Math" panose="02040503050406030204" pitchFamily="18" charset="0"/>
+                          <a:ea typeface="Cambria Math" panose="02040503050406030204" pitchFamily="18" charset="0"/>
+                        </a:rPr>
+                        <a:t>21</a:t>
+                      </a:r>
+                      <a:endParaRPr lang="en-US" dirty="0">
+                        <a:latin typeface="Cambria Math" panose="02040503050406030204" pitchFamily="18" charset="0"/>
+                        <a:ea typeface="Cambria Math" panose="02040503050406030204" pitchFamily="18" charset="0"/>
+                      </a:endParaRPr>
+                    </a:p>
+                  </a:txBody>
+                  <a:tcPr anchor="ctr"/>
+                </a:tc>
+                <a:tc>
+                  <a:txBody>
+                    <a:bodyPr/>
+                    <a:lstStyle/>
+                    <a:p>
+                      <a:pPr algn="ctr"/>
+                      <a:r>
+                        <a:rPr lang="en-US" dirty="0" smtClean="0">
+                          <a:latin typeface="Cambria Math" panose="02040503050406030204" pitchFamily="18" charset="0"/>
+                          <a:ea typeface="Cambria Math" panose="02040503050406030204" pitchFamily="18" charset="0"/>
+                        </a:rPr>
+                        <a:t>7.3e-13</a:t>
+                      </a:r>
+                      <a:endParaRPr lang="en-US" dirty="0">
+                        <a:latin typeface="Cambria Math" panose="02040503050406030204" pitchFamily="18" charset="0"/>
+                        <a:ea typeface="Cambria Math" panose="02040503050406030204" pitchFamily="18" charset="0"/>
+                      </a:endParaRPr>
+                    </a:p>
+                  </a:txBody>
+                  <a:tcPr anchor="ctr"/>
+                </a:tc>
+              </a:tr>
+            </a:tbl>
+          </a:graphicData>
+        </a:graphic>
+      </p:graphicFrame>
+      <mc:AlternateContent xmlns:mc="http://schemas.openxmlformats.org/markup-compatibility/2006">
+        <mc:Choice xmlns:a14="http://schemas.microsoft.com/office/drawing/2010/main" Requires="a14">
+          <p:sp>
+            <p:nvSpPr>
+              <p:cNvPr id="6" name="Content Placeholder 13"/>
+              <p:cNvSpPr txBox="1">
+                <a:spLocks/>
+              </p:cNvSpPr>
+              <p:nvPr/>
+            </p:nvSpPr>
+            <p:spPr>
+              <a:xfrm>
+                <a:off x="1629915" y="6021288"/>
+                <a:ext cx="9782801" cy="4572000"/>
+              </a:xfrm>
+              <a:prstGeom prst="rect">
+                <a:avLst/>
+              </a:prstGeom>
+            </p:spPr>
+            <p:txBody>
+              <a:bodyPr vert="horz" lIns="91440" tIns="45720" rIns="91440" bIns="45720" rtlCol="0">
+                <a:normAutofit/>
+              </a:bodyPr>
+              <a:lstStyle>
+                <a:lvl1pPr marL="246888" indent="-246888" algn="l" defTabSz="914400" rtl="0" eaLnBrk="1" latinLnBrk="0" hangingPunct="1">
+                  <a:lnSpc>
+                    <a:spcPct val="90000"/>
+                  </a:lnSpc>
+                  <a:spcBef>
+                    <a:spcPts val="1400"/>
+                  </a:spcBef>
+                  <a:buFont typeface="Euphemia" pitchFamily="34" charset="0"/>
+                  <a:buChar char="›"/>
+                  <a:defRPr sz="2800" kern="1200">
+                    <a:solidFill>
+                      <a:schemeClr val="tx1"/>
+                    </a:solidFill>
+                    <a:latin typeface="+mn-lt"/>
+                    <a:ea typeface="+mn-ea"/>
+                    <a:cs typeface="+mn-cs"/>
+                  </a:defRPr>
+                </a:lvl1pPr>
+                <a:lvl2pPr marL="612648" indent="-246888" algn="l" defTabSz="914400" rtl="0" eaLnBrk="1" latinLnBrk="0" hangingPunct="1">
+                  <a:lnSpc>
+                    <a:spcPct val="90000"/>
+                  </a:lnSpc>
+                  <a:spcBef>
+                    <a:spcPts val="600"/>
+                  </a:spcBef>
+                  <a:buFont typeface="Euphemia" pitchFamily="34" charset="0"/>
+                  <a:buChar char="–"/>
+                  <a:defRPr sz="2400" kern="1200">
+                    <a:solidFill>
+                      <a:schemeClr val="tx1"/>
+                    </a:solidFill>
+                    <a:latin typeface="+mn-lt"/>
+                    <a:ea typeface="+mn-ea"/>
+                    <a:cs typeface="+mn-cs"/>
+                  </a:defRPr>
+                </a:lvl2pPr>
+                <a:lvl3pPr marL="978408" indent="-246888" algn="l" defTabSz="914400" rtl="0" eaLnBrk="1" latinLnBrk="0" hangingPunct="1">
+                  <a:lnSpc>
+                    <a:spcPct val="90000"/>
+                  </a:lnSpc>
+                  <a:spcBef>
+                    <a:spcPts val="600"/>
+                  </a:spcBef>
+                  <a:buFont typeface="Euphemia" pitchFamily="34" charset="0"/>
+                  <a:buChar char="›"/>
+                  <a:defRPr sz="2000" kern="1200">
+                    <a:solidFill>
+                      <a:schemeClr val="tx1"/>
+                    </a:solidFill>
+                    <a:latin typeface="+mn-lt"/>
+                    <a:ea typeface="+mn-ea"/>
+                    <a:cs typeface="+mn-cs"/>
+                  </a:defRPr>
+                </a:lvl3pPr>
+                <a:lvl4pPr marL="1344168" indent="-246888" algn="l" defTabSz="914400" rtl="0" eaLnBrk="1" latinLnBrk="0" hangingPunct="1">
+                  <a:lnSpc>
+                    <a:spcPct val="90000"/>
+                  </a:lnSpc>
+                  <a:spcBef>
+                    <a:spcPts val="600"/>
+                  </a:spcBef>
+                  <a:buFont typeface="Arial" pitchFamily="34" charset="0"/>
+                  <a:buChar char="–"/>
+                  <a:defRPr sz="1800" kern="1200">
+                    <a:solidFill>
+                      <a:schemeClr val="tx1"/>
+                    </a:solidFill>
+                    <a:latin typeface="+mn-lt"/>
+                    <a:ea typeface="+mn-ea"/>
+                    <a:cs typeface="+mn-cs"/>
+                  </a:defRPr>
+                </a:lvl4pPr>
+                <a:lvl5pPr marL="1709928" indent="-246888" algn="l" defTabSz="914400" rtl="0" eaLnBrk="1" latinLnBrk="0" hangingPunct="1">
+                  <a:lnSpc>
+                    <a:spcPct val="90000"/>
+                  </a:lnSpc>
+                  <a:spcBef>
+                    <a:spcPts val="600"/>
+                  </a:spcBef>
+                  <a:buFont typeface="Euphemia" pitchFamily="34" charset="0"/>
+                  <a:buChar char="›"/>
+                  <a:defRPr sz="1800" kern="1200">
+                    <a:solidFill>
+                      <a:schemeClr val="tx1"/>
+                    </a:solidFill>
+                    <a:latin typeface="+mn-lt"/>
+                    <a:ea typeface="+mn-ea"/>
+                    <a:cs typeface="+mn-cs"/>
+                  </a:defRPr>
+                </a:lvl5pPr>
+                <a:lvl6pPr marL="2075688" indent="-246888" algn="l" defTabSz="914400" rtl="0" eaLnBrk="1" latinLnBrk="0" hangingPunct="1">
+                  <a:lnSpc>
+                    <a:spcPct val="90000"/>
+                  </a:lnSpc>
+                  <a:spcBef>
+                    <a:spcPts val="600"/>
+                  </a:spcBef>
+                  <a:buFont typeface="Euphemia" pitchFamily="34" charset="0"/>
+                  <a:buChar char="–"/>
+                  <a:defRPr sz="1800" kern="1200">
+                    <a:solidFill>
+                      <a:schemeClr val="tx1"/>
+                    </a:solidFill>
+                    <a:latin typeface="+mn-lt"/>
+                    <a:ea typeface="+mn-ea"/>
+                    <a:cs typeface="+mn-cs"/>
+                  </a:defRPr>
+                </a:lvl6pPr>
+                <a:lvl7pPr marL="2441448" indent="-246888" algn="l" defTabSz="914400" rtl="0" eaLnBrk="1" latinLnBrk="0" hangingPunct="1">
+                  <a:lnSpc>
+                    <a:spcPct val="90000"/>
+                  </a:lnSpc>
+                  <a:spcBef>
+                    <a:spcPts val="600"/>
+                  </a:spcBef>
+                  <a:buFont typeface="Euphemia" pitchFamily="34" charset="0"/>
+                  <a:buChar char="›"/>
+                  <a:defRPr sz="1800" kern="1200">
+                    <a:solidFill>
+                      <a:schemeClr val="tx1"/>
+                    </a:solidFill>
+                    <a:latin typeface="+mn-lt"/>
+                    <a:ea typeface="+mn-ea"/>
+                    <a:cs typeface="+mn-cs"/>
+                  </a:defRPr>
+                </a:lvl7pPr>
+                <a:lvl8pPr marL="2807208" indent="-246888" algn="l" defTabSz="914400" rtl="0" eaLnBrk="1" latinLnBrk="0" hangingPunct="1">
+                  <a:lnSpc>
+                    <a:spcPct val="90000"/>
+                  </a:lnSpc>
+                  <a:spcBef>
+                    <a:spcPts val="600"/>
+                  </a:spcBef>
+                  <a:buFont typeface="Euphemia" pitchFamily="34" charset="0"/>
+                  <a:buChar char="–"/>
+                  <a:defRPr sz="1800" kern="1200" baseline="0">
+                    <a:solidFill>
+                      <a:schemeClr val="tx1"/>
+                    </a:solidFill>
+                    <a:latin typeface="+mn-lt"/>
+                    <a:ea typeface="+mn-ea"/>
+                    <a:cs typeface="+mn-cs"/>
+                  </a:defRPr>
+                </a:lvl8pPr>
+                <a:lvl9pPr marL="3172968" indent="-246888" algn="l" defTabSz="914400" rtl="0" eaLnBrk="1" latinLnBrk="0" hangingPunct="1">
+                  <a:lnSpc>
+                    <a:spcPct val="90000"/>
+                  </a:lnSpc>
+                  <a:spcBef>
+                    <a:spcPts val="600"/>
+                  </a:spcBef>
+                  <a:buFont typeface="Euphemia" pitchFamily="34" charset="0"/>
+                  <a:buChar char="›"/>
+                  <a:defRPr sz="1800" kern="1200" baseline="0">
+                    <a:solidFill>
+                      <a:schemeClr val="tx1"/>
+                    </a:solidFill>
+                    <a:latin typeface="+mn-lt"/>
+                    <a:ea typeface="+mn-ea"/>
+                    <a:cs typeface="+mn-cs"/>
+                  </a:defRPr>
+                </a:lvl9pPr>
+              </a:lstStyle>
+              <a:p>
+                <a:pPr marL="0" indent="0">
+                  <a:lnSpc>
+                    <a:spcPct val="120000"/>
+                  </a:lnSpc>
+                  <a:buFont typeface="Euphemia" pitchFamily="34" charset="0"/>
+                  <a:buNone/>
+                </a:pPr>
+                <a:r>
+                  <a:rPr lang="en-US" sz="2200" dirty="0" smtClean="0"/>
+                  <a:t>I haven’t implemented the estimator of </a:t>
+                </a:r>
+                <a14:m>
+                  <m:oMath xmlns:m="http://schemas.openxmlformats.org/officeDocument/2006/math">
+                    <m:r>
+                      <a:rPr lang="en-US" sz="2200" i="1" dirty="0" smtClean="0">
+                        <a:latin typeface="Cambria Math" panose="02040503050406030204" pitchFamily="18" charset="0"/>
+                      </a:rPr>
+                      <m:t>𝑐𝑜𝑛𝑑</m:t>
+                    </m:r>
+                    <m:r>
+                      <a:rPr lang="en-US" sz="2200" i="1" dirty="0" smtClean="0">
+                        <a:latin typeface="Cambria Math" panose="02040503050406030204" pitchFamily="18" charset="0"/>
+                      </a:rPr>
+                      <m:t>(</m:t>
+                    </m:r>
+                    <m:r>
+                      <a:rPr lang="en-US" sz="2200" i="1" dirty="0" smtClean="0">
+                        <a:latin typeface="Cambria Math" panose="02040503050406030204" pitchFamily="18" charset="0"/>
+                      </a:rPr>
+                      <m:t>𝑓</m:t>
+                    </m:r>
+                    <m:r>
+                      <a:rPr lang="en-US" sz="2200" i="1" dirty="0" smtClean="0">
+                        <a:latin typeface="Cambria Math" panose="02040503050406030204" pitchFamily="18" charset="0"/>
+                      </a:rPr>
+                      <m:t>(</m:t>
+                    </m:r>
+                    <m:r>
+                      <a:rPr lang="en-US" sz="2200" i="1" dirty="0" smtClean="0">
+                        <a:latin typeface="Cambria Math" panose="02040503050406030204" pitchFamily="18" charset="0"/>
+                      </a:rPr>
+                      <m:t>𝐴</m:t>
+                    </m:r>
+                    <m:r>
+                      <a:rPr lang="en-US" sz="2200" i="1" dirty="0" smtClean="0">
+                        <a:latin typeface="Cambria Math" panose="02040503050406030204" pitchFamily="18" charset="0"/>
+                      </a:rPr>
+                      <m:t>))</m:t>
+                    </m:r>
+                  </m:oMath>
+                </a14:m>
+                <a:r>
+                  <a:rPr lang="en-US" sz="2200" dirty="0" smtClean="0"/>
+                  <a:t> yet </a:t>
+                </a:r>
+                <a:r>
+                  <a:rPr lang="en-US" sz="2200" dirty="0" smtClean="0">
+                    <a:sym typeface="Wingdings" panose="05000000000000000000" pitchFamily="2" charset="2"/>
+                  </a:rPr>
+                  <a:t></a:t>
+                </a:r>
+                <a:endParaRPr lang="en-US" sz="2200" dirty="0"/>
+              </a:p>
+            </p:txBody>
+          </p:sp>
+        </mc:Choice>
+        <mc:Fallback>
+          <p:sp>
+            <p:nvSpPr>
+              <p:cNvPr id="6" name="Content Placeholder 13"/>
+              <p:cNvSpPr txBox="1">
+                <a:spLocks noRot="1" noChangeAspect="1" noMove="1" noResize="1" noEditPoints="1" noAdjustHandles="1" noChangeArrowheads="1" noChangeShapeType="1" noTextEdit="1"/>
+              </p:cNvSpPr>
+              <p:nvPr/>
+            </p:nvSpPr>
+            <p:spPr>
+              <a:xfrm>
+                <a:off x="1629915" y="6021288"/>
+                <a:ext cx="9782801" cy="4572000"/>
+              </a:xfrm>
+              <a:prstGeom prst="rect">
+                <a:avLst/>
+              </a:prstGeom>
+              <a:blipFill rotWithShape="0">
+                <a:blip r:embed="rId3"/>
+                <a:stretch>
+                  <a:fillRect l="-810" t="-400"/>
+                </a:stretch>
+              </a:blipFill>
+            </p:spPr>
+            <p:txBody>
+              <a:bodyPr/>
+              <a:lstStyle/>
+              <a:p>
+                <a:r>
+                  <a:rPr lang="it-IT">
+                    <a:noFill/>
+                  </a:rPr>
+                  <a:t> </a:t>
+                </a:r>
+              </a:p>
+            </p:txBody>
+          </p:sp>
+        </mc:Fallback>
+      </mc:AlternateContent>
+    </p:spTree>
+    <p:extLst>
+      <p:ext uri="{BB962C8B-B14F-4D97-AF65-F5344CB8AC3E}">
+        <p14:creationId xmlns:p14="http://schemas.microsoft.com/office/powerpoint/2010/main" val="2105569289"/>
+      </p:ext>
+    </p:extLst>
+  </p:cSld>
+  <p:clrMapOvr>
+    <a:masterClrMapping/>
+  </p:clrMapOvr>
+  <mc:AlternateContent xmlns:mc="http://schemas.openxmlformats.org/markup-compatibility/2006" xmlns:p14="http://schemas.microsoft.com/office/powerpoint/2010/main">
+    <mc:Choice Requires="p14">
+      <p:transition spd="med" p14:dur="700">
+        <p:fade/>
+      </p:transition>
+    </mc:Choice>
+    <mc:Fallback xmlns="">
+      <p:transition spd="med">
+        <p:fade/>
+      </p:transition>
+    </mc:Fallback>
+  </mc:AlternateContent>
+  <p:timing>
+    <p:tnLst>
+      <p:par>
+        <p:cTn id="1" dur="indefinite" restart="never" nodeType="tmRoot"/>
+      </p:par>
+    </p:tnLst>
+  </p:timing>
+</p:sld>
+</file>
+
+<file path=ppt/slides/slide16.xml><?xml version="1.0" encoding="utf-8"?>
+<p:sld xmlns:a="http://schemas.openxmlformats.org/drawingml/2006/main" xmlns:r="http://schemas.openxmlformats.org/officeDocument/2006/relationships" xmlns:p="http://schemas.openxmlformats.org/presentationml/2006/main">
+  <p:cSld>
+    <p:bg>
+      <p:bgPr>
+        <a:solidFill>
+          <a:schemeClr val="accent3">
+            <a:lumMod val="40000"/>
+            <a:lumOff val="60000"/>
+          </a:schemeClr>
+        </a:solidFill>
+        <a:effectLst/>
+      </p:bgPr>
+    </p:bg>
+    <p:spTree>
+      <p:nvGrpSpPr>
+        <p:cNvPr id="1" name=""/>
+        <p:cNvGrpSpPr/>
+        <p:nvPr/>
+      </p:nvGrpSpPr>
+      <p:grpSpPr>
+        <a:xfrm>
+          <a:off x="0" y="0"/>
+          <a:ext cx="0" cy="0"/>
+          <a:chOff x="0" y="0"/>
+          <a:chExt cx="0" cy="0"/>
+        </a:xfrm>
+      </p:grpSpPr>
+      <p:sp>
+        <p:nvSpPr>
+          <p:cNvPr id="5" name="Text Placeholder 4"/>
           <p:cNvSpPr>
             <a:spLocks noGrp="1"/>
           </p:cNvSpPr>
@@ -12170,76 +13934,59 @@
             <p:ph type="body" idx="1"/>
           </p:nvPr>
         </p:nvSpPr>
-        <p:spPr/>
+        <p:spPr>
+          <a:xfrm>
+            <a:off x="1598613" y="1772816"/>
+            <a:ext cx="8744271" cy="4176464"/>
+          </a:xfrm>
+        </p:spPr>
         <p:txBody>
-          <a:bodyPr/>
+          <a:bodyPr>
+            <a:normAutofit/>
+          </a:bodyPr>
           <a:lstStyle/>
           <a:p>
-            <a:endParaRPr lang="en-US"/>
+            <a:r>
+              <a:rPr lang="en-US" dirty="0" smtClean="0"/>
+              <a:t>Try it out at:</a:t>
+            </a:r>
           </a:p>
-        </p:txBody>
-      </p:sp>
-      <p:sp>
-        <p:nvSpPr>
-          <p:cNvPr id="5" name="Content Placeholder 4"/>
-          <p:cNvSpPr>
-            <a:spLocks noGrp="1"/>
-          </p:cNvSpPr>
-          <p:nvPr>
-            <p:ph sz="half" idx="2"/>
-          </p:nvPr>
-        </p:nvSpPr>
-        <p:spPr/>
-        <p:txBody>
-          <a:bodyPr/>
-          <a:lstStyle/>
           <a:p>
-            <a:endParaRPr lang="en-US"/>
+            <a:r>
+              <a:rPr lang="en-US" dirty="0"/>
+              <a:t>https://</a:t>
+            </a:r>
+            <a:r>
+              <a:rPr lang="en-US" dirty="0" smtClean="0"/>
+              <a:t>github.com/robzan8/MatFun.jl</a:t>
+            </a:r>
           </a:p>
-        </p:txBody>
-      </p:sp>
-      <p:sp>
-        <p:nvSpPr>
-          <p:cNvPr id="6" name="Text Placeholder 5"/>
-          <p:cNvSpPr>
-            <a:spLocks noGrp="1"/>
-          </p:cNvSpPr>
-          <p:nvPr>
-            <p:ph type="body" sz="quarter" idx="3"/>
-          </p:nvPr>
-        </p:nvSpPr>
-        <p:spPr/>
-        <p:txBody>
-          <a:bodyPr/>
-          <a:lstStyle/>
           <a:p>
-            <a:endParaRPr lang="en-US"/>
+            <a:endParaRPr lang="en-US" dirty="0" smtClean="0"/>
           </a:p>
-        </p:txBody>
-      </p:sp>
-      <p:sp>
-        <p:nvSpPr>
-          <p:cNvPr id="11" name="Content Placeholder 10"/>
-          <p:cNvSpPr>
-            <a:spLocks noGrp="1"/>
-          </p:cNvSpPr>
-          <p:nvPr>
-            <p:ph sz="quarter" idx="4"/>
-          </p:nvPr>
-        </p:nvSpPr>
-        <p:spPr/>
-        <p:txBody>
-          <a:bodyPr/>
-          <a:lstStyle/>
           <a:p>
-            <a:endParaRPr lang="en-US"/>
+            <a:endParaRPr lang="en-US" dirty="0" smtClean="0"/>
+          </a:p>
+          <a:p>
+            <a:endParaRPr lang="en-US" dirty="0"/>
+          </a:p>
+          <a:p>
+            <a:pPr algn="ctr"/>
+            <a:r>
+              <a:rPr lang="en-US" dirty="0" smtClean="0"/>
+              <a:t>Questions?</a:t>
+            </a:r>
+            <a:endParaRPr lang="en-US" dirty="0"/>
+          </a:p>
+          <a:p>
+            <a:endParaRPr lang="en-US" dirty="0"/>
           </a:p>
         </p:txBody>
       </p:sp>
     </p:spTree>
     <p:extLst>
       <p:ext uri="{BB962C8B-B14F-4D97-AF65-F5344CB8AC3E}">
-        <p14:creationId xmlns:p14="http://schemas.microsoft.com/office/powerpoint/2010/main" val="1061194279"/>
+        <p14:creationId xmlns:p14="http://schemas.microsoft.com/office/powerpoint/2010/main" val="352090314"/>
       </p:ext>
     </p:extLst>
   </p:cSld>
@@ -12960,7 +14707,7 @@
                 </a:pPr>
                 <a:r>
                   <a:rPr lang="en-US" dirty="0" smtClean="0"/>
-                  <a:t>Some specialized methods (</a:t>
+                  <a:t>Some specialized methods exist (</a:t>
                 </a:r>
                 <a14:m>
                   <m:oMath xmlns:m="http://schemas.openxmlformats.org/officeDocument/2006/math">
@@ -12998,7 +14745,16 @@
                 </a14:m>
                 <a:r>
                   <a:rPr lang="en-US" dirty="0" smtClean="0"/>
-                  <a:t>), we are looking for generic ones.</a:t>
+                  <a:t>),</a:t>
+                </a:r>
+              </a:p>
+              <a:p>
+                <a:pPr marL="0" indent="0">
+                  <a:buNone/>
+                </a:pPr>
+                <a:r>
+                  <a:rPr lang="en-US" dirty="0" smtClean="0"/>
+                  <a:t>we are looking for generic ones.</a:t>
                 </a:r>
                 <a:endParaRPr lang="en-US" dirty="0"/>
               </a:p>
@@ -13897,7 +15653,7 @@
       </mc:AlternateContent>
       <p:pic>
         <p:nvPicPr>
-          <p:cNvPr id="3" name="Picture 2"/>
+          <p:cNvPr id="2" name="Picture 1"/>
           <p:cNvPicPr>
             <a:picLocks noChangeAspect="1"/>
           </p:cNvPicPr>
@@ -13917,8 +15673,8 @@
         </p:blipFill>
         <p:spPr>
           <a:xfrm>
-            <a:off x="7425444" y="1951720"/>
-            <a:ext cx="3925552" cy="3925552"/>
+            <a:off x="7462564" y="1916832"/>
+            <a:ext cx="3960440" cy="3960440"/>
           </a:xfrm>
           <a:prstGeom prst="rect">
             <a:avLst/>
@@ -14706,11 +16462,7 @@
                       <a:pPr algn="ctr"/>
                       <a:r>
                         <a:rPr lang="en-US" dirty="0" smtClean="0"/>
-                        <a:t>Specialized </a:t>
-                      </a:r>
-                      <a:r>
-                        <a:rPr lang="en-US" dirty="0" smtClean="0"/>
-                        <a:t>method</a:t>
+                        <a:t>Specialized method</a:t>
                       </a:r>
                       <a:endParaRPr lang="en-US" dirty="0"/>
                     </a:p>
@@ -14994,11 +16746,7 @@
             </a:pPr>
             <a:r>
               <a:rPr lang="en-US" sz="2200" dirty="0" smtClean="0"/>
-              <a:t>Relative error</a:t>
-            </a:r>
-            <a:r>
-              <a:rPr lang="en-US" sz="2200" dirty="0" smtClean="0"/>
-              <a:t> versus </a:t>
+              <a:t>Relative error versus </a:t>
             </a:r>
             <a:r>
               <a:rPr lang="en-US" sz="2200" dirty="0" err="1" smtClean="0"/>
@@ -15006,13 +16754,8 @@
             </a:r>
             <a:r>
               <a:rPr lang="en-US" sz="2200" dirty="0" smtClean="0"/>
-              <a:t> Symbolic Toolbox</a:t>
+              <a:t> Symbolic Toolbox (on 50x50 random matrix):</a:t>
             </a:r>
-            <a:r>
-              <a:rPr lang="en-US" sz="2200" dirty="0" smtClean="0"/>
-              <a:t> (on 50x50 random matrix):</a:t>
-            </a:r>
-            <a:endParaRPr lang="en-US" sz="2200" dirty="0" smtClean="0"/>
           </a:p>
         </p:txBody>
       </p:sp>
@@ -15244,8 +16987,8 @@
           </a:p>
         </p:txBody>
       </p:sp>
-      <mc:AlternateContent xmlns:mc="http://schemas.openxmlformats.org/markup-compatibility/2006">
-        <mc:Choice xmlns:a14="http://schemas.microsoft.com/office/drawing/2010/main" Requires="a14">
+      <mc:AlternateContent xmlns:mc="http://schemas.openxmlformats.org/markup-compatibility/2006" xmlns:a14="http://schemas.microsoft.com/office/drawing/2010/main">
+        <mc:Choice Requires="a14">
           <p:sp>
             <p:nvSpPr>
               <p:cNvPr id="12" name="TextBox 11"/>
@@ -15289,7 +17032,7 @@
             </p:txBody>
           </p:sp>
         </mc:Choice>
-        <mc:Fallback>
+        <mc:Fallback xmlns="">
           <p:sp>
             <p:nvSpPr>
               <p:cNvPr id="12" name="TextBox 11"/>
@@ -15665,66 +17408,6 @@
           </a:p>
         </p:txBody>
       </p:sp>
-      <p:pic>
-        <p:nvPicPr>
-          <p:cNvPr id="2" name="Picture 1"/>
-          <p:cNvPicPr>
-            <a:picLocks noChangeAspect="1"/>
-          </p:cNvPicPr>
-          <p:nvPr/>
-        </p:nvPicPr>
-        <p:blipFill>
-          <a:blip r:embed="rId2">
-            <a:extLst>
-              <a:ext uri="{28A0092B-C50C-407E-A947-70E740481C1C}">
-                <a14:useLocalDpi xmlns:a14="http://schemas.microsoft.com/office/drawing/2010/main" val="0"/>
-              </a:ext>
-            </a:extLst>
-          </a:blip>
-          <a:stretch>
-            <a:fillRect/>
-          </a:stretch>
-        </p:blipFill>
-        <p:spPr>
-          <a:xfrm>
-            <a:off x="2178714" y="1976228"/>
-            <a:ext cx="2899298" cy="2899298"/>
-          </a:xfrm>
-          <a:prstGeom prst="rect">
-            <a:avLst/>
-          </a:prstGeom>
-        </p:spPr>
-      </p:pic>
-      <p:pic>
-        <p:nvPicPr>
-          <p:cNvPr id="3" name="Picture 2"/>
-          <p:cNvPicPr>
-            <a:picLocks noChangeAspect="1"/>
-          </p:cNvPicPr>
-          <p:nvPr/>
-        </p:nvPicPr>
-        <p:blipFill>
-          <a:blip r:embed="rId3">
-            <a:extLst>
-              <a:ext uri="{28A0092B-C50C-407E-A947-70E740481C1C}">
-                <a14:useLocalDpi xmlns:a14="http://schemas.microsoft.com/office/drawing/2010/main" val="0"/>
-              </a:ext>
-            </a:extLst>
-          </a:blip>
-          <a:stretch>
-            <a:fillRect/>
-          </a:stretch>
-        </p:blipFill>
-        <p:spPr>
-          <a:xfrm>
-            <a:off x="7719793" y="1976228"/>
-            <a:ext cx="2916684" cy="2916684"/>
-          </a:xfrm>
-          <a:prstGeom prst="rect">
-            <a:avLst/>
-          </a:prstGeom>
-        </p:spPr>
-      </p:pic>
       <mc:AlternateContent xmlns:mc="http://schemas.openxmlformats.org/markup-compatibility/2006" xmlns:a14="http://schemas.microsoft.com/office/drawing/2010/main">
         <mc:Choice Requires="a14">
           <p:sp>
@@ -16870,6 +18553,66 @@
           </p:sp>
         </mc:Fallback>
       </mc:AlternateContent>
+      <p:pic>
+        <p:nvPicPr>
+          <p:cNvPr id="5" name="Picture 4"/>
+          <p:cNvPicPr>
+            <a:picLocks noChangeAspect="1"/>
+          </p:cNvPicPr>
+          <p:nvPr/>
+        </p:nvPicPr>
+        <p:blipFill>
+          <a:blip r:embed="rId7">
+            <a:extLst>
+              <a:ext uri="{28A0092B-C50C-407E-A947-70E740481C1C}">
+                <a14:useLocalDpi xmlns:a14="http://schemas.microsoft.com/office/drawing/2010/main" val="0"/>
+              </a:ext>
+            </a:extLst>
+          </a:blip>
+          <a:stretch>
+            <a:fillRect/>
+          </a:stretch>
+        </p:blipFill>
+        <p:spPr>
+          <a:xfrm>
+            <a:off x="2133972" y="1988840"/>
+            <a:ext cx="2916000" cy="2916000"/>
+          </a:xfrm>
+          <a:prstGeom prst="rect">
+            <a:avLst/>
+          </a:prstGeom>
+        </p:spPr>
+      </p:pic>
+      <p:pic>
+        <p:nvPicPr>
+          <p:cNvPr id="6" name="Picture 5"/>
+          <p:cNvPicPr>
+            <a:picLocks noChangeAspect="1"/>
+          </p:cNvPicPr>
+          <p:nvPr/>
+        </p:nvPicPr>
+        <p:blipFill>
+          <a:blip r:embed="rId8">
+            <a:extLst>
+              <a:ext uri="{28A0092B-C50C-407E-A947-70E740481C1C}">
+                <a14:useLocalDpi xmlns:a14="http://schemas.microsoft.com/office/drawing/2010/main" val="0"/>
+              </a:ext>
+            </a:extLst>
+          </a:blip>
+          <a:stretch>
+            <a:fillRect/>
+          </a:stretch>
+        </p:blipFill>
+        <p:spPr>
+          <a:xfrm>
+            <a:off x="7678588" y="1988840"/>
+            <a:ext cx="2916000" cy="2916000"/>
+          </a:xfrm>
+          <a:prstGeom prst="rect">
+            <a:avLst/>
+          </a:prstGeom>
+        </p:spPr>
+      </p:pic>
     </p:spTree>
     <p:extLst>
       <p:ext uri="{BB962C8B-B14F-4D97-AF65-F5344CB8AC3E}">
@@ -17411,66 +19154,6 @@
           </a:prstGeom>
         </p:spPr>
       </p:pic>
-      <p:pic>
-        <p:nvPicPr>
-          <p:cNvPr id="3" name="Picture 2"/>
-          <p:cNvPicPr>
-            <a:picLocks noChangeAspect="1"/>
-          </p:cNvPicPr>
-          <p:nvPr/>
-        </p:nvPicPr>
-        <p:blipFill>
-          <a:blip r:embed="rId5">
-            <a:extLst>
-              <a:ext uri="{28A0092B-C50C-407E-A947-70E740481C1C}">
-                <a14:useLocalDpi xmlns:a14="http://schemas.microsoft.com/office/drawing/2010/main" val="0"/>
-              </a:ext>
-            </a:extLst>
-          </a:blip>
-          <a:stretch>
-            <a:fillRect/>
-          </a:stretch>
-        </p:blipFill>
-        <p:spPr>
-          <a:xfrm>
-            <a:off x="5333104" y="2764486"/>
-            <a:ext cx="2458720" cy="2460625"/>
-          </a:xfrm>
-          <a:prstGeom prst="rect">
-            <a:avLst/>
-          </a:prstGeom>
-        </p:spPr>
-      </p:pic>
-      <p:pic>
-        <p:nvPicPr>
-          <p:cNvPr id="4" name="Picture 3"/>
-          <p:cNvPicPr>
-            <a:picLocks noChangeAspect="1"/>
-          </p:cNvPicPr>
-          <p:nvPr/>
-        </p:nvPicPr>
-        <p:blipFill>
-          <a:blip r:embed="rId6">
-            <a:extLst>
-              <a:ext uri="{28A0092B-C50C-407E-A947-70E740481C1C}">
-                <a14:useLocalDpi xmlns:a14="http://schemas.microsoft.com/office/drawing/2010/main" val="0"/>
-              </a:ext>
-            </a:extLst>
-          </a:blip>
-          <a:stretch>
-            <a:fillRect/>
-          </a:stretch>
-        </p:blipFill>
-        <p:spPr>
-          <a:xfrm>
-            <a:off x="9190756" y="2768575"/>
-            <a:ext cx="2458720" cy="2460625"/>
-          </a:xfrm>
-          <a:prstGeom prst="rect">
-            <a:avLst/>
-          </a:prstGeom>
-        </p:spPr>
-      </p:pic>
       <mc:AlternateContent xmlns:mc="http://schemas.openxmlformats.org/markup-compatibility/2006" xmlns:a14="http://schemas.microsoft.com/office/drawing/2010/main">
         <mc:Choice Requires="a14">
           <p:sp>
@@ -17664,6 +19347,66 @@
           </a:p>
         </p:txBody>
       </p:sp>
+      <p:pic>
+        <p:nvPicPr>
+          <p:cNvPr id="6" name="Picture 5"/>
+          <p:cNvPicPr>
+            <a:picLocks noChangeAspect="1"/>
+          </p:cNvPicPr>
+          <p:nvPr/>
+        </p:nvPicPr>
+        <p:blipFill>
+          <a:blip r:embed="rId8">
+            <a:extLst>
+              <a:ext uri="{28A0092B-C50C-407E-A947-70E740481C1C}">
+                <a14:useLocalDpi xmlns:a14="http://schemas.microsoft.com/office/drawing/2010/main" val="0"/>
+              </a:ext>
+            </a:extLst>
+          </a:blip>
+          <a:stretch>
+            <a:fillRect/>
+          </a:stretch>
+        </p:blipFill>
+        <p:spPr>
+          <a:xfrm>
+            <a:off x="5316841" y="2764486"/>
+            <a:ext cx="2458720" cy="2460625"/>
+          </a:xfrm>
+          <a:prstGeom prst="rect">
+            <a:avLst/>
+          </a:prstGeom>
+        </p:spPr>
+      </p:pic>
+      <p:pic>
+        <p:nvPicPr>
+          <p:cNvPr id="7" name="Picture 6"/>
+          <p:cNvPicPr>
+            <a:picLocks noChangeAspect="1"/>
+          </p:cNvPicPr>
+          <p:nvPr/>
+        </p:nvPicPr>
+        <p:blipFill>
+          <a:blip r:embed="rId9">
+            <a:extLst>
+              <a:ext uri="{28A0092B-C50C-407E-A947-70E740481C1C}">
+                <a14:useLocalDpi xmlns:a14="http://schemas.microsoft.com/office/drawing/2010/main" val="0"/>
+              </a:ext>
+            </a:extLst>
+          </a:blip>
+          <a:stretch>
+            <a:fillRect/>
+          </a:stretch>
+        </p:blipFill>
+        <p:spPr>
+          <a:xfrm>
+            <a:off x="9205549" y="2764485"/>
+            <a:ext cx="2458720" cy="2460625"/>
+          </a:xfrm>
+          <a:prstGeom prst="rect">
+            <a:avLst/>
+          </a:prstGeom>
+        </p:spPr>
+      </p:pic>
     </p:spTree>
     <p:extLst>
       <p:ext uri="{BB962C8B-B14F-4D97-AF65-F5344CB8AC3E}">
@@ -17866,7 +19609,7 @@
           <p:nvPr>
             <p:extLst>
               <p:ext uri="{D42A27DB-BD31-4B8C-83A1-F6EECF244321}">
-                <p14:modId xmlns:p14="http://schemas.microsoft.com/office/powerpoint/2010/main" val="1263119181"/>
+                <p14:modId xmlns:p14="http://schemas.microsoft.com/office/powerpoint/2010/main" val="164938881"/>
               </p:ext>
             </p:extLst>
           </p:nvPr>

--- a/docs/slides pd2ggaln/MatFun.pptx
+++ b/docs/slides pd2ggaln/MatFun.pptx
@@ -323,11 +323,11 @@
         </c:dLbls>
         <c:gapWidth val="150"/>
         <c:overlap val="100"/>
-        <c:axId val="204624368"/>
-        <c:axId val="204624928"/>
+        <c:axId val="154924752"/>
+        <c:axId val="154925312"/>
       </c:barChart>
       <c:catAx>
-        <c:axId val="204624368"/>
+        <c:axId val="154924752"/>
         <c:scaling>
           <c:orientation val="minMax"/>
         </c:scaling>
@@ -367,7 +367,7 @@
             <a:endParaRPr lang="it-IT"/>
           </a:p>
         </c:txPr>
-        <c:crossAx val="204624928"/>
+        <c:crossAx val="154925312"/>
         <c:crosses val="autoZero"/>
         <c:auto val="1"/>
         <c:lblAlgn val="ctr"/>
@@ -375,7 +375,7 @@
         <c:noMultiLvlLbl val="0"/>
       </c:catAx>
       <c:valAx>
-        <c:axId val="204624928"/>
+        <c:axId val="154925312"/>
         <c:scaling>
           <c:orientation val="minMax"/>
         </c:scaling>
@@ -399,7 +399,7 @@
         <c:majorTickMark val="none"/>
         <c:minorTickMark val="none"/>
         <c:tickLblPos val="nextTo"/>
-        <c:crossAx val="204624368"/>
+        <c:crossAx val="154924752"/>
         <c:crosses val="autoZero"/>
         <c:crossBetween val="between"/>
       </c:valAx>
@@ -1059,7 +1059,7 @@
           <a:p>
             <a:fld id="{BDB7646E-8811-423A-9C42-2CBFADA00A96}" type="datetimeFigureOut">
               <a:rPr lang="en-US" smtClean="0"/>
-              <a:t>2/6/2018</a:t>
+              <a:t>2/7/2018</a:t>
             </a:fld>
             <a:endParaRPr lang="en-US"/>
           </a:p>
@@ -1233,7 +1233,7 @@
             <a:fld id="{D677E230-58DD-43ED-96A1-552DDAB53532}" type="datetimeFigureOut">
               <a:rPr lang="en-US" smtClean="0"/>
               <a:pPr/>
-              <a:t>2/6/2018</a:t>
+              <a:t>2/7/2018</a:t>
             </a:fld>
             <a:endParaRPr lang="en-US"/>
           </a:p>
@@ -2426,7 +2426,7 @@
             <a:fld id="{C2C6F8EA-316C-41DE-B9A4-EDCC3A85ED9A}" type="datetimeFigureOut">
               <a:rPr lang="en-US" smtClean="0"/>
               <a:pPr/>
-              <a:t>2/6/2018</a:t>
+              <a:t>2/7/2018</a:t>
             </a:fld>
             <a:endParaRPr lang="en-US" dirty="0"/>
           </a:p>
@@ -2650,7 +2650,7 @@
           <a:p>
             <a:fld id="{C2C6F8EA-316C-41DE-B9A4-EDCC3A85ED9A}" type="datetimeFigureOut">
               <a:rPr lang="en-US"/>
-              <a:t>2/6/2018</a:t>
+              <a:t>2/7/2018</a:t>
             </a:fld>
             <a:endParaRPr/>
           </a:p>
@@ -3469,7 +3469,7 @@
           <a:p>
             <a:fld id="{C2C6F8EA-316C-41DE-B9A4-EDCC3A85ED9A}" type="datetimeFigureOut">
               <a:rPr lang="en-US"/>
-              <a:t>2/6/2018</a:t>
+              <a:t>2/7/2018</a:t>
             </a:fld>
             <a:endParaRPr/>
           </a:p>
@@ -3671,7 +3671,7 @@
           <a:p>
             <a:fld id="{C2C6F8EA-316C-41DE-B9A4-EDCC3A85ED9A}" type="datetimeFigureOut">
               <a:rPr lang="en-US"/>
-              <a:t>2/6/2018</a:t>
+              <a:t>2/7/2018</a:t>
             </a:fld>
             <a:endParaRPr dirty="0"/>
           </a:p>
@@ -4938,7 +4938,7 @@
             <a:fld id="{C2C6F8EA-316C-41DE-B9A4-EDCC3A85ED9A}" type="datetimeFigureOut">
               <a:rPr lang="en-US" smtClean="0"/>
               <a:pPr/>
-              <a:t>2/6/2018</a:t>
+              <a:t>2/7/2018</a:t>
             </a:fld>
             <a:endParaRPr lang="en-US" dirty="0"/>
           </a:p>
@@ -5264,7 +5264,7 @@
           <a:p>
             <a:fld id="{C2C6F8EA-316C-41DE-B9A4-EDCC3A85ED9A}" type="datetimeFigureOut">
               <a:rPr lang="en-US"/>
-              <a:t>2/6/2018</a:t>
+              <a:t>2/7/2018</a:t>
             </a:fld>
             <a:endParaRPr/>
           </a:p>
@@ -5716,7 +5716,7 @@
           <a:p>
             <a:fld id="{C2C6F8EA-316C-41DE-B9A4-EDCC3A85ED9A}" type="datetimeFigureOut">
               <a:rPr lang="en-US"/>
-              <a:t>2/6/2018</a:t>
+              <a:t>2/7/2018</a:t>
             </a:fld>
             <a:endParaRPr/>
           </a:p>
@@ -5850,7 +5850,7 @@
           <a:p>
             <a:fld id="{C2C6F8EA-316C-41DE-B9A4-EDCC3A85ED9A}" type="datetimeFigureOut">
               <a:rPr lang="en-US"/>
-              <a:t>2/6/2018</a:t>
+              <a:t>2/7/2018</a:t>
             </a:fld>
             <a:endParaRPr/>
           </a:p>
@@ -6189,7 +6189,7 @@
           <a:p>
             <a:fld id="{C2C6F8EA-316C-41DE-B9A4-EDCC3A85ED9A}" type="datetimeFigureOut">
               <a:rPr lang="en-US"/>
-              <a:t>2/6/2018</a:t>
+              <a:t>2/7/2018</a:t>
             </a:fld>
             <a:endParaRPr/>
           </a:p>
@@ -6685,7 +6685,7 @@
           <a:p>
             <a:fld id="{C2C6F8EA-316C-41DE-B9A4-EDCC3A85ED9A}" type="datetimeFigureOut">
               <a:rPr lang="en-US"/>
-              <a:t>2/6/2018</a:t>
+              <a:t>2/7/2018</a:t>
             </a:fld>
             <a:endParaRPr/>
           </a:p>
@@ -7138,7 +7138,7 @@
             <a:fld id="{C2C6F8EA-316C-41DE-B9A4-EDCC3A85ED9A}" type="datetimeFigureOut">
               <a:rPr lang="en-US" smtClean="0"/>
               <a:pPr/>
-              <a:t>2/6/2018</a:t>
+              <a:t>2/7/2018</a:t>
             </a:fld>
             <a:endParaRPr lang="en-US" dirty="0"/>
           </a:p>
@@ -8041,7 +8041,7 @@
             <a:fld id="{C2C6F8EA-316C-41DE-B9A4-EDCC3A85ED9A}" type="datetimeFigureOut">
               <a:rPr lang="en-US" smtClean="0"/>
               <a:pPr/>
-              <a:t>2/6/2018</a:t>
+              <a:t>2/7/2018</a:t>
             </a:fld>
             <a:endParaRPr lang="en-US" dirty="0"/>
           </a:p>
@@ -8658,7 +8658,7 @@
         </p:nvSpPr>
         <p:spPr>
           <a:xfrm>
-            <a:off x="1593436" y="-331117"/>
+            <a:off x="1593436" y="-387424"/>
             <a:ext cx="9782801" cy="1239837"/>
           </a:xfrm>
         </p:spPr>
@@ -8682,8 +8682,8 @@
           </a:p>
         </p:txBody>
       </p:sp>
-      <mc:AlternateContent xmlns:mc="http://schemas.openxmlformats.org/markup-compatibility/2006" xmlns:a14="http://schemas.microsoft.com/office/drawing/2010/main">
-        <mc:Choice Requires="a14">
+      <mc:AlternateContent xmlns:mc="http://schemas.openxmlformats.org/markup-compatibility/2006">
+        <mc:Choice xmlns:a14="http://schemas.microsoft.com/office/drawing/2010/main" Requires="a14">
           <p:sp>
             <p:nvSpPr>
               <p:cNvPr id="14" name="Content Placeholder 13"/>
@@ -8696,13 +8696,13 @@
             </p:nvSpPr>
             <p:spPr>
               <a:xfrm>
-                <a:off x="1593436" y="1224136"/>
-                <a:ext cx="9782801" cy="5589240"/>
+                <a:off x="1593436" y="1052736"/>
+                <a:ext cx="9782801" cy="5805264"/>
               </a:xfrm>
             </p:spPr>
             <p:txBody>
               <a:bodyPr>
-                <a:normAutofit/>
+                <a:normAutofit lnSpcReduction="10000"/>
               </a:bodyPr>
               <a:lstStyle/>
               <a:p>
@@ -8714,7 +8714,27 @@
                 </a:pPr>
                 <a:r>
                   <a:rPr lang="en-US" sz="2500" dirty="0" smtClean="0"/>
-                  <a:t>We want to compute</a:t>
+                  <a:t>Proposed by </a:t>
+                </a:r>
+                <a:r>
+                  <a:rPr lang="en-US" sz="2500" dirty="0" err="1" smtClean="0"/>
+                  <a:t>Güttel</a:t>
+                </a:r>
+                <a:r>
+                  <a:rPr lang="en-US" sz="2500" dirty="0" smtClean="0"/>
+                  <a:t> in 2013.</a:t>
+                </a:r>
+              </a:p>
+              <a:p>
+                <a:pPr marL="0" indent="0">
+                  <a:lnSpc>
+                    <a:spcPct val="110000"/>
+                  </a:lnSpc>
+                  <a:buNone/>
+                </a:pPr>
+                <a:r>
+                  <a:rPr lang="en-US" sz="2500" dirty="0" smtClean="0"/>
+                  <a:t>Goal: compute</a:t>
                 </a:r>
                 <a:r>
                   <a:rPr lang="en-US" sz="2500" dirty="0" smtClean="0">
@@ -10089,7 +10109,7 @@
             </p:txBody>
           </p:sp>
         </mc:Choice>
-        <mc:Fallback xmlns="">
+        <mc:Fallback>
           <p:sp>
             <p:nvSpPr>
               <p:cNvPr id="14" name="Content Placeholder 13"/>
@@ -10102,13 +10122,13 @@
             </p:nvSpPr>
             <p:spPr>
               <a:xfrm>
-                <a:off x="1593436" y="1224136"/>
-                <a:ext cx="9782801" cy="5589240"/>
+                <a:off x="1593436" y="1052736"/>
+                <a:ext cx="9782801" cy="5805264"/>
               </a:xfrm>
               <a:blipFill rotWithShape="0">
                 <a:blip r:embed="rId2"/>
                 <a:stretch>
-                  <a:fillRect l="-997" t="-872"/>
+                  <a:fillRect l="-997" t="-840"/>
                 </a:stretch>
               </a:blipFill>
             </p:spPr>
@@ -10465,7 +10485,7 @@
         </p:nvSpPr>
         <p:spPr>
           <a:xfrm>
-            <a:off x="1593436" y="-243408"/>
+            <a:off x="1593436" y="-387424"/>
             <a:ext cx="9782801" cy="1239837"/>
           </a:xfrm>
         </p:spPr>
@@ -10481,8 +10501,8 @@
           </a:p>
         </p:txBody>
       </p:sp>
-      <mc:AlternateContent xmlns:mc="http://schemas.openxmlformats.org/markup-compatibility/2006" xmlns:a14="http://schemas.microsoft.com/office/drawing/2010/main">
-        <mc:Choice Requires="a14">
+      <mc:AlternateContent xmlns:mc="http://schemas.openxmlformats.org/markup-compatibility/2006">
+        <mc:Choice xmlns:a14="http://schemas.microsoft.com/office/drawing/2010/main" Requires="a14">
           <p:sp>
             <p:nvSpPr>
               <p:cNvPr id="14" name="Content Placeholder 13"/>
@@ -10495,8 +10515,8 @@
             </p:nvSpPr>
             <p:spPr>
               <a:xfrm>
-                <a:off x="1593436" y="1268760"/>
-                <a:ext cx="9782801" cy="5589240"/>
+                <a:off x="1593436" y="980728"/>
+                <a:ext cx="9782801" cy="5328592"/>
               </a:xfrm>
             </p:spPr>
             <p:txBody>
@@ -10513,8 +10533,17 @@
                 </a:pPr>
                 <a:r>
                   <a:rPr lang="en-US" sz="2600" dirty="0" smtClean="0"/>
-                  <a:t>Input: function samples (real or complex).</a:t>
+                  <a:t>Proposed by </a:t>
                 </a:r>
+                <a:r>
+                  <a:rPr lang="it-IT" sz="2400" dirty="0"/>
+                  <a:t>Nakatsukasa, </a:t>
+                </a:r>
+                <a:r>
+                  <a:rPr lang="it-IT" sz="2400" dirty="0" smtClean="0"/>
+                  <a:t>Sète, Trefethen in 2017.</a:t>
+                </a:r>
+                <a:endParaRPr lang="en-US" sz="2600" dirty="0" smtClean="0"/>
               </a:p>
               <a:p>
                 <a:pPr marL="0" indent="0">
@@ -10525,7 +10554,19 @@
                 </a:pPr>
                 <a:r>
                   <a:rPr lang="en-US" sz="2600" dirty="0" smtClean="0"/>
-                  <a:t>Output: rational </a:t>
+                  <a:t>Input</a:t>
+                </a:r>
+                <a:r>
+                  <a:rPr lang="en-US" sz="2600" dirty="0" smtClean="0"/>
+                  <a:t>: function samples (real or complex</a:t>
+                </a:r>
+                <a:r>
+                  <a:rPr lang="en-US" sz="2600" dirty="0" smtClean="0"/>
+                  <a:t>).              Output</a:t>
+                </a:r>
+                <a:r>
+                  <a:rPr lang="en-US" sz="2600" dirty="0" smtClean="0"/>
+                  <a:t>: rational </a:t>
                 </a:r>
                 <a:r>
                   <a:rPr lang="en-US" sz="2600" dirty="0" err="1" smtClean="0"/>
@@ -11328,7 +11369,7 @@
             </p:txBody>
           </p:sp>
         </mc:Choice>
-        <mc:Fallback xmlns="">
+        <mc:Fallback>
           <p:sp>
             <p:nvSpPr>
               <p:cNvPr id="14" name="Content Placeholder 13"/>
@@ -11341,13 +11382,13 @@
             </p:nvSpPr>
             <p:spPr>
               <a:xfrm>
-                <a:off x="1593436" y="1268760"/>
-                <a:ext cx="9782801" cy="5589240"/>
+                <a:off x="1593436" y="980728"/>
+                <a:ext cx="9782801" cy="5328592"/>
               </a:xfrm>
               <a:blipFill rotWithShape="0">
                 <a:blip r:embed="rId2"/>
                 <a:stretch>
-                  <a:fillRect l="-1121" t="-436" r="-1682"/>
+                  <a:fillRect l="-1121" t="-458" r="-1682" b="-7437"/>
                 </a:stretch>
               </a:blipFill>
             </p:spPr>
@@ -12015,12 +12056,11 @@
               <a:rPr lang="en-US" dirty="0"/>
               <a:t> + AAA</a:t>
             </a:r>
-            <a:endParaRPr lang="en-US" dirty="0"/>
           </a:p>
         </p:txBody>
       </p:sp>
-      <mc:AlternateContent xmlns:mc="http://schemas.openxmlformats.org/markup-compatibility/2006">
-        <mc:Choice xmlns:a14="http://schemas.microsoft.com/office/drawing/2010/main" Requires="a14">
+      <mc:AlternateContent xmlns:mc="http://schemas.openxmlformats.org/markup-compatibility/2006" xmlns:a14="http://schemas.microsoft.com/office/drawing/2010/main">
+        <mc:Choice Requires="a14">
           <p:sp>
             <p:nvSpPr>
               <p:cNvPr id="14" name="Content Placeholder 13"/>
@@ -12123,13 +12163,7 @@
                       <a:rPr lang="it-IT" i="1" dirty="0">
                         <a:latin typeface="Cambria Math" panose="02040503050406030204" pitchFamily="18" charset="0"/>
                       </a:rPr>
-                      <m:t>𝑚</m:t>
-                    </m:r>
-                    <m:r>
-                      <a:rPr lang="it-IT" i="1" dirty="0">
-                        <a:latin typeface="Cambria Math" panose="02040503050406030204" pitchFamily="18" charset="0"/>
-                      </a:rPr>
-                      <m:t>𝑁</m:t>
+                      <m:t>𝑚𝑁</m:t>
                     </m:r>
                     <m:r>
                       <a:rPr lang="en-US" i="1" dirty="0">
@@ -12302,7 +12336,7 @@
             </p:txBody>
           </p:sp>
         </mc:Choice>
-        <mc:Fallback>
+        <mc:Fallback xmlns="">
           <p:sp>
             <p:nvSpPr>
               <p:cNvPr id="14" name="Content Placeholder 13"/>
@@ -12436,7 +12470,6 @@
               <a:rPr lang="en-US" dirty="0"/>
               <a:t> + AAA</a:t>
             </a:r>
-            <a:endParaRPr lang="en-US" dirty="0"/>
           </a:p>
         </p:txBody>
       </p:sp>
@@ -12560,12 +12593,17 @@
                   </a:rPr>
                   <a:t> is compared with dense </a:t>
                 </a:r>
-                <a:r>
-                  <a:rPr lang="en-US" sz="2600" dirty="0" err="1" smtClean="0">
-                    <a:sym typeface="Wingdings" panose="05000000000000000000" pitchFamily="2" charset="2"/>
-                  </a:rPr>
-                  <a:t>expm</a:t>
-                </a:r>
+                <a14:m>
+                  <m:oMath xmlns:m="http://schemas.openxmlformats.org/officeDocument/2006/math">
+                    <m:r>
+                      <a:rPr lang="en-US" sz="2600" i="1" dirty="0" smtClean="0">
+                        <a:latin typeface="Cambria Math" panose="02040503050406030204" pitchFamily="18" charset="0"/>
+                        <a:sym typeface="Wingdings" panose="05000000000000000000" pitchFamily="2" charset="2"/>
+                      </a:rPr>
+                      <m:t>𝑒𝑥𝑝𝑚</m:t>
+                    </m:r>
+                  </m:oMath>
+                </a14:m>
                 <a:r>
                   <a:rPr lang="en-US" sz="2600" dirty="0">
                     <a:sym typeface="Wingdings" panose="05000000000000000000" pitchFamily="2" charset="2"/>
@@ -12652,14 +12690,14 @@
                 <a:gridCol w="1205934">
                   <a:extLst>
                     <a:ext uri="{9D8B030D-6E8A-4147-A177-3AD203B41FA5}">
-                      <a16:colId xmlns:a16="http://schemas.microsoft.com/office/drawing/2014/main" xmlns="" val="20001"/>
+                      <a16:colId xmlns="" xmlns:a16="http://schemas.microsoft.com/office/drawing/2014/main" val="20001"/>
                     </a:ext>
                   </a:extLst>
                 </a:gridCol>
                 <a:gridCol w="1206162">
                   <a:extLst>
                     <a:ext uri="{9D8B030D-6E8A-4147-A177-3AD203B41FA5}">
-                      <a16:colId xmlns:a16="http://schemas.microsoft.com/office/drawing/2014/main" xmlns="" val="20002"/>
+                      <a16:colId xmlns="" xmlns:a16="http://schemas.microsoft.com/office/drawing/2014/main" val="20002"/>
                     </a:ext>
                   </a:extLst>
                 </a:gridCol>
@@ -12797,7 +12835,7 @@
                 </a:tc>
                 <a:extLst>
                   <a:ext uri="{0D108BD9-81ED-4DB2-BD59-A6C34878D82A}">
-                    <a16:rowId xmlns:a16="http://schemas.microsoft.com/office/drawing/2014/main" xmlns="" val="10000"/>
+                    <a16:rowId xmlns="" xmlns:a16="http://schemas.microsoft.com/office/drawing/2014/main" val="10000"/>
                   </a:ext>
                 </a:extLst>
               </a:tr>
@@ -12831,10 +12869,6 @@
                         </a:rPr>
                         <a:t>2D/3D problem</a:t>
                       </a:r>
-                      <a:endParaRPr lang="en-US" dirty="0" smtClean="0">
-                        <a:latin typeface="Cambria Math" panose="02040503050406030204" pitchFamily="18" charset="0"/>
-                        <a:ea typeface="Cambria Math" panose="02040503050406030204" pitchFamily="18" charset="0"/>
-                      </a:endParaRPr>
                     </a:p>
                   </a:txBody>
                   <a:tcPr anchor="ctr"/>
@@ -12988,7 +13022,7 @@
                 </a:tc>
                 <a:extLst>
                   <a:ext uri="{0D108BD9-81ED-4DB2-BD59-A6C34878D82A}">
-                    <a16:rowId xmlns:a16="http://schemas.microsoft.com/office/drawing/2014/main" xmlns="" val="10001"/>
+                    <a16:rowId xmlns="" xmlns:a16="http://schemas.microsoft.com/office/drawing/2014/main" val="10001"/>
                   </a:ext>
                 </a:extLst>
               </a:tr>
@@ -13022,10 +13056,6 @@
                         </a:rPr>
                         <a:t>Fluid dynamics</a:t>
                       </a:r>
-                      <a:endParaRPr lang="en-US" dirty="0" smtClean="0">
-                        <a:latin typeface="Cambria Math" panose="02040503050406030204" pitchFamily="18" charset="0"/>
-                        <a:ea typeface="Cambria Math" panose="02040503050406030204" pitchFamily="18" charset="0"/>
-                      </a:endParaRPr>
                     </a:p>
                   </a:txBody>
                   <a:tcPr anchor="ctr"/>
@@ -13179,7 +13209,7 @@
                 </a:tc>
                 <a:extLst>
                   <a:ext uri="{0D108BD9-81ED-4DB2-BD59-A6C34878D82A}">
-                    <a16:rowId xmlns:a16="http://schemas.microsoft.com/office/drawing/2014/main" xmlns="" val="10002"/>
+                    <a16:rowId xmlns="" xmlns:a16="http://schemas.microsoft.com/office/drawing/2014/main" val="10002"/>
                   </a:ext>
                 </a:extLst>
               </a:tr>
@@ -13377,7 +13407,7 @@
                 </a:tc>
                 <a:extLst>
                   <a:ext uri="{0D108BD9-81ED-4DB2-BD59-A6C34878D82A}">
-                    <a16:rowId xmlns:a16="http://schemas.microsoft.com/office/drawing/2014/main" xmlns="" val="10003"/>
+                    <a16:rowId xmlns="" xmlns:a16="http://schemas.microsoft.com/office/drawing/2014/main" val="10003"/>
                   </a:ext>
                 </a:extLst>
               </a:tr>
@@ -13411,10 +13441,6 @@
                         </a:rPr>
                         <a:t>Directed graph</a:t>
                       </a:r>
-                      <a:endParaRPr lang="en-US" sz="1800" dirty="0" smtClean="0">
-                        <a:latin typeface="Cambria Math" panose="02040503050406030204" pitchFamily="18" charset="0"/>
-                        <a:ea typeface="Cambria Math" panose="02040503050406030204" pitchFamily="18" charset="0"/>
-                      </a:endParaRPr>
                     </a:p>
                   </a:txBody>
                   <a:tcPr anchor="ctr"/>
@@ -13571,8 +13597,8 @@
           </a:graphicData>
         </a:graphic>
       </p:graphicFrame>
-      <mc:AlternateContent xmlns:mc="http://schemas.openxmlformats.org/markup-compatibility/2006">
-        <mc:Choice xmlns:a14="http://schemas.microsoft.com/office/drawing/2010/main" Requires="a14">
+      <mc:AlternateContent xmlns:mc="http://schemas.openxmlformats.org/markup-compatibility/2006" xmlns:a14="http://schemas.microsoft.com/office/drawing/2010/main">
+        <mc:Choice Requires="a14">
           <p:sp>
             <p:nvSpPr>
               <p:cNvPr id="6" name="Content Placeholder 13"/>
@@ -13825,7 +13851,7 @@
             </p:txBody>
           </p:sp>
         </mc:Choice>
-        <mc:Fallback>
+        <mc:Fallback xmlns="">
           <p:sp>
             <p:nvSpPr>
               <p:cNvPr id="6" name="Content Placeholder 13"/>
@@ -14108,7 +14134,11 @@
             </a:r>
             <a:r>
               <a:rPr lang="en-US" dirty="0" smtClean="0"/>
-              <a:t>egree thesis under supervision of professor Federico </a:t>
+              <a:t>egree thesis under supervision of </a:t>
+            </a:r>
+            <a:r>
+              <a:rPr lang="en-US" dirty="0" smtClean="0"/>
+              <a:t>Federico </a:t>
             </a:r>
             <a:r>
               <a:rPr lang="en-US" dirty="0" err="1" smtClean="0"/>
@@ -14871,7 +14901,7 @@
         </p:nvSpPr>
         <p:spPr>
           <a:xfrm>
-            <a:off x="1593436" y="-115093"/>
+            <a:off x="1593436" y="-315416"/>
             <a:ext cx="9782801" cy="1239837"/>
           </a:xfrm>
         </p:spPr>
@@ -14893,8 +14923,8 @@
           </a:p>
         </p:txBody>
       </p:sp>
-      <mc:AlternateContent xmlns:mc="http://schemas.openxmlformats.org/markup-compatibility/2006" xmlns:a14="http://schemas.microsoft.com/office/drawing/2010/main">
-        <mc:Choice Requires="a14">
+      <mc:AlternateContent xmlns:mc="http://schemas.openxmlformats.org/markup-compatibility/2006">
+        <mc:Choice xmlns:a14="http://schemas.microsoft.com/office/drawing/2010/main" Requires="a14">
           <p:sp>
             <p:nvSpPr>
               <p:cNvPr id="14" name="Content Placeholder 13"/>
@@ -14907,7 +14937,7 @@
             </p:nvSpPr>
             <p:spPr>
               <a:xfrm>
-                <a:off x="1593436" y="1700808"/>
+                <a:off x="1593436" y="1987624"/>
                 <a:ext cx="5869128" cy="5473824"/>
               </a:xfrm>
             </p:spPr>
@@ -15613,7 +15643,7 @@
             </p:txBody>
           </p:sp>
         </mc:Choice>
-        <mc:Fallback xmlns="">
+        <mc:Fallback>
           <p:sp>
             <p:nvSpPr>
               <p:cNvPr id="14" name="Content Placeholder 13"/>
@@ -15626,7 +15656,7 @@
             </p:nvSpPr>
             <p:spPr>
               <a:xfrm>
-                <a:off x="1593436" y="1700808"/>
+                <a:off x="1593436" y="1987624"/>
                 <a:ext cx="5869128" cy="5473824"/>
               </a:xfrm>
               <a:blipFill rotWithShape="0">
@@ -15673,7 +15703,7 @@
         </p:blipFill>
         <p:spPr>
           <a:xfrm>
-            <a:off x="7462564" y="1916832"/>
+            <a:off x="7462564" y="2132856"/>
             <a:ext cx="3960440" cy="3960440"/>
           </a:xfrm>
           <a:prstGeom prst="rect">
@@ -15681,6 +15711,305 @@
           </a:prstGeom>
         </p:spPr>
       </p:pic>
+      <mc:AlternateContent xmlns:mc="http://schemas.openxmlformats.org/markup-compatibility/2006">
+        <mc:Choice xmlns:a14="http://schemas.microsoft.com/office/drawing/2010/main" Requires="a14">
+          <p:sp>
+            <p:nvSpPr>
+              <p:cNvPr id="5" name="Content Placeholder 13"/>
+              <p:cNvSpPr txBox="1">
+                <a:spLocks/>
+              </p:cNvSpPr>
+              <p:nvPr/>
+            </p:nvSpPr>
+            <p:spPr>
+              <a:xfrm>
+                <a:off x="1593436" y="1139229"/>
+                <a:ext cx="8533424" cy="992411"/>
+              </a:xfrm>
+              <a:prstGeom prst="rect">
+                <a:avLst/>
+              </a:prstGeom>
+            </p:spPr>
+            <p:txBody>
+              <a:bodyPr vert="horz" lIns="91440" tIns="45720" rIns="91440" bIns="45720" rtlCol="0">
+                <a:normAutofit/>
+              </a:bodyPr>
+              <a:lstStyle>
+                <a:lvl1pPr marL="246888" indent="-246888" algn="l" defTabSz="914400" rtl="0" eaLnBrk="1" latinLnBrk="0" hangingPunct="1">
+                  <a:lnSpc>
+                    <a:spcPct val="90000"/>
+                  </a:lnSpc>
+                  <a:spcBef>
+                    <a:spcPts val="1400"/>
+                  </a:spcBef>
+                  <a:buFont typeface="Euphemia" pitchFamily="34" charset="0"/>
+                  <a:buChar char="›"/>
+                  <a:defRPr sz="2800" kern="1200">
+                    <a:solidFill>
+                      <a:schemeClr val="tx1"/>
+                    </a:solidFill>
+                    <a:latin typeface="+mn-lt"/>
+                    <a:ea typeface="+mn-ea"/>
+                    <a:cs typeface="+mn-cs"/>
+                  </a:defRPr>
+                </a:lvl1pPr>
+                <a:lvl2pPr marL="612648" indent="-246888" algn="l" defTabSz="914400" rtl="0" eaLnBrk="1" latinLnBrk="0" hangingPunct="1">
+                  <a:lnSpc>
+                    <a:spcPct val="90000"/>
+                  </a:lnSpc>
+                  <a:spcBef>
+                    <a:spcPts val="600"/>
+                  </a:spcBef>
+                  <a:buFont typeface="Euphemia" pitchFamily="34" charset="0"/>
+                  <a:buChar char="–"/>
+                  <a:defRPr sz="2400" kern="1200">
+                    <a:solidFill>
+                      <a:schemeClr val="tx1"/>
+                    </a:solidFill>
+                    <a:latin typeface="+mn-lt"/>
+                    <a:ea typeface="+mn-ea"/>
+                    <a:cs typeface="+mn-cs"/>
+                  </a:defRPr>
+                </a:lvl2pPr>
+                <a:lvl3pPr marL="978408" indent="-246888" algn="l" defTabSz="914400" rtl="0" eaLnBrk="1" latinLnBrk="0" hangingPunct="1">
+                  <a:lnSpc>
+                    <a:spcPct val="90000"/>
+                  </a:lnSpc>
+                  <a:spcBef>
+                    <a:spcPts val="600"/>
+                  </a:spcBef>
+                  <a:buFont typeface="Euphemia" pitchFamily="34" charset="0"/>
+                  <a:buChar char="›"/>
+                  <a:defRPr sz="2000" kern="1200">
+                    <a:solidFill>
+                      <a:schemeClr val="tx1"/>
+                    </a:solidFill>
+                    <a:latin typeface="+mn-lt"/>
+                    <a:ea typeface="+mn-ea"/>
+                    <a:cs typeface="+mn-cs"/>
+                  </a:defRPr>
+                </a:lvl3pPr>
+                <a:lvl4pPr marL="1344168" indent="-246888" algn="l" defTabSz="914400" rtl="0" eaLnBrk="1" latinLnBrk="0" hangingPunct="1">
+                  <a:lnSpc>
+                    <a:spcPct val="90000"/>
+                  </a:lnSpc>
+                  <a:spcBef>
+                    <a:spcPts val="600"/>
+                  </a:spcBef>
+                  <a:buFont typeface="Arial" pitchFamily="34" charset="0"/>
+                  <a:buChar char="–"/>
+                  <a:defRPr sz="1800" kern="1200">
+                    <a:solidFill>
+                      <a:schemeClr val="tx1"/>
+                    </a:solidFill>
+                    <a:latin typeface="+mn-lt"/>
+                    <a:ea typeface="+mn-ea"/>
+                    <a:cs typeface="+mn-cs"/>
+                  </a:defRPr>
+                </a:lvl4pPr>
+                <a:lvl5pPr marL="1709928" indent="-246888" algn="l" defTabSz="914400" rtl="0" eaLnBrk="1" latinLnBrk="0" hangingPunct="1">
+                  <a:lnSpc>
+                    <a:spcPct val="90000"/>
+                  </a:lnSpc>
+                  <a:spcBef>
+                    <a:spcPts val="600"/>
+                  </a:spcBef>
+                  <a:buFont typeface="Euphemia" pitchFamily="34" charset="0"/>
+                  <a:buChar char="›"/>
+                  <a:defRPr sz="1800" kern="1200">
+                    <a:solidFill>
+                      <a:schemeClr val="tx1"/>
+                    </a:solidFill>
+                    <a:latin typeface="+mn-lt"/>
+                    <a:ea typeface="+mn-ea"/>
+                    <a:cs typeface="+mn-cs"/>
+                  </a:defRPr>
+                </a:lvl5pPr>
+                <a:lvl6pPr marL="2075688" indent="-246888" algn="l" defTabSz="914400" rtl="0" eaLnBrk="1" latinLnBrk="0" hangingPunct="1">
+                  <a:lnSpc>
+                    <a:spcPct val="90000"/>
+                  </a:lnSpc>
+                  <a:spcBef>
+                    <a:spcPts val="600"/>
+                  </a:spcBef>
+                  <a:buFont typeface="Euphemia" pitchFamily="34" charset="0"/>
+                  <a:buChar char="–"/>
+                  <a:defRPr sz="1800" kern="1200">
+                    <a:solidFill>
+                      <a:schemeClr val="tx1"/>
+                    </a:solidFill>
+                    <a:latin typeface="+mn-lt"/>
+                    <a:ea typeface="+mn-ea"/>
+                    <a:cs typeface="+mn-cs"/>
+                  </a:defRPr>
+                </a:lvl6pPr>
+                <a:lvl7pPr marL="2441448" indent="-246888" algn="l" defTabSz="914400" rtl="0" eaLnBrk="1" latinLnBrk="0" hangingPunct="1">
+                  <a:lnSpc>
+                    <a:spcPct val="90000"/>
+                  </a:lnSpc>
+                  <a:spcBef>
+                    <a:spcPts val="600"/>
+                  </a:spcBef>
+                  <a:buFont typeface="Euphemia" pitchFamily="34" charset="0"/>
+                  <a:buChar char="›"/>
+                  <a:defRPr sz="1800" kern="1200">
+                    <a:solidFill>
+                      <a:schemeClr val="tx1"/>
+                    </a:solidFill>
+                    <a:latin typeface="+mn-lt"/>
+                    <a:ea typeface="+mn-ea"/>
+                    <a:cs typeface="+mn-cs"/>
+                  </a:defRPr>
+                </a:lvl7pPr>
+                <a:lvl8pPr marL="2807208" indent="-246888" algn="l" defTabSz="914400" rtl="0" eaLnBrk="1" latinLnBrk="0" hangingPunct="1">
+                  <a:lnSpc>
+                    <a:spcPct val="90000"/>
+                  </a:lnSpc>
+                  <a:spcBef>
+                    <a:spcPts val="600"/>
+                  </a:spcBef>
+                  <a:buFont typeface="Euphemia" pitchFamily="34" charset="0"/>
+                  <a:buChar char="–"/>
+                  <a:defRPr sz="1800" kern="1200" baseline="0">
+                    <a:solidFill>
+                      <a:schemeClr val="tx1"/>
+                    </a:solidFill>
+                    <a:latin typeface="+mn-lt"/>
+                    <a:ea typeface="+mn-ea"/>
+                    <a:cs typeface="+mn-cs"/>
+                  </a:defRPr>
+                </a:lvl8pPr>
+                <a:lvl9pPr marL="3172968" indent="-246888" algn="l" defTabSz="914400" rtl="0" eaLnBrk="1" latinLnBrk="0" hangingPunct="1">
+                  <a:lnSpc>
+                    <a:spcPct val="90000"/>
+                  </a:lnSpc>
+                  <a:spcBef>
+                    <a:spcPts val="600"/>
+                  </a:spcBef>
+                  <a:buFont typeface="Euphemia" pitchFamily="34" charset="0"/>
+                  <a:buChar char="›"/>
+                  <a:defRPr sz="1800" kern="1200" baseline="0">
+                    <a:solidFill>
+                      <a:schemeClr val="tx1"/>
+                    </a:solidFill>
+                    <a:latin typeface="+mn-lt"/>
+                    <a:ea typeface="+mn-ea"/>
+                    <a:cs typeface="+mn-cs"/>
+                  </a:defRPr>
+                </a:lvl9pPr>
+              </a:lstStyle>
+              <a:p>
+                <a:pPr marL="0" indent="0">
+                  <a:buNone/>
+                </a:pPr>
+                <a:r>
+                  <a:rPr lang="it-IT" dirty="0" smtClean="0"/>
+                  <a:t>Proposed by </a:t>
+                </a:r>
+                <a14:m>
+                  <m:oMath xmlns:m="http://schemas.openxmlformats.org/officeDocument/2006/math">
+                    <m:r>
+                      <m:rPr>
+                        <m:nor/>
+                      </m:rPr>
+                      <a:rPr lang="it-IT"/>
+                      <m:t>Higham</m:t>
+                    </m:r>
+                    <m:r>
+                      <m:rPr>
+                        <m:nor/>
+                      </m:rPr>
+                      <a:rPr lang="it-IT" b="0" i="0" smtClean="0"/>
+                      <m:t> </m:t>
+                    </m:r>
+                    <m:r>
+                      <m:rPr>
+                        <m:nor/>
+                      </m:rPr>
+                      <a:rPr lang="it-IT" b="0" i="0" smtClean="0"/>
+                      <m:t>and</m:t>
+                    </m:r>
+                    <m:r>
+                      <m:rPr>
+                        <m:nor/>
+                      </m:rPr>
+                      <a:rPr lang="it-IT"/>
+                      <m:t> </m:t>
+                    </m:r>
+                    <m:r>
+                      <m:rPr>
+                        <m:nor/>
+                      </m:rPr>
+                      <a:rPr lang="it-IT"/>
+                      <m:t>Davies</m:t>
+                    </m:r>
+                    <m:r>
+                      <m:rPr>
+                        <m:nor/>
+                      </m:rPr>
+                      <a:rPr lang="it-IT"/>
+                      <m:t> </m:t>
+                    </m:r>
+                    <m:r>
+                      <m:rPr>
+                        <m:nor/>
+                      </m:rPr>
+                      <a:rPr lang="it-IT" b="0" i="0" smtClean="0"/>
+                      <m:t>in</m:t>
+                    </m:r>
+                    <m:r>
+                      <m:rPr>
+                        <m:nor/>
+                      </m:rPr>
+                      <a:rPr lang="it-IT" b="0" i="0" smtClean="0"/>
+                      <m:t> 2003.</m:t>
+                    </m:r>
+                  </m:oMath>
+                </a14:m>
+                <a:endParaRPr lang="en-US" dirty="0" smtClean="0"/>
+              </a:p>
+            </p:txBody>
+          </p:sp>
+        </mc:Choice>
+        <mc:Fallback>
+          <p:sp>
+            <p:nvSpPr>
+              <p:cNvPr id="5" name="Content Placeholder 13"/>
+              <p:cNvSpPr txBox="1">
+                <a:spLocks noRot="1" noChangeAspect="1" noMove="1" noResize="1" noEditPoints="1" noAdjustHandles="1" noChangeArrowheads="1" noChangeShapeType="1" noTextEdit="1"/>
+              </p:cNvSpPr>
+              <p:nvPr/>
+            </p:nvSpPr>
+            <p:spPr>
+              <a:xfrm>
+                <a:off x="1593436" y="1139229"/>
+                <a:ext cx="8533424" cy="992411"/>
+              </a:xfrm>
+              <a:prstGeom prst="rect">
+                <a:avLst/>
+              </a:prstGeom>
+              <a:blipFill rotWithShape="0">
+                <a:blip r:embed="rId4"/>
+                <a:stretch>
+                  <a:fillRect l="-1429" t="-11656"/>
+                </a:stretch>
+              </a:blipFill>
+            </p:spPr>
+            <p:txBody>
+              <a:bodyPr/>
+              <a:lstStyle/>
+              <a:p>
+                <a:r>
+                  <a:rPr lang="it-IT">
+                    <a:noFill/>
+                  </a:rPr>
+                  <a:t> </a:t>
+                </a:r>
+              </a:p>
+            </p:txBody>
+          </p:sp>
+        </mc:Fallback>
+      </mc:AlternateContent>
     </p:spTree>
     <p:extLst>
       <p:ext uri="{BB962C8B-B14F-4D97-AF65-F5344CB8AC3E}">
@@ -16413,21 +16742,21 @@
                 <a:gridCol w="756560">
                   <a:extLst>
                     <a:ext uri="{9D8B030D-6E8A-4147-A177-3AD203B41FA5}">
-                      <a16:colId xmlns:a16="http://schemas.microsoft.com/office/drawing/2014/main" xmlns="" val="20000"/>
+                      <a16:colId xmlns="" xmlns:a16="http://schemas.microsoft.com/office/drawing/2014/main" val="20000"/>
                     </a:ext>
                   </a:extLst>
                 </a:gridCol>
                 <a:gridCol w="1584176">
                   <a:extLst>
                     <a:ext uri="{9D8B030D-6E8A-4147-A177-3AD203B41FA5}">
-                      <a16:colId xmlns:a16="http://schemas.microsoft.com/office/drawing/2014/main" xmlns="" val="20001"/>
+                      <a16:colId xmlns="" xmlns:a16="http://schemas.microsoft.com/office/drawing/2014/main" val="20001"/>
                     </a:ext>
                   </a:extLst>
                 </a:gridCol>
                 <a:gridCol w="1584479">
                   <a:extLst>
                     <a:ext uri="{9D8B030D-6E8A-4147-A177-3AD203B41FA5}">
-                      <a16:colId xmlns:a16="http://schemas.microsoft.com/office/drawing/2014/main" xmlns="" val="20002"/>
+                      <a16:colId xmlns="" xmlns:a16="http://schemas.microsoft.com/office/drawing/2014/main" val="20002"/>
                     </a:ext>
                   </a:extLst>
                 </a:gridCol>
@@ -16486,7 +16815,7 @@
                 </a:tc>
                 <a:extLst>
                   <a:ext uri="{0D108BD9-81ED-4DB2-BD59-A6C34878D82A}">
-                    <a16:rowId xmlns:a16="http://schemas.microsoft.com/office/drawing/2014/main" xmlns="" val="10000"/>
+                    <a16:rowId xmlns="" xmlns:a16="http://schemas.microsoft.com/office/drawing/2014/main" val="10000"/>
                   </a:ext>
                 </a:extLst>
               </a:tr>
@@ -16561,7 +16890,7 @@
                 </a:tc>
                 <a:extLst>
                   <a:ext uri="{0D108BD9-81ED-4DB2-BD59-A6C34878D82A}">
-                    <a16:rowId xmlns:a16="http://schemas.microsoft.com/office/drawing/2014/main" xmlns="" val="10001"/>
+                    <a16:rowId xmlns="" xmlns:a16="http://schemas.microsoft.com/office/drawing/2014/main" val="10001"/>
                   </a:ext>
                 </a:extLst>
               </a:tr>
@@ -16636,7 +16965,7 @@
                 </a:tc>
                 <a:extLst>
                   <a:ext uri="{0D108BD9-81ED-4DB2-BD59-A6C34878D82A}">
-                    <a16:rowId xmlns:a16="http://schemas.microsoft.com/office/drawing/2014/main" xmlns="" val="10002"/>
+                    <a16:rowId xmlns="" xmlns:a16="http://schemas.microsoft.com/office/drawing/2014/main" val="10002"/>
                   </a:ext>
                 </a:extLst>
               </a:tr>
@@ -16711,7 +17040,7 @@
                 </a:tc>
                 <a:extLst>
                   <a:ext uri="{0D108BD9-81ED-4DB2-BD59-A6C34878D82A}">
-                    <a16:rowId xmlns:a16="http://schemas.microsoft.com/office/drawing/2014/main" xmlns="" val="10003"/>
+                    <a16:rowId xmlns="" xmlns:a16="http://schemas.microsoft.com/office/drawing/2014/main" val="10003"/>
                   </a:ext>
                 </a:extLst>
               </a:tr>

--- a/docs/slides pd2ggaln/MatFun.pptx
+++ b/docs/slides pd2ggaln/MatFun.pptx
@@ -248,7 +248,6 @@
             <c:showLeaderLines val="0"/>
             <c:extLst>
               <c:ext xmlns:c15="http://schemas.microsoft.com/office/drawing/2012/chart" uri="{CE6537A1-D6FC-4f65-9D91-7224C49458BB}">
-                <c15:layout/>
                 <c15:showLeaderLines val="1"/>
                 <c15:leaderLines>
                   <c:spPr>
@@ -323,11 +322,11 @@
         </c:dLbls>
         <c:gapWidth val="150"/>
         <c:overlap val="100"/>
-        <c:axId val="154924752"/>
-        <c:axId val="154925312"/>
+        <c:axId val="111170032"/>
+        <c:axId val="111170592"/>
       </c:barChart>
       <c:catAx>
-        <c:axId val="154924752"/>
+        <c:axId val="111170032"/>
         <c:scaling>
           <c:orientation val="minMax"/>
         </c:scaling>
@@ -367,7 +366,7 @@
             <a:endParaRPr lang="it-IT"/>
           </a:p>
         </c:txPr>
-        <c:crossAx val="154925312"/>
+        <c:crossAx val="111170592"/>
         <c:crosses val="autoZero"/>
         <c:auto val="1"/>
         <c:lblAlgn val="ctr"/>
@@ -375,7 +374,7 @@
         <c:noMultiLvlLbl val="0"/>
       </c:catAx>
       <c:valAx>
-        <c:axId val="154925312"/>
+        <c:axId val="111170592"/>
         <c:scaling>
           <c:orientation val="minMax"/>
         </c:scaling>
@@ -399,7 +398,7 @@
         <c:majorTickMark val="none"/>
         <c:minorTickMark val="none"/>
         <c:tickLblPos val="nextTo"/>
-        <c:crossAx val="154924752"/>
+        <c:crossAx val="111170032"/>
         <c:crosses val="autoZero"/>
         <c:crossBetween val="between"/>
       </c:valAx>
@@ -415,7 +414,6 @@
     </c:plotArea>
     <c:legend>
       <c:legendPos val="b"/>
-      <c:layout/>
       <c:overlay val="0"/>
       <c:spPr>
         <a:noFill/>
@@ -1059,7 +1057,7 @@
           <a:p>
             <a:fld id="{BDB7646E-8811-423A-9C42-2CBFADA00A96}" type="datetimeFigureOut">
               <a:rPr lang="en-US" smtClean="0"/>
-              <a:t>2/7/2018</a:t>
+              <a:t>4/4/2018</a:t>
             </a:fld>
             <a:endParaRPr lang="en-US"/>
           </a:p>
@@ -1233,7 +1231,7 @@
             <a:fld id="{D677E230-58DD-43ED-96A1-552DDAB53532}" type="datetimeFigureOut">
               <a:rPr lang="en-US" smtClean="0"/>
               <a:pPr/>
-              <a:t>2/7/2018</a:t>
+              <a:t>4/4/2018</a:t>
             </a:fld>
             <a:endParaRPr lang="en-US"/>
           </a:p>
@@ -2426,7 +2424,7 @@
             <a:fld id="{C2C6F8EA-316C-41DE-B9A4-EDCC3A85ED9A}" type="datetimeFigureOut">
               <a:rPr lang="en-US" smtClean="0"/>
               <a:pPr/>
-              <a:t>2/7/2018</a:t>
+              <a:t>4/4/2018</a:t>
             </a:fld>
             <a:endParaRPr lang="en-US" dirty="0"/>
           </a:p>
@@ -2650,7 +2648,7 @@
           <a:p>
             <a:fld id="{C2C6F8EA-316C-41DE-B9A4-EDCC3A85ED9A}" type="datetimeFigureOut">
               <a:rPr lang="en-US"/>
-              <a:t>2/7/2018</a:t>
+              <a:t>4/4/2018</a:t>
             </a:fld>
             <a:endParaRPr/>
           </a:p>
@@ -3469,7 +3467,7 @@
           <a:p>
             <a:fld id="{C2C6F8EA-316C-41DE-B9A4-EDCC3A85ED9A}" type="datetimeFigureOut">
               <a:rPr lang="en-US"/>
-              <a:t>2/7/2018</a:t>
+              <a:t>4/4/2018</a:t>
             </a:fld>
             <a:endParaRPr/>
           </a:p>
@@ -3671,7 +3669,7 @@
           <a:p>
             <a:fld id="{C2C6F8EA-316C-41DE-B9A4-EDCC3A85ED9A}" type="datetimeFigureOut">
               <a:rPr lang="en-US"/>
-              <a:t>2/7/2018</a:t>
+              <a:t>4/4/2018</a:t>
             </a:fld>
             <a:endParaRPr dirty="0"/>
           </a:p>
@@ -4938,7 +4936,7 @@
             <a:fld id="{C2C6F8EA-316C-41DE-B9A4-EDCC3A85ED9A}" type="datetimeFigureOut">
               <a:rPr lang="en-US" smtClean="0"/>
               <a:pPr/>
-              <a:t>2/7/2018</a:t>
+              <a:t>4/4/2018</a:t>
             </a:fld>
             <a:endParaRPr lang="en-US" dirty="0"/>
           </a:p>
@@ -5264,7 +5262,7 @@
           <a:p>
             <a:fld id="{C2C6F8EA-316C-41DE-B9A4-EDCC3A85ED9A}" type="datetimeFigureOut">
               <a:rPr lang="en-US"/>
-              <a:t>2/7/2018</a:t>
+              <a:t>4/4/2018</a:t>
             </a:fld>
             <a:endParaRPr/>
           </a:p>
@@ -5716,7 +5714,7 @@
           <a:p>
             <a:fld id="{C2C6F8EA-316C-41DE-B9A4-EDCC3A85ED9A}" type="datetimeFigureOut">
               <a:rPr lang="en-US"/>
-              <a:t>2/7/2018</a:t>
+              <a:t>4/4/2018</a:t>
             </a:fld>
             <a:endParaRPr/>
           </a:p>
@@ -5850,7 +5848,7 @@
           <a:p>
             <a:fld id="{C2C6F8EA-316C-41DE-B9A4-EDCC3A85ED9A}" type="datetimeFigureOut">
               <a:rPr lang="en-US"/>
-              <a:t>2/7/2018</a:t>
+              <a:t>4/4/2018</a:t>
             </a:fld>
             <a:endParaRPr/>
           </a:p>
@@ -6189,7 +6187,7 @@
           <a:p>
             <a:fld id="{C2C6F8EA-316C-41DE-B9A4-EDCC3A85ED9A}" type="datetimeFigureOut">
               <a:rPr lang="en-US"/>
-              <a:t>2/7/2018</a:t>
+              <a:t>4/4/2018</a:t>
             </a:fld>
             <a:endParaRPr/>
           </a:p>
@@ -6685,7 +6683,7 @@
           <a:p>
             <a:fld id="{C2C6F8EA-316C-41DE-B9A4-EDCC3A85ED9A}" type="datetimeFigureOut">
               <a:rPr lang="en-US"/>
-              <a:t>2/7/2018</a:t>
+              <a:t>4/4/2018</a:t>
             </a:fld>
             <a:endParaRPr/>
           </a:p>
@@ -7138,7 +7136,7 @@
             <a:fld id="{C2C6F8EA-316C-41DE-B9A4-EDCC3A85ED9A}" type="datetimeFigureOut">
               <a:rPr lang="en-US" smtClean="0"/>
               <a:pPr/>
-              <a:t>2/7/2018</a:t>
+              <a:t>4/4/2018</a:t>
             </a:fld>
             <a:endParaRPr lang="en-US" dirty="0"/>
           </a:p>
@@ -8041,7 +8039,7 @@
             <a:fld id="{C2C6F8EA-316C-41DE-B9A4-EDCC3A85ED9A}" type="datetimeFigureOut">
               <a:rPr lang="en-US" smtClean="0"/>
               <a:pPr/>
-              <a:t>2/7/2018</a:t>
+              <a:t>4/4/2018</a:t>
             </a:fld>
             <a:endParaRPr lang="en-US" dirty="0"/>
           </a:p>
@@ -8682,8 +8680,8 @@
           </a:p>
         </p:txBody>
       </p:sp>
-      <mc:AlternateContent xmlns:mc="http://schemas.openxmlformats.org/markup-compatibility/2006">
-        <mc:Choice xmlns:a14="http://schemas.microsoft.com/office/drawing/2010/main" Requires="a14">
+      <mc:AlternateContent xmlns:mc="http://schemas.openxmlformats.org/markup-compatibility/2006" xmlns:a14="http://schemas.microsoft.com/office/drawing/2010/main">
+        <mc:Choice Requires="a14">
           <p:sp>
             <p:nvSpPr>
               <p:cNvPr id="14" name="Content Placeholder 13"/>
@@ -10109,7 +10107,7 @@
             </p:txBody>
           </p:sp>
         </mc:Choice>
-        <mc:Fallback>
+        <mc:Fallback xmlns="">
           <p:sp>
             <p:nvSpPr>
               <p:cNvPr id="14" name="Content Placeholder 13"/>
@@ -10501,8 +10499,8 @@
           </a:p>
         </p:txBody>
       </p:sp>
-      <mc:AlternateContent xmlns:mc="http://schemas.openxmlformats.org/markup-compatibility/2006">
-        <mc:Choice xmlns:a14="http://schemas.microsoft.com/office/drawing/2010/main" Requires="a14">
+      <mc:AlternateContent xmlns:mc="http://schemas.openxmlformats.org/markup-compatibility/2006" xmlns:a14="http://schemas.microsoft.com/office/drawing/2010/main">
+        <mc:Choice Requires="a14">
           <p:sp>
             <p:nvSpPr>
               <p:cNvPr id="14" name="Content Placeholder 13"/>
@@ -10554,19 +10552,7 @@
                 </a:pPr>
                 <a:r>
                   <a:rPr lang="en-US" sz="2600" dirty="0" smtClean="0"/>
-                  <a:t>Input</a:t>
-                </a:r>
-                <a:r>
-                  <a:rPr lang="en-US" sz="2600" dirty="0" smtClean="0"/>
-                  <a:t>: function samples (real or complex</a:t>
-                </a:r>
-                <a:r>
-                  <a:rPr lang="en-US" sz="2600" dirty="0" smtClean="0"/>
-                  <a:t>).              Output</a:t>
-                </a:r>
-                <a:r>
-                  <a:rPr lang="en-US" sz="2600" dirty="0" smtClean="0"/>
-                  <a:t>: rational </a:t>
+                  <a:t>Input: function samples (real or complex).              Output: rational </a:t>
                 </a:r>
                 <a:r>
                   <a:rPr lang="en-US" sz="2600" dirty="0" err="1" smtClean="0"/>
@@ -11369,7 +11355,7 @@
             </p:txBody>
           </p:sp>
         </mc:Choice>
-        <mc:Fallback>
+        <mc:Fallback xmlns="">
           <p:sp>
             <p:nvSpPr>
               <p:cNvPr id="14" name="Content Placeholder 13"/>
@@ -12446,7 +12432,7 @@
         </p:nvSpPr>
         <p:spPr>
           <a:xfrm>
-            <a:off x="1593436" y="-243408"/>
+            <a:off x="1593436" y="-27384"/>
             <a:ext cx="9782801" cy="1239837"/>
           </a:xfrm>
         </p:spPr>
@@ -12487,7 +12473,7 @@
             </p:nvSpPr>
             <p:spPr>
               <a:xfrm>
-                <a:off x="1629916" y="1196752"/>
+                <a:off x="1629916" y="1593304"/>
                 <a:ext cx="9782801" cy="4572000"/>
               </a:xfrm>
             </p:spPr>
@@ -12637,7 +12623,7 @@
             </p:nvSpPr>
             <p:spPr>
               <a:xfrm>
-                <a:off x="1629916" y="1196752"/>
+                <a:off x="1629916" y="1593304"/>
                 <a:ext cx="9782801" cy="4572000"/>
               </a:xfrm>
               <a:blipFill rotWithShape="0">
@@ -12671,13 +12657,13 @@
           <p:nvPr>
             <p:extLst>
               <p:ext uri="{D42A27DB-BD31-4B8C-83A1-F6EECF244321}">
-                <p14:modId xmlns:p14="http://schemas.microsoft.com/office/powerpoint/2010/main" val="899411165"/>
+                <p14:modId xmlns:p14="http://schemas.microsoft.com/office/powerpoint/2010/main" val="794801601"/>
               </p:ext>
             </p:extLst>
           </p:nvPr>
         </p:nvGraphicFramePr>
         <p:xfrm>
-          <a:off x="1701924" y="2564904"/>
+          <a:off x="1701924" y="2961456"/>
           <a:ext cx="9649068" cy="3200400"/>
         </p:xfrm>
         <a:graphic>
@@ -12690,14 +12676,14 @@
                 <a:gridCol w="1205934">
                   <a:extLst>
                     <a:ext uri="{9D8B030D-6E8A-4147-A177-3AD203B41FA5}">
-                      <a16:colId xmlns="" xmlns:a16="http://schemas.microsoft.com/office/drawing/2014/main" val="20001"/>
+                      <a16:colId xmlns:a16="http://schemas.microsoft.com/office/drawing/2014/main" xmlns="" val="20001"/>
                     </a:ext>
                   </a:extLst>
                 </a:gridCol>
                 <a:gridCol w="1206162">
                   <a:extLst>
                     <a:ext uri="{9D8B030D-6E8A-4147-A177-3AD203B41FA5}">
-                      <a16:colId xmlns="" xmlns:a16="http://schemas.microsoft.com/office/drawing/2014/main" val="20002"/>
+                      <a16:colId xmlns:a16="http://schemas.microsoft.com/office/drawing/2014/main" xmlns="" val="20002"/>
                     </a:ext>
                   </a:extLst>
                 </a:gridCol>
@@ -12746,8 +12732,12 @@
                     <a:p>
                       <a:pPr algn="ctr"/>
                       <a:r>
+                        <a:rPr lang="en-US" dirty="0" err="1" smtClean="0"/>
+                        <a:t>cond</a:t>
+                      </a:r>
+                      <a:r>
                         <a:rPr lang="en-US" dirty="0" smtClean="0"/>
-                        <a:t>size(A)</a:t>
+                        <a:t>(A)</a:t>
                       </a:r>
                       <a:endParaRPr lang="en-US" dirty="0"/>
                     </a:p>
@@ -12761,12 +12751,45 @@
                     <a:p>
                       <a:pPr algn="ctr"/>
                       <a:r>
-                        <a:rPr lang="en-US" dirty="0" err="1" smtClean="0"/>
+                        <a:rPr lang="it-IT" dirty="0" smtClean="0"/>
                         <a:t>cond</a:t>
                       </a:r>
+                    </a:p>
+                    <a:p>
+                      <a:pPr algn="ctr"/>
+                      <a:r>
+                        <a:rPr lang="it-IT" dirty="0" smtClean="0"/>
+                        <a:t>(exp, A)</a:t>
+                      </a:r>
+                      <a:endParaRPr lang="it-IT" dirty="0"/>
+                    </a:p>
+                  </a:txBody>
+                  <a:tcPr anchor="ctr"/>
+                </a:tc>
+                <a:tc>
+                  <a:txBody>
+                    <a:bodyPr/>
+                    <a:lstStyle/>
+                    <a:p>
+                      <a:pPr algn="ctr"/>
                       <a:r>
                         <a:rPr lang="en-US" dirty="0" smtClean="0"/>
-                        <a:t>(A)</a:t>
+                        <a:t># poles</a:t>
+                      </a:r>
+                      <a:endParaRPr lang="en-US" dirty="0"/>
+                    </a:p>
+                  </a:txBody>
+                  <a:tcPr anchor="ctr"/>
+                </a:tc>
+                <a:tc>
+                  <a:txBody>
+                    <a:bodyPr/>
+                    <a:lstStyle/>
+                    <a:p>
+                      <a:pPr algn="ctr"/>
+                      <a:r>
+                        <a:rPr lang="en-US" dirty="0" smtClean="0"/>
+                        <a:t>error</a:t>
                       </a:r>
                       <a:endParaRPr lang="en-US" dirty="0"/>
                     </a:p>
@@ -12796,37 +12819,7 @@
                       <a:pPr algn="ctr"/>
                       <a:r>
                         <a:rPr lang="en-US" dirty="0" smtClean="0"/>
-                        <a:t>accuracy</a:t>
-                      </a:r>
-                      <a:endParaRPr lang="en-US" dirty="0"/>
-                    </a:p>
-                  </a:txBody>
-                  <a:tcPr anchor="ctr"/>
-                </a:tc>
-                <a:tc>
-                  <a:txBody>
-                    <a:bodyPr/>
-                    <a:lstStyle/>
-                    <a:p>
-                      <a:pPr algn="ctr"/>
-                      <a:r>
-                        <a:rPr lang="en-US" dirty="0" smtClean="0"/>
-                        <a:t># poles</a:t>
-                      </a:r>
-                      <a:endParaRPr lang="en-US" dirty="0"/>
-                    </a:p>
-                  </a:txBody>
-                  <a:tcPr anchor="ctr"/>
-                </a:tc>
-                <a:tc>
-                  <a:txBody>
-                    <a:bodyPr/>
-                    <a:lstStyle/>
-                    <a:p>
-                      <a:pPr algn="ctr"/>
-                      <a:r>
-                        <a:rPr lang="en-US" dirty="0" smtClean="0"/>
-                        <a:t>accuracy</a:t>
+                        <a:t>error</a:t>
                       </a:r>
                       <a:endParaRPr lang="en-US" dirty="0"/>
                     </a:p>
@@ -12835,7 +12828,7 @@
                 </a:tc>
                 <a:extLst>
                   <a:ext uri="{0D108BD9-81ED-4DB2-BD59-A6C34878D82A}">
-                    <a16:rowId xmlns="" xmlns:a16="http://schemas.microsoft.com/office/drawing/2014/main" val="10000"/>
+                    <a16:rowId xmlns:a16="http://schemas.microsoft.com/office/drawing/2014/main" xmlns="" val="10000"/>
                   </a:ext>
                 </a:extLst>
               </a:tr>
@@ -12880,32 +12873,11 @@
                     <a:p>
                       <a:pPr algn="ctr"/>
                       <a:r>
-                        <a:rPr lang="en-US" dirty="0" err="1" smtClean="0">
-                          <a:latin typeface="Cambria Math" panose="02040503050406030204" pitchFamily="18" charset="0"/>
-                          <a:ea typeface="Cambria Math" panose="02040503050406030204" pitchFamily="18" charset="0"/>
-                        </a:rPr>
-                        <a:t>jagmesh</a:t>
-                      </a:r>
-                      <a:endParaRPr lang="en-US" dirty="0">
-                        <a:latin typeface="Cambria Math" panose="02040503050406030204" pitchFamily="18" charset="0"/>
-                        <a:ea typeface="Cambria Math" panose="02040503050406030204" pitchFamily="18" charset="0"/>
-                      </a:endParaRPr>
-                    </a:p>
-                  </a:txBody>
-                  <a:tcPr anchor="ctr"/>
-                </a:tc>
-                <a:tc>
-                  <a:txBody>
-                    <a:bodyPr/>
-                    <a:lstStyle/>
-                    <a:p>
-                      <a:pPr algn="ctr"/>
-                      <a:r>
                         <a:rPr lang="en-US" dirty="0" smtClean="0">
                           <a:latin typeface="Cambria Math" panose="02040503050406030204" pitchFamily="18" charset="0"/>
                           <a:ea typeface="Cambria Math" panose="02040503050406030204" pitchFamily="18" charset="0"/>
                         </a:rPr>
-                        <a:t>1089</a:t>
+                        <a:t>jagmesh3</a:t>
                       </a:r>
                       <a:endParaRPr lang="en-US" dirty="0">
                         <a:latin typeface="Cambria Math" panose="02040503050406030204" pitchFamily="18" charset="0"/>
@@ -12929,6 +12901,27 @@
                         <a:t>1168</a:t>
                       </a:r>
                       <a:endParaRPr lang="en-US" dirty="0">
+                        <a:latin typeface="Cambria Math" panose="02040503050406030204" pitchFamily="18" charset="0"/>
+                        <a:ea typeface="Cambria Math" panose="02040503050406030204" pitchFamily="18" charset="0"/>
+                      </a:endParaRPr>
+                    </a:p>
+                  </a:txBody>
+                  <a:tcPr anchor="ctr"/>
+                </a:tc>
+                <a:tc>
+                  <a:txBody>
+                    <a:bodyPr/>
+                    <a:lstStyle/>
+                    <a:p>
+                      <a:pPr algn="ctr"/>
+                      <a:r>
+                        <a:rPr lang="it-IT" dirty="0" smtClean="0">
+                          <a:latin typeface="Cambria Math" panose="02040503050406030204" pitchFamily="18" charset="0"/>
+                          <a:ea typeface="Cambria Math" panose="02040503050406030204" pitchFamily="18" charset="0"/>
+                        </a:rPr>
+                        <a:t>7.0e0</a:t>
+                      </a:r>
+                      <a:endParaRPr lang="it-IT" dirty="0">
                         <a:latin typeface="Cambria Math" panose="02040503050406030204" pitchFamily="18" charset="0"/>
                         <a:ea typeface="Cambria Math" panose="02040503050406030204" pitchFamily="18" charset="0"/>
                       </a:endParaRPr>
@@ -13022,7 +13015,7 @@
                 </a:tc>
                 <a:extLst>
                   <a:ext uri="{0D108BD9-81ED-4DB2-BD59-A6C34878D82A}">
-                    <a16:rowId xmlns="" xmlns:a16="http://schemas.microsoft.com/office/drawing/2014/main" val="10001"/>
+                    <a16:rowId xmlns:a16="http://schemas.microsoft.com/office/drawing/2014/main" xmlns="" val="10001"/>
                   </a:ext>
                 </a:extLst>
               </a:tr>
@@ -13092,7 +13085,7 @@
                           <a:latin typeface="Cambria Math" panose="02040503050406030204" pitchFamily="18" charset="0"/>
                           <a:ea typeface="Cambria Math" panose="02040503050406030204" pitchFamily="18" charset="0"/>
                         </a:rPr>
-                        <a:t>1104</a:t>
+                        <a:t>2178</a:t>
                       </a:r>
                       <a:endParaRPr lang="en-US" dirty="0">
                         <a:latin typeface="Cambria Math" panose="02040503050406030204" pitchFamily="18" charset="0"/>
@@ -13109,13 +13102,13 @@
                     <a:p>
                       <a:pPr algn="ctr"/>
                       <a:r>
-                        <a:rPr lang="en-US" dirty="0" smtClean="0">
+                        <a:rPr lang="it-IT" dirty="0" smtClean="0">
                           <a:latin typeface="Cambria Math" panose="02040503050406030204" pitchFamily="18" charset="0"/>
                           <a:ea typeface="Cambria Math" panose="02040503050406030204" pitchFamily="18" charset="0"/>
                         </a:rPr>
-                        <a:t>2178</a:t>
+                        <a:t>1.2e2</a:t>
                       </a:r>
-                      <a:endParaRPr lang="en-US" dirty="0">
+                      <a:endParaRPr lang="it-IT" dirty="0">
                         <a:latin typeface="Cambria Math" panose="02040503050406030204" pitchFamily="18" charset="0"/>
                         <a:ea typeface="Cambria Math" panose="02040503050406030204" pitchFamily="18" charset="0"/>
                       </a:endParaRPr>
@@ -13209,7 +13202,7 @@
                 </a:tc>
                 <a:extLst>
                   <a:ext uri="{0D108BD9-81ED-4DB2-BD59-A6C34878D82A}">
-                    <a16:rowId xmlns="" xmlns:a16="http://schemas.microsoft.com/office/drawing/2014/main" val="10002"/>
+                    <a16:rowId xmlns:a16="http://schemas.microsoft.com/office/drawing/2014/main" xmlns="" val="10002"/>
                   </a:ext>
                 </a:extLst>
               </a:tr>
@@ -13290,7 +13283,7 @@
                           <a:latin typeface="Cambria Math" panose="02040503050406030204" pitchFamily="18" charset="0"/>
                           <a:ea typeface="Cambria Math" panose="02040503050406030204" pitchFamily="18" charset="0"/>
                         </a:rPr>
-                        <a:t>1072</a:t>
+                        <a:t>2.0e34</a:t>
                       </a:r>
                       <a:endParaRPr lang="en-US" dirty="0">
                         <a:latin typeface="Cambria Math" panose="02040503050406030204" pitchFamily="18" charset="0"/>
@@ -13307,13 +13300,13 @@
                     <a:p>
                       <a:pPr algn="ctr"/>
                       <a:r>
-                        <a:rPr lang="en-US" dirty="0" smtClean="0">
+                        <a:rPr lang="it-IT" dirty="0" smtClean="0">
                           <a:latin typeface="Cambria Math" panose="02040503050406030204" pitchFamily="18" charset="0"/>
                           <a:ea typeface="Cambria Math" panose="02040503050406030204" pitchFamily="18" charset="0"/>
                         </a:rPr>
-                        <a:t>2.0e34</a:t>
+                        <a:t>3.4e1</a:t>
                       </a:r>
-                      <a:endParaRPr lang="en-US" dirty="0">
+                      <a:endParaRPr lang="it-IT" dirty="0">
                         <a:latin typeface="Cambria Math" panose="02040503050406030204" pitchFamily="18" charset="0"/>
                         <a:ea typeface="Cambria Math" panose="02040503050406030204" pitchFamily="18" charset="0"/>
                       </a:endParaRPr>
@@ -13407,7 +13400,7 @@
                 </a:tc>
                 <a:extLst>
                   <a:ext uri="{0D108BD9-81ED-4DB2-BD59-A6C34878D82A}">
-                    <a16:rowId xmlns="" xmlns:a16="http://schemas.microsoft.com/office/drawing/2014/main" val="10003"/>
+                    <a16:rowId xmlns:a16="http://schemas.microsoft.com/office/drawing/2014/main" xmlns="" val="10003"/>
                   </a:ext>
                 </a:extLst>
               </a:tr>
@@ -13473,11 +13466,11 @@
                     <a:p>
                       <a:pPr algn="ctr"/>
                       <a:r>
-                        <a:rPr lang="en-US" dirty="0" smtClean="0">
+                        <a:rPr lang="en-US" dirty="0" err="1" smtClean="0">
                           <a:latin typeface="Cambria Math" panose="02040503050406030204" pitchFamily="18" charset="0"/>
                           <a:ea typeface="Cambria Math" panose="02040503050406030204" pitchFamily="18" charset="0"/>
                         </a:rPr>
-                        <a:t>1059</a:t>
+                        <a:t>Inf</a:t>
                       </a:r>
                       <a:endParaRPr lang="en-US" dirty="0">
                         <a:latin typeface="Cambria Math" panose="02040503050406030204" pitchFamily="18" charset="0"/>
@@ -13494,13 +13487,13 @@
                     <a:p>
                       <a:pPr algn="ctr"/>
                       <a:r>
-                        <a:rPr lang="en-US" dirty="0" err="1" smtClean="0">
+                        <a:rPr lang="it-IT" dirty="0" smtClean="0">
                           <a:latin typeface="Cambria Math" panose="02040503050406030204" pitchFamily="18" charset="0"/>
                           <a:ea typeface="Cambria Math" panose="02040503050406030204" pitchFamily="18" charset="0"/>
                         </a:rPr>
-                        <a:t>Inf</a:t>
+                        <a:t>7.8e1</a:t>
                       </a:r>
-                      <a:endParaRPr lang="en-US" dirty="0">
+                      <a:endParaRPr lang="it-IT" dirty="0">
                         <a:latin typeface="Cambria Math" panose="02040503050406030204" pitchFamily="18" charset="0"/>
                         <a:ea typeface="Cambria Math" panose="02040503050406030204" pitchFamily="18" charset="0"/>
                       </a:endParaRPr>
@@ -13597,299 +13590,6 @@
           </a:graphicData>
         </a:graphic>
       </p:graphicFrame>
-      <mc:AlternateContent xmlns:mc="http://schemas.openxmlformats.org/markup-compatibility/2006" xmlns:a14="http://schemas.microsoft.com/office/drawing/2010/main">
-        <mc:Choice Requires="a14">
-          <p:sp>
-            <p:nvSpPr>
-              <p:cNvPr id="6" name="Content Placeholder 13"/>
-              <p:cNvSpPr txBox="1">
-                <a:spLocks/>
-              </p:cNvSpPr>
-              <p:nvPr/>
-            </p:nvSpPr>
-            <p:spPr>
-              <a:xfrm>
-                <a:off x="1629915" y="6021288"/>
-                <a:ext cx="9782801" cy="4572000"/>
-              </a:xfrm>
-              <a:prstGeom prst="rect">
-                <a:avLst/>
-              </a:prstGeom>
-            </p:spPr>
-            <p:txBody>
-              <a:bodyPr vert="horz" lIns="91440" tIns="45720" rIns="91440" bIns="45720" rtlCol="0">
-                <a:normAutofit/>
-              </a:bodyPr>
-              <a:lstStyle>
-                <a:lvl1pPr marL="246888" indent="-246888" algn="l" defTabSz="914400" rtl="0" eaLnBrk="1" latinLnBrk="0" hangingPunct="1">
-                  <a:lnSpc>
-                    <a:spcPct val="90000"/>
-                  </a:lnSpc>
-                  <a:spcBef>
-                    <a:spcPts val="1400"/>
-                  </a:spcBef>
-                  <a:buFont typeface="Euphemia" pitchFamily="34" charset="0"/>
-                  <a:buChar char="›"/>
-                  <a:defRPr sz="2800" kern="1200">
-                    <a:solidFill>
-                      <a:schemeClr val="tx1"/>
-                    </a:solidFill>
-                    <a:latin typeface="+mn-lt"/>
-                    <a:ea typeface="+mn-ea"/>
-                    <a:cs typeface="+mn-cs"/>
-                  </a:defRPr>
-                </a:lvl1pPr>
-                <a:lvl2pPr marL="612648" indent="-246888" algn="l" defTabSz="914400" rtl="0" eaLnBrk="1" latinLnBrk="0" hangingPunct="1">
-                  <a:lnSpc>
-                    <a:spcPct val="90000"/>
-                  </a:lnSpc>
-                  <a:spcBef>
-                    <a:spcPts val="600"/>
-                  </a:spcBef>
-                  <a:buFont typeface="Euphemia" pitchFamily="34" charset="0"/>
-                  <a:buChar char="–"/>
-                  <a:defRPr sz="2400" kern="1200">
-                    <a:solidFill>
-                      <a:schemeClr val="tx1"/>
-                    </a:solidFill>
-                    <a:latin typeface="+mn-lt"/>
-                    <a:ea typeface="+mn-ea"/>
-                    <a:cs typeface="+mn-cs"/>
-                  </a:defRPr>
-                </a:lvl2pPr>
-                <a:lvl3pPr marL="978408" indent="-246888" algn="l" defTabSz="914400" rtl="0" eaLnBrk="1" latinLnBrk="0" hangingPunct="1">
-                  <a:lnSpc>
-                    <a:spcPct val="90000"/>
-                  </a:lnSpc>
-                  <a:spcBef>
-                    <a:spcPts val="600"/>
-                  </a:spcBef>
-                  <a:buFont typeface="Euphemia" pitchFamily="34" charset="0"/>
-                  <a:buChar char="›"/>
-                  <a:defRPr sz="2000" kern="1200">
-                    <a:solidFill>
-                      <a:schemeClr val="tx1"/>
-                    </a:solidFill>
-                    <a:latin typeface="+mn-lt"/>
-                    <a:ea typeface="+mn-ea"/>
-                    <a:cs typeface="+mn-cs"/>
-                  </a:defRPr>
-                </a:lvl3pPr>
-                <a:lvl4pPr marL="1344168" indent="-246888" algn="l" defTabSz="914400" rtl="0" eaLnBrk="1" latinLnBrk="0" hangingPunct="1">
-                  <a:lnSpc>
-                    <a:spcPct val="90000"/>
-                  </a:lnSpc>
-                  <a:spcBef>
-                    <a:spcPts val="600"/>
-                  </a:spcBef>
-                  <a:buFont typeface="Arial" pitchFamily="34" charset="0"/>
-                  <a:buChar char="–"/>
-                  <a:defRPr sz="1800" kern="1200">
-                    <a:solidFill>
-                      <a:schemeClr val="tx1"/>
-                    </a:solidFill>
-                    <a:latin typeface="+mn-lt"/>
-                    <a:ea typeface="+mn-ea"/>
-                    <a:cs typeface="+mn-cs"/>
-                  </a:defRPr>
-                </a:lvl4pPr>
-                <a:lvl5pPr marL="1709928" indent="-246888" algn="l" defTabSz="914400" rtl="0" eaLnBrk="1" latinLnBrk="0" hangingPunct="1">
-                  <a:lnSpc>
-                    <a:spcPct val="90000"/>
-                  </a:lnSpc>
-                  <a:spcBef>
-                    <a:spcPts val="600"/>
-                  </a:spcBef>
-                  <a:buFont typeface="Euphemia" pitchFamily="34" charset="0"/>
-                  <a:buChar char="›"/>
-                  <a:defRPr sz="1800" kern="1200">
-                    <a:solidFill>
-                      <a:schemeClr val="tx1"/>
-                    </a:solidFill>
-                    <a:latin typeface="+mn-lt"/>
-                    <a:ea typeface="+mn-ea"/>
-                    <a:cs typeface="+mn-cs"/>
-                  </a:defRPr>
-                </a:lvl5pPr>
-                <a:lvl6pPr marL="2075688" indent="-246888" algn="l" defTabSz="914400" rtl="0" eaLnBrk="1" latinLnBrk="0" hangingPunct="1">
-                  <a:lnSpc>
-                    <a:spcPct val="90000"/>
-                  </a:lnSpc>
-                  <a:spcBef>
-                    <a:spcPts val="600"/>
-                  </a:spcBef>
-                  <a:buFont typeface="Euphemia" pitchFamily="34" charset="0"/>
-                  <a:buChar char="–"/>
-                  <a:defRPr sz="1800" kern="1200">
-                    <a:solidFill>
-                      <a:schemeClr val="tx1"/>
-                    </a:solidFill>
-                    <a:latin typeface="+mn-lt"/>
-                    <a:ea typeface="+mn-ea"/>
-                    <a:cs typeface="+mn-cs"/>
-                  </a:defRPr>
-                </a:lvl6pPr>
-                <a:lvl7pPr marL="2441448" indent="-246888" algn="l" defTabSz="914400" rtl="0" eaLnBrk="1" latinLnBrk="0" hangingPunct="1">
-                  <a:lnSpc>
-                    <a:spcPct val="90000"/>
-                  </a:lnSpc>
-                  <a:spcBef>
-                    <a:spcPts val="600"/>
-                  </a:spcBef>
-                  <a:buFont typeface="Euphemia" pitchFamily="34" charset="0"/>
-                  <a:buChar char="›"/>
-                  <a:defRPr sz="1800" kern="1200">
-                    <a:solidFill>
-                      <a:schemeClr val="tx1"/>
-                    </a:solidFill>
-                    <a:latin typeface="+mn-lt"/>
-                    <a:ea typeface="+mn-ea"/>
-                    <a:cs typeface="+mn-cs"/>
-                  </a:defRPr>
-                </a:lvl7pPr>
-                <a:lvl8pPr marL="2807208" indent="-246888" algn="l" defTabSz="914400" rtl="0" eaLnBrk="1" latinLnBrk="0" hangingPunct="1">
-                  <a:lnSpc>
-                    <a:spcPct val="90000"/>
-                  </a:lnSpc>
-                  <a:spcBef>
-                    <a:spcPts val="600"/>
-                  </a:spcBef>
-                  <a:buFont typeface="Euphemia" pitchFamily="34" charset="0"/>
-                  <a:buChar char="–"/>
-                  <a:defRPr sz="1800" kern="1200" baseline="0">
-                    <a:solidFill>
-                      <a:schemeClr val="tx1"/>
-                    </a:solidFill>
-                    <a:latin typeface="+mn-lt"/>
-                    <a:ea typeface="+mn-ea"/>
-                    <a:cs typeface="+mn-cs"/>
-                  </a:defRPr>
-                </a:lvl8pPr>
-                <a:lvl9pPr marL="3172968" indent="-246888" algn="l" defTabSz="914400" rtl="0" eaLnBrk="1" latinLnBrk="0" hangingPunct="1">
-                  <a:lnSpc>
-                    <a:spcPct val="90000"/>
-                  </a:lnSpc>
-                  <a:spcBef>
-                    <a:spcPts val="600"/>
-                  </a:spcBef>
-                  <a:buFont typeface="Euphemia" pitchFamily="34" charset="0"/>
-                  <a:buChar char="›"/>
-                  <a:defRPr sz="1800" kern="1200" baseline="0">
-                    <a:solidFill>
-                      <a:schemeClr val="tx1"/>
-                    </a:solidFill>
-                    <a:latin typeface="+mn-lt"/>
-                    <a:ea typeface="+mn-ea"/>
-                    <a:cs typeface="+mn-cs"/>
-                  </a:defRPr>
-                </a:lvl9pPr>
-              </a:lstStyle>
-              <a:p>
-                <a:pPr marL="0" indent="0">
-                  <a:lnSpc>
-                    <a:spcPct val="120000"/>
-                  </a:lnSpc>
-                  <a:buFont typeface="Euphemia" pitchFamily="34" charset="0"/>
-                  <a:buNone/>
-                </a:pPr>
-                <a:r>
-                  <a:rPr lang="en-US" sz="2200" dirty="0" smtClean="0"/>
-                  <a:t>I haven’t implemented the estimator of </a:t>
-                </a:r>
-                <a14:m>
-                  <m:oMath xmlns:m="http://schemas.openxmlformats.org/officeDocument/2006/math">
-                    <m:r>
-                      <a:rPr lang="en-US" sz="2200" i="1" dirty="0" smtClean="0">
-                        <a:latin typeface="Cambria Math" panose="02040503050406030204" pitchFamily="18" charset="0"/>
-                      </a:rPr>
-                      <m:t>𝑐𝑜𝑛𝑑</m:t>
-                    </m:r>
-                    <m:r>
-                      <a:rPr lang="en-US" sz="2200" i="1" dirty="0" smtClean="0">
-                        <a:latin typeface="Cambria Math" panose="02040503050406030204" pitchFamily="18" charset="0"/>
-                      </a:rPr>
-                      <m:t>(</m:t>
-                    </m:r>
-                    <m:r>
-                      <a:rPr lang="en-US" sz="2200" i="1" dirty="0" smtClean="0">
-                        <a:latin typeface="Cambria Math" panose="02040503050406030204" pitchFamily="18" charset="0"/>
-                      </a:rPr>
-                      <m:t>𝑓</m:t>
-                    </m:r>
-                    <m:r>
-                      <a:rPr lang="en-US" sz="2200" i="1" dirty="0" smtClean="0">
-                        <a:latin typeface="Cambria Math" panose="02040503050406030204" pitchFamily="18" charset="0"/>
-                      </a:rPr>
-                      <m:t>(</m:t>
-                    </m:r>
-                    <m:r>
-                      <a:rPr lang="en-US" sz="2200" i="1" dirty="0" smtClean="0">
-                        <a:latin typeface="Cambria Math" panose="02040503050406030204" pitchFamily="18" charset="0"/>
-                      </a:rPr>
-                      <m:t>𝐴</m:t>
-                    </m:r>
-                    <m:r>
-                      <a:rPr lang="en-US" sz="2200" i="1" dirty="0" smtClean="0">
-                        <a:latin typeface="Cambria Math" panose="02040503050406030204" pitchFamily="18" charset="0"/>
-                      </a:rPr>
-                      <m:t>))</m:t>
-                    </m:r>
-                  </m:oMath>
-                </a14:m>
-                <a:r>
-                  <a:rPr lang="en-US" sz="2200" dirty="0" smtClean="0"/>
-                  <a:t> yet </a:t>
-                </a:r>
-                <a:r>
-                  <a:rPr lang="en-US" sz="2200" dirty="0" smtClean="0">
-                    <a:sym typeface="Wingdings" panose="05000000000000000000" pitchFamily="2" charset="2"/>
-                  </a:rPr>
-                  <a:t></a:t>
-                </a:r>
-                <a:endParaRPr lang="en-US" sz="2200" dirty="0"/>
-              </a:p>
-            </p:txBody>
-          </p:sp>
-        </mc:Choice>
-        <mc:Fallback xmlns="">
-          <p:sp>
-            <p:nvSpPr>
-              <p:cNvPr id="6" name="Content Placeholder 13"/>
-              <p:cNvSpPr txBox="1">
-                <a:spLocks noRot="1" noChangeAspect="1" noMove="1" noResize="1" noEditPoints="1" noAdjustHandles="1" noChangeArrowheads="1" noChangeShapeType="1" noTextEdit="1"/>
-              </p:cNvSpPr>
-              <p:nvPr/>
-            </p:nvSpPr>
-            <p:spPr>
-              <a:xfrm>
-                <a:off x="1629915" y="6021288"/>
-                <a:ext cx="9782801" cy="4572000"/>
-              </a:xfrm>
-              <a:prstGeom prst="rect">
-                <a:avLst/>
-              </a:prstGeom>
-              <a:blipFill rotWithShape="0">
-                <a:blip r:embed="rId3"/>
-                <a:stretch>
-                  <a:fillRect l="-810" t="-400"/>
-                </a:stretch>
-              </a:blipFill>
-            </p:spPr>
-            <p:txBody>
-              <a:bodyPr/>
-              <a:lstStyle/>
-              <a:p>
-                <a:r>
-                  <a:rPr lang="it-IT">
-                    <a:noFill/>
-                  </a:rPr>
-                  <a:t> </a:t>
-                </a:r>
-              </a:p>
-            </p:txBody>
-          </p:sp>
-        </mc:Fallback>
-      </mc:AlternateContent>
     </p:spTree>
     <p:extLst>
       <p:ext uri="{BB962C8B-B14F-4D97-AF65-F5344CB8AC3E}">
@@ -14134,11 +13834,7 @@
             </a:r>
             <a:r>
               <a:rPr lang="en-US" dirty="0" smtClean="0"/>
-              <a:t>egree thesis under supervision of </a:t>
-            </a:r>
-            <a:r>
-              <a:rPr lang="en-US" dirty="0" smtClean="0"/>
-              <a:t>Federico </a:t>
+              <a:t>egree thesis under supervision of Federico </a:t>
             </a:r>
             <a:r>
               <a:rPr lang="en-US" dirty="0" err="1" smtClean="0"/>
@@ -14923,8 +14619,8 @@
           </a:p>
         </p:txBody>
       </p:sp>
-      <mc:AlternateContent xmlns:mc="http://schemas.openxmlformats.org/markup-compatibility/2006">
-        <mc:Choice xmlns:a14="http://schemas.microsoft.com/office/drawing/2010/main" Requires="a14">
+      <mc:AlternateContent xmlns:mc="http://schemas.openxmlformats.org/markup-compatibility/2006" xmlns:a14="http://schemas.microsoft.com/office/drawing/2010/main">
+        <mc:Choice Requires="a14">
           <p:sp>
             <p:nvSpPr>
               <p:cNvPr id="14" name="Content Placeholder 13"/>
@@ -15643,7 +15339,7 @@
             </p:txBody>
           </p:sp>
         </mc:Choice>
-        <mc:Fallback>
+        <mc:Fallback xmlns="">
           <p:sp>
             <p:nvSpPr>
               <p:cNvPr id="14" name="Content Placeholder 13"/>
@@ -15711,8 +15407,8 @@
           </a:prstGeom>
         </p:spPr>
       </p:pic>
-      <mc:AlternateContent xmlns:mc="http://schemas.openxmlformats.org/markup-compatibility/2006">
-        <mc:Choice xmlns:a14="http://schemas.microsoft.com/office/drawing/2010/main" Requires="a14">
+      <mc:AlternateContent xmlns:mc="http://schemas.openxmlformats.org/markup-compatibility/2006" xmlns:a14="http://schemas.microsoft.com/office/drawing/2010/main">
+        <mc:Choice Requires="a14">
           <p:sp>
             <p:nvSpPr>
               <p:cNvPr id="5" name="Content Placeholder 13"/>
@@ -15971,7 +15667,7 @@
             </p:txBody>
           </p:sp>
         </mc:Choice>
-        <mc:Fallback>
+        <mc:Fallback xmlns="">
           <p:sp>
             <p:nvSpPr>
               <p:cNvPr id="5" name="Content Placeholder 13"/>
@@ -16742,21 +16438,21 @@
                 <a:gridCol w="756560">
                   <a:extLst>
                     <a:ext uri="{9D8B030D-6E8A-4147-A177-3AD203B41FA5}">
-                      <a16:colId xmlns="" xmlns:a16="http://schemas.microsoft.com/office/drawing/2014/main" val="20000"/>
+                      <a16:colId xmlns:a16="http://schemas.microsoft.com/office/drawing/2014/main" xmlns="" val="20000"/>
                     </a:ext>
                   </a:extLst>
                 </a:gridCol>
                 <a:gridCol w="1584176">
                   <a:extLst>
                     <a:ext uri="{9D8B030D-6E8A-4147-A177-3AD203B41FA5}">
-                      <a16:colId xmlns="" xmlns:a16="http://schemas.microsoft.com/office/drawing/2014/main" val="20001"/>
+                      <a16:colId xmlns:a16="http://schemas.microsoft.com/office/drawing/2014/main" xmlns="" val="20001"/>
                     </a:ext>
                   </a:extLst>
                 </a:gridCol>
                 <a:gridCol w="1584479">
                   <a:extLst>
                     <a:ext uri="{9D8B030D-6E8A-4147-A177-3AD203B41FA5}">
-                      <a16:colId xmlns="" xmlns:a16="http://schemas.microsoft.com/office/drawing/2014/main" val="20002"/>
+                      <a16:colId xmlns:a16="http://schemas.microsoft.com/office/drawing/2014/main" xmlns="" val="20002"/>
                     </a:ext>
                   </a:extLst>
                 </a:gridCol>
@@ -16815,7 +16511,7 @@
                 </a:tc>
                 <a:extLst>
                   <a:ext uri="{0D108BD9-81ED-4DB2-BD59-A6C34878D82A}">
-                    <a16:rowId xmlns="" xmlns:a16="http://schemas.microsoft.com/office/drawing/2014/main" val="10000"/>
+                    <a16:rowId xmlns:a16="http://schemas.microsoft.com/office/drawing/2014/main" xmlns="" val="10000"/>
                   </a:ext>
                 </a:extLst>
               </a:tr>
@@ -16890,7 +16586,7 @@
                 </a:tc>
                 <a:extLst>
                   <a:ext uri="{0D108BD9-81ED-4DB2-BD59-A6C34878D82A}">
-                    <a16:rowId xmlns="" xmlns:a16="http://schemas.microsoft.com/office/drawing/2014/main" val="10001"/>
+                    <a16:rowId xmlns:a16="http://schemas.microsoft.com/office/drawing/2014/main" xmlns="" val="10001"/>
                   </a:ext>
                 </a:extLst>
               </a:tr>
@@ -16965,7 +16661,7 @@
                 </a:tc>
                 <a:extLst>
                   <a:ext uri="{0D108BD9-81ED-4DB2-BD59-A6C34878D82A}">
-                    <a16:rowId xmlns="" xmlns:a16="http://schemas.microsoft.com/office/drawing/2014/main" val="10002"/>
+                    <a16:rowId xmlns:a16="http://schemas.microsoft.com/office/drawing/2014/main" xmlns="" val="10002"/>
                   </a:ext>
                 </a:extLst>
               </a:tr>
@@ -17040,7 +16736,7 @@
                 </a:tc>
                 <a:extLst>
                   <a:ext uri="{0D108BD9-81ED-4DB2-BD59-A6C34878D82A}">
-                    <a16:rowId xmlns="" xmlns:a16="http://schemas.microsoft.com/office/drawing/2014/main" val="10003"/>
+                    <a16:rowId xmlns:a16="http://schemas.microsoft.com/office/drawing/2014/main" xmlns="" val="10003"/>
                   </a:ext>
                 </a:extLst>
               </a:tr>

--- a/docs/slides pd2ggaln/MatFun.pptx
+++ b/docs/slides pd2ggaln/MatFun.pptx
@@ -198,7 +198,7 @@
               <c:strCache>
                 <c:ptCount val="1"/>
                 <c:pt idx="0">
-                  <c:v>Execution time (s) on randn(2500, 2500)</c:v>
+                  <c:v>Execution time (s) on randn(2500, 2500)+200*eye(2500)</c:v>
                 </c:pt>
               </c:strCache>
             </c:strRef>
@@ -218,6 +218,33 @@
           </c:spPr>
           <c:invertIfNegative val="0"/>
           <c:dLbls>
+            <c:dLbl>
+              <c:idx val="2"/>
+              <c:layout/>
+              <c:tx>
+                <c:rich>
+                  <a:bodyPr/>
+                  <a:lstStyle/>
+                  <a:p>
+                    <a:r>
+                      <a:rPr lang="en-US" smtClean="0"/>
+                      <a:t>48</a:t>
+                    </a:r>
+                  </a:p>
+                </c:rich>
+              </c:tx>
+              <c:showLegendKey val="0"/>
+              <c:showVal val="1"/>
+              <c:showCatName val="0"/>
+              <c:showSerName val="0"/>
+              <c:showPercent val="0"/>
+              <c:showBubbleSize val="0"/>
+              <c:extLst>
+                <c:ext xmlns:c15="http://schemas.microsoft.com/office/drawing/2012/chart" uri="{CE6537A1-D6FC-4f65-9D91-7224C49458BB}">
+                  <c15:layout/>
+                </c:ext>
+              </c:extLst>
+            </c:dLbl>
             <c:spPr>
               <a:noFill/>
               <a:ln>
@@ -298,13 +325,13 @@
                 <c:formatCode>General</c:formatCode>
                 <c:ptCount val="4"/>
                 <c:pt idx="0">
-                  <c:v>69</c:v>
+                  <c:v>68</c:v>
                 </c:pt>
                 <c:pt idx="1">
-                  <c:v>293</c:v>
+                  <c:v>206</c:v>
                 </c:pt>
                 <c:pt idx="2">
-                  <c:v>46</c:v>
+                  <c:v>48</c:v>
                 </c:pt>
                 <c:pt idx="3">
                   <c:v>67</c:v>
@@ -328,11 +355,11 @@
         </c:dLbls>
         <c:gapWidth val="150"/>
         <c:overlap val="100"/>
-        <c:axId val="215087824"/>
-        <c:axId val="215090624"/>
+        <c:axId val="155571824"/>
+        <c:axId val="155572384"/>
       </c:barChart>
       <c:catAx>
-        <c:axId val="215087824"/>
+        <c:axId val="155571824"/>
         <c:scaling>
           <c:orientation val="minMax"/>
         </c:scaling>
@@ -372,7 +399,7 @@
             <a:endParaRPr lang="it-IT"/>
           </a:p>
         </c:txPr>
-        <c:crossAx val="215090624"/>
+        <c:crossAx val="155572384"/>
         <c:crosses val="autoZero"/>
         <c:auto val="1"/>
         <c:lblAlgn val="ctr"/>
@@ -380,7 +407,7 @@
         <c:noMultiLvlLbl val="0"/>
       </c:catAx>
       <c:valAx>
-        <c:axId val="215090624"/>
+        <c:axId val="155572384"/>
         <c:scaling>
           <c:orientation val="minMax"/>
         </c:scaling>
@@ -404,7 +431,7 @@
         <c:majorTickMark val="none"/>
         <c:minorTickMark val="none"/>
         <c:tickLblPos val="nextTo"/>
-        <c:crossAx val="215087824"/>
+        <c:crossAx val="155571824"/>
         <c:crosses val="autoZero"/>
         <c:crossBetween val="between"/>
       </c:valAx>
@@ -1064,7 +1091,7 @@
           <a:p>
             <a:fld id="{BDB7646E-8811-423A-9C42-2CBFADA00A96}" type="datetimeFigureOut">
               <a:rPr lang="en-US" smtClean="0"/>
-              <a:t>4/17/2018</a:t>
+              <a:t>4/20/2018</a:t>
             </a:fld>
             <a:endParaRPr lang="en-US"/>
           </a:p>
@@ -1238,7 +1265,7 @@
             <a:fld id="{D677E230-58DD-43ED-96A1-552DDAB53532}" type="datetimeFigureOut">
               <a:rPr lang="en-US" smtClean="0"/>
               <a:pPr/>
-              <a:t>4/17/2018</a:t>
+              <a:t>4/20/2018</a:t>
             </a:fld>
             <a:endParaRPr lang="en-US"/>
           </a:p>
@@ -2431,7 +2458,7 @@
             <a:fld id="{C2C6F8EA-316C-41DE-B9A4-EDCC3A85ED9A}" type="datetimeFigureOut">
               <a:rPr lang="en-US" smtClean="0"/>
               <a:pPr/>
-              <a:t>4/17/2018</a:t>
+              <a:t>4/20/2018</a:t>
             </a:fld>
             <a:endParaRPr lang="en-US" dirty="0"/>
           </a:p>
@@ -2655,7 +2682,7 @@
           <a:p>
             <a:fld id="{C2C6F8EA-316C-41DE-B9A4-EDCC3A85ED9A}" type="datetimeFigureOut">
               <a:rPr lang="en-US"/>
-              <a:t>4/17/2018</a:t>
+              <a:t>4/20/2018</a:t>
             </a:fld>
             <a:endParaRPr/>
           </a:p>
@@ -3474,7 +3501,7 @@
           <a:p>
             <a:fld id="{C2C6F8EA-316C-41DE-B9A4-EDCC3A85ED9A}" type="datetimeFigureOut">
               <a:rPr lang="en-US"/>
-              <a:t>4/17/2018</a:t>
+              <a:t>4/20/2018</a:t>
             </a:fld>
             <a:endParaRPr/>
           </a:p>
@@ -3676,7 +3703,7 @@
           <a:p>
             <a:fld id="{C2C6F8EA-316C-41DE-B9A4-EDCC3A85ED9A}" type="datetimeFigureOut">
               <a:rPr lang="en-US"/>
-              <a:t>4/17/2018</a:t>
+              <a:t>4/20/2018</a:t>
             </a:fld>
             <a:endParaRPr dirty="0"/>
           </a:p>
@@ -4943,7 +4970,7 @@
             <a:fld id="{C2C6F8EA-316C-41DE-B9A4-EDCC3A85ED9A}" type="datetimeFigureOut">
               <a:rPr lang="en-US" smtClean="0"/>
               <a:pPr/>
-              <a:t>4/17/2018</a:t>
+              <a:t>4/20/2018</a:t>
             </a:fld>
             <a:endParaRPr lang="en-US" dirty="0"/>
           </a:p>
@@ -5269,7 +5296,7 @@
           <a:p>
             <a:fld id="{C2C6F8EA-316C-41DE-B9A4-EDCC3A85ED9A}" type="datetimeFigureOut">
               <a:rPr lang="en-US"/>
-              <a:t>4/17/2018</a:t>
+              <a:t>4/20/2018</a:t>
             </a:fld>
             <a:endParaRPr/>
           </a:p>
@@ -5721,7 +5748,7 @@
           <a:p>
             <a:fld id="{C2C6F8EA-316C-41DE-B9A4-EDCC3A85ED9A}" type="datetimeFigureOut">
               <a:rPr lang="en-US"/>
-              <a:t>4/17/2018</a:t>
+              <a:t>4/20/2018</a:t>
             </a:fld>
             <a:endParaRPr/>
           </a:p>
@@ -5855,7 +5882,7 @@
           <a:p>
             <a:fld id="{C2C6F8EA-316C-41DE-B9A4-EDCC3A85ED9A}" type="datetimeFigureOut">
               <a:rPr lang="en-US"/>
-              <a:t>4/17/2018</a:t>
+              <a:t>4/20/2018</a:t>
             </a:fld>
             <a:endParaRPr/>
           </a:p>
@@ -6194,7 +6221,7 @@
           <a:p>
             <a:fld id="{C2C6F8EA-316C-41DE-B9A4-EDCC3A85ED9A}" type="datetimeFigureOut">
               <a:rPr lang="en-US"/>
-              <a:t>4/17/2018</a:t>
+              <a:t>4/20/2018</a:t>
             </a:fld>
             <a:endParaRPr/>
           </a:p>
@@ -6690,7 +6717,7 @@
           <a:p>
             <a:fld id="{C2C6F8EA-316C-41DE-B9A4-EDCC3A85ED9A}" type="datetimeFigureOut">
               <a:rPr lang="en-US"/>
-              <a:t>4/17/2018</a:t>
+              <a:t>4/20/2018</a:t>
             </a:fld>
             <a:endParaRPr/>
           </a:p>
@@ -7143,7 +7170,7 @@
             <a:fld id="{C2C6F8EA-316C-41DE-B9A4-EDCC3A85ED9A}" type="datetimeFigureOut">
               <a:rPr lang="en-US" smtClean="0"/>
               <a:pPr/>
-              <a:t>4/17/2018</a:t>
+              <a:t>4/20/2018</a:t>
             </a:fld>
             <a:endParaRPr lang="en-US" dirty="0"/>
           </a:p>
@@ -8046,7 +8073,7 @@
             <a:fld id="{C2C6F8EA-316C-41DE-B9A4-EDCC3A85ED9A}" type="datetimeFigureOut">
               <a:rPr lang="en-US" smtClean="0"/>
               <a:pPr/>
-              <a:t>4/17/2018</a:t>
+              <a:t>4/20/2018</a:t>
             </a:fld>
             <a:endParaRPr lang="en-US" dirty="0"/>
           </a:p>
@@ -8670,11 +8697,7 @@
             </a:r>
             <a:r>
               <a:rPr lang="en-US" dirty="0" smtClean="0"/>
-              <a:t> – </a:t>
-            </a:r>
-            <a:r>
-              <a:rPr lang="en-US" dirty="0" smtClean="0"/>
-              <a:t>performance results</a:t>
+              <a:t> – performance results</a:t>
             </a:r>
             <a:endParaRPr lang="en-US" dirty="0"/>
           </a:p>
@@ -8807,7 +8830,7 @@
           <p:nvPr>
             <p:extLst>
               <p:ext uri="{D42A27DB-BD31-4B8C-83A1-F6EECF244321}">
-                <p14:modId xmlns:p14="http://schemas.microsoft.com/office/powerpoint/2010/main" val="164938881"/>
+                <p14:modId xmlns:p14="http://schemas.microsoft.com/office/powerpoint/2010/main" val="2548115239"/>
               </p:ext>
             </p:extLst>
           </p:nvPr>
@@ -8942,21 +8965,21 @@
                 <a:gridCol w="756560">
                   <a:extLst>
                     <a:ext uri="{9D8B030D-6E8A-4147-A177-3AD203B41FA5}">
-                      <a16:colId xmlns:a16="http://schemas.microsoft.com/office/drawing/2014/main" xmlns="" val="20000"/>
+                      <a16:colId xmlns="" xmlns:a16="http://schemas.microsoft.com/office/drawing/2014/main" val="20000"/>
                     </a:ext>
                   </a:extLst>
                 </a:gridCol>
                 <a:gridCol w="1584176">
                   <a:extLst>
                     <a:ext uri="{9D8B030D-6E8A-4147-A177-3AD203B41FA5}">
-                      <a16:colId xmlns:a16="http://schemas.microsoft.com/office/drawing/2014/main" xmlns="" val="20001"/>
+                      <a16:colId xmlns="" xmlns:a16="http://schemas.microsoft.com/office/drawing/2014/main" val="20001"/>
                     </a:ext>
                   </a:extLst>
                 </a:gridCol>
                 <a:gridCol w="1584479">
                   <a:extLst>
                     <a:ext uri="{9D8B030D-6E8A-4147-A177-3AD203B41FA5}">
-                      <a16:colId xmlns:a16="http://schemas.microsoft.com/office/drawing/2014/main" xmlns="" val="20002"/>
+                      <a16:colId xmlns="" xmlns:a16="http://schemas.microsoft.com/office/drawing/2014/main" val="20002"/>
                     </a:ext>
                   </a:extLst>
                 </a:gridCol>
@@ -9015,7 +9038,7 @@
                 </a:tc>
                 <a:extLst>
                   <a:ext uri="{0D108BD9-81ED-4DB2-BD59-A6C34878D82A}">
-                    <a16:rowId xmlns:a16="http://schemas.microsoft.com/office/drawing/2014/main" xmlns="" val="10000"/>
+                    <a16:rowId xmlns="" xmlns:a16="http://schemas.microsoft.com/office/drawing/2014/main" val="10000"/>
                   </a:ext>
                 </a:extLst>
               </a:tr>
@@ -9090,7 +9113,7 @@
                 </a:tc>
                 <a:extLst>
                   <a:ext uri="{0D108BD9-81ED-4DB2-BD59-A6C34878D82A}">
-                    <a16:rowId xmlns:a16="http://schemas.microsoft.com/office/drawing/2014/main" xmlns="" val="10001"/>
+                    <a16:rowId xmlns="" xmlns:a16="http://schemas.microsoft.com/office/drawing/2014/main" val="10001"/>
                   </a:ext>
                 </a:extLst>
               </a:tr>
@@ -9165,7 +9188,7 @@
                 </a:tc>
                 <a:extLst>
                   <a:ext uri="{0D108BD9-81ED-4DB2-BD59-A6C34878D82A}">
-                    <a16:rowId xmlns:a16="http://schemas.microsoft.com/office/drawing/2014/main" xmlns="" val="10002"/>
+                    <a16:rowId xmlns="" xmlns:a16="http://schemas.microsoft.com/office/drawing/2014/main" val="10002"/>
                   </a:ext>
                 </a:extLst>
               </a:tr>
@@ -9240,7 +9263,7 @@
                 </a:tc>
                 <a:extLst>
                   <a:ext uri="{0D108BD9-81ED-4DB2-BD59-A6C34878D82A}">
-                    <a16:rowId xmlns:a16="http://schemas.microsoft.com/office/drawing/2014/main" xmlns="" val="10003"/>
+                    <a16:rowId xmlns="" xmlns:a16="http://schemas.microsoft.com/office/drawing/2014/main" val="10003"/>
                   </a:ext>
                 </a:extLst>
               </a:tr>
@@ -10055,15 +10078,7 @@
                 <a:ea typeface="Cambria Math" panose="02040503050406030204" pitchFamily="18" charset="0"/>
                 <a:cs typeface="Consolas" panose="020B0609020204030204" pitchFamily="49" charset="0"/>
               </a:rPr>
-              <a:t>schurparlett</a:t>
-            </a:r>
-            <a:r>
-              <a:rPr lang="it-IT" sz="2400" dirty="0" smtClean="0">
-                <a:latin typeface="Consolas" panose="020B0609020204030204" pitchFamily="49" charset="0"/>
-                <a:ea typeface="Cambria Math" panose="02040503050406030204" pitchFamily="18" charset="0"/>
-                <a:cs typeface="Consolas" panose="020B0609020204030204" pitchFamily="49" charset="0"/>
-              </a:rPr>
-              <a:t>((x)-&gt;x^(1/3), A)</a:t>
+              <a:t>schurparlett((x)-&gt;x^(1/3), A)</a:t>
             </a:r>
             <a:endParaRPr lang="en-US" sz="2400" dirty="0" smtClean="0">
               <a:latin typeface="Consolas" panose="020B0609020204030204" pitchFamily="49" charset="0"/>
@@ -10312,8 +10327,8 @@
           </a:fontRef>
         </p:style>
       </p:cxnSp>
-      <mc:AlternateContent xmlns:mc="http://schemas.openxmlformats.org/markup-compatibility/2006">
-        <mc:Choice xmlns:a14="http://schemas.microsoft.com/office/drawing/2010/main" Requires="a14">
+      <mc:AlternateContent xmlns:mc="http://schemas.openxmlformats.org/markup-compatibility/2006" xmlns:a14="http://schemas.microsoft.com/office/drawing/2010/main">
+        <mc:Choice Requires="a14">
           <p:sp>
             <p:nvSpPr>
               <p:cNvPr id="11" name="Title 1"/>
@@ -10377,7 +10392,7 @@
             </p:txBody>
           </p:sp>
         </mc:Choice>
-        <mc:Fallback>
+        <mc:Fallback xmlns="">
           <p:sp>
             <p:nvSpPr>
               <p:cNvPr id="11" name="Title 1"/>
@@ -10720,8 +10735,8 @@
           </a:p>
         </p:txBody>
       </p:sp>
-      <mc:AlternateContent xmlns:mc="http://schemas.openxmlformats.org/markup-compatibility/2006">
-        <mc:Choice xmlns:a14="http://schemas.microsoft.com/office/drawing/2010/main" Requires="a14">
+      <mc:AlternateContent xmlns:mc="http://schemas.openxmlformats.org/markup-compatibility/2006" xmlns:a14="http://schemas.microsoft.com/office/drawing/2010/main">
+        <mc:Choice Requires="a14">
           <p:sp>
             <p:nvSpPr>
               <p:cNvPr id="14" name="Content Placeholder 13"/>
@@ -12153,7 +12168,7 @@
             </p:txBody>
           </p:sp>
         </mc:Choice>
-        <mc:Fallback>
+        <mc:Fallback xmlns="">
           <p:sp>
             <p:nvSpPr>
               <p:cNvPr id="14" name="Content Placeholder 13"/>
@@ -12545,8 +12560,8 @@
           </a:p>
         </p:txBody>
       </p:sp>
-      <mc:AlternateContent xmlns:mc="http://schemas.openxmlformats.org/markup-compatibility/2006">
-        <mc:Choice xmlns:a14="http://schemas.microsoft.com/office/drawing/2010/main" Requires="a14">
+      <mc:AlternateContent xmlns:mc="http://schemas.openxmlformats.org/markup-compatibility/2006" xmlns:a14="http://schemas.microsoft.com/office/drawing/2010/main">
+        <mc:Choice Requires="a14">
           <p:sp>
             <p:nvSpPr>
               <p:cNvPr id="14" name="Content Placeholder 13"/>
@@ -13401,7 +13416,7 @@
             </p:txBody>
           </p:sp>
         </mc:Choice>
-        <mc:Fallback>
+        <mc:Fallback xmlns="">
           <p:sp>
             <p:nvSpPr>
               <p:cNvPr id="14" name="Content Placeholder 13"/>
@@ -14096,8 +14111,8 @@
           </a:p>
         </p:txBody>
       </p:sp>
-      <mc:AlternateContent xmlns:mc="http://schemas.openxmlformats.org/markup-compatibility/2006">
-        <mc:Choice xmlns:a14="http://schemas.microsoft.com/office/drawing/2010/main" Requires="a14">
+      <mc:AlternateContent xmlns:mc="http://schemas.openxmlformats.org/markup-compatibility/2006" xmlns:a14="http://schemas.microsoft.com/office/drawing/2010/main">
+        <mc:Choice Requires="a14">
           <p:sp>
             <p:nvSpPr>
               <p:cNvPr id="5" name="Content Placeholder 13"/>
@@ -14180,7 +14195,6 @@
                   <a:rPr lang="en-US" dirty="0" smtClean="0"/>
                   <a:t>;</a:t>
                 </a:r>
-                <a:endParaRPr lang="en-US" dirty="0" smtClean="0"/>
               </a:p>
               <a:p>
                 <a:pPr marL="514350" indent="-514350">
@@ -14208,7 +14222,6 @@
                   <a:rPr lang="en-US" dirty="0" smtClean="0"/>
                   <a:t> with AAA;</a:t>
                 </a:r>
-                <a:endParaRPr lang="en-US" dirty="0" smtClean="0"/>
               </a:p>
               <a:p>
                 <a:pPr marL="514350" indent="-514350">
@@ -14220,11 +14233,7 @@
                 </a:pPr>
                 <a:r>
                   <a:rPr lang="en-US" dirty="0" smtClean="0"/>
-                  <a:t>Use the poles fo</a:t>
-                </a:r>
-                <a:r>
-                  <a:rPr lang="en-US" dirty="0" smtClean="0"/>
-                  <a:t>r the rational </a:t>
+                  <a:t>Use the poles for the rational </a:t>
                 </a:r>
                 <a:r>
                   <a:rPr lang="en-US" dirty="0" err="1" smtClean="0"/>
@@ -14234,7 +14243,6 @@
                   <a:rPr lang="en-US" dirty="0" smtClean="0"/>
                   <a:t> approximation.</a:t>
                 </a:r>
-                <a:endParaRPr lang="en-US" dirty="0" smtClean="0"/>
               </a:p>
               <a:p>
                 <a:pPr marL="0" indent="0">
@@ -14469,7 +14477,7 @@
             </p:txBody>
           </p:sp>
         </mc:Choice>
-        <mc:Fallback>
+        <mc:Fallback xmlns="">
           <p:sp>
             <p:nvSpPr>
               <p:cNvPr id="5" name="Content Placeholder 13"/>
@@ -14607,8 +14615,8 @@
           </a:p>
         </p:txBody>
       </p:sp>
-      <mc:AlternateContent xmlns:mc="http://schemas.openxmlformats.org/markup-compatibility/2006">
-        <mc:Choice xmlns:a14="http://schemas.microsoft.com/office/drawing/2010/main" Requires="a14">
+      <mc:AlternateContent xmlns:mc="http://schemas.openxmlformats.org/markup-compatibility/2006" xmlns:a14="http://schemas.microsoft.com/office/drawing/2010/main">
+        <mc:Choice Requires="a14">
           <p:sp>
             <p:nvSpPr>
               <p:cNvPr id="14" name="Content Placeholder 13"/>
@@ -14761,7 +14769,7 @@
             </p:txBody>
           </p:sp>
         </mc:Choice>
-        <mc:Fallback>
+        <mc:Fallback xmlns="">
           <p:sp>
             <p:nvSpPr>
               <p:cNvPr id="14" name="Content Placeholder 13"/>
@@ -14827,14 +14835,14 @@
                 <a:gridCol w="1205934">
                   <a:extLst>
                     <a:ext uri="{9D8B030D-6E8A-4147-A177-3AD203B41FA5}">
-                      <a16:colId xmlns:a16="http://schemas.microsoft.com/office/drawing/2014/main" xmlns="" val="20001"/>
+                      <a16:colId xmlns="" xmlns:a16="http://schemas.microsoft.com/office/drawing/2014/main" val="20001"/>
                     </a:ext>
                   </a:extLst>
                 </a:gridCol>
                 <a:gridCol w="1206162">
                   <a:extLst>
                     <a:ext uri="{9D8B030D-6E8A-4147-A177-3AD203B41FA5}">
-                      <a16:colId xmlns:a16="http://schemas.microsoft.com/office/drawing/2014/main" xmlns="" val="20002"/>
+                      <a16:colId xmlns="" xmlns:a16="http://schemas.microsoft.com/office/drawing/2014/main" val="20002"/>
                     </a:ext>
                   </a:extLst>
                 </a:gridCol>
@@ -14979,7 +14987,7 @@
                 </a:tc>
                 <a:extLst>
                   <a:ext uri="{0D108BD9-81ED-4DB2-BD59-A6C34878D82A}">
-                    <a16:rowId xmlns:a16="http://schemas.microsoft.com/office/drawing/2014/main" xmlns="" val="10000"/>
+                    <a16:rowId xmlns="" xmlns:a16="http://schemas.microsoft.com/office/drawing/2014/main" val="10000"/>
                   </a:ext>
                 </a:extLst>
               </a:tr>
@@ -15166,7 +15174,7 @@
                 </a:tc>
                 <a:extLst>
                   <a:ext uri="{0D108BD9-81ED-4DB2-BD59-A6C34878D82A}">
-                    <a16:rowId xmlns:a16="http://schemas.microsoft.com/office/drawing/2014/main" xmlns="" val="10001"/>
+                    <a16:rowId xmlns="" xmlns:a16="http://schemas.microsoft.com/office/drawing/2014/main" val="10001"/>
                   </a:ext>
                 </a:extLst>
               </a:tr>
@@ -15353,7 +15361,7 @@
                 </a:tc>
                 <a:extLst>
                   <a:ext uri="{0D108BD9-81ED-4DB2-BD59-A6C34878D82A}">
-                    <a16:rowId xmlns:a16="http://schemas.microsoft.com/office/drawing/2014/main" xmlns="" val="10002"/>
+                    <a16:rowId xmlns="" xmlns:a16="http://schemas.microsoft.com/office/drawing/2014/main" val="10002"/>
                   </a:ext>
                 </a:extLst>
               </a:tr>
@@ -15551,7 +15559,7 @@
                 </a:tc>
                 <a:extLst>
                   <a:ext uri="{0D108BD9-81ED-4DB2-BD59-A6C34878D82A}">
-                    <a16:rowId xmlns:a16="http://schemas.microsoft.com/office/drawing/2014/main" xmlns="" val="10003"/>
+                    <a16:rowId xmlns="" xmlns:a16="http://schemas.microsoft.com/office/drawing/2014/main" val="10003"/>
                   </a:ext>
                 </a:extLst>
               </a:tr>
@@ -15841,8 +15849,8 @@
           </a:p>
         </p:txBody>
       </p:sp>
-      <mc:AlternateContent xmlns:mc="http://schemas.openxmlformats.org/markup-compatibility/2006">
-        <mc:Choice xmlns:a14="http://schemas.microsoft.com/office/drawing/2010/main" Requires="a14">
+      <mc:AlternateContent xmlns:mc="http://schemas.openxmlformats.org/markup-compatibility/2006" xmlns:a14="http://schemas.microsoft.com/office/drawing/2010/main">
+        <mc:Choice Requires="a14">
           <p:sp>
             <p:nvSpPr>
               <p:cNvPr id="14" name="Content Placeholder 13"/>
@@ -15917,13 +15925,7 @@
                   <a:rPr lang="en-US" sz="2600" dirty="0" smtClean="0">
                     <a:sym typeface="Wingdings" panose="05000000000000000000" pitchFamily="2" charset="2"/>
                   </a:rPr>
-                  <a:t> </a:t>
-                </a:r>
-                <a:r>
-                  <a:rPr lang="en-US" sz="2600" dirty="0" smtClean="0">
-                    <a:sym typeface="Wingdings" panose="05000000000000000000" pitchFamily="2" charset="2"/>
-                  </a:rPr>
-                  <a:t>(positive definite </a:t>
+                  <a:t> (positive definite </a:t>
                 </a:r>
                 <a14:m>
                   <m:oMath xmlns:m="http://schemas.openxmlformats.org/officeDocument/2006/math">
@@ -15940,13 +15942,7 @@
                   <a:rPr lang="en-US" sz="2600" dirty="0" smtClean="0">
                     <a:sym typeface="Wingdings" panose="05000000000000000000" pitchFamily="2" charset="2"/>
                   </a:rPr>
-                  <a:t>)</a:t>
-                </a:r>
-                <a:r>
-                  <a:rPr lang="en-US" sz="2600" dirty="0" smtClean="0">
-                    <a:sym typeface="Wingdings" panose="05000000000000000000" pitchFamily="2" charset="2"/>
-                  </a:rPr>
-                  <a:t> against dense </a:t>
+                  <a:t>) against dense </a:t>
                 </a:r>
                 <a14:m>
                   <m:oMath xmlns:m="http://schemas.openxmlformats.org/officeDocument/2006/math">
@@ -15992,7 +15988,7 @@
             </p:txBody>
           </p:sp>
         </mc:Choice>
-        <mc:Fallback>
+        <mc:Fallback xmlns="">
           <p:sp>
             <p:nvSpPr>
               <p:cNvPr id="14" name="Content Placeholder 13"/>
@@ -16058,14 +16054,14 @@
                 <a:gridCol w="1205934">
                   <a:extLst>
                     <a:ext uri="{9D8B030D-6E8A-4147-A177-3AD203B41FA5}">
-                      <a16:colId xmlns:a16="http://schemas.microsoft.com/office/drawing/2014/main" xmlns="" val="20001"/>
+                      <a16:colId xmlns="" xmlns:a16="http://schemas.microsoft.com/office/drawing/2014/main" val="20001"/>
                     </a:ext>
                   </a:extLst>
                 </a:gridCol>
                 <a:gridCol w="1206162">
                   <a:extLst>
                     <a:ext uri="{9D8B030D-6E8A-4147-A177-3AD203B41FA5}">
-                      <a16:colId xmlns:a16="http://schemas.microsoft.com/office/drawing/2014/main" xmlns="" val="20002"/>
+                      <a16:colId xmlns="" xmlns:a16="http://schemas.microsoft.com/office/drawing/2014/main" val="20002"/>
                     </a:ext>
                   </a:extLst>
                 </a:gridCol>
@@ -16127,11 +16123,7 @@
                       </a:r>
                       <a:r>
                         <a:rPr lang="en-US" dirty="0" smtClean="0"/>
-                        <a:t>(A</a:t>
-                      </a:r>
-                      <a:r>
-                        <a:rPr lang="en-US" dirty="0" smtClean="0"/>
-                        <a:t>)</a:t>
+                        <a:t>(A)</a:t>
                       </a:r>
                       <a:endParaRPr lang="en-US" dirty="0"/>
                     </a:p>
@@ -16146,11 +16138,7 @@
                       <a:pPr algn="ctr"/>
                       <a:r>
                         <a:rPr lang="it-IT" dirty="0" smtClean="0"/>
-                        <a:t>norm(A</a:t>
-                      </a:r>
-                      <a:r>
-                        <a:rPr lang="it-IT" dirty="0" smtClean="0"/>
-                        <a:t>)</a:t>
+                        <a:t>norm(A)</a:t>
                       </a:r>
                       <a:endParaRPr lang="it-IT" dirty="0"/>
                     </a:p>
@@ -16219,7 +16207,7 @@
                 </a:tc>
                 <a:extLst>
                   <a:ext uri="{0D108BD9-81ED-4DB2-BD59-A6C34878D82A}">
-                    <a16:rowId xmlns:a16="http://schemas.microsoft.com/office/drawing/2014/main" xmlns="" val="10000"/>
+                    <a16:rowId xmlns="" xmlns:a16="http://schemas.microsoft.com/office/drawing/2014/main" val="10000"/>
                   </a:ext>
                 </a:extLst>
               </a:tr>
@@ -16465,7 +16453,7 @@
                 </a:tc>
                 <a:extLst>
                   <a:ext uri="{0D108BD9-81ED-4DB2-BD59-A6C34878D82A}">
-                    <a16:rowId xmlns:a16="http://schemas.microsoft.com/office/drawing/2014/main" xmlns="" val="10001"/>
+                    <a16:rowId xmlns="" xmlns:a16="http://schemas.microsoft.com/office/drawing/2014/main" val="10001"/>
                   </a:ext>
                 </a:extLst>
               </a:tr>
@@ -16719,7 +16707,7 @@
                 </a:tc>
                 <a:extLst>
                   <a:ext uri="{0D108BD9-81ED-4DB2-BD59-A6C34878D82A}">
-                    <a16:rowId xmlns:a16="http://schemas.microsoft.com/office/drawing/2014/main" xmlns="" val="10002"/>
+                    <a16:rowId xmlns="" xmlns:a16="http://schemas.microsoft.com/office/drawing/2014/main" val="10002"/>
                   </a:ext>
                 </a:extLst>
               </a:tr>
@@ -16756,13 +16744,6 @@
                         </a:rPr>
                         <a:t>Power network</a:t>
                       </a:r>
-                      <a:endParaRPr lang="en-US" dirty="0" smtClean="0">
-                        <a:solidFill>
-                          <a:schemeClr val="tx1"/>
-                        </a:solidFill>
-                        <a:latin typeface="Cambria Math" panose="02040503050406030204" pitchFamily="18" charset="0"/>
-                        <a:ea typeface="Cambria Math" panose="02040503050406030204" pitchFamily="18" charset="0"/>
-                      </a:endParaRPr>
                     </a:p>
                   </a:txBody>
                   <a:tcPr anchor="ctr"/>
@@ -16958,7 +16939,7 @@
                 </a:tc>
                 <a:extLst>
                   <a:ext uri="{0D108BD9-81ED-4DB2-BD59-A6C34878D82A}">
-                    <a16:rowId xmlns:a16="http://schemas.microsoft.com/office/drawing/2014/main" xmlns="" val="10003"/>
+                    <a16:rowId xmlns="" xmlns:a16="http://schemas.microsoft.com/office/drawing/2014/main" val="10003"/>
                   </a:ext>
                 </a:extLst>
               </a:tr>
@@ -17210,8 +17191,8 @@
           </a:graphicData>
         </a:graphic>
       </p:graphicFrame>
-      <mc:AlternateContent xmlns:mc="http://schemas.openxmlformats.org/markup-compatibility/2006">
-        <mc:Choice xmlns:a14="http://schemas.microsoft.com/office/drawing/2010/main" Requires="a14">
+      <mc:AlternateContent xmlns:mc="http://schemas.openxmlformats.org/markup-compatibility/2006" xmlns:a14="http://schemas.microsoft.com/office/drawing/2010/main">
+        <mc:Choice Requires="a14">
           <p:sp>
             <p:nvSpPr>
               <p:cNvPr id="5" name="Content Placeholder 13"/>
@@ -17513,12 +17494,11 @@
                   <a:rPr lang="en-US" sz="2600" dirty="0" smtClean="0"/>
                   <a:t>.</a:t>
                 </a:r>
-                <a:endParaRPr lang="en-US" sz="2600" dirty="0" smtClean="0"/>
               </a:p>
             </p:txBody>
           </p:sp>
         </mc:Choice>
-        <mc:Fallback>
+        <mc:Fallback xmlns="">
           <p:sp>
             <p:nvSpPr>
               <p:cNvPr id="5" name="Content Placeholder 13"/>
@@ -19301,8 +19281,8 @@
           </a:p>
         </p:txBody>
       </p:sp>
-      <mc:AlternateContent xmlns:mc="http://schemas.openxmlformats.org/markup-compatibility/2006" xmlns:a14="http://schemas.microsoft.com/office/drawing/2010/main">
-        <mc:Choice Requires="a14">
+      <mc:AlternateContent xmlns:mc="http://schemas.openxmlformats.org/markup-compatibility/2006">
+        <mc:Choice xmlns:a14="http://schemas.microsoft.com/office/drawing/2010/main" Requires="a14">
           <p:sp>
             <p:nvSpPr>
               <p:cNvPr id="14" name="Content Placeholder 13"/>
@@ -19486,7 +19466,15 @@
                 </a:r>
                 <a:r>
                   <a:rPr lang="en-US" dirty="0" smtClean="0"/>
-                  <a:t>requiring no other information form the user 	(such as derivatives of </a:t>
+                  <a:t>requiring no other information </a:t>
+                </a:r>
+                <a:r>
+                  <a:rPr lang="en-US" dirty="0" smtClean="0"/>
+                  <a:t>from </a:t>
+                </a:r>
+                <a:r>
+                  <a:rPr lang="en-US" dirty="0" smtClean="0"/>
+                  <a:t>the user 	(such as derivatives of </a:t>
                 </a:r>
                 <a14:m>
                   <m:oMath xmlns:m="http://schemas.openxmlformats.org/officeDocument/2006/math">
@@ -19507,7 +19495,7 @@
             </p:txBody>
           </p:sp>
         </mc:Choice>
-        <mc:Fallback xmlns="">
+        <mc:Fallback>
           <p:sp>
             <p:nvSpPr>
               <p:cNvPr id="14" name="Content Placeholder 13"/>
@@ -23999,7 +23987,7 @@
         <p:spPr>
           <a:xfrm>
             <a:off x="1593435" y="5661248"/>
-            <a:ext cx="9782801" cy="1196752"/>
+            <a:ext cx="10070834" cy="1196752"/>
           </a:xfrm>
           <a:prstGeom prst="rect">
             <a:avLst/>
@@ -24191,7 +24179,15 @@
             </a:r>
             <a:r>
               <a:rPr lang="en-US" sz="2600" dirty="0" smtClean="0"/>
-              <a:t> recurrence with real Sylvester equations, ~2x </a:t>
+              <a:t> recurrence </a:t>
+            </a:r>
+            <a:r>
+              <a:rPr lang="en-US" sz="2600" dirty="0" smtClean="0"/>
+              <a:t>in real arithmetic, ~</a:t>
+            </a:r>
+            <a:r>
+              <a:rPr lang="en-US" sz="2600" dirty="0" smtClean="0"/>
+              <a:t>2x </a:t>
             </a:r>
             <a:r>
               <a:rPr lang="en-US" sz="2600" dirty="0"/>
